--- a/PlayWithWASM.pptx
+++ b/PlayWithWASM.pptx
@@ -6,10 +6,10 @@
     <p:sldMasterId id="2147483654" r:id="rId3"/>
   </p:sldMasterIdLst>
   <p:notesMasterIdLst>
-    <p:notesMasterId r:id="rId25"/>
+    <p:notesMasterId r:id="rId27"/>
   </p:notesMasterIdLst>
   <p:handoutMasterIdLst>
-    <p:handoutMasterId r:id="rId26"/>
+    <p:handoutMasterId r:id="rId28"/>
   </p:handoutMasterIdLst>
   <p:sldIdLst>
     <p:sldId id="274" r:id="rId4"/>
@@ -24,24 +24,21 @@
     <p:sldId id="284" r:id="rId13"/>
     <p:sldId id="294" r:id="rId14"/>
     <p:sldId id="317" r:id="rId15"/>
-    <p:sldId id="295" r:id="rId16"/>
-    <p:sldId id="318" r:id="rId17"/>
-    <p:sldId id="296" r:id="rId18"/>
-    <p:sldId id="293" r:id="rId19"/>
-    <p:sldId id="288" r:id="rId20"/>
-    <p:sldId id="289" r:id="rId21"/>
-    <p:sldId id="298" r:id="rId22"/>
-    <p:sldId id="299" r:id="rId23"/>
-    <p:sldId id="297" r:id="rId24"/>
+    <p:sldId id="329" r:id="rId16"/>
+    <p:sldId id="328" r:id="rId17"/>
+    <p:sldId id="295" r:id="rId18"/>
+    <p:sldId id="318" r:id="rId19"/>
+    <p:sldId id="296" r:id="rId20"/>
+    <p:sldId id="293" r:id="rId21"/>
+    <p:sldId id="288" r:id="rId22"/>
+    <p:sldId id="289" r:id="rId23"/>
+    <p:sldId id="298" r:id="rId24"/>
+    <p:sldId id="299" r:id="rId25"/>
+    <p:sldId id="297" r:id="rId26"/>
   </p:sldIdLst>
   <p:sldSz cx="24384000" cy="13716000"/>
   <p:notesSz cx="6858000" cy="9144000"/>
-  <p:embeddedFontLst>
-    <p:embeddedFont>
-      <p:font typeface="等线" panose="02010600030101010101" charset="-122"/>
-      <p:regular r:id="rId30"/>
-    </p:embeddedFont>
-  </p:embeddedFontLst>
+  <p:embeddedFontLst/>
   <p:defaultTextStyle>
     <a:defPPr marL="0" marR="0" indent="0" algn="l" defTabSz="914400" rtl="0" fontAlgn="auto" latinLnBrk="1" hangingPunct="0">
       <a:lnSpc>
@@ -3710,7 +3707,7 @@
         <a:spcBef>
           <a:spcPts val="1000"/>
         </a:spcBef>
-        <a:buFont typeface="Arial" panose="020B0604020202090204" pitchFamily="34" charset="0"/>
+        <a:buFont typeface="Arial" panose="020B0604020202020204" pitchFamily="34" charset="0"/>
         <a:buChar char="•"/>
         <a:defRPr sz="2800" kern="1200">
           <a:solidFill>
@@ -3728,7 +3725,7 @@
         <a:spcBef>
           <a:spcPts val="500"/>
         </a:spcBef>
-        <a:buFont typeface="Arial" panose="020B0604020202090204" pitchFamily="34" charset="0"/>
+        <a:buFont typeface="Arial" panose="020B0604020202020204" pitchFamily="34" charset="0"/>
         <a:buChar char="•"/>
         <a:defRPr sz="2400" kern="1200">
           <a:solidFill>
@@ -3746,7 +3743,7 @@
         <a:spcBef>
           <a:spcPts val="500"/>
         </a:spcBef>
-        <a:buFont typeface="Arial" panose="020B0604020202090204" pitchFamily="34" charset="0"/>
+        <a:buFont typeface="Arial" panose="020B0604020202020204" pitchFamily="34" charset="0"/>
         <a:buChar char="•"/>
         <a:defRPr sz="2000" kern="1200">
           <a:solidFill>
@@ -3764,7 +3761,7 @@
         <a:spcBef>
           <a:spcPts val="500"/>
         </a:spcBef>
-        <a:buFont typeface="Arial" panose="020B0604020202090204" pitchFamily="34" charset="0"/>
+        <a:buFont typeface="Arial" panose="020B0604020202020204" pitchFamily="34" charset="0"/>
         <a:buChar char="•"/>
         <a:defRPr sz="1800" kern="1200">
           <a:solidFill>
@@ -3782,7 +3779,7 @@
         <a:spcBef>
           <a:spcPts val="500"/>
         </a:spcBef>
-        <a:buFont typeface="Arial" panose="020B0604020202090204" pitchFamily="34" charset="0"/>
+        <a:buFont typeface="Arial" panose="020B0604020202020204" pitchFamily="34" charset="0"/>
         <a:buChar char="•"/>
         <a:defRPr sz="1800" kern="1200">
           <a:solidFill>
@@ -3800,7 +3797,7 @@
         <a:spcBef>
           <a:spcPts val="500"/>
         </a:spcBef>
-        <a:buFont typeface="Arial" panose="020B0604020202090204" pitchFamily="34" charset="0"/>
+        <a:buFont typeface="Arial" panose="020B0604020202020204" pitchFamily="34" charset="0"/>
         <a:buChar char="•"/>
         <a:defRPr sz="1800" kern="1200">
           <a:solidFill>
@@ -3818,7 +3815,7 @@
         <a:spcBef>
           <a:spcPts val="500"/>
         </a:spcBef>
-        <a:buFont typeface="Arial" panose="020B0604020202090204" pitchFamily="34" charset="0"/>
+        <a:buFont typeface="Arial" panose="020B0604020202020204" pitchFamily="34" charset="0"/>
         <a:buChar char="•"/>
         <a:defRPr sz="1800" kern="1200">
           <a:solidFill>
@@ -3836,7 +3833,7 @@
         <a:spcBef>
           <a:spcPts val="500"/>
         </a:spcBef>
-        <a:buFont typeface="Arial" panose="020B0604020202090204" pitchFamily="34" charset="0"/>
+        <a:buFont typeface="Arial" panose="020B0604020202020204" pitchFamily="34" charset="0"/>
         <a:buChar char="•"/>
         <a:defRPr sz="1800" kern="1200">
           <a:solidFill>
@@ -3854,7 +3851,7 @@
         <a:spcBef>
           <a:spcPts val="500"/>
         </a:spcBef>
-        <a:buFont typeface="Arial" panose="020B0604020202090204" pitchFamily="34" charset="0"/>
+        <a:buFont typeface="Arial" panose="020B0604020202020204" pitchFamily="34" charset="0"/>
         <a:buChar char="•"/>
         <a:defRPr sz="1800" kern="1200">
           <a:solidFill>
@@ -4228,7 +4225,7 @@
         <a:spcBef>
           <a:spcPts val="1000"/>
         </a:spcBef>
-        <a:buFont typeface="Arial" panose="020B0604020202090204" pitchFamily="34" charset="0"/>
+        <a:buFont typeface="Arial" panose="020B0604020202020204" pitchFamily="34" charset="0"/>
         <a:buChar char="•"/>
         <a:defRPr sz="2800" kern="1200">
           <a:solidFill>
@@ -4246,7 +4243,7 @@
         <a:spcBef>
           <a:spcPts val="500"/>
         </a:spcBef>
-        <a:buFont typeface="Arial" panose="020B0604020202090204" pitchFamily="34" charset="0"/>
+        <a:buFont typeface="Arial" panose="020B0604020202020204" pitchFamily="34" charset="0"/>
         <a:buChar char="•"/>
         <a:defRPr sz="2400" kern="1200">
           <a:solidFill>
@@ -4264,7 +4261,7 @@
         <a:spcBef>
           <a:spcPts val="500"/>
         </a:spcBef>
-        <a:buFont typeface="Arial" panose="020B0604020202090204" pitchFamily="34" charset="0"/>
+        <a:buFont typeface="Arial" panose="020B0604020202020204" pitchFamily="34" charset="0"/>
         <a:buChar char="•"/>
         <a:defRPr sz="2000" kern="1200">
           <a:solidFill>
@@ -4282,7 +4279,7 @@
         <a:spcBef>
           <a:spcPts val="500"/>
         </a:spcBef>
-        <a:buFont typeface="Arial" panose="020B0604020202090204" pitchFamily="34" charset="0"/>
+        <a:buFont typeface="Arial" panose="020B0604020202020204" pitchFamily="34" charset="0"/>
         <a:buChar char="•"/>
         <a:defRPr sz="1800" kern="1200">
           <a:solidFill>
@@ -4300,7 +4297,7 @@
         <a:spcBef>
           <a:spcPts val="500"/>
         </a:spcBef>
-        <a:buFont typeface="Arial" panose="020B0604020202090204" pitchFamily="34" charset="0"/>
+        <a:buFont typeface="Arial" panose="020B0604020202020204" pitchFamily="34" charset="0"/>
         <a:buChar char="•"/>
         <a:defRPr sz="1800" kern="1200">
           <a:solidFill>
@@ -4318,7 +4315,7 @@
         <a:spcBef>
           <a:spcPts val="500"/>
         </a:spcBef>
-        <a:buFont typeface="Arial" panose="020B0604020202090204" pitchFamily="34" charset="0"/>
+        <a:buFont typeface="Arial" panose="020B0604020202020204" pitchFamily="34" charset="0"/>
         <a:buChar char="•"/>
         <a:defRPr sz="1800" kern="1200">
           <a:solidFill>
@@ -4336,7 +4333,7 @@
         <a:spcBef>
           <a:spcPts val="500"/>
         </a:spcBef>
-        <a:buFont typeface="Arial" panose="020B0604020202090204" pitchFamily="34" charset="0"/>
+        <a:buFont typeface="Arial" panose="020B0604020202020204" pitchFamily="34" charset="0"/>
         <a:buChar char="•"/>
         <a:defRPr sz="1800" kern="1200">
           <a:solidFill>
@@ -4354,7 +4351,7 @@
         <a:spcBef>
           <a:spcPts val="500"/>
         </a:spcBef>
-        <a:buFont typeface="Arial" panose="020B0604020202090204" pitchFamily="34" charset="0"/>
+        <a:buFont typeface="Arial" panose="020B0604020202020204" pitchFamily="34" charset="0"/>
         <a:buChar char="•"/>
         <a:defRPr sz="1800" kern="1200">
           <a:solidFill>
@@ -4372,7 +4369,7 @@
         <a:spcBef>
           <a:spcPts val="500"/>
         </a:spcBef>
-        <a:buFont typeface="Arial" panose="020B0604020202090204" pitchFamily="34" charset="0"/>
+        <a:buFont typeface="Arial" panose="020B0604020202020204" pitchFamily="34" charset="0"/>
         <a:buChar char="•"/>
         <a:defRPr sz="1800" kern="1200">
           <a:solidFill>
@@ -4527,7 +4524,7 @@
               <a:spcBef>
                 <a:spcPts val="1000"/>
               </a:spcBef>
-              <a:buFont typeface="Arial" panose="020B0604020202090204" pitchFamily="34" charset="0"/>
+              <a:buFont typeface="Arial" panose="020B0604020202020204" pitchFamily="34" charset="0"/>
               <a:buChar char="•"/>
               <a:defRPr sz="3200" b="0" i="0" kern="1200" spc="64">
                 <a:solidFill>
@@ -4546,7 +4543,7 @@
               <a:spcBef>
                 <a:spcPts val="500"/>
               </a:spcBef>
-              <a:buFont typeface="Arial" panose="020B0604020202090204" pitchFamily="34" charset="0"/>
+              <a:buFont typeface="Arial" panose="020B0604020202020204" pitchFamily="34" charset="0"/>
               <a:buChar char="•"/>
               <a:defRPr sz="2400" kern="1200">
                 <a:solidFill>
@@ -4564,7 +4561,7 @@
               <a:spcBef>
                 <a:spcPts val="500"/>
               </a:spcBef>
-              <a:buFont typeface="Arial" panose="020B0604020202090204" pitchFamily="34" charset="0"/>
+              <a:buFont typeface="Arial" panose="020B0604020202020204" pitchFamily="34" charset="0"/>
               <a:buChar char="•"/>
               <a:defRPr sz="2000" kern="1200">
                 <a:solidFill>
@@ -4582,7 +4579,7 @@
               <a:spcBef>
                 <a:spcPts val="500"/>
               </a:spcBef>
-              <a:buFont typeface="Arial" panose="020B0604020202090204" pitchFamily="34" charset="0"/>
+              <a:buFont typeface="Arial" panose="020B0604020202020204" pitchFamily="34" charset="0"/>
               <a:buChar char="•"/>
               <a:defRPr sz="1800" kern="1200">
                 <a:solidFill>
@@ -4600,7 +4597,7 @@
               <a:spcBef>
                 <a:spcPts val="500"/>
               </a:spcBef>
-              <a:buFont typeface="Arial" panose="020B0604020202090204" pitchFamily="34" charset="0"/>
+              <a:buFont typeface="Arial" panose="020B0604020202020204" pitchFamily="34" charset="0"/>
               <a:buChar char="•"/>
               <a:defRPr sz="1800" kern="1200">
                 <a:solidFill>
@@ -4618,7 +4615,7 @@
               <a:spcBef>
                 <a:spcPts val="500"/>
               </a:spcBef>
-              <a:buFont typeface="Arial" panose="020B0604020202090204" pitchFamily="34" charset="0"/>
+              <a:buFont typeface="Arial" panose="020B0604020202020204" pitchFamily="34" charset="0"/>
               <a:buChar char="•"/>
               <a:defRPr sz="1800" kern="1200">
                 <a:solidFill>
@@ -4636,7 +4633,7 @@
               <a:spcBef>
                 <a:spcPts val="500"/>
               </a:spcBef>
-              <a:buFont typeface="Arial" panose="020B0604020202090204" pitchFamily="34" charset="0"/>
+              <a:buFont typeface="Arial" panose="020B0604020202020204" pitchFamily="34" charset="0"/>
               <a:buChar char="•"/>
               <a:defRPr sz="1800" kern="1200">
                 <a:solidFill>
@@ -4654,7 +4651,7 @@
               <a:spcBef>
                 <a:spcPts val="500"/>
               </a:spcBef>
-              <a:buFont typeface="Arial" panose="020B0604020202090204" pitchFamily="34" charset="0"/>
+              <a:buFont typeface="Arial" panose="020B0604020202020204" pitchFamily="34" charset="0"/>
               <a:buChar char="•"/>
               <a:defRPr sz="1800" kern="1200">
                 <a:solidFill>
@@ -4672,7 +4669,7 @@
               <a:spcBef>
                 <a:spcPts val="500"/>
               </a:spcBef>
-              <a:buFont typeface="Arial" panose="020B0604020202090204" pitchFamily="34" charset="0"/>
+              <a:buFont typeface="Arial" panose="020B0604020202020204" pitchFamily="34" charset="0"/>
               <a:buChar char="•"/>
               <a:defRPr sz="1800" kern="1200">
                 <a:solidFill>
@@ -5032,7 +5029,7 @@
         <p:spPr>
           <a:xfrm>
             <a:off x="18703290" y="3578225"/>
-            <a:ext cx="3271520" cy="7200265"/>
+            <a:ext cx="3694430" cy="7200265"/>
           </a:xfrm>
         </p:spPr>
         <p:txBody>
@@ -5326,9 +5323,71 @@
           </a:p>
         </p:txBody>
       </p:sp>
+      <p:sp>
+        <p:nvSpPr>
+          <p:cNvPr id="3" name="文本占位符 2"/>
+          <p:cNvSpPr>
+            <a:spLocks noGrp="1"/>
+          </p:cNvSpPr>
+          <p:nvPr>
+            <p:ph type="body" sz="quarter" idx="22"/>
+          </p:nvPr>
+        </p:nvSpPr>
+        <p:spPr>
+          <a:xfrm>
+            <a:off x="1480185" y="3578225"/>
+            <a:ext cx="10841990" cy="7200265"/>
+          </a:xfrm>
+        </p:spPr>
+        <p:txBody>
+          <a:bodyPr/>
+          <a:lstStyle/>
+          <a:p>
+            <a:r>
+              <a:rPr kumimoji="1" lang="zh-CN" altLang="en-US"/>
+              <a:t>public class Main {</a:t>
+            </a:r>
+            <a:endParaRPr kumimoji="1" lang="zh-CN" altLang="en-US"/>
+          </a:p>
+          <a:p>
+            <a:r>
+              <a:rPr kumimoji="1" lang="zh-CN" altLang="en-US"/>
+              <a:t>    public static native String helloJni();</a:t>
+            </a:r>
+            <a:endParaRPr kumimoji="1" lang="zh-CN" altLang="en-US"/>
+          </a:p>
+          <a:p>
+            <a:r>
+              <a:rPr kumimoji="1" lang="zh-CN" altLang="en-US"/>
+              <a:t>}</a:t>
+            </a:r>
+            <a:endParaRPr kumimoji="1" lang="zh-CN" altLang="en-US"/>
+          </a:p>
+          <a:p>
+            <a:endParaRPr kumimoji="1" lang="zh-CN" altLang="en-US"/>
+          </a:p>
+          <a:p>
+            <a:r>
+              <a:rPr kumimoji="1" lang="zh-CN" altLang="en-US"/>
+              <a:t>javac -h . Main.java</a:t>
+            </a:r>
+            <a:endParaRPr kumimoji="1" lang="zh-CN" altLang="en-US"/>
+          </a:p>
+          <a:p>
+            <a:endParaRPr kumimoji="1" lang="zh-CN" altLang="en-US"/>
+          </a:p>
+          <a:p>
+            <a:r>
+              <a:rPr kumimoji="1" lang="en-US" altLang="zh-CN"/>
+              <a:t>Then we got Main.h --------------&gt;</a:t>
+            </a:r>
+            <a:endParaRPr kumimoji="1" lang="en-US" altLang="zh-CN"/>
+          </a:p>
+        </p:txBody>
+      </p:sp>
       <p:pic>
         <p:nvPicPr>
-          <p:cNvPr id="4" name="Picture 3" descr="opendal"/>
+          <p:cNvPr id="7" name="图片 6" descr="企业微信截图_27b9400f-49d1-4cbc-a840-f3dcd1b96418"/>
           <p:cNvPicPr>
             <a:picLocks noChangeAspect="1"/>
           </p:cNvPicPr>
@@ -5342,8 +5401,8 @@
         </p:blipFill>
         <p:spPr>
           <a:xfrm>
-            <a:off x="5499735" y="2628900"/>
-            <a:ext cx="13385165" cy="9062720"/>
+            <a:off x="12322175" y="2581275"/>
+            <a:ext cx="8658860" cy="8197850"/>
           </a:xfrm>
           <a:prstGeom prst="rect">
             <a:avLst/>
@@ -5422,88 +5481,377 @@
             <p:ph type="body" sz="quarter" idx="22"/>
           </p:nvPr>
         </p:nvSpPr>
-        <p:spPr/>
+        <p:spPr>
+          <a:xfrm>
+            <a:off x="1420495" y="2628900"/>
+            <a:ext cx="10791825" cy="7200265"/>
+          </a:xfrm>
+        </p:spPr>
         <p:txBody>
           <a:bodyPr/>
           <a:lstStyle/>
           <a:p>
             <a:r>
-              <a:rPr kumimoji="1" lang="en-US" altLang="zh-CN">
-                <a:sym typeface="+mn-ea"/>
-              </a:rPr>
-              <a:t>Example: https://github.com/apache/opendal</a:t>
-            </a:r>
-            <a:endParaRPr kumimoji="1" lang="en-US" altLang="zh-CN">
-              <a:sym typeface="+mn-ea"/>
-            </a:endParaRPr>
-          </a:p>
-          <a:p>
-            <a:r>
-              <a:rPr kumimoji="1" lang="en-US" altLang="zh-CN">
-                <a:sym typeface="+mn-ea"/>
-              </a:rPr>
-              <a:t>Workload: Middle</a:t>
-            </a:r>
-            <a:endParaRPr kumimoji="1" lang="en-US" altLang="zh-CN">
-              <a:sym typeface="+mn-ea"/>
-            </a:endParaRPr>
-          </a:p>
-          <a:p>
-            <a:r>
-              <a:rPr kumimoji="1" lang="en-US" altLang="zh-CN">
-                <a:sym typeface="+mn-ea"/>
-              </a:rPr>
-              <a:t>Difficulty: Hard, not only do you need to be familiar with cross platform development, but you also need to learn JNI knowledge in addition</a:t>
-            </a:r>
-            <a:endParaRPr kumimoji="1" lang="en-US" altLang="zh-CN">
-              <a:sym typeface="+mn-ea"/>
-            </a:endParaRPr>
-          </a:p>
-          <a:p>
-            <a:r>
-              <a:rPr kumimoji="1" lang="en-US" altLang="zh-CN">
-                <a:sym typeface="+mn-ea"/>
-              </a:rPr>
-              <a:t>Extention for new languages: </a:t>
-            </a:r>
-            <a:r>
-              <a:rPr kumimoji="1" lang="en-US" altLang="zh-CN">
-                <a:sym typeface="+mn-ea"/>
-              </a:rPr>
-              <a:t>Middle, need to encapsulate the dynamic link library for this new language</a:t>
-            </a:r>
-            <a:endParaRPr kumimoji="1" lang="en-US" altLang="zh-CN">
-              <a:sym typeface="+mn-ea"/>
-            </a:endParaRPr>
-          </a:p>
-          <a:p>
-            <a:r>
-              <a:rPr kumimoji="1" lang="en-US" altLang="zh-CN">
-                <a:sym typeface="+mn-ea"/>
-              </a:rPr>
-              <a:t>User friendliness: Good, there is a low probability of discovering that the CPU architecture or operating system of the machine is not supported, and then a disaster occurs</a:t>
-            </a:r>
-            <a:endParaRPr kumimoji="1" lang="en-US" altLang="zh-CN">
-              <a:sym typeface="+mn-ea"/>
-            </a:endParaRPr>
-          </a:p>
-          <a:p>
-            <a:r>
-              <a:rPr kumimoji="1" lang="en-US" altLang="zh-CN">
-                <a:sym typeface="+mn-ea"/>
-              </a:rPr>
-              <a:t>Performance: Great</a:t>
-            </a:r>
-            <a:endParaRPr kumimoji="1" lang="en-US" altLang="zh-CN">
-              <a:sym typeface="+mn-ea"/>
-            </a:endParaRPr>
-          </a:p>
-          <a:p>
-            <a:r>
-              <a:rPr kumimoji="1" lang="en-US" altLang="zh-CN">
-                <a:sym typeface="+mn-ea"/>
-              </a:rPr>
-              <a:t>Operation complexity: No</a:t>
+              <a:rPr kumimoji="1" lang="zh-CN" altLang="en-US"/>
+              <a:t>import java.net.URL;</a:t>
+            </a:r>
+            <a:endParaRPr kumimoji="1" lang="zh-CN" altLang="en-US"/>
+          </a:p>
+          <a:p>
+            <a:r>
+              <a:rPr kumimoji="1" lang="zh-CN" altLang="en-US"/>
+              <a:t>public class Main {</a:t>
+            </a:r>
+            <a:endParaRPr kumimoji="1" lang="zh-CN" altLang="en-US"/>
+          </a:p>
+          <a:p>
+            <a:r>
+              <a:rPr kumimoji="1" lang="zh-CN" altLang="en-US"/>
+              <a:t>    static {</a:t>
+            </a:r>
+            <a:r>
+              <a:rPr kumimoji="1" lang="en-US" altLang="zh-CN"/>
+              <a:t>    final </a:t>
+            </a:r>
+            <a:r>
+              <a:rPr kumimoji="1" lang="zh-CN" altLang="en-US"/>
+              <a:t>URL url = Main.class.getResource("jni.dylib");</a:t>
+            </a:r>
+            <a:endParaRPr kumimoji="1" lang="zh-CN" altLang="en-US"/>
+          </a:p>
+          <a:p>
+            <a:r>
+              <a:rPr kumimoji="1" lang="zh-CN" altLang="en-US"/>
+              <a:t>        System.load(url.getPath());</a:t>
+            </a:r>
+            <a:endParaRPr kumimoji="1" lang="zh-CN" altLang="en-US"/>
+          </a:p>
+          <a:p>
+            <a:r>
+              <a:rPr kumimoji="1" lang="zh-CN" altLang="en-US"/>
+              <a:t>    }</a:t>
+            </a:r>
+            <a:endParaRPr kumimoji="1" lang="zh-CN" altLang="en-US"/>
+          </a:p>
+          <a:p>
+            <a:r>
+              <a:rPr kumimoji="1" lang="zh-CN" altLang="en-US"/>
+              <a:t>    public static native String helloJni();</a:t>
+            </a:r>
+            <a:endParaRPr kumimoji="1" lang="zh-CN" altLang="en-US"/>
+          </a:p>
+          <a:p>
+            <a:r>
+              <a:rPr kumimoji="1" lang="zh-CN" altLang="en-US"/>
+              <a:t>    public static void main(String[] args) {</a:t>
+            </a:r>
+            <a:endParaRPr kumimoji="1" lang="zh-CN" altLang="en-US"/>
+          </a:p>
+          <a:p>
+            <a:r>
+              <a:rPr kumimoji="1" lang="zh-CN" altLang="en-US"/>
+              <a:t>        System.out.println(helloJni());</a:t>
+            </a:r>
+            <a:endParaRPr kumimoji="1" lang="zh-CN" altLang="en-US"/>
+          </a:p>
+          <a:p>
+            <a:r>
+              <a:rPr kumimoji="1" lang="zh-CN" altLang="en-US"/>
+              <a:t>    }</a:t>
+            </a:r>
+            <a:endParaRPr kumimoji="1" lang="zh-CN" altLang="en-US"/>
+          </a:p>
+          <a:p>
+            <a:r>
+              <a:rPr kumimoji="1" lang="zh-CN" altLang="en-US"/>
+              <a:t>}</a:t>
+            </a:r>
+            <a:endParaRPr kumimoji="1" lang="zh-CN" altLang="en-US"/>
+          </a:p>
+        </p:txBody>
+      </p:sp>
+      <p:sp>
+        <p:nvSpPr>
+          <p:cNvPr id="6" name="文本占位符 2"/>
+          <p:cNvSpPr>
+            <a:spLocks noGrp="1"/>
+          </p:cNvSpPr>
+          <p:nvPr/>
+        </p:nvSpPr>
+        <p:spPr>
+          <a:xfrm>
+            <a:off x="12696825" y="2628900"/>
+            <a:ext cx="9244965" cy="7200265"/>
+          </a:xfrm>
+          <a:prstGeom prst="rect">
+            <a:avLst/>
+          </a:prstGeom>
+        </p:spPr>
+        <p:txBody>
+          <a:bodyPr/>
+          <a:lstStyle>
+            <a:lvl1pPr marL="0" indent="0" algn="l" defTabSz="2438400" rtl="0" eaLnBrk="1" latinLnBrk="0" hangingPunct="1">
+              <a:lnSpc>
+                <a:spcPct val="110000"/>
+              </a:lnSpc>
+              <a:spcBef>
+                <a:spcPts val="1000"/>
+              </a:spcBef>
+              <a:buFont typeface="Arial" panose="020B0604020202020204" pitchFamily="34" charset="0"/>
+              <a:buNone/>
+              <a:defRPr sz="4400" b="0" i="0" kern="1200">
+                <a:solidFill>
+                  <a:srgbClr val="FFFFFF"/>
+                </a:solidFill>
+                <a:latin typeface="OPPOSans R" pitchFamily="18" charset="-122"/>
+                <a:ea typeface="OPPOSans R" pitchFamily="18" charset="-122"/>
+                <a:cs typeface="OPPOSans R" pitchFamily="18" charset="-122"/>
+                <a:sym typeface="OPPOSans L"/>
+              </a:defRPr>
+            </a:lvl1pPr>
+            <a:lvl2pPr marL="685800" indent="-228600" algn="l" defTabSz="914400" rtl="0" eaLnBrk="1" latinLnBrk="0" hangingPunct="1">
+              <a:lnSpc>
+                <a:spcPct val="90000"/>
+              </a:lnSpc>
+              <a:spcBef>
+                <a:spcPts val="500"/>
+              </a:spcBef>
+              <a:buFont typeface="Arial" panose="020B0604020202020204" pitchFamily="34" charset="0"/>
+              <a:buChar char="•"/>
+              <a:defRPr sz="2400" kern="1200">
+                <a:solidFill>
+                  <a:schemeClr val="tx1"/>
+                </a:solidFill>
+                <a:latin typeface="+mn-lt"/>
+                <a:ea typeface="+mn-ea"/>
+                <a:cs typeface="+mn-cs"/>
+              </a:defRPr>
+            </a:lvl2pPr>
+            <a:lvl3pPr marL="1143000" indent="-228600" algn="l" defTabSz="914400" rtl="0" eaLnBrk="1" latinLnBrk="0" hangingPunct="1">
+              <a:lnSpc>
+                <a:spcPct val="90000"/>
+              </a:lnSpc>
+              <a:spcBef>
+                <a:spcPts val="500"/>
+              </a:spcBef>
+              <a:buFont typeface="Arial" panose="020B0604020202020204" pitchFamily="34" charset="0"/>
+              <a:buChar char="•"/>
+              <a:defRPr sz="2000" kern="1200">
+                <a:solidFill>
+                  <a:schemeClr val="tx1"/>
+                </a:solidFill>
+                <a:latin typeface="+mn-lt"/>
+                <a:ea typeface="+mn-ea"/>
+                <a:cs typeface="+mn-cs"/>
+              </a:defRPr>
+            </a:lvl3pPr>
+            <a:lvl4pPr marL="1600200" indent="-228600" algn="l" defTabSz="914400" rtl="0" eaLnBrk="1" latinLnBrk="0" hangingPunct="1">
+              <a:lnSpc>
+                <a:spcPct val="90000"/>
+              </a:lnSpc>
+              <a:spcBef>
+                <a:spcPts val="500"/>
+              </a:spcBef>
+              <a:buFont typeface="Arial" panose="020B0604020202020204" pitchFamily="34" charset="0"/>
+              <a:buChar char="•"/>
+              <a:defRPr sz="1800" kern="1200">
+                <a:solidFill>
+                  <a:schemeClr val="tx1"/>
+                </a:solidFill>
+                <a:latin typeface="+mn-lt"/>
+                <a:ea typeface="+mn-ea"/>
+                <a:cs typeface="+mn-cs"/>
+              </a:defRPr>
+            </a:lvl4pPr>
+            <a:lvl5pPr marL="2057400" indent="-228600" algn="l" defTabSz="914400" rtl="0" eaLnBrk="1" latinLnBrk="0" hangingPunct="1">
+              <a:lnSpc>
+                <a:spcPct val="90000"/>
+              </a:lnSpc>
+              <a:spcBef>
+                <a:spcPts val="500"/>
+              </a:spcBef>
+              <a:buFont typeface="Arial" panose="020B0604020202020204" pitchFamily="34" charset="0"/>
+              <a:buChar char="•"/>
+              <a:defRPr sz="1800" kern="1200">
+                <a:solidFill>
+                  <a:schemeClr val="tx1"/>
+                </a:solidFill>
+                <a:latin typeface="+mn-lt"/>
+                <a:ea typeface="+mn-ea"/>
+                <a:cs typeface="+mn-cs"/>
+              </a:defRPr>
+            </a:lvl5pPr>
+            <a:lvl6pPr marL="2514600" indent="-228600" algn="l" defTabSz="914400" rtl="0" eaLnBrk="1" latinLnBrk="0" hangingPunct="1">
+              <a:lnSpc>
+                <a:spcPct val="90000"/>
+              </a:lnSpc>
+              <a:spcBef>
+                <a:spcPts val="500"/>
+              </a:spcBef>
+              <a:buFont typeface="Arial" panose="020B0604020202020204" pitchFamily="34" charset="0"/>
+              <a:buChar char="•"/>
+              <a:defRPr sz="1800" kern="1200">
+                <a:solidFill>
+                  <a:schemeClr val="tx1"/>
+                </a:solidFill>
+                <a:latin typeface="+mn-lt"/>
+                <a:ea typeface="+mn-ea"/>
+                <a:cs typeface="+mn-cs"/>
+              </a:defRPr>
+            </a:lvl6pPr>
+            <a:lvl7pPr marL="2971800" indent="-228600" algn="l" defTabSz="914400" rtl="0" eaLnBrk="1" latinLnBrk="0" hangingPunct="1">
+              <a:lnSpc>
+                <a:spcPct val="90000"/>
+              </a:lnSpc>
+              <a:spcBef>
+                <a:spcPts val="500"/>
+              </a:spcBef>
+              <a:buFont typeface="Arial" panose="020B0604020202020204" pitchFamily="34" charset="0"/>
+              <a:buChar char="•"/>
+              <a:defRPr sz="1800" kern="1200">
+                <a:solidFill>
+                  <a:schemeClr val="tx1"/>
+                </a:solidFill>
+                <a:latin typeface="+mn-lt"/>
+                <a:ea typeface="+mn-ea"/>
+                <a:cs typeface="+mn-cs"/>
+              </a:defRPr>
+            </a:lvl7pPr>
+            <a:lvl8pPr marL="3429000" indent="-228600" algn="l" defTabSz="914400" rtl="0" eaLnBrk="1" latinLnBrk="0" hangingPunct="1">
+              <a:lnSpc>
+                <a:spcPct val="90000"/>
+              </a:lnSpc>
+              <a:spcBef>
+                <a:spcPts val="500"/>
+              </a:spcBef>
+              <a:buFont typeface="Arial" panose="020B0604020202020204" pitchFamily="34" charset="0"/>
+              <a:buChar char="•"/>
+              <a:defRPr sz="1800" kern="1200">
+                <a:solidFill>
+                  <a:schemeClr val="tx1"/>
+                </a:solidFill>
+                <a:latin typeface="+mn-lt"/>
+                <a:ea typeface="+mn-ea"/>
+                <a:cs typeface="+mn-cs"/>
+              </a:defRPr>
+            </a:lvl8pPr>
+            <a:lvl9pPr marL="3886200" indent="-228600" algn="l" defTabSz="914400" rtl="0" eaLnBrk="1" latinLnBrk="0" hangingPunct="1">
+              <a:lnSpc>
+                <a:spcPct val="90000"/>
+              </a:lnSpc>
+              <a:spcBef>
+                <a:spcPts val="500"/>
+              </a:spcBef>
+              <a:buFont typeface="Arial" panose="020B0604020202020204" pitchFamily="34" charset="0"/>
+              <a:buChar char="•"/>
+              <a:defRPr sz="1800" kern="1200">
+                <a:solidFill>
+                  <a:schemeClr val="tx1"/>
+                </a:solidFill>
+                <a:latin typeface="+mn-lt"/>
+                <a:ea typeface="+mn-ea"/>
+                <a:cs typeface="+mn-cs"/>
+              </a:defRPr>
+            </a:lvl9pPr>
+          </a:lstStyle>
+          <a:p>
+            <a:r>
+              <a:rPr kumimoji="1" lang="en-US" altLang="zh-CN"/>
+              <a:t>// C code below</a:t>
+            </a:r>
+            <a:endParaRPr kumimoji="1" lang="zh-CN" altLang="en-US"/>
+          </a:p>
+          <a:p>
+            <a:r>
+              <a:rPr kumimoji="1" lang="zh-CN" altLang="en-US"/>
+              <a:t>#include &lt;jni.h&gt;</a:t>
+            </a:r>
+            <a:endParaRPr kumimoji="1" lang="zh-CN" altLang="en-US"/>
+          </a:p>
+          <a:p>
+            <a:r>
+              <a:rPr kumimoji="1" lang="zh-CN" altLang="en-US"/>
+              <a:t>#include &lt;jni_md.h&gt;</a:t>
+            </a:r>
+            <a:endParaRPr kumimoji="1" lang="zh-CN" altLang="en-US"/>
+          </a:p>
+          <a:p>
+            <a:r>
+              <a:rPr kumimoji="1" lang="zh-CN" altLang="en-US"/>
+              <a:t>#include &lt;jvmti.h&gt;</a:t>
+            </a:r>
+            <a:endParaRPr kumimoji="1" lang="zh-CN" altLang="en-US"/>
+          </a:p>
+          <a:p>
+            <a:r>
+              <a:rPr kumimoji="1" lang="zh-CN" altLang="en-US"/>
+              <a:t>#include "Main.h"</a:t>
+            </a:r>
+            <a:endParaRPr kumimoji="1" lang="zh-CN" altLang="en-US"/>
+          </a:p>
+          <a:p>
+            <a:r>
+              <a:rPr kumimoji="1" lang="zh-CN" altLang="en-US"/>
+              <a:t>JNIEXPORT jstring JNICALL </a:t>
+            </a:r>
+            <a:endParaRPr kumimoji="1" lang="zh-CN" altLang="en-US"/>
+          </a:p>
+          <a:p>
+            <a:r>
+              <a:rPr kumimoji="1" lang="zh-CN" altLang="en-US"/>
+              <a:t>Java_Main_helloJni</a:t>
+            </a:r>
+            <a:r>
+              <a:rPr kumimoji="1" lang="en-US" altLang="zh-CN"/>
+              <a:t> </a:t>
+            </a:r>
+            <a:r>
+              <a:rPr kumimoji="1" lang="zh-CN" altLang="en-US"/>
+              <a:t>(JNIEnv *env, </a:t>
+            </a:r>
+            <a:endParaRPr kumimoji="1" lang="zh-CN" altLang="en-US"/>
+          </a:p>
+          <a:p>
+            <a:r>
+              <a:rPr kumimoji="1" lang="zh-CN" altLang="en-US"/>
+              <a:t> </a:t>
+            </a:r>
+            <a:r>
+              <a:rPr kumimoji="1" lang="en-US" altLang="zh-CN"/>
+              <a:t>   </a:t>
+            </a:r>
+            <a:r>
+              <a:rPr kumimoji="1" lang="zh-CN" altLang="en-US"/>
+              <a:t>jclass klass) {</a:t>
+            </a:r>
+            <a:endParaRPr kumimoji="1" lang="zh-CN" altLang="en-US"/>
+          </a:p>
+          <a:p>
+            <a:r>
+              <a:rPr kumimoji="1" lang="zh-CN" altLang="en-US"/>
+              <a:t>    return env-&gt;</a:t>
+            </a:r>
+            <a:endParaRPr kumimoji="1" lang="zh-CN" altLang="en-US"/>
+          </a:p>
+          <a:p>
+            <a:r>
+              <a:rPr kumimoji="1" lang="zh-CN" altLang="en-US"/>
+              <a:t> </a:t>
+            </a:r>
+            <a:r>
+              <a:rPr kumimoji="1" lang="en-US" altLang="zh-CN"/>
+              <a:t>       </a:t>
+            </a:r>
+            <a:r>
+              <a:rPr kumimoji="1" lang="zh-CN" altLang="en-US"/>
+              <a:t>NewStringUTF("Hello JNI");</a:t>
+            </a:r>
+            <a:endParaRPr kumimoji="1" lang="zh-CN" altLang="en-US"/>
+          </a:p>
+          <a:p>
+            <a:r>
+              <a:rPr kumimoji="1" lang="zh-CN" altLang="en-US"/>
+              <a:t>}</a:t>
             </a:r>
             <a:endParaRPr kumimoji="1" lang="zh-CN" altLang="en-US"/>
           </a:p>
@@ -5558,40 +5906,240 @@
             <p:ph type="body" sz="quarter" idx="21"/>
           </p:nvPr>
         </p:nvSpPr>
-        <p:spPr>
-          <a:xfrm>
-            <a:off x="1420495" y="1397000"/>
-            <a:ext cx="11194415" cy="1231900"/>
-          </a:xfrm>
-        </p:spPr>
-        <p:txBody>
-          <a:bodyPr/>
-          <a:lstStyle/>
-          <a:p>
-            <a:r>
-              <a:rPr kumimoji="1" lang="en-US" altLang="zh-CN"/>
-              <a:t>WebAssembly System Interface</a:t>
-            </a:r>
-            <a:endParaRPr kumimoji="1" lang="en-US" altLang="zh-CN"/>
-          </a:p>
-        </p:txBody>
-      </p:sp>
-      <p:sp>
-        <p:nvSpPr>
-          <p:cNvPr id="3" name="文本占位符 2"/>
-          <p:cNvSpPr>
-            <a:spLocks noGrp="1"/>
-          </p:cNvSpPr>
-          <p:nvPr>
-            <p:ph type="body" sz="quarter" idx="22"/>
-          </p:nvPr>
-        </p:nvSpPr>
         <p:spPr/>
         <p:txBody>
           <a:bodyPr/>
           <a:lstStyle/>
           <a:p>
-            <a:endParaRPr kumimoji="1" lang="zh-CN" altLang="en-US"/>
+            <a:r>
+              <a:rPr kumimoji="1" lang="en-US" altLang="zh-CN"/>
+              <a:t>Dynamic Link Library</a:t>
+            </a:r>
+            <a:endParaRPr kumimoji="1" lang="en-US" altLang="zh-CN"/>
+          </a:p>
+        </p:txBody>
+      </p:sp>
+      <p:pic>
+        <p:nvPicPr>
+          <p:cNvPr id="4" name="Picture 3" descr="opendal"/>
+          <p:cNvPicPr>
+            <a:picLocks noChangeAspect="1"/>
+          </p:cNvPicPr>
+          <p:nvPr/>
+        </p:nvPicPr>
+        <p:blipFill>
+          <a:blip r:embed="rId2"/>
+          <a:stretch>
+            <a:fillRect/>
+          </a:stretch>
+        </p:blipFill>
+        <p:spPr>
+          <a:xfrm>
+            <a:off x="1420495" y="2628900"/>
+            <a:ext cx="13385165" cy="9062720"/>
+          </a:xfrm>
+          <a:prstGeom prst="rect">
+            <a:avLst/>
+          </a:prstGeom>
+        </p:spPr>
+      </p:pic>
+      <p:sp>
+        <p:nvSpPr>
+          <p:cNvPr id="6" name="文本占位符 2"/>
+          <p:cNvSpPr>
+            <a:spLocks noGrp="1"/>
+          </p:cNvSpPr>
+          <p:nvPr/>
+        </p:nvSpPr>
+        <p:spPr>
+          <a:xfrm>
+            <a:off x="14805660" y="2628900"/>
+            <a:ext cx="7101205" cy="7200265"/>
+          </a:xfrm>
+          <a:prstGeom prst="rect">
+            <a:avLst/>
+          </a:prstGeom>
+        </p:spPr>
+        <p:txBody>
+          <a:bodyPr/>
+          <a:lstStyle>
+            <a:lvl1pPr marL="0" indent="0" algn="l" defTabSz="2438400" rtl="0" eaLnBrk="1" latinLnBrk="0" hangingPunct="1">
+              <a:lnSpc>
+                <a:spcPct val="110000"/>
+              </a:lnSpc>
+              <a:spcBef>
+                <a:spcPts val="1000"/>
+              </a:spcBef>
+              <a:buFont typeface="Arial" panose="020B0604020202020204" pitchFamily="34" charset="0"/>
+              <a:buNone/>
+              <a:defRPr sz="4400" b="0" i="0" kern="1200">
+                <a:solidFill>
+                  <a:srgbClr val="FFFFFF"/>
+                </a:solidFill>
+                <a:latin typeface="OPPOSans R" pitchFamily="18" charset="-122"/>
+                <a:ea typeface="OPPOSans R" pitchFamily="18" charset="-122"/>
+                <a:cs typeface="OPPOSans R" pitchFamily="18" charset="-122"/>
+                <a:sym typeface="OPPOSans L"/>
+              </a:defRPr>
+            </a:lvl1pPr>
+            <a:lvl2pPr marL="685800" indent="-228600" algn="l" defTabSz="914400" rtl="0" eaLnBrk="1" latinLnBrk="0" hangingPunct="1">
+              <a:lnSpc>
+                <a:spcPct val="90000"/>
+              </a:lnSpc>
+              <a:spcBef>
+                <a:spcPts val="500"/>
+              </a:spcBef>
+              <a:buFont typeface="Arial" panose="020B0604020202020204" pitchFamily="34" charset="0"/>
+              <a:buChar char="•"/>
+              <a:defRPr sz="2400" kern="1200">
+                <a:solidFill>
+                  <a:schemeClr val="tx1"/>
+                </a:solidFill>
+                <a:latin typeface="+mn-lt"/>
+                <a:ea typeface="+mn-ea"/>
+                <a:cs typeface="+mn-cs"/>
+              </a:defRPr>
+            </a:lvl2pPr>
+            <a:lvl3pPr marL="1143000" indent="-228600" algn="l" defTabSz="914400" rtl="0" eaLnBrk="1" latinLnBrk="0" hangingPunct="1">
+              <a:lnSpc>
+                <a:spcPct val="90000"/>
+              </a:lnSpc>
+              <a:spcBef>
+                <a:spcPts val="500"/>
+              </a:spcBef>
+              <a:buFont typeface="Arial" panose="020B0604020202020204" pitchFamily="34" charset="0"/>
+              <a:buChar char="•"/>
+              <a:defRPr sz="2000" kern="1200">
+                <a:solidFill>
+                  <a:schemeClr val="tx1"/>
+                </a:solidFill>
+                <a:latin typeface="+mn-lt"/>
+                <a:ea typeface="+mn-ea"/>
+                <a:cs typeface="+mn-cs"/>
+              </a:defRPr>
+            </a:lvl3pPr>
+            <a:lvl4pPr marL="1600200" indent="-228600" algn="l" defTabSz="914400" rtl="0" eaLnBrk="1" latinLnBrk="0" hangingPunct="1">
+              <a:lnSpc>
+                <a:spcPct val="90000"/>
+              </a:lnSpc>
+              <a:spcBef>
+                <a:spcPts val="500"/>
+              </a:spcBef>
+              <a:buFont typeface="Arial" panose="020B0604020202020204" pitchFamily="34" charset="0"/>
+              <a:buChar char="•"/>
+              <a:defRPr sz="1800" kern="1200">
+                <a:solidFill>
+                  <a:schemeClr val="tx1"/>
+                </a:solidFill>
+                <a:latin typeface="+mn-lt"/>
+                <a:ea typeface="+mn-ea"/>
+                <a:cs typeface="+mn-cs"/>
+              </a:defRPr>
+            </a:lvl4pPr>
+            <a:lvl5pPr marL="2057400" indent="-228600" algn="l" defTabSz="914400" rtl="0" eaLnBrk="1" latinLnBrk="0" hangingPunct="1">
+              <a:lnSpc>
+                <a:spcPct val="90000"/>
+              </a:lnSpc>
+              <a:spcBef>
+                <a:spcPts val="500"/>
+              </a:spcBef>
+              <a:buFont typeface="Arial" panose="020B0604020202020204" pitchFamily="34" charset="0"/>
+              <a:buChar char="•"/>
+              <a:defRPr sz="1800" kern="1200">
+                <a:solidFill>
+                  <a:schemeClr val="tx1"/>
+                </a:solidFill>
+                <a:latin typeface="+mn-lt"/>
+                <a:ea typeface="+mn-ea"/>
+                <a:cs typeface="+mn-cs"/>
+              </a:defRPr>
+            </a:lvl5pPr>
+            <a:lvl6pPr marL="2514600" indent="-228600" algn="l" defTabSz="914400" rtl="0" eaLnBrk="1" latinLnBrk="0" hangingPunct="1">
+              <a:lnSpc>
+                <a:spcPct val="90000"/>
+              </a:lnSpc>
+              <a:spcBef>
+                <a:spcPts val="500"/>
+              </a:spcBef>
+              <a:buFont typeface="Arial" panose="020B0604020202020204" pitchFamily="34" charset="0"/>
+              <a:buChar char="•"/>
+              <a:defRPr sz="1800" kern="1200">
+                <a:solidFill>
+                  <a:schemeClr val="tx1"/>
+                </a:solidFill>
+                <a:latin typeface="+mn-lt"/>
+                <a:ea typeface="+mn-ea"/>
+                <a:cs typeface="+mn-cs"/>
+              </a:defRPr>
+            </a:lvl6pPr>
+            <a:lvl7pPr marL="2971800" indent="-228600" algn="l" defTabSz="914400" rtl="0" eaLnBrk="1" latinLnBrk="0" hangingPunct="1">
+              <a:lnSpc>
+                <a:spcPct val="90000"/>
+              </a:lnSpc>
+              <a:spcBef>
+                <a:spcPts val="500"/>
+              </a:spcBef>
+              <a:buFont typeface="Arial" panose="020B0604020202020204" pitchFamily="34" charset="0"/>
+              <a:buChar char="•"/>
+              <a:defRPr sz="1800" kern="1200">
+                <a:solidFill>
+                  <a:schemeClr val="tx1"/>
+                </a:solidFill>
+                <a:latin typeface="+mn-lt"/>
+                <a:ea typeface="+mn-ea"/>
+                <a:cs typeface="+mn-cs"/>
+              </a:defRPr>
+            </a:lvl7pPr>
+            <a:lvl8pPr marL="3429000" indent="-228600" algn="l" defTabSz="914400" rtl="0" eaLnBrk="1" latinLnBrk="0" hangingPunct="1">
+              <a:lnSpc>
+                <a:spcPct val="90000"/>
+              </a:lnSpc>
+              <a:spcBef>
+                <a:spcPts val="500"/>
+              </a:spcBef>
+              <a:buFont typeface="Arial" panose="020B0604020202020204" pitchFamily="34" charset="0"/>
+              <a:buChar char="•"/>
+              <a:defRPr sz="1800" kern="1200">
+                <a:solidFill>
+                  <a:schemeClr val="tx1"/>
+                </a:solidFill>
+                <a:latin typeface="+mn-lt"/>
+                <a:ea typeface="+mn-ea"/>
+                <a:cs typeface="+mn-cs"/>
+              </a:defRPr>
+            </a:lvl8pPr>
+            <a:lvl9pPr marL="3886200" indent="-228600" algn="l" defTabSz="914400" rtl="0" eaLnBrk="1" latinLnBrk="0" hangingPunct="1">
+              <a:lnSpc>
+                <a:spcPct val="90000"/>
+              </a:lnSpc>
+              <a:spcBef>
+                <a:spcPts val="500"/>
+              </a:spcBef>
+              <a:buFont typeface="Arial" panose="020B0604020202020204" pitchFamily="34" charset="0"/>
+              <a:buChar char="•"/>
+              <a:defRPr sz="1800" kern="1200">
+                <a:solidFill>
+                  <a:schemeClr val="tx1"/>
+                </a:solidFill>
+                <a:latin typeface="+mn-lt"/>
+                <a:ea typeface="+mn-ea"/>
+                <a:cs typeface="+mn-cs"/>
+              </a:defRPr>
+            </a:lvl9pPr>
+          </a:lstStyle>
+          <a:p>
+            <a:r>
+              <a:rPr kumimoji="1" lang="en-US"/>
+              <a:t>The low-level code needs to ensure compatibility(OS &amp; CPU);</a:t>
+            </a:r>
+            <a:endParaRPr kumimoji="1" lang="en-US"/>
+          </a:p>
+          <a:p>
+            <a:r>
+              <a:rPr kumimoji="1" lang="en-US"/>
+              <a:t>The upper-level code binds .so/.dylib/.dll, each supported language must be implemented;</a:t>
+            </a:r>
+            <a:endParaRPr kumimoji="1" lang="en-US"/>
           </a:p>
         </p:txBody>
       </p:sp>
@@ -5651,7 +6199,7 @@
           <a:p>
             <a:r>
               <a:rPr kumimoji="1" lang="en-US" altLang="zh-CN"/>
-              <a:t>Comparation</a:t>
+              <a:t>Dynamic Link Library</a:t>
             </a:r>
             <a:endParaRPr kumimoji="1" lang="en-US" altLang="zh-CN"/>
           </a:p>
@@ -5672,6 +6220,84 @@
           <a:bodyPr/>
           <a:lstStyle/>
           <a:p>
+            <a:r>
+              <a:rPr kumimoji="1" lang="en-US" altLang="zh-CN">
+                <a:sym typeface="+mn-ea"/>
+              </a:rPr>
+              <a:t>Example: https://github.com/apache/opendal</a:t>
+            </a:r>
+            <a:endParaRPr kumimoji="1" lang="en-US" altLang="zh-CN">
+              <a:sym typeface="+mn-ea"/>
+            </a:endParaRPr>
+          </a:p>
+          <a:p>
+            <a:r>
+              <a:rPr kumimoji="1" lang="en-US" altLang="zh-CN">
+                <a:sym typeface="+mn-ea"/>
+              </a:rPr>
+              <a:t>Workload: Middle</a:t>
+            </a:r>
+            <a:endParaRPr kumimoji="1" lang="en-US" altLang="zh-CN">
+              <a:sym typeface="+mn-ea"/>
+            </a:endParaRPr>
+          </a:p>
+          <a:p>
+            <a:r>
+              <a:rPr kumimoji="1" lang="en-US" altLang="zh-CN">
+                <a:sym typeface="+mn-ea"/>
+              </a:rPr>
+              <a:t>Difficulty: Hard, not only do you need to be familiar with cross platform development, but you also need to learn JNI knowledge in addition</a:t>
+            </a:r>
+            <a:endParaRPr kumimoji="1" lang="en-US" altLang="zh-CN">
+              <a:sym typeface="+mn-ea"/>
+            </a:endParaRPr>
+          </a:p>
+          <a:p>
+            <a:r>
+              <a:rPr kumimoji="1" lang="en-US" altLang="zh-CN">
+                <a:sym typeface="+mn-ea"/>
+              </a:rPr>
+              <a:t>Extention for new languages: </a:t>
+            </a:r>
+            <a:r>
+              <a:rPr kumimoji="1" lang="en-US" altLang="zh-CN">
+                <a:sym typeface="+mn-ea"/>
+              </a:rPr>
+              <a:t>Middle, need to encapsulate the dynamic link library for this new language</a:t>
+            </a:r>
+            <a:endParaRPr kumimoji="1" lang="en-US" altLang="zh-CN">
+              <a:sym typeface="+mn-ea"/>
+            </a:endParaRPr>
+          </a:p>
+          <a:p>
+            <a:r>
+              <a:rPr kumimoji="1" lang="en-US" altLang="zh-CN">
+                <a:sym typeface="+mn-ea"/>
+              </a:rPr>
+              <a:t>User friendliness: Good, there is a low probability of discovering that the CPU architecture or OS of your machine is not supported, but if it is, a disaster occurs</a:t>
+            </a:r>
+            <a:endParaRPr kumimoji="1" lang="en-US" altLang="zh-CN">
+              <a:sym typeface="+mn-ea"/>
+            </a:endParaRPr>
+          </a:p>
+          <a:p>
+            <a:r>
+              <a:rPr kumimoji="1" lang="en-US" altLang="zh-CN">
+                <a:sym typeface="+mn-ea"/>
+              </a:rPr>
+              <a:t>Performance: Great</a:t>
+            </a:r>
+            <a:endParaRPr kumimoji="1" lang="en-US" altLang="zh-CN">
+              <a:sym typeface="+mn-ea"/>
+            </a:endParaRPr>
+          </a:p>
+          <a:p>
+            <a:r>
+              <a:rPr kumimoji="1" lang="en-US" altLang="zh-CN">
+                <a:sym typeface="+mn-ea"/>
+              </a:rPr>
+              <a:t>Operation complexity: No</a:t>
+            </a:r>
             <a:endParaRPr kumimoji="1" lang="zh-CN" altLang="en-US"/>
           </a:p>
         </p:txBody>
@@ -5687,6 +6313,20 @@
 <file path=ppt/slides/slide17.xml><?xml version="1.0" encoding="utf-8"?>
 <p:sld xmlns:a="http://schemas.openxmlformats.org/drawingml/2006/main" xmlns:r="http://schemas.openxmlformats.org/officeDocument/2006/relationships" xmlns:p="http://schemas.openxmlformats.org/presentationml/2006/main">
   <p:cSld>
+    <p:bg>
+      <p:bgPr>
+        <a:blipFill dpi="0" rotWithShape="1">
+          <a:blip r:embed="rId1">
+            <a:lum/>
+          </a:blip>
+          <a:srcRect/>
+          <a:stretch>
+            <a:fillRect/>
+          </a:stretch>
+        </a:blipFill>
+        <a:effectLst/>
+      </p:bgPr>
+    </p:bg>
     <p:spTree>
       <p:nvGrpSpPr>
         <p:cNvPr id="1" name=""/>
@@ -5703,76 +6343,48 @@
       </p:grpSpPr>
       <p:sp>
         <p:nvSpPr>
-          <p:cNvPr id="9" name="标题占位符 16"/>
-          <p:cNvSpPr txBox="1"/>
-          <p:nvPr/>
+          <p:cNvPr id="2" name="文本占位符 1"/>
+          <p:cNvSpPr>
+            <a:spLocks noGrp="1"/>
+          </p:cNvSpPr>
+          <p:nvPr>
+            <p:ph type="body" sz="quarter" idx="21"/>
+          </p:nvPr>
         </p:nvSpPr>
         <p:spPr>
           <a:xfrm>
-            <a:off x="1750489" y="4437077"/>
-            <a:ext cx="20957109" cy="2651125"/>
+            <a:off x="1420495" y="1397000"/>
+            <a:ext cx="11194415" cy="1231900"/>
           </a:xfrm>
-          <a:prstGeom prst="rect">
-            <a:avLst/>
-          </a:prstGeom>
         </p:spPr>
         <p:txBody>
-          <a:bodyPr vert="horz" lIns="91440" tIns="45720" rIns="91440" bIns="45720" rtlCol="0" anchor="ctr">
-            <a:normAutofit/>
-          </a:bodyPr>
-          <a:lstStyle>
-            <a:lvl1pPr marL="0" marR="0" indent="0" algn="ctr" defTabSz="2438400" rtl="0" eaLnBrk="1" fontAlgn="auto" latinLnBrk="0" hangingPunct="1">
-              <a:lnSpc>
-                <a:spcPct val="110000"/>
-              </a:lnSpc>
-              <a:spcBef>
-                <a:spcPts val="0"/>
-              </a:spcBef>
-              <a:spcAft>
-                <a:spcPts val="0"/>
-              </a:spcAft>
-              <a:buClrTx/>
-              <a:buSzTx/>
-              <a:buFontTx/>
-              <a:buNone/>
-              <a:defRPr kumimoji="0" lang="zh-CN" altLang="en-US" sz="8000" b="0" i="0" u="none" strike="noStrike" kern="0" cap="none" spc="0" normalizeH="0" baseline="0" dirty="0">
-                <a:ln>
-                  <a:noFill/>
-                </a:ln>
-                <a:solidFill>
-                  <a:srgbClr val="FFFFFF"/>
-                </a:solidFill>
-                <a:effectLst/>
-                <a:uFillTx/>
-                <a:latin typeface="OPPOSans H"/>
-                <a:ea typeface="OPPOSans H"/>
-                <a:cs typeface="OPPOSans H"/>
-                <a:sym typeface="OPPOSans H"/>
-              </a:defRPr>
-            </a:lvl1pPr>
-          </a:lstStyle>
-          <a:p>
-            <a:pPr>
-              <a:defRPr sz="8000" b="0">
-                <a:solidFill>
-                  <a:srgbClr val="FFFFFF"/>
-                </a:solidFill>
-                <a:latin typeface="OPPOSans H"/>
-                <a:ea typeface="OPPOSans H"/>
-                <a:cs typeface="OPPOSans H"/>
-                <a:sym typeface="OPPOSans H"/>
-              </a:defRPr>
-            </a:pPr>
-            <a:r>
-              <a:rPr lang="en-US" altLang="zh-CN" sz="9600">
-                <a:latin typeface="OPPOSans R" pitchFamily="18" charset="-122"/>
-                <a:ea typeface="OPPOSans R" pitchFamily="18" charset="-122"/>
-                <a:cs typeface="OPPOSans R" pitchFamily="18" charset="-122"/>
-                <a:sym typeface="+mn-ea"/>
-              </a:rPr>
-              <a:t>Extention</a:t>
-            </a:r>
-            <a:endParaRPr lang="en-US" altLang="en-GB" sz="9600" dirty="0"/>
+          <a:bodyPr/>
+          <a:lstStyle/>
+          <a:p>
+            <a:r>
+              <a:rPr kumimoji="1" lang="en-US" altLang="zh-CN"/>
+              <a:t>WebAssembly System Interface</a:t>
+            </a:r>
+            <a:endParaRPr kumimoji="1" lang="en-US" altLang="zh-CN"/>
+          </a:p>
+        </p:txBody>
+      </p:sp>
+      <p:sp>
+        <p:nvSpPr>
+          <p:cNvPr id="3" name="文本占位符 2"/>
+          <p:cNvSpPr>
+            <a:spLocks noGrp="1"/>
+          </p:cNvSpPr>
+          <p:nvPr>
+            <p:ph type="body" sz="quarter" idx="22"/>
+          </p:nvPr>
+        </p:nvSpPr>
+        <p:spPr/>
+        <p:txBody>
+          <a:bodyPr/>
+          <a:lstStyle/>
+          <a:p>
+            <a:endParaRPr kumimoji="1" lang="zh-CN" altLang="en-US"/>
           </a:p>
         </p:txBody>
       </p:sp>
@@ -5830,7 +6442,11 @@
           <a:bodyPr/>
           <a:lstStyle/>
           <a:p>
-            <a:endParaRPr kumimoji="1" lang="zh-CN" altLang="en-US"/>
+            <a:r>
+              <a:rPr kumimoji="1" lang="en-US" altLang="zh-CN"/>
+              <a:t>Comparation</a:t>
+            </a:r>
+            <a:endParaRPr kumimoji="1" lang="en-US" altLang="zh-CN"/>
           </a:p>
         </p:txBody>
       </p:sp>
@@ -5941,12 +6557,15 @@
               </a:defRPr>
             </a:pPr>
             <a:r>
-              <a:rPr lang="en-US" altLang="en-GB" sz="9600">
+              <a:rPr lang="en-US" altLang="zh-CN" sz="9600">
+                <a:latin typeface="OPPOSans R" pitchFamily="18" charset="-122"/>
+                <a:ea typeface="OPPOSans R" pitchFamily="18" charset="-122"/>
+                <a:cs typeface="OPPOSans R" pitchFamily="18" charset="-122"/>
                 <a:sym typeface="+mn-ea"/>
               </a:rPr>
-              <a:t>Question&amp;Answer</a:t>
-            </a:r>
-            <a:endParaRPr lang="en-GB" altLang="zh-CN" sz="9600" dirty="0"/>
+              <a:t>Extention</a:t>
+            </a:r>
+            <a:endParaRPr lang="en-US" altLang="en-GB" sz="9600" dirty="0"/>
           </a:p>
         </p:txBody>
       </p:sp>
@@ -6210,12 +6829,6 @@
           <a:bodyPr/>
           <a:lstStyle/>
           <a:p>
-            <a:r>
-              <a:rPr lang="en-US" altLang="en-GB">
-                <a:sym typeface="+mn-ea"/>
-              </a:rPr>
-              <a:t>Question&amp;Answer</a:t>
-            </a:r>
             <a:endParaRPr kumimoji="1" lang="zh-CN" altLang="en-US"/>
           </a:p>
         </p:txBody>
@@ -6235,59 +6848,7 @@
           <a:bodyPr/>
           <a:lstStyle/>
           <a:p>
-            <a:r>
-              <a:rPr kumimoji="1" lang="en-US" altLang="zh-CN"/>
-              <a:t>The friendship project link is as follows:</a:t>
-            </a:r>
-            <a:endParaRPr kumimoji="1" lang="en-US" altLang="zh-CN"/>
-          </a:p>
-          <a:p>
-            <a:r>
-              <a:rPr kumimoji="1" lang="en-US" altLang="zh-CN"/>
-              <a:t>https://github.com/acl-dev/open-coroutine</a:t>
-            </a:r>
-            <a:endParaRPr kumimoji="1" lang="en-US" altLang="zh-CN"/>
-          </a:p>
-          <a:p>
-            <a:r>
-              <a:rPr kumimoji="1" lang="en-US" altLang="zh-CN"/>
-              <a:t>https://github.com/acl-dev/acl</a:t>
-            </a:r>
-            <a:endParaRPr kumimoji="1" lang="en-US" altLang="zh-CN"/>
-          </a:p>
-          <a:p>
-            <a:r>
-              <a:rPr kumimoji="1" lang="en-US" altLang="zh-CN"/>
-              <a:t>https://github.com/alibaba/arthas</a:t>
-            </a:r>
-            <a:endParaRPr kumimoji="1" lang="en-US" altLang="zh-CN"/>
-          </a:p>
-          <a:p>
-            <a:r>
-              <a:rPr kumimoji="1" lang="en-US" altLang="zh-CN">
-                <a:sym typeface="+mn-ea"/>
-              </a:rPr>
-              <a:t>https://github.com/bytedance/monoio</a:t>
-            </a:r>
-            <a:endParaRPr kumimoji="1" lang="en-US" altLang="zh-CN">
-              <a:sym typeface="+mn-ea"/>
-            </a:endParaRPr>
-          </a:p>
-          <a:p>
-            <a:r>
-              <a:rPr kumimoji="1" lang="en-US" altLang="zh-CN">
-                <a:sym typeface="+mn-ea"/>
-              </a:rPr>
-              <a:t>https://github.com/dromara/dynamic-tp</a:t>
-            </a:r>
-            <a:endParaRPr kumimoji="1" lang="en-US" altLang="zh-CN"/>
-          </a:p>
-          <a:p>
-            <a:r>
-              <a:rPr kumimoji="1" lang="en-US" altLang="zh-CN"/>
-              <a:t>https://github.com/apache/dubbo-spi-extensions</a:t>
-            </a:r>
-            <a:endParaRPr kumimoji="1" lang="en-US" altLang="zh-CN"/>
+            <a:endParaRPr kumimoji="1" lang="zh-CN" altLang="en-US"/>
           </a:p>
         </p:txBody>
       </p:sp>
@@ -6300,6 +6861,238 @@
 </file>
 
 <file path=ppt/slides/slide21.xml><?xml version="1.0" encoding="utf-8"?>
+<p:sld xmlns:a="http://schemas.openxmlformats.org/drawingml/2006/main" xmlns:r="http://schemas.openxmlformats.org/officeDocument/2006/relationships" xmlns:p="http://schemas.openxmlformats.org/presentationml/2006/main">
+  <p:cSld>
+    <p:spTree>
+      <p:nvGrpSpPr>
+        <p:cNvPr id="1" name=""/>
+        <p:cNvGrpSpPr/>
+        <p:nvPr/>
+      </p:nvGrpSpPr>
+      <p:grpSpPr>
+        <a:xfrm>
+          <a:off x="0" y="0"/>
+          <a:ext cx="0" cy="0"/>
+          <a:chOff x="0" y="0"/>
+          <a:chExt cx="0" cy="0"/>
+        </a:xfrm>
+      </p:grpSpPr>
+      <p:sp>
+        <p:nvSpPr>
+          <p:cNvPr id="9" name="标题占位符 16"/>
+          <p:cNvSpPr txBox="1"/>
+          <p:nvPr/>
+        </p:nvSpPr>
+        <p:spPr>
+          <a:xfrm>
+            <a:off x="1750489" y="4437077"/>
+            <a:ext cx="20957109" cy="2651125"/>
+          </a:xfrm>
+          <a:prstGeom prst="rect">
+            <a:avLst/>
+          </a:prstGeom>
+        </p:spPr>
+        <p:txBody>
+          <a:bodyPr vert="horz" lIns="91440" tIns="45720" rIns="91440" bIns="45720" rtlCol="0" anchor="ctr">
+            <a:normAutofit/>
+          </a:bodyPr>
+          <a:lstStyle>
+            <a:lvl1pPr marL="0" marR="0" indent="0" algn="ctr" defTabSz="2438400" rtl="0" eaLnBrk="1" fontAlgn="auto" latinLnBrk="0" hangingPunct="1">
+              <a:lnSpc>
+                <a:spcPct val="110000"/>
+              </a:lnSpc>
+              <a:spcBef>
+                <a:spcPts val="0"/>
+              </a:spcBef>
+              <a:spcAft>
+                <a:spcPts val="0"/>
+              </a:spcAft>
+              <a:buClrTx/>
+              <a:buSzTx/>
+              <a:buFontTx/>
+              <a:buNone/>
+              <a:defRPr kumimoji="0" lang="zh-CN" altLang="en-US" sz="8000" b="0" i="0" u="none" strike="noStrike" kern="0" cap="none" spc="0" normalizeH="0" baseline="0" dirty="0">
+                <a:ln>
+                  <a:noFill/>
+                </a:ln>
+                <a:solidFill>
+                  <a:srgbClr val="FFFFFF"/>
+                </a:solidFill>
+                <a:effectLst/>
+                <a:uFillTx/>
+                <a:latin typeface="OPPOSans H"/>
+                <a:ea typeface="OPPOSans H"/>
+                <a:cs typeface="OPPOSans H"/>
+                <a:sym typeface="OPPOSans H"/>
+              </a:defRPr>
+            </a:lvl1pPr>
+          </a:lstStyle>
+          <a:p>
+            <a:pPr>
+              <a:defRPr sz="8000" b="0">
+                <a:solidFill>
+                  <a:srgbClr val="FFFFFF"/>
+                </a:solidFill>
+                <a:latin typeface="OPPOSans H"/>
+                <a:ea typeface="OPPOSans H"/>
+                <a:cs typeface="OPPOSans H"/>
+                <a:sym typeface="OPPOSans H"/>
+              </a:defRPr>
+            </a:pPr>
+            <a:r>
+              <a:rPr lang="en-US" altLang="en-GB" sz="9600">
+                <a:sym typeface="+mn-ea"/>
+              </a:rPr>
+              <a:t>Question&amp;Answer</a:t>
+            </a:r>
+            <a:endParaRPr lang="en-GB" altLang="zh-CN" sz="9600" dirty="0"/>
+          </a:p>
+        </p:txBody>
+      </p:sp>
+    </p:spTree>
+  </p:cSld>
+  <p:clrMapOvr>
+    <a:masterClrMapping/>
+  </p:clrMapOvr>
+</p:sld>
+</file>
+
+<file path=ppt/slides/slide22.xml><?xml version="1.0" encoding="utf-8"?>
+<p:sld xmlns:a="http://schemas.openxmlformats.org/drawingml/2006/main" xmlns:r="http://schemas.openxmlformats.org/officeDocument/2006/relationships" xmlns:p="http://schemas.openxmlformats.org/presentationml/2006/main">
+  <p:cSld>
+    <p:bg>
+      <p:bgPr>
+        <a:blipFill dpi="0" rotWithShape="1">
+          <a:blip r:embed="rId1">
+            <a:lum/>
+          </a:blip>
+          <a:srcRect/>
+          <a:stretch>
+            <a:fillRect/>
+          </a:stretch>
+        </a:blipFill>
+        <a:effectLst/>
+      </p:bgPr>
+    </p:bg>
+    <p:spTree>
+      <p:nvGrpSpPr>
+        <p:cNvPr id="1" name=""/>
+        <p:cNvGrpSpPr/>
+        <p:nvPr/>
+      </p:nvGrpSpPr>
+      <p:grpSpPr>
+        <a:xfrm>
+          <a:off x="0" y="0"/>
+          <a:ext cx="0" cy="0"/>
+          <a:chOff x="0" y="0"/>
+          <a:chExt cx="0" cy="0"/>
+        </a:xfrm>
+      </p:grpSpPr>
+      <p:sp>
+        <p:nvSpPr>
+          <p:cNvPr id="2" name="文本占位符 1"/>
+          <p:cNvSpPr>
+            <a:spLocks noGrp="1"/>
+          </p:cNvSpPr>
+          <p:nvPr>
+            <p:ph type="body" sz="quarter" idx="21"/>
+          </p:nvPr>
+        </p:nvSpPr>
+        <p:spPr/>
+        <p:txBody>
+          <a:bodyPr/>
+          <a:lstStyle/>
+          <a:p>
+            <a:r>
+              <a:rPr lang="en-US" altLang="en-GB">
+                <a:sym typeface="+mn-ea"/>
+              </a:rPr>
+              <a:t>Question&amp;Answer</a:t>
+            </a:r>
+            <a:endParaRPr kumimoji="1" lang="zh-CN" altLang="en-US"/>
+          </a:p>
+        </p:txBody>
+      </p:sp>
+      <p:sp>
+        <p:nvSpPr>
+          <p:cNvPr id="3" name="文本占位符 2"/>
+          <p:cNvSpPr>
+            <a:spLocks noGrp="1"/>
+          </p:cNvSpPr>
+          <p:nvPr>
+            <p:ph type="body" sz="quarter" idx="22"/>
+          </p:nvPr>
+        </p:nvSpPr>
+        <p:spPr/>
+        <p:txBody>
+          <a:bodyPr/>
+          <a:lstStyle/>
+          <a:p>
+            <a:r>
+              <a:rPr kumimoji="1" lang="en-US" altLang="zh-CN"/>
+              <a:t>The friendship project link is as follows:</a:t>
+            </a:r>
+            <a:endParaRPr kumimoji="1" lang="en-US" altLang="zh-CN"/>
+          </a:p>
+          <a:p>
+            <a:r>
+              <a:rPr kumimoji="1" lang="en-US" altLang="zh-CN"/>
+              <a:t>https://github.com/acl-dev/open-coroutine</a:t>
+            </a:r>
+            <a:endParaRPr kumimoji="1" lang="en-US" altLang="zh-CN"/>
+          </a:p>
+          <a:p>
+            <a:r>
+              <a:rPr kumimoji="1" lang="en-US" altLang="zh-CN"/>
+              <a:t>https://github.com/acl-dev/acl</a:t>
+            </a:r>
+            <a:endParaRPr kumimoji="1" lang="en-US" altLang="zh-CN"/>
+          </a:p>
+          <a:p>
+            <a:r>
+              <a:rPr kumimoji="1" lang="en-US" altLang="zh-CN"/>
+              <a:t>https://github.com/alibaba/arthas</a:t>
+            </a:r>
+            <a:endParaRPr kumimoji="1" lang="en-US" altLang="zh-CN"/>
+          </a:p>
+          <a:p>
+            <a:r>
+              <a:rPr kumimoji="1" lang="en-US" altLang="zh-CN">
+                <a:sym typeface="+mn-ea"/>
+              </a:rPr>
+              <a:t>https://github.com/bytedance/monoio</a:t>
+            </a:r>
+            <a:endParaRPr kumimoji="1" lang="en-US" altLang="zh-CN">
+              <a:sym typeface="+mn-ea"/>
+            </a:endParaRPr>
+          </a:p>
+          <a:p>
+            <a:r>
+              <a:rPr kumimoji="1" lang="en-US" altLang="zh-CN">
+                <a:sym typeface="+mn-ea"/>
+              </a:rPr>
+              <a:t>https://github.com/dromara/dynamic-tp</a:t>
+            </a:r>
+            <a:endParaRPr kumimoji="1" lang="en-US" altLang="zh-CN"/>
+          </a:p>
+          <a:p>
+            <a:r>
+              <a:rPr kumimoji="1" lang="en-US" altLang="zh-CN"/>
+              <a:t>https://github.com/apache/dubbo-spi-extensions</a:t>
+            </a:r>
+            <a:endParaRPr kumimoji="1" lang="en-US" altLang="zh-CN"/>
+          </a:p>
+        </p:txBody>
+      </p:sp>
+    </p:spTree>
+  </p:cSld>
+  <p:clrMapOvr>
+    <a:masterClrMapping/>
+  </p:clrMapOvr>
+</p:sld>
+</file>
+
+<file path=ppt/slides/slide23.xml><?xml version="1.0" encoding="utf-8"?>
 <p:sld xmlns:a="http://schemas.openxmlformats.org/drawingml/2006/main" xmlns:r="http://schemas.openxmlformats.org/officeDocument/2006/relationships" xmlns:p="http://schemas.openxmlformats.org/presentationml/2006/main">
   <p:cSld>
     <p:spTree>
@@ -6343,7 +7136,7 @@
               <a:spcBef>
                 <a:spcPts val="1000"/>
               </a:spcBef>
-              <a:buFont typeface="Arial" panose="020B0604020202090204" pitchFamily="34" charset="0"/>
+              <a:buFont typeface="Arial" panose="020B0604020202020204" pitchFamily="34" charset="0"/>
               <a:buChar char="•"/>
               <a:defRPr sz="3200" b="0" i="0" kern="1200" spc="64">
                 <a:solidFill>
@@ -6362,7 +7155,7 @@
               <a:spcBef>
                 <a:spcPts val="500"/>
               </a:spcBef>
-              <a:buFont typeface="Arial" panose="020B0604020202090204" pitchFamily="34" charset="0"/>
+              <a:buFont typeface="Arial" panose="020B0604020202020204" pitchFamily="34" charset="0"/>
               <a:buChar char="•"/>
               <a:defRPr sz="2400" kern="1200">
                 <a:solidFill>
@@ -6380,7 +7173,7 @@
               <a:spcBef>
                 <a:spcPts val="500"/>
               </a:spcBef>
-              <a:buFont typeface="Arial" panose="020B0604020202090204" pitchFamily="34" charset="0"/>
+              <a:buFont typeface="Arial" panose="020B0604020202020204" pitchFamily="34" charset="0"/>
               <a:buChar char="•"/>
               <a:defRPr sz="2000" kern="1200">
                 <a:solidFill>
@@ -6398,7 +7191,7 @@
               <a:spcBef>
                 <a:spcPts val="500"/>
               </a:spcBef>
-              <a:buFont typeface="Arial" panose="020B0604020202090204" pitchFamily="34" charset="0"/>
+              <a:buFont typeface="Arial" panose="020B0604020202020204" pitchFamily="34" charset="0"/>
               <a:buChar char="•"/>
               <a:defRPr sz="1800" kern="1200">
                 <a:solidFill>
@@ -6416,7 +7209,7 @@
               <a:spcBef>
                 <a:spcPts val="500"/>
               </a:spcBef>
-              <a:buFont typeface="Arial" panose="020B0604020202090204" pitchFamily="34" charset="0"/>
+              <a:buFont typeface="Arial" panose="020B0604020202020204" pitchFamily="34" charset="0"/>
               <a:buChar char="•"/>
               <a:defRPr sz="1800" kern="1200">
                 <a:solidFill>
@@ -6434,7 +7227,7 @@
               <a:spcBef>
                 <a:spcPts val="500"/>
               </a:spcBef>
-              <a:buFont typeface="Arial" panose="020B0604020202090204" pitchFamily="34" charset="0"/>
+              <a:buFont typeface="Arial" panose="020B0604020202020204" pitchFamily="34" charset="0"/>
               <a:buChar char="•"/>
               <a:defRPr sz="1800" kern="1200">
                 <a:solidFill>
@@ -6452,7 +7245,7 @@
               <a:spcBef>
                 <a:spcPts val="500"/>
               </a:spcBef>
-              <a:buFont typeface="Arial" panose="020B0604020202090204" pitchFamily="34" charset="0"/>
+              <a:buFont typeface="Arial" panose="020B0604020202020204" pitchFamily="34" charset="0"/>
               <a:buChar char="•"/>
               <a:defRPr sz="1800" kern="1200">
                 <a:solidFill>
@@ -6470,7 +7263,7 @@
               <a:spcBef>
                 <a:spcPts val="500"/>
               </a:spcBef>
-              <a:buFont typeface="Arial" panose="020B0604020202090204" pitchFamily="34" charset="0"/>
+              <a:buFont typeface="Arial" panose="020B0604020202020204" pitchFamily="34" charset="0"/>
               <a:buChar char="•"/>
               <a:defRPr sz="1800" kern="1200">
                 <a:solidFill>
@@ -6488,7 +7281,7 @@
               <a:spcBef>
                 <a:spcPts val="500"/>
               </a:spcBef>
-              <a:buFont typeface="Arial" panose="020B0604020202090204" pitchFamily="34" charset="0"/>
+              <a:buFont typeface="Arial" panose="020B0604020202020204" pitchFamily="34" charset="0"/>
               <a:buChar char="•"/>
               <a:defRPr sz="1800" kern="1200">
                 <a:solidFill>
@@ -6672,7 +7465,7 @@
               <a:spcBef>
                 <a:spcPts val="1000"/>
               </a:spcBef>
-              <a:buFont typeface="Arial" panose="020B0604020202090204" pitchFamily="34" charset="0"/>
+              <a:buFont typeface="Arial" panose="020B0604020202020204" pitchFamily="34" charset="0"/>
               <a:buChar char="•"/>
               <a:defRPr sz="3200" b="0" i="0" kern="1200" spc="64">
                 <a:solidFill>
@@ -6691,7 +7484,7 @@
               <a:spcBef>
                 <a:spcPts val="500"/>
               </a:spcBef>
-              <a:buFont typeface="Arial" panose="020B0604020202090204" pitchFamily="34" charset="0"/>
+              <a:buFont typeface="Arial" panose="020B0604020202020204" pitchFamily="34" charset="0"/>
               <a:buChar char="•"/>
               <a:defRPr sz="2400" kern="1200">
                 <a:solidFill>
@@ -6709,7 +7502,7 @@
               <a:spcBef>
                 <a:spcPts val="500"/>
               </a:spcBef>
-              <a:buFont typeface="Arial" panose="020B0604020202090204" pitchFamily="34" charset="0"/>
+              <a:buFont typeface="Arial" panose="020B0604020202020204" pitchFamily="34" charset="0"/>
               <a:buChar char="•"/>
               <a:defRPr sz="2000" kern="1200">
                 <a:solidFill>
@@ -6727,7 +7520,7 @@
               <a:spcBef>
                 <a:spcPts val="500"/>
               </a:spcBef>
-              <a:buFont typeface="Arial" panose="020B0604020202090204" pitchFamily="34" charset="0"/>
+              <a:buFont typeface="Arial" panose="020B0604020202020204" pitchFamily="34" charset="0"/>
               <a:buChar char="•"/>
               <a:defRPr sz="1800" kern="1200">
                 <a:solidFill>
@@ -6745,7 +7538,7 @@
               <a:spcBef>
                 <a:spcPts val="500"/>
               </a:spcBef>
-              <a:buFont typeface="Arial" panose="020B0604020202090204" pitchFamily="34" charset="0"/>
+              <a:buFont typeface="Arial" panose="020B0604020202020204" pitchFamily="34" charset="0"/>
               <a:buChar char="•"/>
               <a:defRPr sz="1800" kern="1200">
                 <a:solidFill>
@@ -6763,7 +7556,7 @@
               <a:spcBef>
                 <a:spcPts val="500"/>
               </a:spcBef>
-              <a:buFont typeface="Arial" panose="020B0604020202090204" pitchFamily="34" charset="0"/>
+              <a:buFont typeface="Arial" panose="020B0604020202020204" pitchFamily="34" charset="0"/>
               <a:buChar char="•"/>
               <a:defRPr sz="1800" kern="1200">
                 <a:solidFill>
@@ -6781,7 +7574,7 @@
               <a:spcBef>
                 <a:spcPts val="500"/>
               </a:spcBef>
-              <a:buFont typeface="Arial" panose="020B0604020202090204" pitchFamily="34" charset="0"/>
+              <a:buFont typeface="Arial" panose="020B0604020202020204" pitchFamily="34" charset="0"/>
               <a:buChar char="•"/>
               <a:defRPr sz="1800" kern="1200">
                 <a:solidFill>
@@ -6799,7 +7592,7 @@
               <a:spcBef>
                 <a:spcPts val="500"/>
               </a:spcBef>
-              <a:buFont typeface="Arial" panose="020B0604020202090204" pitchFamily="34" charset="0"/>
+              <a:buFont typeface="Arial" panose="020B0604020202020204" pitchFamily="34" charset="0"/>
               <a:buChar char="•"/>
               <a:defRPr sz="1800" kern="1200">
                 <a:solidFill>
@@ -6817,7 +7610,7 @@
               <a:spcBef>
                 <a:spcPts val="500"/>
               </a:spcBef>
-              <a:buFont typeface="Arial" panose="020B0604020202090204" pitchFamily="34" charset="0"/>
+              <a:buFont typeface="Arial" panose="020B0604020202020204" pitchFamily="34" charset="0"/>
               <a:buChar char="•"/>
               <a:defRPr sz="1800" kern="1200">
                 <a:solidFill>
@@ -7290,7 +8083,7 @@
               <a:rPr kumimoji="1" lang="en-US" altLang="zh-CN">
                 <a:sym typeface="+mn-ea"/>
               </a:rPr>
-              <a:t>The Creator of </a:t>
+              <a:t>The founder of </a:t>
             </a:r>
             <a:r>
               <a:rPr kumimoji="1" lang="en-US" altLang="zh-CN">
@@ -7574,7 +8367,7 @@
           <a:p>
             <a:r>
               <a:rPr kumimoji="1" lang="en-US" altLang="zh-CN"/>
-              <a:t>ShenYu has good extensibility in the Java. However, we cannot extend ShenYu plugin in languages other than Java.</a:t>
+              <a:t>ShenYu has good extensibility in the Java. However, we can’t extend ShenYu plugin in languages other than Java.</a:t>
             </a:r>
             <a:endParaRPr kumimoji="1" lang="en-US" altLang="zh-CN"/>
           </a:p>

--- a/PlayWithWASM.pptx
+++ b/PlayWithWASM.pptx
@@ -6,10 +6,10 @@
     <p:sldMasterId id="2147483654" r:id="rId3"/>
   </p:sldMasterIdLst>
   <p:notesMasterIdLst>
-    <p:notesMasterId r:id="rId27"/>
+    <p:notesMasterId r:id="rId28"/>
   </p:notesMasterIdLst>
   <p:handoutMasterIdLst>
-    <p:handoutMasterId r:id="rId28"/>
+    <p:handoutMasterId r:id="rId29"/>
   </p:handoutMasterIdLst>
   <p:sldIdLst>
     <p:sldId id="274" r:id="rId4"/>
@@ -29,12 +29,13 @@
     <p:sldId id="295" r:id="rId18"/>
     <p:sldId id="318" r:id="rId19"/>
     <p:sldId id="296" r:id="rId20"/>
-    <p:sldId id="293" r:id="rId21"/>
-    <p:sldId id="288" r:id="rId22"/>
-    <p:sldId id="289" r:id="rId23"/>
-    <p:sldId id="298" r:id="rId24"/>
-    <p:sldId id="299" r:id="rId25"/>
-    <p:sldId id="297" r:id="rId26"/>
+    <p:sldId id="340" r:id="rId21"/>
+    <p:sldId id="293" r:id="rId22"/>
+    <p:sldId id="288" r:id="rId23"/>
+    <p:sldId id="289" r:id="rId24"/>
+    <p:sldId id="298" r:id="rId25"/>
+    <p:sldId id="299" r:id="rId26"/>
+    <p:sldId id="297" r:id="rId27"/>
   </p:sldIdLst>
   <p:sldSz cx="24384000" cy="13716000"/>
   <p:notesSz cx="6858000" cy="9144000"/>
@@ -3707,7 +3708,7 @@
         <a:spcBef>
           <a:spcPts val="1000"/>
         </a:spcBef>
-        <a:buFont typeface="Arial" panose="020B0604020202020204" pitchFamily="34" charset="0"/>
+        <a:buFont typeface="Arial" panose="020B0604020202090204" pitchFamily="34" charset="0"/>
         <a:buChar char="•"/>
         <a:defRPr sz="2800" kern="1200">
           <a:solidFill>
@@ -3725,7 +3726,7 @@
         <a:spcBef>
           <a:spcPts val="500"/>
         </a:spcBef>
-        <a:buFont typeface="Arial" panose="020B0604020202020204" pitchFamily="34" charset="0"/>
+        <a:buFont typeface="Arial" panose="020B0604020202090204" pitchFamily="34" charset="0"/>
         <a:buChar char="•"/>
         <a:defRPr sz="2400" kern="1200">
           <a:solidFill>
@@ -3743,7 +3744,7 @@
         <a:spcBef>
           <a:spcPts val="500"/>
         </a:spcBef>
-        <a:buFont typeface="Arial" panose="020B0604020202020204" pitchFamily="34" charset="0"/>
+        <a:buFont typeface="Arial" panose="020B0604020202090204" pitchFamily="34" charset="0"/>
         <a:buChar char="•"/>
         <a:defRPr sz="2000" kern="1200">
           <a:solidFill>
@@ -3761,7 +3762,7 @@
         <a:spcBef>
           <a:spcPts val="500"/>
         </a:spcBef>
-        <a:buFont typeface="Arial" panose="020B0604020202020204" pitchFamily="34" charset="0"/>
+        <a:buFont typeface="Arial" panose="020B0604020202090204" pitchFamily="34" charset="0"/>
         <a:buChar char="•"/>
         <a:defRPr sz="1800" kern="1200">
           <a:solidFill>
@@ -3779,7 +3780,7 @@
         <a:spcBef>
           <a:spcPts val="500"/>
         </a:spcBef>
-        <a:buFont typeface="Arial" panose="020B0604020202020204" pitchFamily="34" charset="0"/>
+        <a:buFont typeface="Arial" panose="020B0604020202090204" pitchFamily="34" charset="0"/>
         <a:buChar char="•"/>
         <a:defRPr sz="1800" kern="1200">
           <a:solidFill>
@@ -3797,7 +3798,7 @@
         <a:spcBef>
           <a:spcPts val="500"/>
         </a:spcBef>
-        <a:buFont typeface="Arial" panose="020B0604020202020204" pitchFamily="34" charset="0"/>
+        <a:buFont typeface="Arial" panose="020B0604020202090204" pitchFamily="34" charset="0"/>
         <a:buChar char="•"/>
         <a:defRPr sz="1800" kern="1200">
           <a:solidFill>
@@ -3815,7 +3816,7 @@
         <a:spcBef>
           <a:spcPts val="500"/>
         </a:spcBef>
-        <a:buFont typeface="Arial" panose="020B0604020202020204" pitchFamily="34" charset="0"/>
+        <a:buFont typeface="Arial" panose="020B0604020202090204" pitchFamily="34" charset="0"/>
         <a:buChar char="•"/>
         <a:defRPr sz="1800" kern="1200">
           <a:solidFill>
@@ -3833,7 +3834,7 @@
         <a:spcBef>
           <a:spcPts val="500"/>
         </a:spcBef>
-        <a:buFont typeface="Arial" panose="020B0604020202020204" pitchFamily="34" charset="0"/>
+        <a:buFont typeface="Arial" panose="020B0604020202090204" pitchFamily="34" charset="0"/>
         <a:buChar char="•"/>
         <a:defRPr sz="1800" kern="1200">
           <a:solidFill>
@@ -3851,7 +3852,7 @@
         <a:spcBef>
           <a:spcPts val="500"/>
         </a:spcBef>
-        <a:buFont typeface="Arial" panose="020B0604020202020204" pitchFamily="34" charset="0"/>
+        <a:buFont typeface="Arial" panose="020B0604020202090204" pitchFamily="34" charset="0"/>
         <a:buChar char="•"/>
         <a:defRPr sz="1800" kern="1200">
           <a:solidFill>
@@ -4225,7 +4226,7 @@
         <a:spcBef>
           <a:spcPts val="1000"/>
         </a:spcBef>
-        <a:buFont typeface="Arial" panose="020B0604020202020204" pitchFamily="34" charset="0"/>
+        <a:buFont typeface="Arial" panose="020B0604020202090204" pitchFamily="34" charset="0"/>
         <a:buChar char="•"/>
         <a:defRPr sz="2800" kern="1200">
           <a:solidFill>
@@ -4243,7 +4244,7 @@
         <a:spcBef>
           <a:spcPts val="500"/>
         </a:spcBef>
-        <a:buFont typeface="Arial" panose="020B0604020202020204" pitchFamily="34" charset="0"/>
+        <a:buFont typeface="Arial" panose="020B0604020202090204" pitchFamily="34" charset="0"/>
         <a:buChar char="•"/>
         <a:defRPr sz="2400" kern="1200">
           <a:solidFill>
@@ -4261,7 +4262,7 @@
         <a:spcBef>
           <a:spcPts val="500"/>
         </a:spcBef>
-        <a:buFont typeface="Arial" panose="020B0604020202020204" pitchFamily="34" charset="0"/>
+        <a:buFont typeface="Arial" panose="020B0604020202090204" pitchFamily="34" charset="0"/>
         <a:buChar char="•"/>
         <a:defRPr sz="2000" kern="1200">
           <a:solidFill>
@@ -4279,7 +4280,7 @@
         <a:spcBef>
           <a:spcPts val="500"/>
         </a:spcBef>
-        <a:buFont typeface="Arial" panose="020B0604020202020204" pitchFamily="34" charset="0"/>
+        <a:buFont typeface="Arial" panose="020B0604020202090204" pitchFamily="34" charset="0"/>
         <a:buChar char="•"/>
         <a:defRPr sz="1800" kern="1200">
           <a:solidFill>
@@ -4297,7 +4298,7 @@
         <a:spcBef>
           <a:spcPts val="500"/>
         </a:spcBef>
-        <a:buFont typeface="Arial" panose="020B0604020202020204" pitchFamily="34" charset="0"/>
+        <a:buFont typeface="Arial" panose="020B0604020202090204" pitchFamily="34" charset="0"/>
         <a:buChar char="•"/>
         <a:defRPr sz="1800" kern="1200">
           <a:solidFill>
@@ -4315,7 +4316,7 @@
         <a:spcBef>
           <a:spcPts val="500"/>
         </a:spcBef>
-        <a:buFont typeface="Arial" panose="020B0604020202020204" pitchFamily="34" charset="0"/>
+        <a:buFont typeface="Arial" panose="020B0604020202090204" pitchFamily="34" charset="0"/>
         <a:buChar char="•"/>
         <a:defRPr sz="1800" kern="1200">
           <a:solidFill>
@@ -4333,7 +4334,7 @@
         <a:spcBef>
           <a:spcPts val="500"/>
         </a:spcBef>
-        <a:buFont typeface="Arial" panose="020B0604020202020204" pitchFamily="34" charset="0"/>
+        <a:buFont typeface="Arial" panose="020B0604020202090204" pitchFamily="34" charset="0"/>
         <a:buChar char="•"/>
         <a:defRPr sz="1800" kern="1200">
           <a:solidFill>
@@ -4351,7 +4352,7 @@
         <a:spcBef>
           <a:spcPts val="500"/>
         </a:spcBef>
-        <a:buFont typeface="Arial" panose="020B0604020202020204" pitchFamily="34" charset="0"/>
+        <a:buFont typeface="Arial" panose="020B0604020202090204" pitchFamily="34" charset="0"/>
         <a:buChar char="•"/>
         <a:defRPr sz="1800" kern="1200">
           <a:solidFill>
@@ -4369,7 +4370,7 @@
         <a:spcBef>
           <a:spcPts val="500"/>
         </a:spcBef>
-        <a:buFont typeface="Arial" panose="020B0604020202020204" pitchFamily="34" charset="0"/>
+        <a:buFont typeface="Arial" panose="020B0604020202090204" pitchFamily="34" charset="0"/>
         <a:buChar char="•"/>
         <a:defRPr sz="1800" kern="1200">
           <a:solidFill>
@@ -4524,7 +4525,7 @@
               <a:spcBef>
                 <a:spcPts val="1000"/>
               </a:spcBef>
-              <a:buFont typeface="Arial" panose="020B0604020202020204" pitchFamily="34" charset="0"/>
+              <a:buFont typeface="Arial" panose="020B0604020202090204" pitchFamily="34" charset="0"/>
               <a:buChar char="•"/>
               <a:defRPr sz="3200" b="0" i="0" kern="1200" spc="64">
                 <a:solidFill>
@@ -4543,7 +4544,7 @@
               <a:spcBef>
                 <a:spcPts val="500"/>
               </a:spcBef>
-              <a:buFont typeface="Arial" panose="020B0604020202020204" pitchFamily="34" charset="0"/>
+              <a:buFont typeface="Arial" panose="020B0604020202090204" pitchFamily="34" charset="0"/>
               <a:buChar char="•"/>
               <a:defRPr sz="2400" kern="1200">
                 <a:solidFill>
@@ -4561,7 +4562,7 @@
               <a:spcBef>
                 <a:spcPts val="500"/>
               </a:spcBef>
-              <a:buFont typeface="Arial" panose="020B0604020202020204" pitchFamily="34" charset="0"/>
+              <a:buFont typeface="Arial" panose="020B0604020202090204" pitchFamily="34" charset="0"/>
               <a:buChar char="•"/>
               <a:defRPr sz="2000" kern="1200">
                 <a:solidFill>
@@ -4579,7 +4580,7 @@
               <a:spcBef>
                 <a:spcPts val="500"/>
               </a:spcBef>
-              <a:buFont typeface="Arial" panose="020B0604020202020204" pitchFamily="34" charset="0"/>
+              <a:buFont typeface="Arial" panose="020B0604020202090204" pitchFamily="34" charset="0"/>
               <a:buChar char="•"/>
               <a:defRPr sz="1800" kern="1200">
                 <a:solidFill>
@@ -4597,7 +4598,7 @@
               <a:spcBef>
                 <a:spcPts val="500"/>
               </a:spcBef>
-              <a:buFont typeface="Arial" panose="020B0604020202020204" pitchFamily="34" charset="0"/>
+              <a:buFont typeface="Arial" panose="020B0604020202090204" pitchFamily="34" charset="0"/>
               <a:buChar char="•"/>
               <a:defRPr sz="1800" kern="1200">
                 <a:solidFill>
@@ -4615,7 +4616,7 @@
               <a:spcBef>
                 <a:spcPts val="500"/>
               </a:spcBef>
-              <a:buFont typeface="Arial" panose="020B0604020202020204" pitchFamily="34" charset="0"/>
+              <a:buFont typeface="Arial" panose="020B0604020202090204" pitchFamily="34" charset="0"/>
               <a:buChar char="•"/>
               <a:defRPr sz="1800" kern="1200">
                 <a:solidFill>
@@ -4633,7 +4634,7 @@
               <a:spcBef>
                 <a:spcPts val="500"/>
               </a:spcBef>
-              <a:buFont typeface="Arial" panose="020B0604020202020204" pitchFamily="34" charset="0"/>
+              <a:buFont typeface="Arial" panose="020B0604020202090204" pitchFamily="34" charset="0"/>
               <a:buChar char="•"/>
               <a:defRPr sz="1800" kern="1200">
                 <a:solidFill>
@@ -4651,7 +4652,7 @@
               <a:spcBef>
                 <a:spcPts val="500"/>
               </a:spcBef>
-              <a:buFont typeface="Arial" panose="020B0604020202020204" pitchFamily="34" charset="0"/>
+              <a:buFont typeface="Arial" panose="020B0604020202090204" pitchFamily="34" charset="0"/>
               <a:buChar char="•"/>
               <a:defRPr sz="1800" kern="1200">
                 <a:solidFill>
@@ -4669,7 +4670,7 @@
               <a:spcBef>
                 <a:spcPts val="500"/>
               </a:spcBef>
-              <a:buFont typeface="Arial" panose="020B0604020202020204" pitchFamily="34" charset="0"/>
+              <a:buFont typeface="Arial" panose="020B0604020202090204" pitchFamily="34" charset="0"/>
               <a:buChar char="•"/>
               <a:defRPr sz="1800" kern="1200">
                 <a:solidFill>
@@ -5010,7 +5011,7 @@
           <a:p>
             <a:r>
               <a:rPr kumimoji="1" lang="en-US" altLang="zh-CN"/>
-              <a:t>Local Forward</a:t>
+              <a:t>Local Forward Example</a:t>
             </a:r>
             <a:endParaRPr kumimoji="1" lang="en-US" altLang="zh-CN"/>
           </a:p>
@@ -5207,9 +5208,11 @@
               <a:rPr kumimoji="1" lang="en-US" altLang="zh-CN">
                 <a:sym typeface="+mn-ea"/>
               </a:rPr>
-              <a:t>Difficulty: Simple</a:t>
-            </a:r>
-            <a:endParaRPr kumimoji="1" lang="en-US" altLang="zh-CN"/>
+              <a:t>Difficulty: Middle, need to be familiar with network programming</a:t>
+            </a:r>
+            <a:endParaRPr kumimoji="1" lang="en-US" altLang="zh-CN">
+              <a:sym typeface="+mn-ea"/>
+            </a:endParaRPr>
           </a:p>
           <a:p>
             <a:r>
@@ -5222,7 +5225,7 @@
               <a:rPr kumimoji="1" lang="en-US" altLang="zh-CN">
                 <a:sym typeface="+mn-ea"/>
               </a:rPr>
-              <a:t>Great, no need to modify code</a:t>
+              <a:t>Great, no need to modify framework code</a:t>
             </a:r>
             <a:endParaRPr kumimoji="1" lang="en-US" altLang="zh-CN"/>
           </a:p>
@@ -5231,7 +5234,13 @@
               <a:rPr kumimoji="1" lang="en-US" altLang="zh-CN">
                 <a:sym typeface="+mn-ea"/>
               </a:rPr>
-              <a:t>User friendliness: Great</a:t>
+              <a:t>User friendliness: </a:t>
+            </a:r>
+            <a:r>
+              <a:rPr kumimoji="1" lang="en-US" altLang="zh-CN">
+                <a:sym typeface="+mn-ea"/>
+              </a:rPr>
+              <a:t>Middle, need to be familiar with network programming</a:t>
             </a:r>
             <a:endParaRPr kumimoji="1" lang="en-US" altLang="zh-CN">
               <a:sym typeface="+mn-ea"/>
@@ -5310,14 +5319,19 @@
             <p:ph type="body" sz="quarter" idx="21"/>
           </p:nvPr>
         </p:nvSpPr>
-        <p:spPr/>
+        <p:spPr>
+          <a:xfrm>
+            <a:off x="1420495" y="1397000"/>
+            <a:ext cx="10624185" cy="1231900"/>
+          </a:xfrm>
+        </p:spPr>
         <p:txBody>
           <a:bodyPr/>
           <a:lstStyle/>
           <a:p>
             <a:r>
               <a:rPr kumimoji="1" lang="en-US" altLang="zh-CN"/>
-              <a:t>Dynamic Link Library</a:t>
+              <a:t>Dynamic Link Library Example</a:t>
             </a:r>
             <a:endParaRPr kumimoji="1" lang="en-US" altLang="zh-CN"/>
           </a:p>
@@ -5458,14 +5472,19 @@
             <p:ph type="body" sz="quarter" idx="21"/>
           </p:nvPr>
         </p:nvSpPr>
-        <p:spPr/>
+        <p:spPr>
+          <a:xfrm>
+            <a:off x="1420495" y="1397000"/>
+            <a:ext cx="10434320" cy="1231900"/>
+          </a:xfrm>
+        </p:spPr>
         <p:txBody>
           <a:bodyPr/>
           <a:lstStyle/>
           <a:p>
             <a:r>
               <a:rPr kumimoji="1" lang="en-US" altLang="zh-CN"/>
-              <a:t>Dynamic Link Library</a:t>
+              <a:t>Dynamic Link Library Example</a:t>
             </a:r>
             <a:endParaRPr kumimoji="1" lang="en-US" altLang="zh-CN"/>
           </a:p>
@@ -5597,7 +5616,7 @@
               <a:spcBef>
                 <a:spcPts val="1000"/>
               </a:spcBef>
-              <a:buFont typeface="Arial" panose="020B0604020202020204" pitchFamily="34" charset="0"/>
+              <a:buFont typeface="Arial" panose="020B0604020202090204" pitchFamily="34" charset="0"/>
               <a:buNone/>
               <a:defRPr sz="4400" b="0" i="0" kern="1200">
                 <a:solidFill>
@@ -5616,7 +5635,7 @@
               <a:spcBef>
                 <a:spcPts val="500"/>
               </a:spcBef>
-              <a:buFont typeface="Arial" panose="020B0604020202020204" pitchFamily="34" charset="0"/>
+              <a:buFont typeface="Arial" panose="020B0604020202090204" pitchFamily="34" charset="0"/>
               <a:buChar char="•"/>
               <a:defRPr sz="2400" kern="1200">
                 <a:solidFill>
@@ -5634,7 +5653,7 @@
               <a:spcBef>
                 <a:spcPts val="500"/>
               </a:spcBef>
-              <a:buFont typeface="Arial" panose="020B0604020202020204" pitchFamily="34" charset="0"/>
+              <a:buFont typeface="Arial" panose="020B0604020202090204" pitchFamily="34" charset="0"/>
               <a:buChar char="•"/>
               <a:defRPr sz="2000" kern="1200">
                 <a:solidFill>
@@ -5652,7 +5671,7 @@
               <a:spcBef>
                 <a:spcPts val="500"/>
               </a:spcBef>
-              <a:buFont typeface="Arial" panose="020B0604020202020204" pitchFamily="34" charset="0"/>
+              <a:buFont typeface="Arial" panose="020B0604020202090204" pitchFamily="34" charset="0"/>
               <a:buChar char="•"/>
               <a:defRPr sz="1800" kern="1200">
                 <a:solidFill>
@@ -5670,7 +5689,7 @@
               <a:spcBef>
                 <a:spcPts val="500"/>
               </a:spcBef>
-              <a:buFont typeface="Arial" panose="020B0604020202020204" pitchFamily="34" charset="0"/>
+              <a:buFont typeface="Arial" panose="020B0604020202090204" pitchFamily="34" charset="0"/>
               <a:buChar char="•"/>
               <a:defRPr sz="1800" kern="1200">
                 <a:solidFill>
@@ -5688,7 +5707,7 @@
               <a:spcBef>
                 <a:spcPts val="500"/>
               </a:spcBef>
-              <a:buFont typeface="Arial" panose="020B0604020202020204" pitchFamily="34" charset="0"/>
+              <a:buFont typeface="Arial" panose="020B0604020202090204" pitchFamily="34" charset="0"/>
               <a:buChar char="•"/>
               <a:defRPr sz="1800" kern="1200">
                 <a:solidFill>
@@ -5706,7 +5725,7 @@
               <a:spcBef>
                 <a:spcPts val="500"/>
               </a:spcBef>
-              <a:buFont typeface="Arial" panose="020B0604020202020204" pitchFamily="34" charset="0"/>
+              <a:buFont typeface="Arial" panose="020B0604020202090204" pitchFamily="34" charset="0"/>
               <a:buChar char="•"/>
               <a:defRPr sz="1800" kern="1200">
                 <a:solidFill>
@@ -5724,7 +5743,7 @@
               <a:spcBef>
                 <a:spcPts val="500"/>
               </a:spcBef>
-              <a:buFont typeface="Arial" panose="020B0604020202020204" pitchFamily="34" charset="0"/>
+              <a:buFont typeface="Arial" panose="020B0604020202090204" pitchFamily="34" charset="0"/>
               <a:buChar char="•"/>
               <a:defRPr sz="1800" kern="1200">
                 <a:solidFill>
@@ -5742,7 +5761,7 @@
               <a:spcBef>
                 <a:spcPts val="500"/>
               </a:spcBef>
-              <a:buFont typeface="Arial" panose="020B0604020202020204" pitchFamily="34" charset="0"/>
+              <a:buFont typeface="Arial" panose="020B0604020202090204" pitchFamily="34" charset="0"/>
               <a:buChar char="•"/>
               <a:defRPr sz="1800" kern="1200">
                 <a:solidFill>
@@ -5953,7 +5972,7 @@
         </p:nvSpPr>
         <p:spPr>
           <a:xfrm>
-            <a:off x="14805660" y="2628900"/>
+            <a:off x="14805660" y="3236595"/>
             <a:ext cx="7101205" cy="7200265"/>
           </a:xfrm>
           <a:prstGeom prst="rect">
@@ -5970,7 +5989,7 @@
               <a:spcBef>
                 <a:spcPts val="1000"/>
               </a:spcBef>
-              <a:buFont typeface="Arial" panose="020B0604020202020204" pitchFamily="34" charset="0"/>
+              <a:buFont typeface="Arial" panose="020B0604020202090204" pitchFamily="34" charset="0"/>
               <a:buNone/>
               <a:defRPr sz="4400" b="0" i="0" kern="1200">
                 <a:solidFill>
@@ -5989,7 +6008,7 @@
               <a:spcBef>
                 <a:spcPts val="500"/>
               </a:spcBef>
-              <a:buFont typeface="Arial" panose="020B0604020202020204" pitchFamily="34" charset="0"/>
+              <a:buFont typeface="Arial" panose="020B0604020202090204" pitchFamily="34" charset="0"/>
               <a:buChar char="•"/>
               <a:defRPr sz="2400" kern="1200">
                 <a:solidFill>
@@ -6007,7 +6026,7 @@
               <a:spcBef>
                 <a:spcPts val="500"/>
               </a:spcBef>
-              <a:buFont typeface="Arial" panose="020B0604020202020204" pitchFamily="34" charset="0"/>
+              <a:buFont typeface="Arial" panose="020B0604020202090204" pitchFamily="34" charset="0"/>
               <a:buChar char="•"/>
               <a:defRPr sz="2000" kern="1200">
                 <a:solidFill>
@@ -6025,7 +6044,7 @@
               <a:spcBef>
                 <a:spcPts val="500"/>
               </a:spcBef>
-              <a:buFont typeface="Arial" panose="020B0604020202020204" pitchFamily="34" charset="0"/>
+              <a:buFont typeface="Arial" panose="020B0604020202090204" pitchFamily="34" charset="0"/>
               <a:buChar char="•"/>
               <a:defRPr sz="1800" kern="1200">
                 <a:solidFill>
@@ -6043,7 +6062,7 @@
               <a:spcBef>
                 <a:spcPts val="500"/>
               </a:spcBef>
-              <a:buFont typeface="Arial" panose="020B0604020202020204" pitchFamily="34" charset="0"/>
+              <a:buFont typeface="Arial" panose="020B0604020202090204" pitchFamily="34" charset="0"/>
               <a:buChar char="•"/>
               <a:defRPr sz="1800" kern="1200">
                 <a:solidFill>
@@ -6061,7 +6080,7 @@
               <a:spcBef>
                 <a:spcPts val="500"/>
               </a:spcBef>
-              <a:buFont typeface="Arial" panose="020B0604020202020204" pitchFamily="34" charset="0"/>
+              <a:buFont typeface="Arial" panose="020B0604020202090204" pitchFamily="34" charset="0"/>
               <a:buChar char="•"/>
               <a:defRPr sz="1800" kern="1200">
                 <a:solidFill>
@@ -6079,7 +6098,7 @@
               <a:spcBef>
                 <a:spcPts val="500"/>
               </a:spcBef>
-              <a:buFont typeface="Arial" panose="020B0604020202020204" pitchFamily="34" charset="0"/>
+              <a:buFont typeface="Arial" panose="020B0604020202090204" pitchFamily="34" charset="0"/>
               <a:buChar char="•"/>
               <a:defRPr sz="1800" kern="1200">
                 <a:solidFill>
@@ -6097,7 +6116,7 @@
               <a:spcBef>
                 <a:spcPts val="500"/>
               </a:spcBef>
-              <a:buFont typeface="Arial" panose="020B0604020202020204" pitchFamily="34" charset="0"/>
+              <a:buFont typeface="Arial" panose="020B0604020202090204" pitchFamily="34" charset="0"/>
               <a:buChar char="•"/>
               <a:defRPr sz="1800" kern="1200">
                 <a:solidFill>
@@ -6115,7 +6134,7 @@
               <a:spcBef>
                 <a:spcPts val="500"/>
               </a:spcBef>
-              <a:buFont typeface="Arial" panose="020B0604020202020204" pitchFamily="34" charset="0"/>
+              <a:buFont typeface="Arial" panose="020B0604020202090204" pitchFamily="34" charset="0"/>
               <a:buChar char="•"/>
               <a:defRPr sz="1800" kern="1200">
                 <a:solidFill>
@@ -6135,9 +6154,22 @@
             <a:endParaRPr kumimoji="1" lang="en-US"/>
           </a:p>
           <a:p>
+            <a:endParaRPr kumimoji="1" lang="en-US"/>
+          </a:p>
+          <a:p>
             <a:r>
               <a:rPr kumimoji="1" lang="en-US"/>
-              <a:t>The upper-level code binds .so/.dylib/.dll, each supported language must be implemented;</a:t>
+              <a:t>Each supported language is </a:t>
+            </a:r>
+            <a:r>
+              <a:rPr kumimoji="1" lang="en-US">
+                <a:sym typeface="+mn-ea"/>
+              </a:rPr>
+              <a:t>bound to .so/.dylib/.dll as the upper-level</a:t>
+            </a:r>
+            <a:r>
+              <a:rPr kumimoji="1" lang="en-US"/>
+              <a:t>;</a:t>
             </a:r>
             <a:endParaRPr kumimoji="1" lang="en-US"/>
           </a:p>
@@ -6263,7 +6295,7 @@
               <a:rPr kumimoji="1" lang="en-US" altLang="zh-CN">
                 <a:sym typeface="+mn-ea"/>
               </a:rPr>
-              <a:t>Middle, need to encapsulate the dynamic link library for this new language</a:t>
+              <a:t>Middle, need to encapsulate the dynamic link library for new languages</a:t>
             </a:r>
             <a:endParaRPr kumimoji="1" lang="en-US" altLang="zh-CN">
               <a:sym typeface="+mn-ea"/>
@@ -6384,6 +6416,20 @@
           <a:bodyPr/>
           <a:lstStyle/>
           <a:p>
+            <a:r>
+              <a:rPr kumimoji="1" lang="zh-CN" altLang="en-US"/>
+              <a:t>WASM(WebAssembly) bytecode is designed to be encoded in a size- and load-time-efficient binary format. WASM aims to leverage the common hardware features available on various platforms to execute in browsers at machine code speed.</a:t>
+            </a:r>
+            <a:endParaRPr kumimoji="1" lang="zh-CN" altLang="en-US"/>
+          </a:p>
+          <a:p>
+            <a:endParaRPr kumimoji="1" lang="zh-CN" altLang="en-US"/>
+          </a:p>
+          <a:p>
+            <a:r>
+              <a:rPr kumimoji="1" lang="zh-CN" altLang="en-US"/>
+              <a:t>WASI provide a portable interface for applications that run within a constrained sandbox environment, which allows WASM to run in non browser environments such as Linux. It's portable and secure.</a:t>
+            </a:r>
             <a:endParaRPr kumimoji="1" lang="zh-CN" altLang="en-US"/>
           </a:p>
         </p:txBody>
@@ -6437,14 +6483,21 @@
             <p:ph type="body" sz="quarter" idx="21"/>
           </p:nvPr>
         </p:nvSpPr>
-        <p:spPr/>
+        <p:spPr>
+          <a:xfrm>
+            <a:off x="1420495" y="1397000"/>
+            <a:ext cx="11228705" cy="1231900"/>
+          </a:xfrm>
+        </p:spPr>
         <p:txBody>
           <a:bodyPr/>
           <a:lstStyle/>
           <a:p>
             <a:r>
-              <a:rPr kumimoji="1" lang="en-US" altLang="zh-CN"/>
-              <a:t>Comparation</a:t>
+              <a:rPr kumimoji="1" lang="en-US" altLang="zh-CN">
+                <a:sym typeface="+mn-ea"/>
+              </a:rPr>
+              <a:t>WebAssembly System Interface</a:t>
             </a:r>
             <a:endParaRPr kumimoji="1" lang="en-US" altLang="zh-CN"/>
           </a:p>
@@ -6465,6 +6518,108 @@
           <a:bodyPr/>
           <a:lstStyle/>
           <a:p>
+            <a:r>
+              <a:rPr kumimoji="1" lang="en-US" altLang="zh-CN">
+                <a:sym typeface="+mn-ea"/>
+              </a:rPr>
+              <a:t>Example: https://github.com/alibaba/higress</a:t>
+            </a:r>
+            <a:endParaRPr kumimoji="1" lang="en-US" altLang="zh-CN">
+              <a:sym typeface="+mn-ea"/>
+            </a:endParaRPr>
+          </a:p>
+          <a:p>
+            <a:r>
+              <a:rPr kumimoji="1" lang="en-US" altLang="zh-CN">
+                <a:sym typeface="+mn-ea"/>
+              </a:rPr>
+              <a:t>Workload: Light</a:t>
+            </a:r>
+            <a:endParaRPr kumimoji="1" lang="en-US" altLang="zh-CN">
+              <a:sym typeface="+mn-ea"/>
+            </a:endParaRPr>
+          </a:p>
+          <a:p>
+            <a:r>
+              <a:rPr kumimoji="1" lang="en-US" altLang="zh-CN">
+                <a:sym typeface="+mn-ea"/>
+              </a:rPr>
+              <a:t>Difficulty: Simple</a:t>
+            </a:r>
+            <a:endParaRPr kumimoji="1" lang="en-US" altLang="zh-CN">
+              <a:sym typeface="+mn-ea"/>
+            </a:endParaRPr>
+          </a:p>
+          <a:p>
+            <a:r>
+              <a:rPr kumimoji="1" lang="en-US" altLang="zh-CN">
+                <a:sym typeface="+mn-ea"/>
+              </a:rPr>
+              <a:t>Extention for new languages: </a:t>
+            </a:r>
+            <a:r>
+              <a:rPr kumimoji="1" lang="en-US" altLang="zh-CN">
+                <a:sym typeface="+mn-ea"/>
+              </a:rPr>
+              <a:t>Good, no need to modify framework code, but it's possible that the language you're good at doesn't support WASM</a:t>
+            </a:r>
+            <a:endParaRPr kumimoji="1" lang="en-US" altLang="zh-CN">
+              <a:sym typeface="+mn-ea"/>
+            </a:endParaRPr>
+          </a:p>
+          <a:p>
+            <a:r>
+              <a:rPr kumimoji="1" lang="en-US" altLang="zh-CN">
+                <a:sym typeface="+mn-ea"/>
+              </a:rPr>
+              <a:t>User friendliness: Good, only 4 basic </a:t>
+            </a:r>
+            <a:r>
+              <a:rPr kumimoji="1" lang="en-US" altLang="zh-CN">
+                <a:sym typeface="+mn-ea"/>
+              </a:rPr>
+              <a:t>Java</a:t>
+            </a:r>
+            <a:r>
+              <a:rPr kumimoji="1" lang="en-US" altLang="zh-CN">
+                <a:sym typeface="+mn-ea"/>
+              </a:rPr>
+              <a:t> types are supported d</a:t>
+            </a:r>
+            <a:r>
+              <a:rPr kumimoji="1" lang="en-US" altLang="zh-CN">
+                <a:sym typeface="+mn-ea"/>
+              </a:rPr>
+              <a:t>ue to the immaturity of the WASM ecosystem in Java</a:t>
+            </a:r>
+            <a:endParaRPr kumimoji="1" lang="en-US" altLang="zh-CN">
+              <a:sym typeface="+mn-ea"/>
+            </a:endParaRPr>
+          </a:p>
+          <a:p>
+            <a:r>
+              <a:rPr kumimoji="1" lang="en-US" altLang="zh-CN">
+                <a:sym typeface="+mn-ea"/>
+              </a:rPr>
+              <a:t>Performance: </a:t>
+            </a:r>
+            <a:r>
+              <a:rPr kumimoji="1" lang="en-US" altLang="zh-CN">
+                <a:sym typeface="+mn-ea"/>
+              </a:rPr>
+              <a:t>Performance loss due to serialization and deserialization</a:t>
+            </a:r>
+            <a:endParaRPr kumimoji="1" lang="en-US" altLang="zh-CN">
+              <a:sym typeface="+mn-ea"/>
+            </a:endParaRPr>
+          </a:p>
+          <a:p>
+            <a:r>
+              <a:rPr kumimoji="1" lang="en-US" altLang="zh-CN">
+                <a:sym typeface="+mn-ea"/>
+              </a:rPr>
+              <a:t>Operation complexity: No</a:t>
+            </a:r>
             <a:endParaRPr kumimoji="1" lang="zh-CN" altLang="en-US"/>
           </a:p>
         </p:txBody>
@@ -6480,6 +6635,20 @@
 <file path=ppt/slides/slide19.xml><?xml version="1.0" encoding="utf-8"?>
 <p:sld xmlns:a="http://schemas.openxmlformats.org/drawingml/2006/main" xmlns:r="http://schemas.openxmlformats.org/officeDocument/2006/relationships" xmlns:p="http://schemas.openxmlformats.org/presentationml/2006/main">
   <p:cSld>
+    <p:bg>
+      <p:bgPr>
+        <a:blipFill dpi="0" rotWithShape="1">
+          <a:blip r:embed="rId1">
+            <a:lum/>
+          </a:blip>
+          <a:srcRect/>
+          <a:stretch>
+            <a:fillRect/>
+          </a:stretch>
+        </a:blipFill>
+        <a:effectLst/>
+      </p:bgPr>
+    </p:bg>
     <p:spTree>
       <p:nvGrpSpPr>
         <p:cNvPr id="1" name=""/>
@@ -6496,79 +6665,1208 @@
       </p:grpSpPr>
       <p:sp>
         <p:nvSpPr>
-          <p:cNvPr id="9" name="标题占位符 16"/>
-          <p:cNvSpPr txBox="1"/>
-          <p:nvPr/>
+          <p:cNvPr id="2" name="文本占位符 1"/>
+          <p:cNvSpPr>
+            <a:spLocks noGrp="1"/>
+          </p:cNvSpPr>
+          <p:nvPr>
+            <p:ph type="body" sz="quarter" idx="21"/>
+          </p:nvPr>
         </p:nvSpPr>
-        <p:spPr>
-          <a:xfrm>
-            <a:off x="1750489" y="4437077"/>
-            <a:ext cx="20957109" cy="2651125"/>
-          </a:xfrm>
-          <a:prstGeom prst="rect">
-            <a:avLst/>
-          </a:prstGeom>
-        </p:spPr>
+        <p:spPr/>
         <p:txBody>
-          <a:bodyPr vert="horz" lIns="91440" tIns="45720" rIns="91440" bIns="45720" rtlCol="0" anchor="ctr">
-            <a:normAutofit/>
-          </a:bodyPr>
-          <a:lstStyle>
-            <a:lvl1pPr marL="0" marR="0" indent="0" algn="ctr" defTabSz="2438400" rtl="0" eaLnBrk="1" fontAlgn="auto" latinLnBrk="0" hangingPunct="1">
-              <a:lnSpc>
-                <a:spcPct val="110000"/>
-              </a:lnSpc>
-              <a:spcBef>
-                <a:spcPts val="0"/>
-              </a:spcBef>
-              <a:spcAft>
-                <a:spcPts val="0"/>
-              </a:spcAft>
-              <a:buClrTx/>
-              <a:buSzTx/>
-              <a:buFontTx/>
-              <a:buNone/>
-              <a:defRPr kumimoji="0" lang="zh-CN" altLang="en-US" sz="8000" b="0" i="0" u="none" strike="noStrike" kern="0" cap="none" spc="0" normalizeH="0" baseline="0" dirty="0">
-                <a:ln>
-                  <a:noFill/>
-                </a:ln>
-                <a:solidFill>
-                  <a:srgbClr val="FFFFFF"/>
-                </a:solidFill>
-                <a:effectLst/>
-                <a:uFillTx/>
-                <a:latin typeface="OPPOSans H"/>
-                <a:ea typeface="OPPOSans H"/>
-                <a:cs typeface="OPPOSans H"/>
-                <a:sym typeface="OPPOSans H"/>
-              </a:defRPr>
-            </a:lvl1pPr>
-          </a:lstStyle>
-          <a:p>
-            <a:pPr>
-              <a:defRPr sz="8000" b="0">
-                <a:solidFill>
-                  <a:srgbClr val="FFFFFF"/>
-                </a:solidFill>
-                <a:latin typeface="OPPOSans H"/>
-                <a:ea typeface="OPPOSans H"/>
-                <a:cs typeface="OPPOSans H"/>
-                <a:sym typeface="OPPOSans H"/>
-              </a:defRPr>
-            </a:pPr>
-            <a:r>
-              <a:rPr lang="en-US" altLang="zh-CN" sz="9600">
-                <a:latin typeface="OPPOSans R" pitchFamily="18" charset="-122"/>
-                <a:ea typeface="OPPOSans R" pitchFamily="18" charset="-122"/>
-                <a:cs typeface="OPPOSans R" pitchFamily="18" charset="-122"/>
-                <a:sym typeface="+mn-ea"/>
-              </a:rPr>
-              <a:t>Extention</a:t>
-            </a:r>
-            <a:endParaRPr lang="en-US" altLang="en-GB" sz="9600" dirty="0"/>
+          <a:bodyPr/>
+          <a:lstStyle/>
+          <a:p>
+            <a:r>
+              <a:rPr kumimoji="1" lang="en-US" altLang="zh-CN"/>
+              <a:t>Comparation</a:t>
+            </a:r>
+            <a:endParaRPr kumimoji="1" lang="en-US" altLang="zh-CN"/>
           </a:p>
         </p:txBody>
       </p:sp>
+      <p:graphicFrame>
+        <p:nvGraphicFramePr>
+          <p:cNvPr id="4" name="Table 3"/>
+          <p:cNvGraphicFramePr/>
+          <p:nvPr>
+            <p:custDataLst>
+              <p:tags r:id="rId2"/>
+            </p:custDataLst>
+          </p:nvPr>
+        </p:nvGraphicFramePr>
+        <p:xfrm>
+          <a:off x="1480185" y="4251325"/>
+          <a:ext cx="20223480" cy="5213350"/>
+        </p:xfrm>
+        <a:graphic>
+          <a:graphicData uri="http://schemas.openxmlformats.org/drawingml/2006/table">
+            <a:tbl>
+              <a:tblPr firstRow="1" bandRow="1">
+                <a:tableStyleId>{5C22544A-7EE6-4342-B048-85BDC9FD1C3A}</a:tableStyleId>
+              </a:tblPr>
+              <a:tblGrid>
+                <a:gridCol w="2700655"/>
+                <a:gridCol w="2308225"/>
+                <a:gridCol w="2383155"/>
+                <a:gridCol w="2308860"/>
+                <a:gridCol w="2607310"/>
+                <a:gridCol w="2626360"/>
+                <a:gridCol w="2682240"/>
+                <a:gridCol w="2606675"/>
+              </a:tblGrid>
+              <a:tr h="768985">
+                <a:tc>
+                  <a:txBody>
+                    <a:bodyPr/>
+                    <a:p>
+                      <a:pPr algn="ctr">
+                        <a:buNone/>
+                      </a:pPr>
+                      <a:endParaRPr lang="en-US" sz="4000"/>
+                    </a:p>
+                  </a:txBody>
+                  <a:tcPr>
+                    <a:noFill/>
+                  </a:tcPr>
+                </a:tc>
+                <a:tc>
+                  <a:txBody>
+                    <a:bodyPr/>
+                    <a:p>
+                      <a:pPr algn="ctr">
+                        <a:buNone/>
+                      </a:pPr>
+                      <a:r>
+                        <a:rPr kumimoji="1" lang="en-US" altLang="zh-CN" sz="4000">
+                          <a:sym typeface="+mn-ea"/>
+                        </a:rPr>
+                        <a:t>Example</a:t>
+                      </a:r>
+                      <a:endParaRPr kumimoji="1" lang="en-US" altLang="zh-CN" sz="4000">
+                        <a:sym typeface="+mn-ea"/>
+                      </a:endParaRPr>
+                    </a:p>
+                  </a:txBody>
+                  <a:tcPr>
+                    <a:noFill/>
+                  </a:tcPr>
+                </a:tc>
+                <a:tc>
+                  <a:txBody>
+                    <a:bodyPr/>
+                    <a:p>
+                      <a:pPr algn="ctr">
+                        <a:buNone/>
+                      </a:pPr>
+                      <a:r>
+                        <a:rPr lang="en-US" sz="4000"/>
+                        <a:t>Workload</a:t>
+                      </a:r>
+                      <a:endParaRPr lang="en-US" sz="4000"/>
+                    </a:p>
+                  </a:txBody>
+                  <a:tcPr>
+                    <a:noFill/>
+                  </a:tcPr>
+                </a:tc>
+                <a:tc>
+                  <a:txBody>
+                    <a:bodyPr/>
+                    <a:p>
+                      <a:pPr algn="ctr">
+                        <a:buNone/>
+                      </a:pPr>
+                      <a:r>
+                        <a:rPr kumimoji="1" lang="en-US" altLang="zh-CN" sz="4000">
+                          <a:sym typeface="+mn-ea"/>
+                        </a:rPr>
+                        <a:t>Difficulty</a:t>
+                      </a:r>
+                      <a:endParaRPr kumimoji="1" lang="en-US" altLang="zh-CN" sz="4000">
+                        <a:sym typeface="+mn-ea"/>
+                      </a:endParaRPr>
+                    </a:p>
+                  </a:txBody>
+                  <a:tcPr>
+                    <a:noFill/>
+                  </a:tcPr>
+                </a:tc>
+                <a:tc>
+                  <a:txBody>
+                    <a:bodyPr/>
+                    <a:p>
+                      <a:pPr algn="ctr">
+                        <a:buNone/>
+                      </a:pPr>
+                      <a:r>
+                        <a:rPr kumimoji="1" lang="en-US" altLang="zh-CN" sz="4000">
+                          <a:sym typeface="+mn-ea"/>
+                        </a:rPr>
+                        <a:t>Extention</a:t>
+                      </a:r>
+                      <a:endParaRPr kumimoji="1" lang="en-US" altLang="zh-CN" sz="4000">
+                        <a:sym typeface="+mn-ea"/>
+                      </a:endParaRPr>
+                    </a:p>
+                  </a:txBody>
+                  <a:tcPr>
+                    <a:noFill/>
+                  </a:tcPr>
+                </a:tc>
+                <a:tc>
+                  <a:txBody>
+                    <a:bodyPr/>
+                    <a:p>
+                      <a:pPr algn="ctr">
+                        <a:buNone/>
+                      </a:pPr>
+                      <a:r>
+                        <a:rPr kumimoji="1" lang="en-US" altLang="zh-CN" sz="4000">
+                          <a:sym typeface="+mn-ea"/>
+                        </a:rPr>
+                        <a:t>Friendliness</a:t>
+                      </a:r>
+                      <a:endParaRPr kumimoji="1" lang="en-US" altLang="zh-CN" sz="4000">
+                        <a:sym typeface="+mn-ea"/>
+                      </a:endParaRPr>
+                    </a:p>
+                  </a:txBody>
+                  <a:tcPr>
+                    <a:noFill/>
+                  </a:tcPr>
+                </a:tc>
+                <a:tc>
+                  <a:txBody>
+                    <a:bodyPr/>
+                    <a:p>
+                      <a:pPr algn="ctr">
+                        <a:buNone/>
+                      </a:pPr>
+                      <a:r>
+                        <a:rPr kumimoji="1" lang="en-US" altLang="zh-CN" sz="4000">
+                          <a:sym typeface="+mn-ea"/>
+                        </a:rPr>
+                        <a:t>Performance</a:t>
+                      </a:r>
+                      <a:endParaRPr kumimoji="1" lang="en-US" altLang="zh-CN" sz="4000">
+                        <a:sym typeface="+mn-ea"/>
+                      </a:endParaRPr>
+                    </a:p>
+                  </a:txBody>
+                  <a:tcPr>
+                    <a:noFill/>
+                  </a:tcPr>
+                </a:tc>
+                <a:tc>
+                  <a:txBody>
+                    <a:bodyPr/>
+                    <a:p>
+                      <a:pPr algn="ctr">
+                        <a:buNone/>
+                      </a:pPr>
+                      <a:r>
+                        <a:rPr kumimoji="1" lang="en-US" altLang="zh-CN" sz="4000">
+                          <a:sym typeface="+mn-ea"/>
+                        </a:rPr>
+                        <a:t>Complexity</a:t>
+                      </a:r>
+                      <a:endParaRPr kumimoji="1" lang="en-US" altLang="zh-CN" sz="4000">
+                        <a:sym typeface="+mn-ea"/>
+                      </a:endParaRPr>
+                    </a:p>
+                  </a:txBody>
+                  <a:tcPr>
+                    <a:noFill/>
+                  </a:tcPr>
+                </a:tc>
+              </a:tr>
+              <a:tr h="900430">
+                <a:tc>
+                  <a:txBody>
+                    <a:bodyPr/>
+                    <a:p>
+                      <a:pPr algn="ctr">
+                        <a:lnSpc>
+                          <a:spcPct val="120000"/>
+                        </a:lnSpc>
+                        <a:buNone/>
+                      </a:pPr>
+                      <a:r>
+                        <a:rPr kumimoji="1" lang="en-US" altLang="zh-CN" sz="4000">
+                          <a:solidFill>
+                            <a:schemeClr val="bg1"/>
+                          </a:solidFill>
+                          <a:sym typeface="+mn-ea"/>
+                        </a:rPr>
+                        <a:t>SDKs</a:t>
+                      </a:r>
+                      <a:endParaRPr kumimoji="1" lang="en-US" altLang="zh-CN" sz="4000">
+                        <a:solidFill>
+                          <a:schemeClr val="bg1"/>
+                        </a:solidFill>
+                        <a:sym typeface="+mn-ea"/>
+                      </a:endParaRPr>
+                    </a:p>
+                  </a:txBody>
+                  <a:tcPr>
+                    <a:noFill/>
+                  </a:tcPr>
+                </a:tc>
+                <a:tc>
+                  <a:txBody>
+                    <a:bodyPr/>
+                    <a:p>
+                      <a:pPr algn="ctr">
+                        <a:lnSpc>
+                          <a:spcPct val="120000"/>
+                        </a:lnSpc>
+                        <a:buNone/>
+                      </a:pPr>
+                      <a:r>
+                        <a:rPr lang="en-US" sz="4000">
+                          <a:solidFill>
+                            <a:schemeClr val="bg1"/>
+                          </a:solidFill>
+                        </a:rPr>
+                        <a:t>dubbo-go</a:t>
+                      </a:r>
+                      <a:endParaRPr lang="en-US" sz="4000">
+                        <a:solidFill>
+                          <a:schemeClr val="bg1"/>
+                        </a:solidFill>
+                      </a:endParaRPr>
+                    </a:p>
+                  </a:txBody>
+                  <a:tcPr>
+                    <a:noFill/>
+                  </a:tcPr>
+                </a:tc>
+                <a:tc>
+                  <a:txBody>
+                    <a:bodyPr/>
+                    <a:p>
+                      <a:pPr algn="ctr">
+                        <a:lnSpc>
+                          <a:spcPct val="120000"/>
+                        </a:lnSpc>
+                        <a:buNone/>
+                      </a:pPr>
+                      <a:r>
+                        <a:rPr lang="en-US" sz="4000">
+                          <a:solidFill>
+                            <a:srgbClr val="FF0000"/>
+                          </a:solidFill>
+                        </a:rPr>
+                        <a:t>huge</a:t>
+                      </a:r>
+                      <a:endParaRPr lang="en-US" sz="4000">
+                        <a:solidFill>
+                          <a:srgbClr val="FF0000"/>
+                        </a:solidFill>
+                      </a:endParaRPr>
+                    </a:p>
+                  </a:txBody>
+                  <a:tcPr>
+                    <a:noFill/>
+                  </a:tcPr>
+                </a:tc>
+                <a:tc>
+                  <a:txBody>
+                    <a:bodyPr/>
+                    <a:p>
+                      <a:pPr algn="ctr">
+                        <a:lnSpc>
+                          <a:spcPct val="120000"/>
+                        </a:lnSpc>
+                        <a:buNone/>
+                      </a:pPr>
+                      <a:r>
+                        <a:rPr lang="en-US" sz="4000">
+                          <a:solidFill>
+                            <a:srgbClr val="FF0000"/>
+                          </a:solidFill>
+                        </a:rPr>
+                        <a:t>hard</a:t>
+                      </a:r>
+                      <a:endParaRPr lang="en-US" sz="4000">
+                        <a:solidFill>
+                          <a:srgbClr val="FF0000"/>
+                        </a:solidFill>
+                      </a:endParaRPr>
+                    </a:p>
+                  </a:txBody>
+                  <a:tcPr>
+                    <a:noFill/>
+                  </a:tcPr>
+                </a:tc>
+                <a:tc>
+                  <a:txBody>
+                    <a:bodyPr/>
+                    <a:p>
+                      <a:pPr algn="ctr">
+                        <a:lnSpc>
+                          <a:spcPct val="120000"/>
+                        </a:lnSpc>
+                        <a:buNone/>
+                      </a:pPr>
+                      <a:r>
+                        <a:rPr lang="en-US" sz="4000">
+                          <a:solidFill>
+                            <a:srgbClr val="FF0000"/>
+                          </a:solidFill>
+                        </a:rPr>
+                        <a:t>unsupported</a:t>
+                      </a:r>
+                      <a:endParaRPr lang="en-US" sz="4000">
+                        <a:solidFill>
+                          <a:srgbClr val="FF0000"/>
+                        </a:solidFill>
+                      </a:endParaRPr>
+                    </a:p>
+                  </a:txBody>
+                  <a:tcPr>
+                    <a:noFill/>
+                  </a:tcPr>
+                </a:tc>
+                <a:tc>
+                  <a:txBody>
+                    <a:bodyPr/>
+                    <a:p>
+                      <a:pPr algn="ctr">
+                        <a:lnSpc>
+                          <a:spcPct val="110000"/>
+                        </a:lnSpc>
+                        <a:buNone/>
+                      </a:pPr>
+                      <a:r>
+                        <a:rPr lang="en-US" sz="4000">
+                          <a:solidFill>
+                            <a:schemeClr val="accent6"/>
+                          </a:solidFill>
+                        </a:rPr>
+                        <a:t>great</a:t>
+                      </a:r>
+                      <a:endParaRPr lang="en-US" sz="4000">
+                        <a:solidFill>
+                          <a:schemeClr val="accent6"/>
+                        </a:solidFill>
+                      </a:endParaRPr>
+                    </a:p>
+                  </a:txBody>
+                  <a:tcPr>
+                    <a:noFill/>
+                  </a:tcPr>
+                </a:tc>
+                <a:tc>
+                  <a:txBody>
+                    <a:bodyPr/>
+                    <a:p>
+                      <a:pPr algn="ctr">
+                        <a:lnSpc>
+                          <a:spcPct val="110000"/>
+                        </a:lnSpc>
+                        <a:buNone/>
+                      </a:pPr>
+                      <a:r>
+                        <a:rPr lang="en-US" sz="4000">
+                          <a:solidFill>
+                            <a:schemeClr val="accent6"/>
+                          </a:solidFill>
+                        </a:rPr>
+                        <a:t>great</a:t>
+                      </a:r>
+                      <a:endParaRPr lang="en-US" sz="4000">
+                        <a:solidFill>
+                          <a:schemeClr val="accent6"/>
+                        </a:solidFill>
+                      </a:endParaRPr>
+                    </a:p>
+                  </a:txBody>
+                  <a:tcPr>
+                    <a:noFill/>
+                  </a:tcPr>
+                </a:tc>
+                <a:tc>
+                  <a:txBody>
+                    <a:bodyPr/>
+                    <a:p>
+                      <a:pPr algn="ctr">
+                        <a:lnSpc>
+                          <a:spcPct val="110000"/>
+                        </a:lnSpc>
+                        <a:buNone/>
+                      </a:pPr>
+                      <a:r>
+                        <a:rPr lang="en-US" sz="4000">
+                          <a:solidFill>
+                            <a:schemeClr val="accent6"/>
+                          </a:solidFill>
+                        </a:rPr>
+                        <a:t>no</a:t>
+                      </a:r>
+                      <a:endParaRPr lang="en-US" sz="4000">
+                        <a:solidFill>
+                          <a:schemeClr val="accent6"/>
+                        </a:solidFill>
+                      </a:endParaRPr>
+                    </a:p>
+                  </a:txBody>
+                  <a:tcPr>
+                    <a:noFill/>
+                  </a:tcPr>
+                </a:tc>
+              </a:tr>
+              <a:tr h="733425">
+                <a:tc>
+                  <a:txBody>
+                    <a:bodyPr/>
+                    <a:p>
+                      <a:pPr algn="ctr">
+                        <a:buNone/>
+                      </a:pPr>
+                      <a:r>
+                        <a:rPr lang="en-US" sz="4000">
+                          <a:solidFill>
+                            <a:schemeClr val="bg1"/>
+                          </a:solidFill>
+                        </a:rPr>
+                        <a:t>Local Forward</a:t>
+                      </a:r>
+                      <a:endParaRPr lang="en-US" sz="4000">
+                        <a:solidFill>
+                          <a:schemeClr val="bg1"/>
+                        </a:solidFill>
+                      </a:endParaRPr>
+                    </a:p>
+                  </a:txBody>
+                  <a:tcPr>
+                    <a:noFill/>
+                  </a:tcPr>
+                </a:tc>
+                <a:tc>
+                  <a:txBody>
+                    <a:bodyPr/>
+                    <a:p>
+                      <a:pPr algn="ctr">
+                        <a:lnSpc>
+                          <a:spcPct val="160000"/>
+                        </a:lnSpc>
+                        <a:buNone/>
+                      </a:pPr>
+                      <a:r>
+                        <a:rPr lang="en-US" sz="4000">
+                          <a:solidFill>
+                            <a:schemeClr val="bg1"/>
+                          </a:solidFill>
+                        </a:rPr>
+                        <a:t>apisix</a:t>
+                      </a:r>
+                      <a:endParaRPr lang="en-US" sz="4000">
+                        <a:solidFill>
+                          <a:schemeClr val="bg1"/>
+                        </a:solidFill>
+                      </a:endParaRPr>
+                    </a:p>
+                  </a:txBody>
+                  <a:tcPr>
+                    <a:noFill/>
+                  </a:tcPr>
+                </a:tc>
+                <a:tc>
+                  <a:txBody>
+                    <a:bodyPr/>
+                    <a:p>
+                      <a:pPr algn="ctr">
+                        <a:lnSpc>
+                          <a:spcPct val="160000"/>
+                        </a:lnSpc>
+                        <a:buNone/>
+                      </a:pPr>
+                      <a:r>
+                        <a:rPr kumimoji="1" lang="en-US" altLang="zh-CN" sz="4000">
+                          <a:solidFill>
+                            <a:schemeClr val="accent6"/>
+                          </a:solidFill>
+                          <a:sym typeface="+mn-ea"/>
+                        </a:rPr>
+                        <a:t>light</a:t>
+                      </a:r>
+                      <a:endParaRPr kumimoji="1" lang="en-US" altLang="zh-CN" sz="4000">
+                        <a:solidFill>
+                          <a:schemeClr val="accent6"/>
+                        </a:solidFill>
+                        <a:sym typeface="+mn-ea"/>
+                      </a:endParaRPr>
+                    </a:p>
+                  </a:txBody>
+                  <a:tcPr>
+                    <a:noFill/>
+                  </a:tcPr>
+                </a:tc>
+                <a:tc>
+                  <a:txBody>
+                    <a:bodyPr/>
+                    <a:p>
+                      <a:pPr algn="ctr">
+                        <a:lnSpc>
+                          <a:spcPct val="160000"/>
+                        </a:lnSpc>
+                        <a:buNone/>
+                      </a:pPr>
+                      <a:r>
+                        <a:rPr lang="en-US" sz="4000">
+                          <a:solidFill>
+                            <a:schemeClr val="bg1"/>
+                          </a:solidFill>
+                        </a:rPr>
+                        <a:t>middle</a:t>
+                      </a:r>
+                      <a:endParaRPr lang="en-US" sz="4000">
+                        <a:solidFill>
+                          <a:schemeClr val="bg1"/>
+                        </a:solidFill>
+                      </a:endParaRPr>
+                    </a:p>
+                  </a:txBody>
+                  <a:tcPr>
+                    <a:noFill/>
+                  </a:tcPr>
+                </a:tc>
+                <a:tc>
+                  <a:txBody>
+                    <a:bodyPr/>
+                    <a:p>
+                      <a:pPr algn="ctr">
+                        <a:lnSpc>
+                          <a:spcPct val="160000"/>
+                        </a:lnSpc>
+                        <a:buNone/>
+                      </a:pPr>
+                      <a:r>
+                        <a:rPr lang="en-US" sz="4000">
+                          <a:solidFill>
+                            <a:schemeClr val="accent6"/>
+                          </a:solidFill>
+                        </a:rPr>
+                        <a:t>great</a:t>
+                      </a:r>
+                      <a:endParaRPr lang="en-US" sz="4000">
+                        <a:solidFill>
+                          <a:schemeClr val="accent6"/>
+                        </a:solidFill>
+                      </a:endParaRPr>
+                    </a:p>
+                  </a:txBody>
+                  <a:tcPr>
+                    <a:noFill/>
+                  </a:tcPr>
+                </a:tc>
+                <a:tc>
+                  <a:txBody>
+                    <a:bodyPr/>
+                    <a:p>
+                      <a:pPr algn="ctr">
+                        <a:lnSpc>
+                          <a:spcPct val="160000"/>
+                        </a:lnSpc>
+                        <a:buNone/>
+                      </a:pPr>
+                      <a:r>
+                        <a:rPr lang="en-US" sz="4000">
+                          <a:solidFill>
+                            <a:srgbClr val="FF0000"/>
+                          </a:solidFill>
+                          <a:sym typeface="+mn-ea"/>
+                        </a:rPr>
+                        <a:t>middle</a:t>
+                      </a:r>
+                      <a:endParaRPr lang="en-US" sz="4000">
+                        <a:solidFill>
+                          <a:srgbClr val="FF0000"/>
+                        </a:solidFill>
+                        <a:sym typeface="+mn-ea"/>
+                      </a:endParaRPr>
+                    </a:p>
+                  </a:txBody>
+                  <a:tcPr>
+                    <a:noFill/>
+                  </a:tcPr>
+                </a:tc>
+                <a:tc>
+                  <a:txBody>
+                    <a:bodyPr/>
+                    <a:p>
+                      <a:pPr algn="ctr">
+                        <a:buNone/>
+                      </a:pPr>
+                      <a:r>
+                        <a:rPr kumimoji="1" lang="en-US" altLang="zh-CN" sz="3200">
+                          <a:solidFill>
+                            <a:srgbClr val="FF0000"/>
+                          </a:solidFill>
+                          <a:sym typeface="+mn-ea"/>
+                        </a:rPr>
+                        <a:t>network,</a:t>
+                      </a:r>
+                      <a:endParaRPr kumimoji="1" lang="en-US" altLang="zh-CN" sz="3200">
+                        <a:solidFill>
+                          <a:srgbClr val="FF0000"/>
+                        </a:solidFill>
+                        <a:sym typeface="+mn-ea"/>
+                      </a:endParaRPr>
+                    </a:p>
+                    <a:p>
+                      <a:pPr algn="ctr">
+                        <a:buNone/>
+                      </a:pPr>
+                      <a:r>
+                        <a:rPr kumimoji="1" lang="en-US" altLang="zh-CN" sz="3200">
+                          <a:solidFill>
+                            <a:srgbClr val="FF0000"/>
+                          </a:solidFill>
+                          <a:sym typeface="+mn-ea"/>
+                        </a:rPr>
+                        <a:t>serialization,</a:t>
+                      </a:r>
+                      <a:endParaRPr kumimoji="1" lang="en-US" altLang="zh-CN" sz="3200">
+                        <a:solidFill>
+                          <a:srgbClr val="FF0000"/>
+                        </a:solidFill>
+                        <a:sym typeface="+mn-ea"/>
+                      </a:endParaRPr>
+                    </a:p>
+                    <a:p>
+                      <a:pPr algn="ctr">
+                        <a:buNone/>
+                      </a:pPr>
+                      <a:r>
+                        <a:rPr kumimoji="1" lang="en-US" altLang="zh-CN" sz="3200">
+                          <a:solidFill>
+                            <a:srgbClr val="FF0000"/>
+                          </a:solidFill>
+                          <a:sym typeface="+mn-ea"/>
+                        </a:rPr>
+                        <a:t>deserialization</a:t>
+                      </a:r>
+                      <a:endParaRPr kumimoji="1" lang="en-US" altLang="zh-CN" sz="3200">
+                        <a:solidFill>
+                          <a:srgbClr val="FF0000"/>
+                        </a:solidFill>
+                        <a:sym typeface="+mn-ea"/>
+                      </a:endParaRPr>
+                    </a:p>
+                  </a:txBody>
+                  <a:tcPr>
+                    <a:noFill/>
+                  </a:tcPr>
+                </a:tc>
+                <a:tc>
+                  <a:txBody>
+                    <a:bodyPr/>
+                    <a:p>
+                      <a:pPr algn="ctr">
+                        <a:buNone/>
+                      </a:pPr>
+                      <a:r>
+                        <a:rPr kumimoji="1" lang="en-US" altLang="zh-CN" sz="4000">
+                          <a:solidFill>
+                            <a:srgbClr val="FF0000"/>
+                          </a:solidFill>
+                          <a:sym typeface="+mn-ea"/>
+                        </a:rPr>
+                        <a:t>start processes</a:t>
+                      </a:r>
+                      <a:endParaRPr kumimoji="1" lang="en-US" altLang="zh-CN" sz="4000">
+                        <a:solidFill>
+                          <a:srgbClr val="FF0000"/>
+                        </a:solidFill>
+                        <a:sym typeface="+mn-ea"/>
+                      </a:endParaRPr>
+                    </a:p>
+                  </a:txBody>
+                  <a:tcPr>
+                    <a:noFill/>
+                  </a:tcPr>
+                </a:tc>
+              </a:tr>
+              <a:tr h="756920">
+                <a:tc>
+                  <a:txBody>
+                    <a:bodyPr/>
+                    <a:p>
+                      <a:pPr algn="ctr">
+                        <a:lnSpc>
+                          <a:spcPct val="120000"/>
+                        </a:lnSpc>
+                        <a:buNone/>
+                      </a:pPr>
+                      <a:r>
+                        <a:rPr lang="en-US" sz="3200">
+                          <a:solidFill>
+                            <a:schemeClr val="bg1"/>
+                          </a:solidFill>
+                        </a:rPr>
+                        <a:t>Native Library</a:t>
+                      </a:r>
+                      <a:endParaRPr lang="en-US" sz="3200">
+                        <a:solidFill>
+                          <a:schemeClr val="bg1"/>
+                        </a:solidFill>
+                      </a:endParaRPr>
+                    </a:p>
+                  </a:txBody>
+                  <a:tcPr>
+                    <a:noFill/>
+                  </a:tcPr>
+                </a:tc>
+                <a:tc>
+                  <a:txBody>
+                    <a:bodyPr/>
+                    <a:p>
+                      <a:pPr algn="ctr">
+                        <a:buNone/>
+                      </a:pPr>
+                      <a:r>
+                        <a:rPr lang="en-US" sz="4000">
+                          <a:solidFill>
+                            <a:schemeClr val="bg1"/>
+                          </a:solidFill>
+                        </a:rPr>
+                        <a:t>opendal</a:t>
+                      </a:r>
+                      <a:endParaRPr lang="en-US" sz="4000">
+                        <a:solidFill>
+                          <a:schemeClr val="bg1"/>
+                        </a:solidFill>
+                      </a:endParaRPr>
+                    </a:p>
+                  </a:txBody>
+                  <a:tcPr>
+                    <a:noFill/>
+                  </a:tcPr>
+                </a:tc>
+                <a:tc>
+                  <a:txBody>
+                    <a:bodyPr/>
+                    <a:p>
+                      <a:pPr algn="ctr">
+                        <a:buNone/>
+                      </a:pPr>
+                      <a:r>
+                        <a:rPr kumimoji="1" lang="en-US" altLang="zh-CN" sz="4000">
+                          <a:solidFill>
+                            <a:schemeClr val="bg1"/>
+                          </a:solidFill>
+                          <a:sym typeface="+mn-ea"/>
+                        </a:rPr>
+                        <a:t>middle</a:t>
+                      </a:r>
+                      <a:endParaRPr kumimoji="1" lang="en-US" altLang="zh-CN" sz="4000">
+                        <a:solidFill>
+                          <a:schemeClr val="bg1"/>
+                        </a:solidFill>
+                        <a:sym typeface="+mn-ea"/>
+                      </a:endParaRPr>
+                    </a:p>
+                  </a:txBody>
+                  <a:tcPr>
+                    <a:noFill/>
+                  </a:tcPr>
+                </a:tc>
+                <a:tc>
+                  <a:txBody>
+                    <a:bodyPr/>
+                    <a:p>
+                      <a:pPr algn="ctr">
+                        <a:buNone/>
+                      </a:pPr>
+                      <a:r>
+                        <a:rPr lang="en-US" sz="4000">
+                          <a:solidFill>
+                            <a:srgbClr val="FF0000"/>
+                          </a:solidFill>
+                        </a:rPr>
+                        <a:t>hard</a:t>
+                      </a:r>
+                      <a:endParaRPr lang="en-US" sz="4000">
+                        <a:solidFill>
+                          <a:srgbClr val="FF0000"/>
+                        </a:solidFill>
+                      </a:endParaRPr>
+                    </a:p>
+                  </a:txBody>
+                  <a:tcPr>
+                    <a:noFill/>
+                  </a:tcPr>
+                </a:tc>
+                <a:tc>
+                  <a:txBody>
+                    <a:bodyPr/>
+                    <a:p>
+                      <a:pPr algn="ctr">
+                        <a:buNone/>
+                      </a:pPr>
+                      <a:r>
+                        <a:rPr kumimoji="1" lang="en-US" altLang="zh-CN" sz="4000">
+                          <a:solidFill>
+                            <a:schemeClr val="bg1"/>
+                          </a:solidFill>
+                          <a:sym typeface="+mn-ea"/>
+                        </a:rPr>
+                        <a:t>middle</a:t>
+                      </a:r>
+                      <a:endParaRPr kumimoji="1" lang="en-US" altLang="zh-CN" sz="4000">
+                        <a:solidFill>
+                          <a:schemeClr val="bg1"/>
+                        </a:solidFill>
+                        <a:sym typeface="+mn-ea"/>
+                      </a:endParaRPr>
+                    </a:p>
+                  </a:txBody>
+                  <a:tcPr>
+                    <a:noFill/>
+                  </a:tcPr>
+                </a:tc>
+                <a:tc>
+                  <a:txBody>
+                    <a:bodyPr/>
+                    <a:p>
+                      <a:pPr algn="ctr">
+                        <a:buNone/>
+                      </a:pPr>
+                      <a:r>
+                        <a:rPr lang="en-US" sz="4000">
+                          <a:solidFill>
+                            <a:schemeClr val="bg1"/>
+                          </a:solidFill>
+                        </a:rPr>
+                        <a:t>good</a:t>
+                      </a:r>
+                      <a:endParaRPr lang="en-US" sz="4000">
+                        <a:solidFill>
+                          <a:schemeClr val="bg1"/>
+                        </a:solidFill>
+                      </a:endParaRPr>
+                    </a:p>
+                  </a:txBody>
+                  <a:tcPr>
+                    <a:noFill/>
+                  </a:tcPr>
+                </a:tc>
+                <a:tc>
+                  <a:txBody>
+                    <a:bodyPr/>
+                    <a:p>
+                      <a:pPr algn="ctr">
+                        <a:buNone/>
+                      </a:pPr>
+                      <a:r>
+                        <a:rPr lang="en-US" sz="4000">
+                          <a:solidFill>
+                            <a:schemeClr val="accent6"/>
+                          </a:solidFill>
+                          <a:sym typeface="+mn-ea"/>
+                        </a:rPr>
+                        <a:t>great</a:t>
+                      </a:r>
+                      <a:endParaRPr lang="en-US" sz="4000">
+                        <a:solidFill>
+                          <a:schemeClr val="accent6"/>
+                        </a:solidFill>
+                        <a:sym typeface="+mn-ea"/>
+                      </a:endParaRPr>
+                    </a:p>
+                  </a:txBody>
+                  <a:tcPr>
+                    <a:noFill/>
+                  </a:tcPr>
+                </a:tc>
+                <a:tc>
+                  <a:txBody>
+                    <a:bodyPr/>
+                    <a:p>
+                      <a:pPr algn="ctr">
+                        <a:buNone/>
+                      </a:pPr>
+                      <a:r>
+                        <a:rPr lang="en-US" sz="4000">
+                          <a:solidFill>
+                            <a:schemeClr val="accent6"/>
+                          </a:solidFill>
+                        </a:rPr>
+                        <a:t>no</a:t>
+                      </a:r>
+                      <a:endParaRPr lang="en-US" sz="4000">
+                        <a:solidFill>
+                          <a:schemeClr val="accent6"/>
+                        </a:solidFill>
+                      </a:endParaRPr>
+                    </a:p>
+                  </a:txBody>
+                  <a:tcPr>
+                    <a:noFill/>
+                  </a:tcPr>
+                </a:tc>
+              </a:tr>
+              <a:tr h="1232535">
+                <a:tc>
+                  <a:txBody>
+                    <a:bodyPr/>
+                    <a:p>
+                      <a:pPr algn="ctr">
+                        <a:lnSpc>
+                          <a:spcPct val="150000"/>
+                        </a:lnSpc>
+                        <a:buNone/>
+                      </a:pPr>
+                      <a:r>
+                        <a:rPr lang="en-US" sz="4000">
+                          <a:solidFill>
+                            <a:schemeClr val="bg1"/>
+                          </a:solidFill>
+                        </a:rPr>
+                        <a:t>WASI</a:t>
+                      </a:r>
+                      <a:endParaRPr lang="en-US" sz="4000">
+                        <a:solidFill>
+                          <a:schemeClr val="bg1"/>
+                        </a:solidFill>
+                      </a:endParaRPr>
+                    </a:p>
+                  </a:txBody>
+                  <a:tcPr>
+                    <a:noFill/>
+                  </a:tcPr>
+                </a:tc>
+                <a:tc>
+                  <a:txBody>
+                    <a:bodyPr/>
+                    <a:p>
+                      <a:pPr algn="ctr">
+                        <a:lnSpc>
+                          <a:spcPct val="140000"/>
+                        </a:lnSpc>
+                        <a:buNone/>
+                      </a:pPr>
+                      <a:r>
+                        <a:rPr lang="en-US" sz="4000">
+                          <a:solidFill>
+                            <a:schemeClr val="bg1"/>
+                          </a:solidFill>
+                        </a:rPr>
+                        <a:t>higress</a:t>
+                      </a:r>
+                      <a:endParaRPr lang="en-US" sz="4000">
+                        <a:solidFill>
+                          <a:schemeClr val="bg1"/>
+                        </a:solidFill>
+                      </a:endParaRPr>
+                    </a:p>
+                  </a:txBody>
+                  <a:tcPr>
+                    <a:noFill/>
+                  </a:tcPr>
+                </a:tc>
+                <a:tc>
+                  <a:txBody>
+                    <a:bodyPr/>
+                    <a:p>
+                      <a:pPr algn="ctr">
+                        <a:lnSpc>
+                          <a:spcPct val="140000"/>
+                        </a:lnSpc>
+                        <a:buNone/>
+                      </a:pPr>
+                      <a:r>
+                        <a:rPr lang="en-US" sz="4000">
+                          <a:solidFill>
+                            <a:schemeClr val="accent6"/>
+                          </a:solidFill>
+                        </a:rPr>
+                        <a:t>light</a:t>
+                      </a:r>
+                      <a:endParaRPr lang="en-US" sz="4000">
+                        <a:solidFill>
+                          <a:schemeClr val="accent6"/>
+                        </a:solidFill>
+                      </a:endParaRPr>
+                    </a:p>
+                  </a:txBody>
+                  <a:tcPr>
+                    <a:noFill/>
+                  </a:tcPr>
+                </a:tc>
+                <a:tc>
+                  <a:txBody>
+                    <a:bodyPr/>
+                    <a:p>
+                      <a:pPr algn="ctr">
+                        <a:lnSpc>
+                          <a:spcPct val="140000"/>
+                        </a:lnSpc>
+                        <a:buNone/>
+                      </a:pPr>
+                      <a:r>
+                        <a:rPr lang="en-US" sz="4000">
+                          <a:solidFill>
+                            <a:schemeClr val="accent6"/>
+                          </a:solidFill>
+                        </a:rPr>
+                        <a:t>simple</a:t>
+                      </a:r>
+                      <a:endParaRPr lang="en-US" sz="4000">
+                        <a:solidFill>
+                          <a:schemeClr val="accent6"/>
+                        </a:solidFill>
+                      </a:endParaRPr>
+                    </a:p>
+                  </a:txBody>
+                  <a:tcPr>
+                    <a:noFill/>
+                  </a:tcPr>
+                </a:tc>
+                <a:tc>
+                  <a:txBody>
+                    <a:bodyPr/>
+                    <a:p>
+                      <a:pPr algn="ctr">
+                        <a:lnSpc>
+                          <a:spcPct val="140000"/>
+                        </a:lnSpc>
+                        <a:buNone/>
+                      </a:pPr>
+                      <a:r>
+                        <a:rPr lang="en-US" sz="4000">
+                          <a:solidFill>
+                            <a:schemeClr val="bg1"/>
+                          </a:solidFill>
+                        </a:rPr>
+                        <a:t>good</a:t>
+                      </a:r>
+                      <a:endParaRPr lang="en-US" sz="4000">
+                        <a:solidFill>
+                          <a:schemeClr val="bg1"/>
+                        </a:solidFill>
+                      </a:endParaRPr>
+                    </a:p>
+                  </a:txBody>
+                  <a:tcPr>
+                    <a:noFill/>
+                  </a:tcPr>
+                </a:tc>
+                <a:tc>
+                  <a:txBody>
+                    <a:bodyPr/>
+                    <a:p>
+                      <a:pPr algn="ctr">
+                        <a:lnSpc>
+                          <a:spcPct val="140000"/>
+                        </a:lnSpc>
+                        <a:buNone/>
+                      </a:pPr>
+                      <a:r>
+                        <a:rPr lang="en-US" sz="4000">
+                          <a:solidFill>
+                            <a:schemeClr val="bg1"/>
+                          </a:solidFill>
+                        </a:rPr>
+                        <a:t>good</a:t>
+                      </a:r>
+                      <a:endParaRPr lang="en-US" sz="4000">
+                        <a:solidFill>
+                          <a:schemeClr val="bg1"/>
+                        </a:solidFill>
+                      </a:endParaRPr>
+                    </a:p>
+                  </a:txBody>
+                  <a:tcPr>
+                    <a:noFill/>
+                  </a:tcPr>
+                </a:tc>
+                <a:tc>
+                  <a:txBody>
+                    <a:bodyPr/>
+                    <a:p>
+                      <a:pPr algn="ctr">
+                        <a:buNone/>
+                      </a:pPr>
+                      <a:r>
+                        <a:rPr kumimoji="1" lang="en-US" altLang="zh-CN" sz="3200">
+                          <a:solidFill>
+                            <a:srgbClr val="FF0000"/>
+                          </a:solidFill>
+                          <a:sym typeface="+mn-ea"/>
+                        </a:rPr>
+                        <a:t>serialization,</a:t>
+                      </a:r>
+                      <a:endParaRPr kumimoji="1" lang="en-US" altLang="zh-CN" sz="3200">
+                        <a:solidFill>
+                          <a:srgbClr val="FF0000"/>
+                        </a:solidFill>
+                        <a:sym typeface="+mn-ea"/>
+                      </a:endParaRPr>
+                    </a:p>
+                    <a:p>
+                      <a:pPr algn="ctr">
+                        <a:buNone/>
+                      </a:pPr>
+                      <a:r>
+                        <a:rPr kumimoji="1" lang="en-US" altLang="zh-CN" sz="3200">
+                          <a:solidFill>
+                            <a:srgbClr val="FF0000"/>
+                          </a:solidFill>
+                          <a:sym typeface="+mn-ea"/>
+                        </a:rPr>
+                        <a:t>deserialization</a:t>
+                      </a:r>
+                      <a:endParaRPr kumimoji="1" lang="en-US" altLang="zh-CN" sz="3200">
+                        <a:solidFill>
+                          <a:srgbClr val="FF0000"/>
+                        </a:solidFill>
+                        <a:sym typeface="+mn-ea"/>
+                      </a:endParaRPr>
+                    </a:p>
+                  </a:txBody>
+                  <a:tcPr>
+                    <a:noFill/>
+                  </a:tcPr>
+                </a:tc>
+                <a:tc>
+                  <a:txBody>
+                    <a:bodyPr/>
+                    <a:p>
+                      <a:pPr algn="ctr">
+                        <a:lnSpc>
+                          <a:spcPct val="140000"/>
+                        </a:lnSpc>
+                        <a:buNone/>
+                      </a:pPr>
+                      <a:r>
+                        <a:rPr lang="en-US" sz="4000">
+                          <a:solidFill>
+                            <a:schemeClr val="accent6"/>
+                          </a:solidFill>
+                        </a:rPr>
+                        <a:t>no</a:t>
+                      </a:r>
+                      <a:endParaRPr lang="en-US" sz="4000">
+                        <a:solidFill>
+                          <a:schemeClr val="accent6"/>
+                        </a:solidFill>
+                      </a:endParaRPr>
+                    </a:p>
+                  </a:txBody>
+                  <a:tcPr>
+                    <a:noFill/>
+                  </a:tcPr>
+                </a:tc>
+              </a:tr>
+            </a:tbl>
+          </a:graphicData>
+        </a:graphic>
+      </p:graphicFrame>
     </p:spTree>
   </p:cSld>
   <p:clrMapOvr>
@@ -6786,6 +8084,106 @@
 <file path=ppt/slides/slide20.xml><?xml version="1.0" encoding="utf-8"?>
 <p:sld xmlns:a="http://schemas.openxmlformats.org/drawingml/2006/main" xmlns:r="http://schemas.openxmlformats.org/officeDocument/2006/relationships" xmlns:p="http://schemas.openxmlformats.org/presentationml/2006/main">
   <p:cSld>
+    <p:spTree>
+      <p:nvGrpSpPr>
+        <p:cNvPr id="1" name=""/>
+        <p:cNvGrpSpPr/>
+        <p:nvPr/>
+      </p:nvGrpSpPr>
+      <p:grpSpPr>
+        <a:xfrm>
+          <a:off x="0" y="0"/>
+          <a:ext cx="0" cy="0"/>
+          <a:chOff x="0" y="0"/>
+          <a:chExt cx="0" cy="0"/>
+        </a:xfrm>
+      </p:grpSpPr>
+      <p:sp>
+        <p:nvSpPr>
+          <p:cNvPr id="9" name="标题占位符 16"/>
+          <p:cNvSpPr txBox="1"/>
+          <p:nvPr/>
+        </p:nvSpPr>
+        <p:spPr>
+          <a:xfrm>
+            <a:off x="1750489" y="4437077"/>
+            <a:ext cx="20957109" cy="2651125"/>
+          </a:xfrm>
+          <a:prstGeom prst="rect">
+            <a:avLst/>
+          </a:prstGeom>
+        </p:spPr>
+        <p:txBody>
+          <a:bodyPr vert="horz" lIns="91440" tIns="45720" rIns="91440" bIns="45720" rtlCol="0" anchor="ctr">
+            <a:normAutofit/>
+          </a:bodyPr>
+          <a:lstStyle>
+            <a:lvl1pPr marL="0" marR="0" indent="0" algn="ctr" defTabSz="2438400" rtl="0" eaLnBrk="1" fontAlgn="auto" latinLnBrk="0" hangingPunct="1">
+              <a:lnSpc>
+                <a:spcPct val="110000"/>
+              </a:lnSpc>
+              <a:spcBef>
+                <a:spcPts val="0"/>
+              </a:spcBef>
+              <a:spcAft>
+                <a:spcPts val="0"/>
+              </a:spcAft>
+              <a:buClrTx/>
+              <a:buSzTx/>
+              <a:buFontTx/>
+              <a:buNone/>
+              <a:defRPr kumimoji="0" lang="zh-CN" altLang="en-US" sz="8000" b="0" i="0" u="none" strike="noStrike" kern="0" cap="none" spc="0" normalizeH="0" baseline="0" dirty="0">
+                <a:ln>
+                  <a:noFill/>
+                </a:ln>
+                <a:solidFill>
+                  <a:srgbClr val="FFFFFF"/>
+                </a:solidFill>
+                <a:effectLst/>
+                <a:uFillTx/>
+                <a:latin typeface="OPPOSans H"/>
+                <a:ea typeface="OPPOSans H"/>
+                <a:cs typeface="OPPOSans H"/>
+                <a:sym typeface="OPPOSans H"/>
+              </a:defRPr>
+            </a:lvl1pPr>
+          </a:lstStyle>
+          <a:p>
+            <a:pPr>
+              <a:defRPr sz="8000" b="0">
+                <a:solidFill>
+                  <a:srgbClr val="FFFFFF"/>
+                </a:solidFill>
+                <a:latin typeface="OPPOSans H"/>
+                <a:ea typeface="OPPOSans H"/>
+                <a:cs typeface="OPPOSans H"/>
+                <a:sym typeface="OPPOSans H"/>
+              </a:defRPr>
+            </a:pPr>
+            <a:r>
+              <a:rPr lang="en-US" altLang="zh-CN" sz="9600">
+                <a:latin typeface="OPPOSans R" pitchFamily="18" charset="-122"/>
+                <a:ea typeface="OPPOSans R" pitchFamily="18" charset="-122"/>
+                <a:cs typeface="OPPOSans R" pitchFamily="18" charset="-122"/>
+                <a:sym typeface="+mn-ea"/>
+              </a:rPr>
+              <a:t>Extention</a:t>
+            </a:r>
+            <a:endParaRPr lang="en-US" altLang="en-GB" sz="9600" dirty="0"/>
+          </a:p>
+        </p:txBody>
+      </p:sp>
+    </p:spTree>
+  </p:cSld>
+  <p:clrMapOvr>
+    <a:masterClrMapping/>
+  </p:clrMapOvr>
+</p:sld>
+</file>
+
+<file path=ppt/slides/slide21.xml><?xml version="1.0" encoding="utf-8"?>
+<p:sld xmlns:a="http://schemas.openxmlformats.org/drawingml/2006/main" xmlns:r="http://schemas.openxmlformats.org/officeDocument/2006/relationships" xmlns:p="http://schemas.openxmlformats.org/presentationml/2006/main">
+  <p:cSld>
     <p:bg>
       <p:bgPr>
         <a:blipFill dpi="0" rotWithShape="1">
@@ -6860,7 +8258,7 @@
 </p:sld>
 </file>
 
-<file path=ppt/slides/slide21.xml><?xml version="1.0" encoding="utf-8"?>
+<file path=ppt/slides/slide22.xml><?xml version="1.0" encoding="utf-8"?>
 <p:sld xmlns:a="http://schemas.openxmlformats.org/drawingml/2006/main" xmlns:r="http://schemas.openxmlformats.org/officeDocument/2006/relationships" xmlns:p="http://schemas.openxmlformats.org/presentationml/2006/main">
   <p:cSld>
     <p:spTree>
@@ -6957,7 +8355,7 @@
 </p:sld>
 </file>
 
-<file path=ppt/slides/slide22.xml><?xml version="1.0" encoding="utf-8"?>
+<file path=ppt/slides/slide23.xml><?xml version="1.0" encoding="utf-8"?>
 <p:sld xmlns:a="http://schemas.openxmlformats.org/drawingml/2006/main" xmlns:r="http://schemas.openxmlformats.org/officeDocument/2006/relationships" xmlns:p="http://schemas.openxmlformats.org/presentationml/2006/main">
   <p:cSld>
     <p:bg>
@@ -7092,7 +8490,7 @@
 </p:sld>
 </file>
 
-<file path=ppt/slides/slide23.xml><?xml version="1.0" encoding="utf-8"?>
+<file path=ppt/slides/slide24.xml><?xml version="1.0" encoding="utf-8"?>
 <p:sld xmlns:a="http://schemas.openxmlformats.org/drawingml/2006/main" xmlns:r="http://schemas.openxmlformats.org/officeDocument/2006/relationships" xmlns:p="http://schemas.openxmlformats.org/presentationml/2006/main">
   <p:cSld>
     <p:spTree>
@@ -7136,7 +8534,7 @@
               <a:spcBef>
                 <a:spcPts val="1000"/>
               </a:spcBef>
-              <a:buFont typeface="Arial" panose="020B0604020202020204" pitchFamily="34" charset="0"/>
+              <a:buFont typeface="Arial" panose="020B0604020202090204" pitchFamily="34" charset="0"/>
               <a:buChar char="•"/>
               <a:defRPr sz="3200" b="0" i="0" kern="1200" spc="64">
                 <a:solidFill>
@@ -7155,7 +8553,7 @@
               <a:spcBef>
                 <a:spcPts val="500"/>
               </a:spcBef>
-              <a:buFont typeface="Arial" panose="020B0604020202020204" pitchFamily="34" charset="0"/>
+              <a:buFont typeface="Arial" panose="020B0604020202090204" pitchFamily="34" charset="0"/>
               <a:buChar char="•"/>
               <a:defRPr sz="2400" kern="1200">
                 <a:solidFill>
@@ -7173,7 +8571,7 @@
               <a:spcBef>
                 <a:spcPts val="500"/>
               </a:spcBef>
-              <a:buFont typeface="Arial" panose="020B0604020202020204" pitchFamily="34" charset="0"/>
+              <a:buFont typeface="Arial" panose="020B0604020202090204" pitchFamily="34" charset="0"/>
               <a:buChar char="•"/>
               <a:defRPr sz="2000" kern="1200">
                 <a:solidFill>
@@ -7191,7 +8589,7 @@
               <a:spcBef>
                 <a:spcPts val="500"/>
               </a:spcBef>
-              <a:buFont typeface="Arial" panose="020B0604020202020204" pitchFamily="34" charset="0"/>
+              <a:buFont typeface="Arial" panose="020B0604020202090204" pitchFamily="34" charset="0"/>
               <a:buChar char="•"/>
               <a:defRPr sz="1800" kern="1200">
                 <a:solidFill>
@@ -7209,7 +8607,7 @@
               <a:spcBef>
                 <a:spcPts val="500"/>
               </a:spcBef>
-              <a:buFont typeface="Arial" panose="020B0604020202020204" pitchFamily="34" charset="0"/>
+              <a:buFont typeface="Arial" panose="020B0604020202090204" pitchFamily="34" charset="0"/>
               <a:buChar char="•"/>
               <a:defRPr sz="1800" kern="1200">
                 <a:solidFill>
@@ -7227,7 +8625,7 @@
               <a:spcBef>
                 <a:spcPts val="500"/>
               </a:spcBef>
-              <a:buFont typeface="Arial" panose="020B0604020202020204" pitchFamily="34" charset="0"/>
+              <a:buFont typeface="Arial" panose="020B0604020202090204" pitchFamily="34" charset="0"/>
               <a:buChar char="•"/>
               <a:defRPr sz="1800" kern="1200">
                 <a:solidFill>
@@ -7245,7 +8643,7 @@
               <a:spcBef>
                 <a:spcPts val="500"/>
               </a:spcBef>
-              <a:buFont typeface="Arial" panose="020B0604020202020204" pitchFamily="34" charset="0"/>
+              <a:buFont typeface="Arial" panose="020B0604020202090204" pitchFamily="34" charset="0"/>
               <a:buChar char="•"/>
               <a:defRPr sz="1800" kern="1200">
                 <a:solidFill>
@@ -7263,7 +8661,7 @@
               <a:spcBef>
                 <a:spcPts val="500"/>
               </a:spcBef>
-              <a:buFont typeface="Arial" panose="020B0604020202020204" pitchFamily="34" charset="0"/>
+              <a:buFont typeface="Arial" panose="020B0604020202090204" pitchFamily="34" charset="0"/>
               <a:buChar char="•"/>
               <a:defRPr sz="1800" kern="1200">
                 <a:solidFill>
@@ -7281,7 +8679,7 @@
               <a:spcBef>
                 <a:spcPts val="500"/>
               </a:spcBef>
-              <a:buFont typeface="Arial" panose="020B0604020202020204" pitchFamily="34" charset="0"/>
+              <a:buFont typeface="Arial" panose="020B0604020202090204" pitchFamily="34" charset="0"/>
               <a:buChar char="•"/>
               <a:defRPr sz="1800" kern="1200">
                 <a:solidFill>
@@ -7465,7 +8863,7 @@
               <a:spcBef>
                 <a:spcPts val="1000"/>
               </a:spcBef>
-              <a:buFont typeface="Arial" panose="020B0604020202020204" pitchFamily="34" charset="0"/>
+              <a:buFont typeface="Arial" panose="020B0604020202090204" pitchFamily="34" charset="0"/>
               <a:buChar char="•"/>
               <a:defRPr sz="3200" b="0" i="0" kern="1200" spc="64">
                 <a:solidFill>
@@ -7484,7 +8882,7 @@
               <a:spcBef>
                 <a:spcPts val="500"/>
               </a:spcBef>
-              <a:buFont typeface="Arial" panose="020B0604020202020204" pitchFamily="34" charset="0"/>
+              <a:buFont typeface="Arial" panose="020B0604020202090204" pitchFamily="34" charset="0"/>
               <a:buChar char="•"/>
               <a:defRPr sz="2400" kern="1200">
                 <a:solidFill>
@@ -7502,7 +8900,7 @@
               <a:spcBef>
                 <a:spcPts val="500"/>
               </a:spcBef>
-              <a:buFont typeface="Arial" panose="020B0604020202020204" pitchFamily="34" charset="0"/>
+              <a:buFont typeface="Arial" panose="020B0604020202090204" pitchFamily="34" charset="0"/>
               <a:buChar char="•"/>
               <a:defRPr sz="2000" kern="1200">
                 <a:solidFill>
@@ -7520,7 +8918,7 @@
               <a:spcBef>
                 <a:spcPts val="500"/>
               </a:spcBef>
-              <a:buFont typeface="Arial" panose="020B0604020202020204" pitchFamily="34" charset="0"/>
+              <a:buFont typeface="Arial" panose="020B0604020202090204" pitchFamily="34" charset="0"/>
               <a:buChar char="•"/>
               <a:defRPr sz="1800" kern="1200">
                 <a:solidFill>
@@ -7538,7 +8936,7 @@
               <a:spcBef>
                 <a:spcPts val="500"/>
               </a:spcBef>
-              <a:buFont typeface="Arial" panose="020B0604020202020204" pitchFamily="34" charset="0"/>
+              <a:buFont typeface="Arial" panose="020B0604020202090204" pitchFamily="34" charset="0"/>
               <a:buChar char="•"/>
               <a:defRPr sz="1800" kern="1200">
                 <a:solidFill>
@@ -7556,7 +8954,7 @@
               <a:spcBef>
                 <a:spcPts val="500"/>
               </a:spcBef>
-              <a:buFont typeface="Arial" panose="020B0604020202020204" pitchFamily="34" charset="0"/>
+              <a:buFont typeface="Arial" panose="020B0604020202090204" pitchFamily="34" charset="0"/>
               <a:buChar char="•"/>
               <a:defRPr sz="1800" kern="1200">
                 <a:solidFill>
@@ -7574,7 +8972,7 @@
               <a:spcBef>
                 <a:spcPts val="500"/>
               </a:spcBef>
-              <a:buFont typeface="Arial" panose="020B0604020202020204" pitchFamily="34" charset="0"/>
+              <a:buFont typeface="Arial" panose="020B0604020202090204" pitchFamily="34" charset="0"/>
               <a:buChar char="•"/>
               <a:defRPr sz="1800" kern="1200">
                 <a:solidFill>
@@ -7592,7 +8990,7 @@
               <a:spcBef>
                 <a:spcPts val="500"/>
               </a:spcBef>
-              <a:buFont typeface="Arial" panose="020B0604020202020204" pitchFamily="34" charset="0"/>
+              <a:buFont typeface="Arial" panose="020B0604020202090204" pitchFamily="34" charset="0"/>
               <a:buChar char="•"/>
               <a:defRPr sz="1800" kern="1200">
                 <a:solidFill>
@@ -7610,7 +9008,7 @@
               <a:spcBef>
                 <a:spcPts val="500"/>
               </a:spcBef>
-              <a:buFont typeface="Arial" panose="020B0604020202020204" pitchFamily="34" charset="0"/>
+              <a:buFont typeface="Arial" panose="020B0604020202090204" pitchFamily="34" charset="0"/>
               <a:buChar char="•"/>
               <a:defRPr sz="1800" kern="1200">
                 <a:solidFill>
@@ -8509,6 +9907,13 @@
 <file path=ppt/tags/tag2.xml><?xml version="1.0" encoding="utf-8"?>
 <p:tagLst xmlns:p="http://schemas.openxmlformats.org/presentationml/2006/main">
   <p:tag name="KSO_WM_BEAUTIFY_FLAG" val=""/>
+</p:tagLst>
+</file>
+
+<file path=ppt/tags/tag3.xml><?xml version="1.0" encoding="utf-8"?>
+<p:tagLst xmlns:p="http://schemas.openxmlformats.org/presentationml/2006/main">
+  <p:tag name="TABLE_ENDDRAG_ORIGIN_RECT" val="1515*352"/>
+  <p:tag name="TABLE_ENDDRAG_RECT" val="116*465*1515*352"/>
 </p:tagLst>
 </file>
 

--- a/PlayWithWASM.pptx
+++ b/PlayWithWASM.pptx
@@ -6,10 +6,10 @@
     <p:sldMasterId id="2147483654" r:id="rId3"/>
   </p:sldMasterIdLst>
   <p:notesMasterIdLst>
-    <p:notesMasterId r:id="rId28"/>
+    <p:notesMasterId r:id="rId35"/>
   </p:notesMasterIdLst>
   <p:handoutMasterIdLst>
-    <p:handoutMasterId r:id="rId29"/>
+    <p:handoutMasterId r:id="rId36"/>
   </p:handoutMasterIdLst>
   <p:sldIdLst>
     <p:sldId id="274" r:id="rId4"/>
@@ -32,10 +32,17 @@
     <p:sldId id="340" r:id="rId21"/>
     <p:sldId id="293" r:id="rId22"/>
     <p:sldId id="288" r:id="rId23"/>
-    <p:sldId id="289" r:id="rId24"/>
-    <p:sldId id="298" r:id="rId25"/>
-    <p:sldId id="299" r:id="rId26"/>
-    <p:sldId id="297" r:id="rId27"/>
+    <p:sldId id="347" r:id="rId24"/>
+    <p:sldId id="348" r:id="rId25"/>
+    <p:sldId id="349" r:id="rId26"/>
+    <p:sldId id="289" r:id="rId27"/>
+    <p:sldId id="350" r:id="rId28"/>
+    <p:sldId id="351" r:id="rId29"/>
+    <p:sldId id="352" r:id="rId30"/>
+    <p:sldId id="353" r:id="rId31"/>
+    <p:sldId id="298" r:id="rId32"/>
+    <p:sldId id="299" r:id="rId33"/>
+    <p:sldId id="297" r:id="rId34"/>
   </p:sldIdLst>
   <p:sldSz cx="24384000" cy="13716000"/>
   <p:notesSz cx="6858000" cy="9144000"/>
@@ -5041,7 +5048,7 @@
               <a:rPr kumimoji="1" lang="en-US" altLang="zh-CN">
                 <a:sym typeface="+mn-ea"/>
               </a:rPr>
-              <a:t>This is example for implementing the brpc protocol for dubbo</a:t>
+              <a:t>This is example for supporting the brpc protocol for shenyu</a:t>
             </a:r>
             <a:endParaRPr kumimoji="1" lang="en-US" altLang="zh-CN">
               <a:sym typeface="+mn-ea"/>
@@ -5069,8 +5076,8 @@
         </p:blipFill>
         <p:spPr>
           <a:xfrm>
-            <a:off x="9756775" y="3594100"/>
-            <a:ext cx="8947150" cy="7199630"/>
+            <a:off x="10261600" y="3578225"/>
+            <a:ext cx="8495030" cy="6837680"/>
           </a:xfrm>
           <a:prstGeom prst="rect">
             <a:avLst/>
@@ -5079,7 +5086,7 @@
       </p:pic>
       <p:pic>
         <p:nvPicPr>
-          <p:cNvPr id="5" name="Picture 4"/>
+          <p:cNvPr id="7" name="Picture 6"/>
           <p:cNvPicPr>
             <a:picLocks noChangeAspect="1"/>
           </p:cNvPicPr>
@@ -5098,7 +5105,7 @@
         <p:spPr>
           <a:xfrm>
             <a:off x="1480185" y="3578225"/>
-            <a:ext cx="8295640" cy="7215505"/>
+            <a:ext cx="8789035" cy="8448040"/>
           </a:xfrm>
           <a:prstGeom prst="rect">
             <a:avLst/>
@@ -8227,7 +8234,374 @@
           <a:bodyPr/>
           <a:lstStyle/>
           <a:p>
+            <a:r>
+              <a:rPr lang="en-US" altLang="en-GB" dirty="0">
+                <a:latin typeface="OPPOSans R" pitchFamily="18" charset="-122"/>
+                <a:ea typeface="OPPOSans R" pitchFamily="18" charset="-122"/>
+                <a:cs typeface="OPPOSans R" pitchFamily="18" charset="-122"/>
+                <a:sym typeface="+mn-ea"/>
+              </a:rPr>
+              <a:t>What is a Selector</a:t>
+            </a:r>
             <a:endParaRPr kumimoji="1" lang="zh-CN" altLang="en-US"/>
+          </a:p>
+        </p:txBody>
+      </p:sp>
+      <p:sp>
+        <p:nvSpPr>
+          <p:cNvPr id="3" name="文本占位符 2"/>
+          <p:cNvSpPr>
+            <a:spLocks noGrp="1"/>
+          </p:cNvSpPr>
+          <p:nvPr>
+            <p:ph type="body" sz="quarter" idx="22"/>
+          </p:nvPr>
+        </p:nvSpPr>
+        <p:spPr>
+          <a:xfrm>
+            <a:off x="17693005" y="4152900"/>
+            <a:ext cx="4945380" cy="5410200"/>
+          </a:xfrm>
+        </p:spPr>
+        <p:txBody>
+          <a:bodyPr/>
+          <a:lstStyle/>
+          <a:p>
+            <a:r>
+              <a:rPr kumimoji="1" lang="en-US" altLang="zh-CN"/>
+              <a:t>Selector: Each plugin can set multiple selectors to carry out preliminary filtering of traffic.</a:t>
+            </a:r>
+            <a:endParaRPr kumimoji="1" lang="en-US" altLang="zh-CN"/>
+          </a:p>
+        </p:txBody>
+      </p:sp>
+      <p:pic>
+        <p:nvPicPr>
+          <p:cNvPr id="4" name="Picture 3" descr="shenyu-architecture-3d"/>
+          <p:cNvPicPr>
+            <a:picLocks noChangeAspect="1"/>
+          </p:cNvPicPr>
+          <p:nvPr/>
+        </p:nvPicPr>
+        <p:blipFill>
+          <a:blip r:embed="rId2"/>
+          <a:stretch>
+            <a:fillRect/>
+          </a:stretch>
+        </p:blipFill>
+        <p:spPr>
+          <a:xfrm>
+            <a:off x="1420495" y="3578225"/>
+            <a:ext cx="15128240" cy="9058910"/>
+          </a:xfrm>
+          <a:prstGeom prst="rect">
+            <a:avLst/>
+          </a:prstGeom>
+        </p:spPr>
+      </p:pic>
+    </p:spTree>
+  </p:cSld>
+  <p:clrMapOvr>
+    <a:masterClrMapping/>
+  </p:clrMapOvr>
+</p:sld>
+</file>
+
+<file path=ppt/slides/slide22.xml><?xml version="1.0" encoding="utf-8"?>
+<p:sld xmlns:a="http://schemas.openxmlformats.org/drawingml/2006/main" xmlns:r="http://schemas.openxmlformats.org/officeDocument/2006/relationships" xmlns:p="http://schemas.openxmlformats.org/presentationml/2006/main">
+  <p:cSld>
+    <p:bg>
+      <p:bgPr>
+        <a:blipFill dpi="0" rotWithShape="1">
+          <a:blip r:embed="rId1">
+            <a:lum/>
+          </a:blip>
+          <a:srcRect/>
+          <a:stretch>
+            <a:fillRect/>
+          </a:stretch>
+        </a:blipFill>
+        <a:effectLst/>
+      </p:bgPr>
+    </p:bg>
+    <p:spTree>
+      <p:nvGrpSpPr>
+        <p:cNvPr id="1" name=""/>
+        <p:cNvGrpSpPr/>
+        <p:nvPr/>
+      </p:nvGrpSpPr>
+      <p:grpSpPr>
+        <a:xfrm>
+          <a:off x="0" y="0"/>
+          <a:ext cx="0" cy="0"/>
+          <a:chOff x="0" y="0"/>
+          <a:chExt cx="0" cy="0"/>
+        </a:xfrm>
+      </p:grpSpPr>
+      <p:sp>
+        <p:nvSpPr>
+          <p:cNvPr id="2" name="文本占位符 1"/>
+          <p:cNvSpPr>
+            <a:spLocks noGrp="1"/>
+          </p:cNvSpPr>
+          <p:nvPr>
+            <p:ph type="body" sz="quarter" idx="21"/>
+          </p:nvPr>
+        </p:nvSpPr>
+        <p:spPr/>
+        <p:txBody>
+          <a:bodyPr/>
+          <a:lstStyle/>
+          <a:p>
+            <a:r>
+              <a:rPr lang="en-US" altLang="en-GB" dirty="0">
+                <a:latin typeface="OPPOSans R" pitchFamily="18" charset="-122"/>
+                <a:ea typeface="OPPOSans R" pitchFamily="18" charset="-122"/>
+                <a:cs typeface="OPPOSans R" pitchFamily="18" charset="-122"/>
+                <a:sym typeface="+mn-ea"/>
+              </a:rPr>
+              <a:t>What is a Rule</a:t>
+            </a:r>
+            <a:endParaRPr kumimoji="1" lang="zh-CN" altLang="en-US"/>
+          </a:p>
+        </p:txBody>
+      </p:sp>
+      <p:sp>
+        <p:nvSpPr>
+          <p:cNvPr id="3" name="文本占位符 2"/>
+          <p:cNvSpPr>
+            <a:spLocks noGrp="1"/>
+          </p:cNvSpPr>
+          <p:nvPr>
+            <p:ph type="body" sz="quarter" idx="22"/>
+          </p:nvPr>
+        </p:nvSpPr>
+        <p:spPr>
+          <a:xfrm>
+            <a:off x="17693005" y="4152900"/>
+            <a:ext cx="4945380" cy="5410200"/>
+          </a:xfrm>
+        </p:spPr>
+        <p:txBody>
+          <a:bodyPr/>
+          <a:lstStyle/>
+          <a:p>
+            <a:r>
+              <a:rPr kumimoji="1" lang="en-US" altLang="zh-CN"/>
+              <a:t>Rule: Multiple rules can be set per selector for more fine-grained control of flow.</a:t>
+            </a:r>
+            <a:endParaRPr kumimoji="1" lang="en-US" altLang="zh-CN"/>
+          </a:p>
+        </p:txBody>
+      </p:sp>
+      <p:pic>
+        <p:nvPicPr>
+          <p:cNvPr id="4" name="Picture 3" descr="shenyu-architecture-3d"/>
+          <p:cNvPicPr>
+            <a:picLocks noChangeAspect="1"/>
+          </p:cNvPicPr>
+          <p:nvPr/>
+        </p:nvPicPr>
+        <p:blipFill>
+          <a:blip r:embed="rId2"/>
+          <a:stretch>
+            <a:fillRect/>
+          </a:stretch>
+        </p:blipFill>
+        <p:spPr>
+          <a:xfrm>
+            <a:off x="1420495" y="3578225"/>
+            <a:ext cx="15128240" cy="9058910"/>
+          </a:xfrm>
+          <a:prstGeom prst="rect">
+            <a:avLst/>
+          </a:prstGeom>
+        </p:spPr>
+      </p:pic>
+    </p:spTree>
+  </p:cSld>
+  <p:clrMapOvr>
+    <a:masterClrMapping/>
+  </p:clrMapOvr>
+</p:sld>
+</file>
+
+<file path=ppt/slides/slide23.xml><?xml version="1.0" encoding="utf-8"?>
+<p:sld xmlns:a="http://schemas.openxmlformats.org/drawingml/2006/main" xmlns:r="http://schemas.openxmlformats.org/officeDocument/2006/relationships" xmlns:p="http://schemas.openxmlformats.org/presentationml/2006/main">
+  <p:cSld>
+    <p:bg>
+      <p:bgPr>
+        <a:blipFill dpi="0" rotWithShape="1">
+          <a:blip r:embed="rId1">
+            <a:lum/>
+          </a:blip>
+          <a:srcRect/>
+          <a:stretch>
+            <a:fillRect/>
+          </a:stretch>
+        </a:blipFill>
+        <a:effectLst/>
+      </p:bgPr>
+    </p:bg>
+    <p:spTree>
+      <p:nvGrpSpPr>
+        <p:cNvPr id="1" name=""/>
+        <p:cNvGrpSpPr/>
+        <p:nvPr/>
+      </p:nvGrpSpPr>
+      <p:grpSpPr>
+        <a:xfrm>
+          <a:off x="0" y="0"/>
+          <a:ext cx="0" cy="0"/>
+          <a:chOff x="0" y="0"/>
+          <a:chExt cx="0" cy="0"/>
+        </a:xfrm>
+      </p:grpSpPr>
+      <p:sp>
+        <p:nvSpPr>
+          <p:cNvPr id="2" name="文本占位符 1"/>
+          <p:cNvSpPr>
+            <a:spLocks noGrp="1"/>
+          </p:cNvSpPr>
+          <p:nvPr>
+            <p:ph type="body" sz="quarter" idx="21"/>
+          </p:nvPr>
+        </p:nvSpPr>
+        <p:spPr/>
+        <p:txBody>
+          <a:bodyPr/>
+          <a:lstStyle/>
+          <a:p>
+            <a:r>
+              <a:rPr lang="en-US" altLang="en-GB" dirty="0">
+                <a:latin typeface="OPPOSans R" pitchFamily="18" charset="-122"/>
+                <a:ea typeface="OPPOSans R" pitchFamily="18" charset="-122"/>
+                <a:cs typeface="OPPOSans R" pitchFamily="18" charset="-122"/>
+                <a:sym typeface="+mn-ea"/>
+              </a:rPr>
+              <a:t>What is a Metadata</a:t>
+            </a:r>
+            <a:endParaRPr kumimoji="1" lang="zh-CN" altLang="en-US"/>
+          </a:p>
+        </p:txBody>
+      </p:sp>
+      <p:sp>
+        <p:nvSpPr>
+          <p:cNvPr id="3" name="文本占位符 2"/>
+          <p:cNvSpPr>
+            <a:spLocks noGrp="1"/>
+          </p:cNvSpPr>
+          <p:nvPr>
+            <p:ph type="body" sz="quarter" idx="22"/>
+          </p:nvPr>
+        </p:nvSpPr>
+        <p:spPr>
+          <a:xfrm>
+            <a:off x="17693005" y="4152900"/>
+            <a:ext cx="4945380" cy="5410200"/>
+          </a:xfrm>
+        </p:spPr>
+        <p:txBody>
+          <a:bodyPr/>
+          <a:lstStyle/>
+          <a:p>
+            <a:r>
+              <a:rPr kumimoji="1" lang="en-US" altLang="zh-CN"/>
+              <a:t>Metadata is used for generic invoke by gateway. </a:t>
+            </a:r>
+            <a:r>
+              <a:rPr kumimoji="1" lang="en-US" altLang="zh-CN">
+                <a:sym typeface="+mn-ea"/>
+              </a:rPr>
+              <a:t>For each interface method, there is one piece of metadata.</a:t>
+            </a:r>
+            <a:endParaRPr kumimoji="1" lang="en-US" altLang="zh-CN"/>
+          </a:p>
+        </p:txBody>
+      </p:sp>
+      <p:pic>
+        <p:nvPicPr>
+          <p:cNvPr id="4" name="Picture 3" descr="shenyu-architecture-3d"/>
+          <p:cNvPicPr>
+            <a:picLocks noChangeAspect="1"/>
+          </p:cNvPicPr>
+          <p:nvPr/>
+        </p:nvPicPr>
+        <p:blipFill>
+          <a:blip r:embed="rId2"/>
+          <a:stretch>
+            <a:fillRect/>
+          </a:stretch>
+        </p:blipFill>
+        <p:spPr>
+          <a:xfrm>
+            <a:off x="1420495" y="3578225"/>
+            <a:ext cx="15128240" cy="9058910"/>
+          </a:xfrm>
+          <a:prstGeom prst="rect">
+            <a:avLst/>
+          </a:prstGeom>
+        </p:spPr>
+      </p:pic>
+    </p:spTree>
+  </p:cSld>
+  <p:clrMapOvr>
+    <a:masterClrMapping/>
+  </p:clrMapOvr>
+</p:sld>
+</file>
+
+<file path=ppt/slides/slide24.xml><?xml version="1.0" encoding="utf-8"?>
+<p:sld xmlns:a="http://schemas.openxmlformats.org/drawingml/2006/main" xmlns:r="http://schemas.openxmlformats.org/officeDocument/2006/relationships" xmlns:p="http://schemas.openxmlformats.org/presentationml/2006/main">
+  <p:cSld>
+    <p:bg>
+      <p:bgPr>
+        <a:blipFill dpi="0" rotWithShape="1">
+          <a:blip r:embed="rId1">
+            <a:lum/>
+          </a:blip>
+          <a:srcRect/>
+          <a:stretch>
+            <a:fillRect/>
+          </a:stretch>
+        </a:blipFill>
+        <a:effectLst/>
+      </p:bgPr>
+    </p:bg>
+    <p:spTree>
+      <p:nvGrpSpPr>
+        <p:cNvPr id="1" name=""/>
+        <p:cNvGrpSpPr/>
+        <p:nvPr/>
+      </p:nvGrpSpPr>
+      <p:grpSpPr>
+        <a:xfrm>
+          <a:off x="0" y="0"/>
+          <a:ext cx="0" cy="0"/>
+          <a:chOff x="0" y="0"/>
+          <a:chExt cx="0" cy="0"/>
+        </a:xfrm>
+      </p:grpSpPr>
+      <p:sp>
+        <p:nvSpPr>
+          <p:cNvPr id="2" name="文本占位符 1"/>
+          <p:cNvSpPr>
+            <a:spLocks noGrp="1"/>
+          </p:cNvSpPr>
+          <p:nvPr>
+            <p:ph type="body" sz="quarter" idx="21"/>
+          </p:nvPr>
+        </p:nvSpPr>
+        <p:spPr/>
+        <p:txBody>
+          <a:bodyPr/>
+          <a:lstStyle/>
+          <a:p>
+            <a:r>
+              <a:rPr kumimoji="1" lang="en-US" altLang="zh-CN"/>
+              <a:t>Step1: Add Dependency</a:t>
+            </a:r>
+            <a:endParaRPr kumimoji="1" lang="en-US" altLang="zh-CN"/>
           </a:p>
         </p:txBody>
       </p:sp>
@@ -8246,6 +8620,60 @@
           <a:bodyPr/>
           <a:lstStyle/>
           <a:p>
+            <a:r>
+              <a:rPr kumimoji="1" lang="zh-CN" altLang="en-US"/>
+              <a:t>Assuming we already have a Maven project</a:t>
+            </a:r>
+            <a:r>
+              <a:rPr kumimoji="1" lang="en-US" altLang="zh-CN"/>
+              <a:t>.</a:t>
+            </a:r>
+            <a:endParaRPr kumimoji="1" lang="en-US" altLang="zh-CN"/>
+          </a:p>
+          <a:p>
+            <a:endParaRPr kumimoji="1" lang="zh-CN" altLang="en-US"/>
+          </a:p>
+          <a:p>
+            <a:r>
+              <a:rPr kumimoji="1" lang="zh-CN" altLang="en-US"/>
+              <a:t>&lt;dependency&gt;</a:t>
+            </a:r>
+            <a:endParaRPr kumimoji="1" lang="zh-CN" altLang="en-US"/>
+          </a:p>
+          <a:p>
+            <a:r>
+              <a:rPr kumimoji="1" lang="zh-CN" altLang="en-US"/>
+              <a:t>    &lt;groupId&gt;org.apache.shenyu&lt;/groupId&gt;</a:t>
+            </a:r>
+            <a:endParaRPr kumimoji="1" lang="zh-CN" altLang="en-US"/>
+          </a:p>
+          <a:p>
+            <a:r>
+              <a:rPr kumimoji="1" lang="zh-CN" altLang="en-US"/>
+              <a:t>    &lt;artifactId&gt;shenyu-plugin-wasm-base&lt;/artifactId&gt;</a:t>
+            </a:r>
+            <a:endParaRPr kumimoji="1" lang="zh-CN" altLang="en-US"/>
+          </a:p>
+          <a:p>
+            <a:r>
+              <a:rPr kumimoji="1" lang="zh-CN" altLang="en-US"/>
+              <a:t>    &lt;version&gt;${</a:t>
+            </a:r>
+            <a:r>
+              <a:rPr kumimoji="1" lang="en-US" altLang="zh-CN"/>
+              <a:t>shenyu</a:t>
+            </a:r>
+            <a:r>
+              <a:rPr kumimoji="1" lang="zh-CN" altLang="en-US"/>
+              <a:t>.version}&lt;/version&gt;</a:t>
+            </a:r>
+            <a:endParaRPr kumimoji="1" lang="zh-CN" altLang="en-US"/>
+          </a:p>
+          <a:p>
+            <a:r>
+              <a:rPr kumimoji="1" lang="zh-CN" altLang="en-US"/>
+              <a:t>&lt;/dependency&gt;</a:t>
+            </a:r>
             <a:endParaRPr kumimoji="1" lang="zh-CN" altLang="en-US"/>
           </a:p>
         </p:txBody>
@@ -8258,7 +8686,366 @@
 </p:sld>
 </file>
 
-<file path=ppt/slides/slide22.xml><?xml version="1.0" encoding="utf-8"?>
+<file path=ppt/slides/slide25.xml><?xml version="1.0" encoding="utf-8"?>
+<p:sld xmlns:a="http://schemas.openxmlformats.org/drawingml/2006/main" xmlns:r="http://schemas.openxmlformats.org/officeDocument/2006/relationships" xmlns:p="http://schemas.openxmlformats.org/presentationml/2006/main">
+  <p:cSld>
+    <p:bg>
+      <p:bgPr>
+        <a:blipFill dpi="0" rotWithShape="1">
+          <a:blip r:embed="rId1">
+            <a:lum/>
+          </a:blip>
+          <a:srcRect/>
+          <a:stretch>
+            <a:fillRect/>
+          </a:stretch>
+        </a:blipFill>
+        <a:effectLst/>
+      </p:bgPr>
+    </p:bg>
+    <p:spTree>
+      <p:nvGrpSpPr>
+        <p:cNvPr id="1" name=""/>
+        <p:cNvGrpSpPr/>
+        <p:nvPr/>
+      </p:nvGrpSpPr>
+      <p:grpSpPr>
+        <a:xfrm>
+          <a:off x="0" y="0"/>
+          <a:ext cx="0" cy="0"/>
+          <a:chOff x="0" y="0"/>
+          <a:chExt cx="0" cy="0"/>
+        </a:xfrm>
+      </p:grpSpPr>
+      <p:sp>
+        <p:nvSpPr>
+          <p:cNvPr id="2" name="文本占位符 1"/>
+          <p:cNvSpPr>
+            <a:spLocks noGrp="1"/>
+          </p:cNvSpPr>
+          <p:nvPr>
+            <p:ph type="body" sz="quarter" idx="21"/>
+          </p:nvPr>
+        </p:nvSpPr>
+        <p:spPr>
+          <a:xfrm>
+            <a:off x="1420495" y="1397000"/>
+            <a:ext cx="12094845" cy="1231900"/>
+          </a:xfrm>
+        </p:spPr>
+        <p:txBody>
+          <a:bodyPr/>
+          <a:lstStyle/>
+          <a:p>
+            <a:r>
+              <a:rPr kumimoji="1" lang="en-US" altLang="zh-CN">
+                <a:sym typeface="+mn-ea"/>
+              </a:rPr>
+              <a:t>Step2: Subscribe Plugin Changes</a:t>
+            </a:r>
+            <a:endParaRPr kumimoji="1" lang="en-US" altLang="zh-CN">
+              <a:sym typeface="+mn-ea"/>
+            </a:endParaRPr>
+          </a:p>
+        </p:txBody>
+      </p:sp>
+      <p:sp>
+        <p:nvSpPr>
+          <p:cNvPr id="3" name="文本占位符 2"/>
+          <p:cNvSpPr>
+            <a:spLocks noGrp="1"/>
+          </p:cNvSpPr>
+          <p:nvPr>
+            <p:ph type="body" sz="quarter" idx="22"/>
+          </p:nvPr>
+        </p:nvSpPr>
+        <p:spPr/>
+        <p:txBody>
+          <a:bodyPr/>
+          <a:lstStyle/>
+          <a:p>
+            <a:r>
+              <a:rPr kumimoji="1" lang="zh-CN" altLang="en-US"/>
+              <a:t>public class BrpcPluginDataHandler extends AbstractWasmPluginDataHandler {</a:t>
+            </a:r>
+            <a:endParaRPr kumimoji="1" lang="zh-CN" altLang="en-US"/>
+          </a:p>
+          <a:p>
+            <a:r>
+              <a:rPr kumimoji="1" lang="en-US" altLang="zh-CN"/>
+              <a:t>    // Receive data from shenyu-admin</a:t>
+            </a:r>
+            <a:endParaRPr kumimoji="1" lang="en-US" altLang="zh-CN"/>
+          </a:p>
+          <a:p>
+            <a:r>
+              <a:rPr kumimoji="1" lang="en-US" altLang="zh-CN"/>
+              <a:t>}</a:t>
+            </a:r>
+            <a:endParaRPr kumimoji="1" lang="en-US" altLang="zh-CN"/>
+          </a:p>
+        </p:txBody>
+      </p:sp>
+    </p:spTree>
+  </p:cSld>
+  <p:clrMapOvr>
+    <a:masterClrMapping/>
+  </p:clrMapOvr>
+</p:sld>
+</file>
+
+<file path=ppt/slides/slide26.xml><?xml version="1.0" encoding="utf-8"?>
+<p:sld xmlns:a="http://schemas.openxmlformats.org/drawingml/2006/main" xmlns:r="http://schemas.openxmlformats.org/officeDocument/2006/relationships" xmlns:p="http://schemas.openxmlformats.org/presentationml/2006/main">
+  <p:cSld>
+    <p:bg>
+      <p:bgPr>
+        <a:blipFill dpi="0" rotWithShape="1">
+          <a:blip r:embed="rId1">
+            <a:lum/>
+          </a:blip>
+          <a:srcRect/>
+          <a:stretch>
+            <a:fillRect/>
+          </a:stretch>
+        </a:blipFill>
+        <a:effectLst/>
+      </p:bgPr>
+    </p:bg>
+    <p:spTree>
+      <p:nvGrpSpPr>
+        <p:cNvPr id="1" name=""/>
+        <p:cNvGrpSpPr/>
+        <p:nvPr/>
+      </p:nvGrpSpPr>
+      <p:grpSpPr>
+        <a:xfrm>
+          <a:off x="0" y="0"/>
+          <a:ext cx="0" cy="0"/>
+          <a:chOff x="0" y="0"/>
+          <a:chExt cx="0" cy="0"/>
+        </a:xfrm>
+      </p:grpSpPr>
+      <p:sp>
+        <p:nvSpPr>
+          <p:cNvPr id="2" name="文本占位符 1"/>
+          <p:cNvSpPr>
+            <a:spLocks noGrp="1"/>
+          </p:cNvSpPr>
+          <p:nvPr>
+            <p:ph type="body" sz="quarter" idx="21"/>
+          </p:nvPr>
+        </p:nvSpPr>
+        <p:spPr>
+          <a:xfrm>
+            <a:off x="1420495" y="1397000"/>
+            <a:ext cx="12710160" cy="1231900"/>
+          </a:xfrm>
+        </p:spPr>
+        <p:txBody>
+          <a:bodyPr/>
+          <a:lstStyle/>
+          <a:p>
+            <a:r>
+              <a:rPr kumimoji="1" lang="en-US" altLang="zh-CN">
+                <a:sym typeface="+mn-ea"/>
+              </a:rPr>
+              <a:t>Step3: Subscribe Metadata Changes</a:t>
+            </a:r>
+            <a:endParaRPr kumimoji="1" lang="zh-CN" altLang="en-US"/>
+          </a:p>
+        </p:txBody>
+      </p:sp>
+      <p:sp>
+        <p:nvSpPr>
+          <p:cNvPr id="3" name="文本占位符 2"/>
+          <p:cNvSpPr>
+            <a:spLocks noGrp="1"/>
+          </p:cNvSpPr>
+          <p:nvPr>
+            <p:ph type="body" sz="quarter" idx="22"/>
+          </p:nvPr>
+        </p:nvSpPr>
+        <p:spPr/>
+        <p:txBody>
+          <a:bodyPr/>
+          <a:lstStyle/>
+          <a:p>
+            <a:endParaRPr kumimoji="1" lang="zh-CN" altLang="en-US"/>
+          </a:p>
+        </p:txBody>
+      </p:sp>
+    </p:spTree>
+  </p:cSld>
+  <p:clrMapOvr>
+    <a:masterClrMapping/>
+  </p:clrMapOvr>
+</p:sld>
+</file>
+
+<file path=ppt/slides/slide27.xml><?xml version="1.0" encoding="utf-8"?>
+<p:sld xmlns:a="http://schemas.openxmlformats.org/drawingml/2006/main" xmlns:r="http://schemas.openxmlformats.org/officeDocument/2006/relationships" xmlns:p="http://schemas.openxmlformats.org/presentationml/2006/main">
+  <p:cSld>
+    <p:bg>
+      <p:bgPr>
+        <a:blipFill dpi="0" rotWithShape="1">
+          <a:blip r:embed="rId1">
+            <a:lum/>
+          </a:blip>
+          <a:srcRect/>
+          <a:stretch>
+            <a:fillRect/>
+          </a:stretch>
+        </a:blipFill>
+        <a:effectLst/>
+      </p:bgPr>
+    </p:bg>
+    <p:spTree>
+      <p:nvGrpSpPr>
+        <p:cNvPr id="1" name=""/>
+        <p:cNvGrpSpPr/>
+        <p:nvPr/>
+      </p:nvGrpSpPr>
+      <p:grpSpPr>
+        <a:xfrm>
+          <a:off x="0" y="0"/>
+          <a:ext cx="0" cy="0"/>
+          <a:chOff x="0" y="0"/>
+          <a:chExt cx="0" cy="0"/>
+        </a:xfrm>
+      </p:grpSpPr>
+      <p:sp>
+        <p:nvSpPr>
+          <p:cNvPr id="2" name="文本占位符 1"/>
+          <p:cNvSpPr>
+            <a:spLocks noGrp="1"/>
+          </p:cNvSpPr>
+          <p:nvPr>
+            <p:ph type="body" sz="quarter" idx="21"/>
+          </p:nvPr>
+        </p:nvSpPr>
+        <p:spPr/>
+        <p:txBody>
+          <a:bodyPr/>
+          <a:lstStyle/>
+          <a:p>
+            <a:r>
+              <a:rPr kumimoji="1" lang="en-US" altLang="zh-CN">
+                <a:sym typeface="+mn-ea"/>
+              </a:rPr>
+              <a:t>Step4: Implement Plugin</a:t>
+            </a:r>
+            <a:endParaRPr kumimoji="1" lang="zh-CN" altLang="en-US"/>
+          </a:p>
+          <a:p>
+            <a:endParaRPr kumimoji="1" lang="zh-CN" altLang="en-US"/>
+          </a:p>
+        </p:txBody>
+      </p:sp>
+      <p:sp>
+        <p:nvSpPr>
+          <p:cNvPr id="3" name="文本占位符 2"/>
+          <p:cNvSpPr>
+            <a:spLocks noGrp="1"/>
+          </p:cNvSpPr>
+          <p:nvPr>
+            <p:ph type="body" sz="quarter" idx="22"/>
+          </p:nvPr>
+        </p:nvSpPr>
+        <p:spPr/>
+        <p:txBody>
+          <a:bodyPr/>
+          <a:lstStyle/>
+          <a:p>
+            <a:endParaRPr kumimoji="1" lang="zh-CN" altLang="en-US"/>
+          </a:p>
+        </p:txBody>
+      </p:sp>
+    </p:spTree>
+  </p:cSld>
+  <p:clrMapOvr>
+    <a:masterClrMapping/>
+  </p:clrMapOvr>
+</p:sld>
+</file>
+
+<file path=ppt/slides/slide28.xml><?xml version="1.0" encoding="utf-8"?>
+<p:sld xmlns:a="http://schemas.openxmlformats.org/drawingml/2006/main" xmlns:r="http://schemas.openxmlformats.org/officeDocument/2006/relationships" xmlns:p="http://schemas.openxmlformats.org/presentationml/2006/main">
+  <p:cSld>
+    <p:bg>
+      <p:bgPr>
+        <a:blipFill dpi="0" rotWithShape="1">
+          <a:blip r:embed="rId1">
+            <a:lum/>
+          </a:blip>
+          <a:srcRect/>
+          <a:stretch>
+            <a:fillRect/>
+          </a:stretch>
+        </a:blipFill>
+        <a:effectLst/>
+      </p:bgPr>
+    </p:bg>
+    <p:spTree>
+      <p:nvGrpSpPr>
+        <p:cNvPr id="1" name=""/>
+        <p:cNvGrpSpPr/>
+        <p:nvPr/>
+      </p:nvGrpSpPr>
+      <p:grpSpPr>
+        <a:xfrm>
+          <a:off x="0" y="0"/>
+          <a:ext cx="0" cy="0"/>
+          <a:chOff x="0" y="0"/>
+          <a:chExt cx="0" cy="0"/>
+        </a:xfrm>
+      </p:grpSpPr>
+      <p:sp>
+        <p:nvSpPr>
+          <p:cNvPr id="2" name="文本占位符 1"/>
+          <p:cNvSpPr>
+            <a:spLocks noGrp="1"/>
+          </p:cNvSpPr>
+          <p:nvPr>
+            <p:ph type="body" sz="quarter" idx="21"/>
+          </p:nvPr>
+        </p:nvSpPr>
+        <p:spPr/>
+        <p:txBody>
+          <a:bodyPr/>
+          <a:lstStyle/>
+          <a:p>
+            <a:endParaRPr kumimoji="1" lang="zh-CN" altLang="en-US"/>
+          </a:p>
+        </p:txBody>
+      </p:sp>
+      <p:sp>
+        <p:nvSpPr>
+          <p:cNvPr id="3" name="文本占位符 2"/>
+          <p:cNvSpPr>
+            <a:spLocks noGrp="1"/>
+          </p:cNvSpPr>
+          <p:nvPr>
+            <p:ph type="body" sz="quarter" idx="22"/>
+          </p:nvPr>
+        </p:nvSpPr>
+        <p:spPr/>
+        <p:txBody>
+          <a:bodyPr/>
+          <a:lstStyle/>
+          <a:p>
+            <a:endParaRPr kumimoji="1" lang="zh-CN" altLang="en-US"/>
+          </a:p>
+        </p:txBody>
+      </p:sp>
+    </p:spTree>
+  </p:cSld>
+  <p:clrMapOvr>
+    <a:masterClrMapping/>
+  </p:clrMapOvr>
+</p:sld>
+</file>
+
+<file path=ppt/slides/slide29.xml><?xml version="1.0" encoding="utf-8"?>
 <p:sld xmlns:a="http://schemas.openxmlformats.org/drawingml/2006/main" xmlns:r="http://schemas.openxmlformats.org/officeDocument/2006/relationships" xmlns:p="http://schemas.openxmlformats.org/presentationml/2006/main">
   <p:cSld>
     <p:spTree>
@@ -8342,470 +9129,6 @@
                 <a:sym typeface="+mn-ea"/>
               </a:rPr>
               <a:t>Question&amp;Answer</a:t>
-            </a:r>
-            <a:endParaRPr lang="en-GB" altLang="zh-CN" sz="9600" dirty="0"/>
-          </a:p>
-        </p:txBody>
-      </p:sp>
-    </p:spTree>
-  </p:cSld>
-  <p:clrMapOvr>
-    <a:masterClrMapping/>
-  </p:clrMapOvr>
-</p:sld>
-</file>
-
-<file path=ppt/slides/slide23.xml><?xml version="1.0" encoding="utf-8"?>
-<p:sld xmlns:a="http://schemas.openxmlformats.org/drawingml/2006/main" xmlns:r="http://schemas.openxmlformats.org/officeDocument/2006/relationships" xmlns:p="http://schemas.openxmlformats.org/presentationml/2006/main">
-  <p:cSld>
-    <p:bg>
-      <p:bgPr>
-        <a:blipFill dpi="0" rotWithShape="1">
-          <a:blip r:embed="rId1">
-            <a:lum/>
-          </a:blip>
-          <a:srcRect/>
-          <a:stretch>
-            <a:fillRect/>
-          </a:stretch>
-        </a:blipFill>
-        <a:effectLst/>
-      </p:bgPr>
-    </p:bg>
-    <p:spTree>
-      <p:nvGrpSpPr>
-        <p:cNvPr id="1" name=""/>
-        <p:cNvGrpSpPr/>
-        <p:nvPr/>
-      </p:nvGrpSpPr>
-      <p:grpSpPr>
-        <a:xfrm>
-          <a:off x="0" y="0"/>
-          <a:ext cx="0" cy="0"/>
-          <a:chOff x="0" y="0"/>
-          <a:chExt cx="0" cy="0"/>
-        </a:xfrm>
-      </p:grpSpPr>
-      <p:sp>
-        <p:nvSpPr>
-          <p:cNvPr id="2" name="文本占位符 1"/>
-          <p:cNvSpPr>
-            <a:spLocks noGrp="1"/>
-          </p:cNvSpPr>
-          <p:nvPr>
-            <p:ph type="body" sz="quarter" idx="21"/>
-          </p:nvPr>
-        </p:nvSpPr>
-        <p:spPr/>
-        <p:txBody>
-          <a:bodyPr/>
-          <a:lstStyle/>
-          <a:p>
-            <a:r>
-              <a:rPr lang="en-US" altLang="en-GB">
-                <a:sym typeface="+mn-ea"/>
-              </a:rPr>
-              <a:t>Question&amp;Answer</a:t>
-            </a:r>
-            <a:endParaRPr kumimoji="1" lang="zh-CN" altLang="en-US"/>
-          </a:p>
-        </p:txBody>
-      </p:sp>
-      <p:sp>
-        <p:nvSpPr>
-          <p:cNvPr id="3" name="文本占位符 2"/>
-          <p:cNvSpPr>
-            <a:spLocks noGrp="1"/>
-          </p:cNvSpPr>
-          <p:nvPr>
-            <p:ph type="body" sz="quarter" idx="22"/>
-          </p:nvPr>
-        </p:nvSpPr>
-        <p:spPr/>
-        <p:txBody>
-          <a:bodyPr/>
-          <a:lstStyle/>
-          <a:p>
-            <a:r>
-              <a:rPr kumimoji="1" lang="en-US" altLang="zh-CN"/>
-              <a:t>The friendship project link is as follows:</a:t>
-            </a:r>
-            <a:endParaRPr kumimoji="1" lang="en-US" altLang="zh-CN"/>
-          </a:p>
-          <a:p>
-            <a:r>
-              <a:rPr kumimoji="1" lang="en-US" altLang="zh-CN"/>
-              <a:t>https://github.com/acl-dev/open-coroutine</a:t>
-            </a:r>
-            <a:endParaRPr kumimoji="1" lang="en-US" altLang="zh-CN"/>
-          </a:p>
-          <a:p>
-            <a:r>
-              <a:rPr kumimoji="1" lang="en-US" altLang="zh-CN"/>
-              <a:t>https://github.com/acl-dev/acl</a:t>
-            </a:r>
-            <a:endParaRPr kumimoji="1" lang="en-US" altLang="zh-CN"/>
-          </a:p>
-          <a:p>
-            <a:r>
-              <a:rPr kumimoji="1" lang="en-US" altLang="zh-CN"/>
-              <a:t>https://github.com/alibaba/arthas</a:t>
-            </a:r>
-            <a:endParaRPr kumimoji="1" lang="en-US" altLang="zh-CN"/>
-          </a:p>
-          <a:p>
-            <a:r>
-              <a:rPr kumimoji="1" lang="en-US" altLang="zh-CN">
-                <a:sym typeface="+mn-ea"/>
-              </a:rPr>
-              <a:t>https://github.com/bytedance/monoio</a:t>
-            </a:r>
-            <a:endParaRPr kumimoji="1" lang="en-US" altLang="zh-CN">
-              <a:sym typeface="+mn-ea"/>
-            </a:endParaRPr>
-          </a:p>
-          <a:p>
-            <a:r>
-              <a:rPr kumimoji="1" lang="en-US" altLang="zh-CN">
-                <a:sym typeface="+mn-ea"/>
-              </a:rPr>
-              <a:t>https://github.com/dromara/dynamic-tp</a:t>
-            </a:r>
-            <a:endParaRPr kumimoji="1" lang="en-US" altLang="zh-CN"/>
-          </a:p>
-          <a:p>
-            <a:r>
-              <a:rPr kumimoji="1" lang="en-US" altLang="zh-CN"/>
-              <a:t>https://github.com/apache/dubbo-spi-extensions</a:t>
-            </a:r>
-            <a:endParaRPr kumimoji="1" lang="en-US" altLang="zh-CN"/>
-          </a:p>
-        </p:txBody>
-      </p:sp>
-    </p:spTree>
-  </p:cSld>
-  <p:clrMapOvr>
-    <a:masterClrMapping/>
-  </p:clrMapOvr>
-</p:sld>
-</file>
-
-<file path=ppt/slides/slide24.xml><?xml version="1.0" encoding="utf-8"?>
-<p:sld xmlns:a="http://schemas.openxmlformats.org/drawingml/2006/main" xmlns:r="http://schemas.openxmlformats.org/officeDocument/2006/relationships" xmlns:p="http://schemas.openxmlformats.org/presentationml/2006/main">
-  <p:cSld>
-    <p:spTree>
-      <p:nvGrpSpPr>
-        <p:cNvPr id="1" name=""/>
-        <p:cNvGrpSpPr/>
-        <p:nvPr/>
-      </p:nvGrpSpPr>
-      <p:grpSpPr>
-        <a:xfrm>
-          <a:off x="0" y="0"/>
-          <a:ext cx="0" cy="0"/>
-          <a:chOff x="0" y="0"/>
-          <a:chExt cx="0" cy="0"/>
-        </a:xfrm>
-      </p:grpSpPr>
-      <p:sp>
-        <p:nvSpPr>
-          <p:cNvPr id="8" name="嘉宾姓名 / Title"/>
-          <p:cNvSpPr txBox="1"/>
-          <p:nvPr/>
-        </p:nvSpPr>
-        <p:spPr>
-          <a:xfrm>
-            <a:off x="1750490" y="7953360"/>
-            <a:ext cx="20957109" cy="729770"/>
-          </a:xfrm>
-          <a:prstGeom prst="rect">
-            <a:avLst/>
-          </a:prstGeom>
-        </p:spPr>
-        <p:txBody>
-          <a:bodyPr lIns="45719" tIns="45719" rIns="45719" bIns="45719" anchor="ctr">
-            <a:noAutofit/>
-          </a:bodyPr>
-          <a:lstStyle>
-            <a:lvl1pPr marL="228600" indent="-228600" algn="l" defTabSz="2438400" rtl="0" eaLnBrk="1" latinLnBrk="0" hangingPunct="1">
-              <a:lnSpc>
-                <a:spcPct val="90000"/>
-              </a:lnSpc>
-              <a:spcBef>
-                <a:spcPts val="1000"/>
-              </a:spcBef>
-              <a:buFont typeface="Arial" panose="020B0604020202090204" pitchFamily="34" charset="0"/>
-              <a:buChar char="•"/>
-              <a:defRPr sz="3200" b="0" i="0" kern="1200" spc="64">
-                <a:solidFill>
-                  <a:srgbClr val="FFFFFF"/>
-                </a:solidFill>
-                <a:latin typeface="OPPOSans L" pitchFamily="18" charset="-122"/>
-                <a:ea typeface="OPPOSans L" pitchFamily="18" charset="-122"/>
-                <a:cs typeface="OPPOSans L" pitchFamily="18" charset="-122"/>
-                <a:sym typeface="OPPOSans L"/>
-              </a:defRPr>
-            </a:lvl1pPr>
-            <a:lvl2pPr marL="685800" indent="-228600" algn="l" defTabSz="914400" rtl="0" eaLnBrk="1" latinLnBrk="0" hangingPunct="1">
-              <a:lnSpc>
-                <a:spcPct val="90000"/>
-              </a:lnSpc>
-              <a:spcBef>
-                <a:spcPts val="500"/>
-              </a:spcBef>
-              <a:buFont typeface="Arial" panose="020B0604020202090204" pitchFamily="34" charset="0"/>
-              <a:buChar char="•"/>
-              <a:defRPr sz="2400" kern="1200">
-                <a:solidFill>
-                  <a:schemeClr val="tx1"/>
-                </a:solidFill>
-                <a:latin typeface="+mn-lt"/>
-                <a:ea typeface="+mn-ea"/>
-                <a:cs typeface="+mn-cs"/>
-              </a:defRPr>
-            </a:lvl2pPr>
-            <a:lvl3pPr marL="1143000" indent="-228600" algn="l" defTabSz="914400" rtl="0" eaLnBrk="1" latinLnBrk="0" hangingPunct="1">
-              <a:lnSpc>
-                <a:spcPct val="90000"/>
-              </a:lnSpc>
-              <a:spcBef>
-                <a:spcPts val="500"/>
-              </a:spcBef>
-              <a:buFont typeface="Arial" panose="020B0604020202090204" pitchFamily="34" charset="0"/>
-              <a:buChar char="•"/>
-              <a:defRPr sz="2000" kern="1200">
-                <a:solidFill>
-                  <a:schemeClr val="tx1"/>
-                </a:solidFill>
-                <a:latin typeface="+mn-lt"/>
-                <a:ea typeface="+mn-ea"/>
-                <a:cs typeface="+mn-cs"/>
-              </a:defRPr>
-            </a:lvl3pPr>
-            <a:lvl4pPr marL="1600200" indent="-228600" algn="l" defTabSz="914400" rtl="0" eaLnBrk="1" latinLnBrk="0" hangingPunct="1">
-              <a:lnSpc>
-                <a:spcPct val="90000"/>
-              </a:lnSpc>
-              <a:spcBef>
-                <a:spcPts val="500"/>
-              </a:spcBef>
-              <a:buFont typeface="Arial" panose="020B0604020202090204" pitchFamily="34" charset="0"/>
-              <a:buChar char="•"/>
-              <a:defRPr sz="1800" kern="1200">
-                <a:solidFill>
-                  <a:schemeClr val="tx1"/>
-                </a:solidFill>
-                <a:latin typeface="+mn-lt"/>
-                <a:ea typeface="+mn-ea"/>
-                <a:cs typeface="+mn-cs"/>
-              </a:defRPr>
-            </a:lvl4pPr>
-            <a:lvl5pPr marL="2057400" indent="-228600" algn="l" defTabSz="914400" rtl="0" eaLnBrk="1" latinLnBrk="0" hangingPunct="1">
-              <a:lnSpc>
-                <a:spcPct val="90000"/>
-              </a:lnSpc>
-              <a:spcBef>
-                <a:spcPts val="500"/>
-              </a:spcBef>
-              <a:buFont typeface="Arial" panose="020B0604020202090204" pitchFamily="34" charset="0"/>
-              <a:buChar char="•"/>
-              <a:defRPr sz="1800" kern="1200">
-                <a:solidFill>
-                  <a:schemeClr val="tx1"/>
-                </a:solidFill>
-                <a:latin typeface="+mn-lt"/>
-                <a:ea typeface="+mn-ea"/>
-                <a:cs typeface="+mn-cs"/>
-              </a:defRPr>
-            </a:lvl5pPr>
-            <a:lvl6pPr marL="2514600" indent="-228600" algn="l" defTabSz="914400" rtl="0" eaLnBrk="1" latinLnBrk="0" hangingPunct="1">
-              <a:lnSpc>
-                <a:spcPct val="90000"/>
-              </a:lnSpc>
-              <a:spcBef>
-                <a:spcPts val="500"/>
-              </a:spcBef>
-              <a:buFont typeface="Arial" panose="020B0604020202090204" pitchFamily="34" charset="0"/>
-              <a:buChar char="•"/>
-              <a:defRPr sz="1800" kern="1200">
-                <a:solidFill>
-                  <a:schemeClr val="tx1"/>
-                </a:solidFill>
-                <a:latin typeface="+mn-lt"/>
-                <a:ea typeface="+mn-ea"/>
-                <a:cs typeface="+mn-cs"/>
-              </a:defRPr>
-            </a:lvl6pPr>
-            <a:lvl7pPr marL="2971800" indent="-228600" algn="l" defTabSz="914400" rtl="0" eaLnBrk="1" latinLnBrk="0" hangingPunct="1">
-              <a:lnSpc>
-                <a:spcPct val="90000"/>
-              </a:lnSpc>
-              <a:spcBef>
-                <a:spcPts val="500"/>
-              </a:spcBef>
-              <a:buFont typeface="Arial" panose="020B0604020202090204" pitchFamily="34" charset="0"/>
-              <a:buChar char="•"/>
-              <a:defRPr sz="1800" kern="1200">
-                <a:solidFill>
-                  <a:schemeClr val="tx1"/>
-                </a:solidFill>
-                <a:latin typeface="+mn-lt"/>
-                <a:ea typeface="+mn-ea"/>
-                <a:cs typeface="+mn-cs"/>
-              </a:defRPr>
-            </a:lvl7pPr>
-            <a:lvl8pPr marL="3429000" indent="-228600" algn="l" defTabSz="914400" rtl="0" eaLnBrk="1" latinLnBrk="0" hangingPunct="1">
-              <a:lnSpc>
-                <a:spcPct val="90000"/>
-              </a:lnSpc>
-              <a:spcBef>
-                <a:spcPts val="500"/>
-              </a:spcBef>
-              <a:buFont typeface="Arial" panose="020B0604020202090204" pitchFamily="34" charset="0"/>
-              <a:buChar char="•"/>
-              <a:defRPr sz="1800" kern="1200">
-                <a:solidFill>
-                  <a:schemeClr val="tx1"/>
-                </a:solidFill>
-                <a:latin typeface="+mn-lt"/>
-                <a:ea typeface="+mn-ea"/>
-                <a:cs typeface="+mn-cs"/>
-              </a:defRPr>
-            </a:lvl8pPr>
-            <a:lvl9pPr marL="3886200" indent="-228600" algn="l" defTabSz="914400" rtl="0" eaLnBrk="1" latinLnBrk="0" hangingPunct="1">
-              <a:lnSpc>
-                <a:spcPct val="90000"/>
-              </a:lnSpc>
-              <a:spcBef>
-                <a:spcPts val="500"/>
-              </a:spcBef>
-              <a:buFont typeface="Arial" panose="020B0604020202090204" pitchFamily="34" charset="0"/>
-              <a:buChar char="•"/>
-              <a:defRPr sz="1800" kern="1200">
-                <a:solidFill>
-                  <a:schemeClr val="tx1"/>
-                </a:solidFill>
-                <a:latin typeface="+mn-lt"/>
-                <a:ea typeface="+mn-ea"/>
-                <a:cs typeface="+mn-cs"/>
-              </a:defRPr>
-            </a:lvl9pPr>
-          </a:lstStyle>
-          <a:p>
-            <a:pPr marL="0" indent="0" algn="ctr">
-              <a:buNone/>
-            </a:pPr>
-            <a:r>
-              <a:rPr lang="en-US" altLang="en-GB" sz="4400" dirty="0" err="1">
-                <a:solidFill>
-                  <a:srgbClr val="EB9E43"/>
-                </a:solidFill>
-                <a:latin typeface="OPPOSans M" pitchFamily="18" charset="-122"/>
-                <a:ea typeface="OPPOSans M" pitchFamily="18" charset="-122"/>
-                <a:cs typeface="OPPOSans M" pitchFamily="18" charset="-122"/>
-              </a:rPr>
-              <a:t>zhangzicheng@apache.org</a:t>
-            </a:r>
-            <a:endParaRPr lang="en-US" altLang="en-GB" sz="4400" dirty="0" err="1">
-              <a:solidFill>
-                <a:srgbClr val="EB9E43"/>
-              </a:solidFill>
-              <a:latin typeface="OPPOSans M" pitchFamily="18" charset="-122"/>
-              <a:ea typeface="OPPOSans M" pitchFamily="18" charset="-122"/>
-              <a:cs typeface="OPPOSans M" pitchFamily="18" charset="-122"/>
-            </a:endParaRPr>
-          </a:p>
-          <a:p>
-            <a:pPr marL="0" indent="0" algn="ctr">
-              <a:buNone/>
-            </a:pPr>
-            <a:r>
-              <a:rPr lang="en-US" altLang="en-GB" sz="4400" dirty="0" err="1">
-                <a:solidFill>
-                  <a:srgbClr val="EB9E43"/>
-                </a:solidFill>
-                <a:latin typeface="OPPOSans M" pitchFamily="18" charset="-122"/>
-                <a:ea typeface="OPPOSans M" pitchFamily="18" charset="-122"/>
-                <a:cs typeface="OPPOSans M" pitchFamily="18" charset="-122"/>
-              </a:rPr>
-              <a:t>https://github.com/loongs-zhang/ACOCA2024-PlayWithWASM</a:t>
-            </a:r>
-            <a:endParaRPr lang="en-US" altLang="en-GB" sz="4400" dirty="0" err="1">
-              <a:solidFill>
-                <a:srgbClr val="EB9E43"/>
-              </a:solidFill>
-              <a:latin typeface="OPPOSans M" pitchFamily="18" charset="-122"/>
-              <a:ea typeface="OPPOSans M" pitchFamily="18" charset="-122"/>
-              <a:cs typeface="OPPOSans M" pitchFamily="18" charset="-122"/>
-            </a:endParaRPr>
-          </a:p>
-        </p:txBody>
-      </p:sp>
-      <p:sp>
-        <p:nvSpPr>
-          <p:cNvPr id="9" name="标题占位符 16"/>
-          <p:cNvSpPr txBox="1"/>
-          <p:nvPr/>
-        </p:nvSpPr>
-        <p:spPr>
-          <a:xfrm>
-            <a:off x="1750489" y="4437077"/>
-            <a:ext cx="20957109" cy="2651125"/>
-          </a:xfrm>
-          <a:prstGeom prst="rect">
-            <a:avLst/>
-          </a:prstGeom>
-        </p:spPr>
-        <p:txBody>
-          <a:bodyPr vert="horz" lIns="91440" tIns="45720" rIns="91440" bIns="45720" rtlCol="0" anchor="ctr">
-            <a:normAutofit/>
-          </a:bodyPr>
-          <a:lstStyle>
-            <a:lvl1pPr marL="0" marR="0" indent="0" algn="ctr" defTabSz="2438400" rtl="0" eaLnBrk="1" fontAlgn="auto" latinLnBrk="0" hangingPunct="1">
-              <a:lnSpc>
-                <a:spcPct val="110000"/>
-              </a:lnSpc>
-              <a:spcBef>
-                <a:spcPts val="0"/>
-              </a:spcBef>
-              <a:spcAft>
-                <a:spcPts val="0"/>
-              </a:spcAft>
-              <a:buClrTx/>
-              <a:buSzTx/>
-              <a:buFontTx/>
-              <a:buNone/>
-              <a:defRPr kumimoji="0" lang="zh-CN" altLang="en-US" sz="8000" b="0" i="0" u="none" strike="noStrike" kern="0" cap="none" spc="0" normalizeH="0" baseline="0" dirty="0">
-                <a:ln>
-                  <a:noFill/>
-                </a:ln>
-                <a:solidFill>
-                  <a:srgbClr val="FFFFFF"/>
-                </a:solidFill>
-                <a:effectLst/>
-                <a:uFillTx/>
-                <a:latin typeface="OPPOSans H"/>
-                <a:ea typeface="OPPOSans H"/>
-                <a:cs typeface="OPPOSans H"/>
-                <a:sym typeface="OPPOSans H"/>
-              </a:defRPr>
-            </a:lvl1pPr>
-          </a:lstStyle>
-          <a:p>
-            <a:pPr>
-              <a:defRPr sz="8000" b="0">
-                <a:solidFill>
-                  <a:srgbClr val="FFFFFF"/>
-                </a:solidFill>
-                <a:latin typeface="OPPOSans H"/>
-                <a:ea typeface="OPPOSans H"/>
-                <a:cs typeface="OPPOSans H"/>
-                <a:sym typeface="OPPOSans H"/>
-              </a:defRPr>
-            </a:pPr>
-            <a:r>
-              <a:rPr lang="en-GB" altLang="zh-CN" sz="9600" dirty="0"/>
-              <a:t>Thanks</a:t>
             </a:r>
             <a:endParaRPr lang="en-GB" altLang="zh-CN" sz="9600" dirty="0"/>
           </a:p>
@@ -9126,6 +9449,470 @@
 </p:sld>
 </file>
 
+<file path=ppt/slides/slide30.xml><?xml version="1.0" encoding="utf-8"?>
+<p:sld xmlns:a="http://schemas.openxmlformats.org/drawingml/2006/main" xmlns:r="http://schemas.openxmlformats.org/officeDocument/2006/relationships" xmlns:p="http://schemas.openxmlformats.org/presentationml/2006/main">
+  <p:cSld>
+    <p:bg>
+      <p:bgPr>
+        <a:blipFill dpi="0" rotWithShape="1">
+          <a:blip r:embed="rId1">
+            <a:lum/>
+          </a:blip>
+          <a:srcRect/>
+          <a:stretch>
+            <a:fillRect/>
+          </a:stretch>
+        </a:blipFill>
+        <a:effectLst/>
+      </p:bgPr>
+    </p:bg>
+    <p:spTree>
+      <p:nvGrpSpPr>
+        <p:cNvPr id="1" name=""/>
+        <p:cNvGrpSpPr/>
+        <p:nvPr/>
+      </p:nvGrpSpPr>
+      <p:grpSpPr>
+        <a:xfrm>
+          <a:off x="0" y="0"/>
+          <a:ext cx="0" cy="0"/>
+          <a:chOff x="0" y="0"/>
+          <a:chExt cx="0" cy="0"/>
+        </a:xfrm>
+      </p:grpSpPr>
+      <p:sp>
+        <p:nvSpPr>
+          <p:cNvPr id="2" name="文本占位符 1"/>
+          <p:cNvSpPr>
+            <a:spLocks noGrp="1"/>
+          </p:cNvSpPr>
+          <p:nvPr>
+            <p:ph type="body" sz="quarter" idx="21"/>
+          </p:nvPr>
+        </p:nvSpPr>
+        <p:spPr/>
+        <p:txBody>
+          <a:bodyPr/>
+          <a:lstStyle/>
+          <a:p>
+            <a:r>
+              <a:rPr lang="en-US" altLang="en-GB">
+                <a:sym typeface="+mn-ea"/>
+              </a:rPr>
+              <a:t>Question&amp;Answer</a:t>
+            </a:r>
+            <a:endParaRPr kumimoji="1" lang="zh-CN" altLang="en-US"/>
+          </a:p>
+        </p:txBody>
+      </p:sp>
+      <p:sp>
+        <p:nvSpPr>
+          <p:cNvPr id="3" name="文本占位符 2"/>
+          <p:cNvSpPr>
+            <a:spLocks noGrp="1"/>
+          </p:cNvSpPr>
+          <p:nvPr>
+            <p:ph type="body" sz="quarter" idx="22"/>
+          </p:nvPr>
+        </p:nvSpPr>
+        <p:spPr/>
+        <p:txBody>
+          <a:bodyPr/>
+          <a:lstStyle/>
+          <a:p>
+            <a:r>
+              <a:rPr kumimoji="1" lang="en-US" altLang="zh-CN"/>
+              <a:t>The friendship project link is as follows:</a:t>
+            </a:r>
+            <a:endParaRPr kumimoji="1" lang="en-US" altLang="zh-CN"/>
+          </a:p>
+          <a:p>
+            <a:r>
+              <a:rPr kumimoji="1" lang="en-US" altLang="zh-CN"/>
+              <a:t>https://github.com/acl-dev/open-coroutine</a:t>
+            </a:r>
+            <a:endParaRPr kumimoji="1" lang="en-US" altLang="zh-CN"/>
+          </a:p>
+          <a:p>
+            <a:r>
+              <a:rPr kumimoji="1" lang="en-US" altLang="zh-CN"/>
+              <a:t>https://github.com/acl-dev/acl</a:t>
+            </a:r>
+            <a:endParaRPr kumimoji="1" lang="en-US" altLang="zh-CN"/>
+          </a:p>
+          <a:p>
+            <a:r>
+              <a:rPr kumimoji="1" lang="en-US" altLang="zh-CN"/>
+              <a:t>https://github.com/alibaba/arthas</a:t>
+            </a:r>
+            <a:endParaRPr kumimoji="1" lang="en-US" altLang="zh-CN"/>
+          </a:p>
+          <a:p>
+            <a:r>
+              <a:rPr kumimoji="1" lang="en-US" altLang="zh-CN">
+                <a:sym typeface="+mn-ea"/>
+              </a:rPr>
+              <a:t>https://github.com/bytedance/monoio</a:t>
+            </a:r>
+            <a:endParaRPr kumimoji="1" lang="en-US" altLang="zh-CN">
+              <a:sym typeface="+mn-ea"/>
+            </a:endParaRPr>
+          </a:p>
+          <a:p>
+            <a:r>
+              <a:rPr kumimoji="1" lang="en-US" altLang="zh-CN">
+                <a:sym typeface="+mn-ea"/>
+              </a:rPr>
+              <a:t>https://github.com/dromara/dynamic-tp</a:t>
+            </a:r>
+            <a:endParaRPr kumimoji="1" lang="en-US" altLang="zh-CN"/>
+          </a:p>
+          <a:p>
+            <a:r>
+              <a:rPr kumimoji="1" lang="en-US" altLang="zh-CN"/>
+              <a:t>https://github.com/apache/dubbo-spi-extensions</a:t>
+            </a:r>
+            <a:endParaRPr kumimoji="1" lang="en-US" altLang="zh-CN"/>
+          </a:p>
+        </p:txBody>
+      </p:sp>
+    </p:spTree>
+  </p:cSld>
+  <p:clrMapOvr>
+    <a:masterClrMapping/>
+  </p:clrMapOvr>
+</p:sld>
+</file>
+
+<file path=ppt/slides/slide31.xml><?xml version="1.0" encoding="utf-8"?>
+<p:sld xmlns:a="http://schemas.openxmlformats.org/drawingml/2006/main" xmlns:r="http://schemas.openxmlformats.org/officeDocument/2006/relationships" xmlns:p="http://schemas.openxmlformats.org/presentationml/2006/main">
+  <p:cSld>
+    <p:spTree>
+      <p:nvGrpSpPr>
+        <p:cNvPr id="1" name=""/>
+        <p:cNvGrpSpPr/>
+        <p:nvPr/>
+      </p:nvGrpSpPr>
+      <p:grpSpPr>
+        <a:xfrm>
+          <a:off x="0" y="0"/>
+          <a:ext cx="0" cy="0"/>
+          <a:chOff x="0" y="0"/>
+          <a:chExt cx="0" cy="0"/>
+        </a:xfrm>
+      </p:grpSpPr>
+      <p:sp>
+        <p:nvSpPr>
+          <p:cNvPr id="8" name="嘉宾姓名 / Title"/>
+          <p:cNvSpPr txBox="1"/>
+          <p:nvPr/>
+        </p:nvSpPr>
+        <p:spPr>
+          <a:xfrm>
+            <a:off x="1750490" y="7953360"/>
+            <a:ext cx="20957109" cy="729770"/>
+          </a:xfrm>
+          <a:prstGeom prst="rect">
+            <a:avLst/>
+          </a:prstGeom>
+        </p:spPr>
+        <p:txBody>
+          <a:bodyPr lIns="45719" tIns="45719" rIns="45719" bIns="45719" anchor="ctr">
+            <a:noAutofit/>
+          </a:bodyPr>
+          <a:lstStyle>
+            <a:lvl1pPr marL="228600" indent="-228600" algn="l" defTabSz="2438400" rtl="0" eaLnBrk="1" latinLnBrk="0" hangingPunct="1">
+              <a:lnSpc>
+                <a:spcPct val="90000"/>
+              </a:lnSpc>
+              <a:spcBef>
+                <a:spcPts val="1000"/>
+              </a:spcBef>
+              <a:buFont typeface="Arial" panose="020B0604020202090204" pitchFamily="34" charset="0"/>
+              <a:buChar char="•"/>
+              <a:defRPr sz="3200" b="0" i="0" kern="1200" spc="64">
+                <a:solidFill>
+                  <a:srgbClr val="FFFFFF"/>
+                </a:solidFill>
+                <a:latin typeface="OPPOSans L" pitchFamily="18" charset="-122"/>
+                <a:ea typeface="OPPOSans L" pitchFamily="18" charset="-122"/>
+                <a:cs typeface="OPPOSans L" pitchFamily="18" charset="-122"/>
+                <a:sym typeface="OPPOSans L"/>
+              </a:defRPr>
+            </a:lvl1pPr>
+            <a:lvl2pPr marL="685800" indent="-228600" algn="l" defTabSz="914400" rtl="0" eaLnBrk="1" latinLnBrk="0" hangingPunct="1">
+              <a:lnSpc>
+                <a:spcPct val="90000"/>
+              </a:lnSpc>
+              <a:spcBef>
+                <a:spcPts val="500"/>
+              </a:spcBef>
+              <a:buFont typeface="Arial" panose="020B0604020202090204" pitchFamily="34" charset="0"/>
+              <a:buChar char="•"/>
+              <a:defRPr sz="2400" kern="1200">
+                <a:solidFill>
+                  <a:schemeClr val="tx1"/>
+                </a:solidFill>
+                <a:latin typeface="+mn-lt"/>
+                <a:ea typeface="+mn-ea"/>
+                <a:cs typeface="+mn-cs"/>
+              </a:defRPr>
+            </a:lvl2pPr>
+            <a:lvl3pPr marL="1143000" indent="-228600" algn="l" defTabSz="914400" rtl="0" eaLnBrk="1" latinLnBrk="0" hangingPunct="1">
+              <a:lnSpc>
+                <a:spcPct val="90000"/>
+              </a:lnSpc>
+              <a:spcBef>
+                <a:spcPts val="500"/>
+              </a:spcBef>
+              <a:buFont typeface="Arial" panose="020B0604020202090204" pitchFamily="34" charset="0"/>
+              <a:buChar char="•"/>
+              <a:defRPr sz="2000" kern="1200">
+                <a:solidFill>
+                  <a:schemeClr val="tx1"/>
+                </a:solidFill>
+                <a:latin typeface="+mn-lt"/>
+                <a:ea typeface="+mn-ea"/>
+                <a:cs typeface="+mn-cs"/>
+              </a:defRPr>
+            </a:lvl3pPr>
+            <a:lvl4pPr marL="1600200" indent="-228600" algn="l" defTabSz="914400" rtl="0" eaLnBrk="1" latinLnBrk="0" hangingPunct="1">
+              <a:lnSpc>
+                <a:spcPct val="90000"/>
+              </a:lnSpc>
+              <a:spcBef>
+                <a:spcPts val="500"/>
+              </a:spcBef>
+              <a:buFont typeface="Arial" panose="020B0604020202090204" pitchFamily="34" charset="0"/>
+              <a:buChar char="•"/>
+              <a:defRPr sz="1800" kern="1200">
+                <a:solidFill>
+                  <a:schemeClr val="tx1"/>
+                </a:solidFill>
+                <a:latin typeface="+mn-lt"/>
+                <a:ea typeface="+mn-ea"/>
+                <a:cs typeface="+mn-cs"/>
+              </a:defRPr>
+            </a:lvl4pPr>
+            <a:lvl5pPr marL="2057400" indent="-228600" algn="l" defTabSz="914400" rtl="0" eaLnBrk="1" latinLnBrk="0" hangingPunct="1">
+              <a:lnSpc>
+                <a:spcPct val="90000"/>
+              </a:lnSpc>
+              <a:spcBef>
+                <a:spcPts val="500"/>
+              </a:spcBef>
+              <a:buFont typeface="Arial" panose="020B0604020202090204" pitchFamily="34" charset="0"/>
+              <a:buChar char="•"/>
+              <a:defRPr sz="1800" kern="1200">
+                <a:solidFill>
+                  <a:schemeClr val="tx1"/>
+                </a:solidFill>
+                <a:latin typeface="+mn-lt"/>
+                <a:ea typeface="+mn-ea"/>
+                <a:cs typeface="+mn-cs"/>
+              </a:defRPr>
+            </a:lvl5pPr>
+            <a:lvl6pPr marL="2514600" indent="-228600" algn="l" defTabSz="914400" rtl="0" eaLnBrk="1" latinLnBrk="0" hangingPunct="1">
+              <a:lnSpc>
+                <a:spcPct val="90000"/>
+              </a:lnSpc>
+              <a:spcBef>
+                <a:spcPts val="500"/>
+              </a:spcBef>
+              <a:buFont typeface="Arial" panose="020B0604020202090204" pitchFamily="34" charset="0"/>
+              <a:buChar char="•"/>
+              <a:defRPr sz="1800" kern="1200">
+                <a:solidFill>
+                  <a:schemeClr val="tx1"/>
+                </a:solidFill>
+                <a:latin typeface="+mn-lt"/>
+                <a:ea typeface="+mn-ea"/>
+                <a:cs typeface="+mn-cs"/>
+              </a:defRPr>
+            </a:lvl6pPr>
+            <a:lvl7pPr marL="2971800" indent="-228600" algn="l" defTabSz="914400" rtl="0" eaLnBrk="1" latinLnBrk="0" hangingPunct="1">
+              <a:lnSpc>
+                <a:spcPct val="90000"/>
+              </a:lnSpc>
+              <a:spcBef>
+                <a:spcPts val="500"/>
+              </a:spcBef>
+              <a:buFont typeface="Arial" panose="020B0604020202090204" pitchFamily="34" charset="0"/>
+              <a:buChar char="•"/>
+              <a:defRPr sz="1800" kern="1200">
+                <a:solidFill>
+                  <a:schemeClr val="tx1"/>
+                </a:solidFill>
+                <a:latin typeface="+mn-lt"/>
+                <a:ea typeface="+mn-ea"/>
+                <a:cs typeface="+mn-cs"/>
+              </a:defRPr>
+            </a:lvl7pPr>
+            <a:lvl8pPr marL="3429000" indent="-228600" algn="l" defTabSz="914400" rtl="0" eaLnBrk="1" latinLnBrk="0" hangingPunct="1">
+              <a:lnSpc>
+                <a:spcPct val="90000"/>
+              </a:lnSpc>
+              <a:spcBef>
+                <a:spcPts val="500"/>
+              </a:spcBef>
+              <a:buFont typeface="Arial" panose="020B0604020202090204" pitchFamily="34" charset="0"/>
+              <a:buChar char="•"/>
+              <a:defRPr sz="1800" kern="1200">
+                <a:solidFill>
+                  <a:schemeClr val="tx1"/>
+                </a:solidFill>
+                <a:latin typeface="+mn-lt"/>
+                <a:ea typeface="+mn-ea"/>
+                <a:cs typeface="+mn-cs"/>
+              </a:defRPr>
+            </a:lvl8pPr>
+            <a:lvl9pPr marL="3886200" indent="-228600" algn="l" defTabSz="914400" rtl="0" eaLnBrk="1" latinLnBrk="0" hangingPunct="1">
+              <a:lnSpc>
+                <a:spcPct val="90000"/>
+              </a:lnSpc>
+              <a:spcBef>
+                <a:spcPts val="500"/>
+              </a:spcBef>
+              <a:buFont typeface="Arial" panose="020B0604020202090204" pitchFamily="34" charset="0"/>
+              <a:buChar char="•"/>
+              <a:defRPr sz="1800" kern="1200">
+                <a:solidFill>
+                  <a:schemeClr val="tx1"/>
+                </a:solidFill>
+                <a:latin typeface="+mn-lt"/>
+                <a:ea typeface="+mn-ea"/>
+                <a:cs typeface="+mn-cs"/>
+              </a:defRPr>
+            </a:lvl9pPr>
+          </a:lstStyle>
+          <a:p>
+            <a:pPr marL="0" indent="0" algn="ctr">
+              <a:buNone/>
+            </a:pPr>
+            <a:r>
+              <a:rPr lang="en-US" altLang="en-GB" sz="4400" dirty="0" err="1">
+                <a:solidFill>
+                  <a:srgbClr val="EB9E43"/>
+                </a:solidFill>
+                <a:latin typeface="OPPOSans M" pitchFamily="18" charset="-122"/>
+                <a:ea typeface="OPPOSans M" pitchFamily="18" charset="-122"/>
+                <a:cs typeface="OPPOSans M" pitchFamily="18" charset="-122"/>
+              </a:rPr>
+              <a:t>zhangzicheng@apache.org</a:t>
+            </a:r>
+            <a:endParaRPr lang="en-US" altLang="en-GB" sz="4400" dirty="0" err="1">
+              <a:solidFill>
+                <a:srgbClr val="EB9E43"/>
+              </a:solidFill>
+              <a:latin typeface="OPPOSans M" pitchFamily="18" charset="-122"/>
+              <a:ea typeface="OPPOSans M" pitchFamily="18" charset="-122"/>
+              <a:cs typeface="OPPOSans M" pitchFamily="18" charset="-122"/>
+            </a:endParaRPr>
+          </a:p>
+          <a:p>
+            <a:pPr marL="0" indent="0" algn="ctr">
+              <a:buNone/>
+            </a:pPr>
+            <a:r>
+              <a:rPr lang="en-US" altLang="en-GB" sz="4400" dirty="0" err="1">
+                <a:solidFill>
+                  <a:srgbClr val="EB9E43"/>
+                </a:solidFill>
+                <a:latin typeface="OPPOSans M" pitchFamily="18" charset="-122"/>
+                <a:ea typeface="OPPOSans M" pitchFamily="18" charset="-122"/>
+                <a:cs typeface="OPPOSans M" pitchFamily="18" charset="-122"/>
+              </a:rPr>
+              <a:t>https://github.com/loongs-zhang/ACOCA2024-PlayWithWASM</a:t>
+            </a:r>
+            <a:endParaRPr lang="en-US" altLang="en-GB" sz="4400" dirty="0" err="1">
+              <a:solidFill>
+                <a:srgbClr val="EB9E43"/>
+              </a:solidFill>
+              <a:latin typeface="OPPOSans M" pitchFamily="18" charset="-122"/>
+              <a:ea typeface="OPPOSans M" pitchFamily="18" charset="-122"/>
+              <a:cs typeface="OPPOSans M" pitchFamily="18" charset="-122"/>
+            </a:endParaRPr>
+          </a:p>
+        </p:txBody>
+      </p:sp>
+      <p:sp>
+        <p:nvSpPr>
+          <p:cNvPr id="9" name="标题占位符 16"/>
+          <p:cNvSpPr txBox="1"/>
+          <p:nvPr/>
+        </p:nvSpPr>
+        <p:spPr>
+          <a:xfrm>
+            <a:off x="1750489" y="4437077"/>
+            <a:ext cx="20957109" cy="2651125"/>
+          </a:xfrm>
+          <a:prstGeom prst="rect">
+            <a:avLst/>
+          </a:prstGeom>
+        </p:spPr>
+        <p:txBody>
+          <a:bodyPr vert="horz" lIns="91440" tIns="45720" rIns="91440" bIns="45720" rtlCol="0" anchor="ctr">
+            <a:normAutofit/>
+          </a:bodyPr>
+          <a:lstStyle>
+            <a:lvl1pPr marL="0" marR="0" indent="0" algn="ctr" defTabSz="2438400" rtl="0" eaLnBrk="1" fontAlgn="auto" latinLnBrk="0" hangingPunct="1">
+              <a:lnSpc>
+                <a:spcPct val="110000"/>
+              </a:lnSpc>
+              <a:spcBef>
+                <a:spcPts val="0"/>
+              </a:spcBef>
+              <a:spcAft>
+                <a:spcPts val="0"/>
+              </a:spcAft>
+              <a:buClrTx/>
+              <a:buSzTx/>
+              <a:buFontTx/>
+              <a:buNone/>
+              <a:defRPr kumimoji="0" lang="zh-CN" altLang="en-US" sz="8000" b="0" i="0" u="none" strike="noStrike" kern="0" cap="none" spc="0" normalizeH="0" baseline="0" dirty="0">
+                <a:ln>
+                  <a:noFill/>
+                </a:ln>
+                <a:solidFill>
+                  <a:srgbClr val="FFFFFF"/>
+                </a:solidFill>
+                <a:effectLst/>
+                <a:uFillTx/>
+                <a:latin typeface="OPPOSans H"/>
+                <a:ea typeface="OPPOSans H"/>
+                <a:cs typeface="OPPOSans H"/>
+                <a:sym typeface="OPPOSans H"/>
+              </a:defRPr>
+            </a:lvl1pPr>
+          </a:lstStyle>
+          <a:p>
+            <a:pPr>
+              <a:defRPr sz="8000" b="0">
+                <a:solidFill>
+                  <a:srgbClr val="FFFFFF"/>
+                </a:solidFill>
+                <a:latin typeface="OPPOSans H"/>
+                <a:ea typeface="OPPOSans H"/>
+                <a:cs typeface="OPPOSans H"/>
+                <a:sym typeface="OPPOSans H"/>
+              </a:defRPr>
+            </a:pPr>
+            <a:r>
+              <a:rPr lang="en-GB" altLang="zh-CN" sz="9600" dirty="0"/>
+              <a:t>Thanks</a:t>
+            </a:r>
+            <a:endParaRPr lang="en-GB" altLang="zh-CN" sz="9600" dirty="0"/>
+          </a:p>
+        </p:txBody>
+      </p:sp>
+    </p:spTree>
+  </p:cSld>
+  <p:clrMapOvr>
+    <a:masterClrMapping/>
+  </p:clrMapOvr>
+</p:sld>
+</file>
+
 <file path=ppt/slides/slide4.xml><?xml version="1.0" encoding="utf-8"?>
 <p:sld xmlns:a="http://schemas.openxmlformats.org/drawingml/2006/main" xmlns:r="http://schemas.openxmlformats.org/officeDocument/2006/relationships" xmlns:p="http://schemas.openxmlformats.org/presentationml/2006/main">
   <p:cSld>
@@ -9362,6 +10149,13 @@
             <a:r>
               <a:rPr kumimoji="1" lang="zh-CN" altLang="en-US"/>
               <a:t>* Extensions: Plugin hot-swapping, dynamic loading</a:t>
+            </a:r>
+            <a:endParaRPr kumimoji="1" lang="zh-CN" altLang="en-US"/>
+          </a:p>
+          <a:p>
+            <a:r>
+              <a:rPr kumimoji="1" lang="zh-CN" altLang="en-US"/>
+              <a:t>* Cluster: NGINX, Docker, Kubernetes</a:t>
             </a:r>
             <a:endParaRPr kumimoji="1" lang="zh-CN" altLang="en-US"/>
           </a:p>

--- a/PlayWithWASM.pptx
+++ b/PlayWithWASM.pptx
@@ -6,43 +6,43 @@
     <p:sldMasterId id="2147483654" r:id="rId3"/>
   </p:sldMasterIdLst>
   <p:notesMasterIdLst>
-    <p:notesMasterId r:id="rId35"/>
+    <p:notesMasterId r:id="rId5"/>
   </p:notesMasterIdLst>
   <p:handoutMasterIdLst>
     <p:handoutMasterId r:id="rId36"/>
   </p:handoutMasterIdLst>
   <p:sldIdLst>
     <p:sldId id="274" r:id="rId4"/>
-    <p:sldId id="264" r:id="rId5"/>
-    <p:sldId id="300" r:id="rId6"/>
-    <p:sldId id="283" r:id="rId7"/>
-    <p:sldId id="285" r:id="rId8"/>
-    <p:sldId id="278" r:id="rId9"/>
-    <p:sldId id="287" r:id="rId10"/>
-    <p:sldId id="291" r:id="rId11"/>
-    <p:sldId id="292" r:id="rId12"/>
-    <p:sldId id="284" r:id="rId13"/>
-    <p:sldId id="294" r:id="rId14"/>
-    <p:sldId id="317" r:id="rId15"/>
-    <p:sldId id="329" r:id="rId16"/>
-    <p:sldId id="328" r:id="rId17"/>
-    <p:sldId id="295" r:id="rId18"/>
-    <p:sldId id="318" r:id="rId19"/>
-    <p:sldId id="296" r:id="rId20"/>
-    <p:sldId id="340" r:id="rId21"/>
-    <p:sldId id="293" r:id="rId22"/>
-    <p:sldId id="288" r:id="rId23"/>
-    <p:sldId id="347" r:id="rId24"/>
-    <p:sldId id="348" r:id="rId25"/>
-    <p:sldId id="349" r:id="rId26"/>
-    <p:sldId id="289" r:id="rId27"/>
-    <p:sldId id="350" r:id="rId28"/>
-    <p:sldId id="351" r:id="rId29"/>
-    <p:sldId id="352" r:id="rId30"/>
-    <p:sldId id="353" r:id="rId31"/>
-    <p:sldId id="298" r:id="rId32"/>
-    <p:sldId id="299" r:id="rId33"/>
-    <p:sldId id="297" r:id="rId34"/>
+    <p:sldId id="264" r:id="rId6"/>
+    <p:sldId id="300" r:id="rId7"/>
+    <p:sldId id="283" r:id="rId8"/>
+    <p:sldId id="285" r:id="rId9"/>
+    <p:sldId id="278" r:id="rId10"/>
+    <p:sldId id="287" r:id="rId11"/>
+    <p:sldId id="291" r:id="rId12"/>
+    <p:sldId id="292" r:id="rId13"/>
+    <p:sldId id="284" r:id="rId14"/>
+    <p:sldId id="294" r:id="rId15"/>
+    <p:sldId id="317" r:id="rId16"/>
+    <p:sldId id="329" r:id="rId17"/>
+    <p:sldId id="328" r:id="rId18"/>
+    <p:sldId id="295" r:id="rId19"/>
+    <p:sldId id="318" r:id="rId20"/>
+    <p:sldId id="296" r:id="rId21"/>
+    <p:sldId id="340" r:id="rId22"/>
+    <p:sldId id="293" r:id="rId23"/>
+    <p:sldId id="288" r:id="rId24"/>
+    <p:sldId id="347" r:id="rId25"/>
+    <p:sldId id="348" r:id="rId26"/>
+    <p:sldId id="349" r:id="rId27"/>
+    <p:sldId id="289" r:id="rId28"/>
+    <p:sldId id="350" r:id="rId29"/>
+    <p:sldId id="351" r:id="rId30"/>
+    <p:sldId id="352" r:id="rId31"/>
+    <p:sldId id="353" r:id="rId32"/>
+    <p:sldId id="298" r:id="rId33"/>
+    <p:sldId id="299" r:id="rId34"/>
+    <p:sldId id="297" r:id="rId35"/>
   </p:sldIdLst>
   <p:sldSz cx="24384000" cy="13716000"/>
   <p:notesSz cx="6858000" cy="9144000"/>
@@ -677,6 +677,104 @@
 </p:notesMaster>
 </file>
 
+<file path=ppt/notesSlides/notesSlide1.xml><?xml version="1.0" encoding="utf-8"?>
+<p:notes xmlns:a="http://schemas.openxmlformats.org/drawingml/2006/main" xmlns:r="http://schemas.openxmlformats.org/officeDocument/2006/relationships" xmlns:p="http://schemas.openxmlformats.org/presentationml/2006/main">
+  <p:cSld>
+    <p:spTree>
+      <p:nvGrpSpPr>
+        <p:cNvPr id="1" name=""/>
+        <p:cNvGrpSpPr/>
+        <p:nvPr/>
+      </p:nvGrpSpPr>
+      <p:grpSpPr/>
+      <p:sp>
+        <p:nvSpPr>
+          <p:cNvPr id="2" name="幻灯片图像占位符 1"/>
+          <p:cNvSpPr/>
+          <p:nvPr>
+            <p:ph type="sldImg"/>
+          </p:nvPr>
+        </p:nvSpPr>
+        <p:spPr/>
+      </p:sp>
+      <p:sp>
+        <p:nvSpPr>
+          <p:cNvPr id="3" name="文本占位符 2"/>
+          <p:cNvSpPr/>
+          <p:nvPr>
+            <p:ph type="body" idx="1"/>
+          </p:nvPr>
+        </p:nvSpPr>
+        <p:spPr/>
+        <p:txBody>
+          <a:bodyPr/>
+          <a:p>
+            <a:r>
+              <a:rPr lang="en-US" altLang="zh-CN"/>
+              <a:t>ss</a:t>
+            </a:r>
+            <a:endParaRPr lang="en-US" altLang="zh-CN"/>
+          </a:p>
+        </p:txBody>
+      </p:sp>
+    </p:spTree>
+  </p:cSld>
+  <p:clrMapOvr>
+    <a:masterClrMapping/>
+  </p:clrMapOvr>
+</p:notes>
+</file>
+
+<file path=ppt/notesSlides/notesSlide2.xml><?xml version="1.0" encoding="utf-8"?>
+<p:notes xmlns:a="http://schemas.openxmlformats.org/drawingml/2006/main" xmlns:r="http://schemas.openxmlformats.org/officeDocument/2006/relationships" xmlns:p="http://schemas.openxmlformats.org/presentationml/2006/main">
+  <p:cSld>
+    <p:spTree>
+      <p:nvGrpSpPr>
+        <p:cNvPr id="1" name=""/>
+        <p:cNvGrpSpPr/>
+        <p:nvPr/>
+      </p:nvGrpSpPr>
+      <p:grpSpPr/>
+      <p:sp>
+        <p:nvSpPr>
+          <p:cNvPr id="2" name="幻灯片图像占位符 1"/>
+          <p:cNvSpPr/>
+          <p:nvPr>
+            <p:ph type="sldImg"/>
+          </p:nvPr>
+        </p:nvSpPr>
+        <p:spPr/>
+      </p:sp>
+      <p:sp>
+        <p:nvSpPr>
+          <p:cNvPr id="3" name="文本占位符 2"/>
+          <p:cNvSpPr/>
+          <p:nvPr>
+            <p:ph type="body" idx="1"/>
+          </p:nvPr>
+        </p:nvSpPr>
+        <p:spPr/>
+        <p:txBody>
+          <a:bodyPr/>
+          <a:p>
+            <a:r>
+              <a:rPr lang="zh-CN" altLang="en-US">
+                <a:sym typeface="+mn-ea"/>
+              </a:rPr>
+              <a:t>测试备注</a:t>
+            </a:r>
+            <a:endParaRPr lang="zh-CN" altLang="en-US"/>
+          </a:p>
+        </p:txBody>
+      </p:sp>
+    </p:spTree>
+  </p:cSld>
+  <p:clrMapOvr>
+    <a:masterClrMapping/>
+  </p:clrMapOvr>
+</p:notes>
+</file>
+
 <file path=ppt/slideLayouts/slideLayout1.xml><?xml version="1.0" encoding="utf-8"?>
 <p:sldLayout xmlns:a="http://schemas.openxmlformats.org/drawingml/2006/main" xmlns:r="http://schemas.openxmlformats.org/officeDocument/2006/relationships" xmlns:p="http://schemas.openxmlformats.org/presentationml/2006/main" preserve="1" userDrawn="1">
   <p:cSld name="自定义版式">
@@ -3715,7 +3813,7 @@
         <a:spcBef>
           <a:spcPts val="1000"/>
         </a:spcBef>
-        <a:buFont typeface="Arial" panose="020B0604020202090204" pitchFamily="34" charset="0"/>
+        <a:buFont typeface="Arial" panose="020B0604020202020204" pitchFamily="34" charset="0"/>
         <a:buChar char="•"/>
         <a:defRPr sz="2800" kern="1200">
           <a:solidFill>
@@ -3733,7 +3831,7 @@
         <a:spcBef>
           <a:spcPts val="500"/>
         </a:spcBef>
-        <a:buFont typeface="Arial" panose="020B0604020202090204" pitchFamily="34" charset="0"/>
+        <a:buFont typeface="Arial" panose="020B0604020202020204" pitchFamily="34" charset="0"/>
         <a:buChar char="•"/>
         <a:defRPr sz="2400" kern="1200">
           <a:solidFill>
@@ -3751,7 +3849,7 @@
         <a:spcBef>
           <a:spcPts val="500"/>
         </a:spcBef>
-        <a:buFont typeface="Arial" panose="020B0604020202090204" pitchFamily="34" charset="0"/>
+        <a:buFont typeface="Arial" panose="020B0604020202020204" pitchFamily="34" charset="0"/>
         <a:buChar char="•"/>
         <a:defRPr sz="2000" kern="1200">
           <a:solidFill>
@@ -3769,7 +3867,7 @@
         <a:spcBef>
           <a:spcPts val="500"/>
         </a:spcBef>
-        <a:buFont typeface="Arial" panose="020B0604020202090204" pitchFamily="34" charset="0"/>
+        <a:buFont typeface="Arial" panose="020B0604020202020204" pitchFamily="34" charset="0"/>
         <a:buChar char="•"/>
         <a:defRPr sz="1800" kern="1200">
           <a:solidFill>
@@ -3787,7 +3885,7 @@
         <a:spcBef>
           <a:spcPts val="500"/>
         </a:spcBef>
-        <a:buFont typeface="Arial" panose="020B0604020202090204" pitchFamily="34" charset="0"/>
+        <a:buFont typeface="Arial" panose="020B0604020202020204" pitchFamily="34" charset="0"/>
         <a:buChar char="•"/>
         <a:defRPr sz="1800" kern="1200">
           <a:solidFill>
@@ -3805,7 +3903,7 @@
         <a:spcBef>
           <a:spcPts val="500"/>
         </a:spcBef>
-        <a:buFont typeface="Arial" panose="020B0604020202090204" pitchFamily="34" charset="0"/>
+        <a:buFont typeface="Arial" panose="020B0604020202020204" pitchFamily="34" charset="0"/>
         <a:buChar char="•"/>
         <a:defRPr sz="1800" kern="1200">
           <a:solidFill>
@@ -3823,7 +3921,7 @@
         <a:spcBef>
           <a:spcPts val="500"/>
         </a:spcBef>
-        <a:buFont typeface="Arial" panose="020B0604020202090204" pitchFamily="34" charset="0"/>
+        <a:buFont typeface="Arial" panose="020B0604020202020204" pitchFamily="34" charset="0"/>
         <a:buChar char="•"/>
         <a:defRPr sz="1800" kern="1200">
           <a:solidFill>
@@ -3841,7 +3939,7 @@
         <a:spcBef>
           <a:spcPts val="500"/>
         </a:spcBef>
-        <a:buFont typeface="Arial" panose="020B0604020202090204" pitchFamily="34" charset="0"/>
+        <a:buFont typeface="Arial" panose="020B0604020202020204" pitchFamily="34" charset="0"/>
         <a:buChar char="•"/>
         <a:defRPr sz="1800" kern="1200">
           <a:solidFill>
@@ -3859,7 +3957,7 @@
         <a:spcBef>
           <a:spcPts val="500"/>
         </a:spcBef>
-        <a:buFont typeface="Arial" panose="020B0604020202090204" pitchFamily="34" charset="0"/>
+        <a:buFont typeface="Arial" panose="020B0604020202020204" pitchFamily="34" charset="0"/>
         <a:buChar char="•"/>
         <a:defRPr sz="1800" kern="1200">
           <a:solidFill>
@@ -4233,7 +4331,7 @@
         <a:spcBef>
           <a:spcPts val="1000"/>
         </a:spcBef>
-        <a:buFont typeface="Arial" panose="020B0604020202090204" pitchFamily="34" charset="0"/>
+        <a:buFont typeface="Arial" panose="020B0604020202020204" pitchFamily="34" charset="0"/>
         <a:buChar char="•"/>
         <a:defRPr sz="2800" kern="1200">
           <a:solidFill>
@@ -4251,7 +4349,7 @@
         <a:spcBef>
           <a:spcPts val="500"/>
         </a:spcBef>
-        <a:buFont typeface="Arial" panose="020B0604020202090204" pitchFamily="34" charset="0"/>
+        <a:buFont typeface="Arial" panose="020B0604020202020204" pitchFamily="34" charset="0"/>
         <a:buChar char="•"/>
         <a:defRPr sz="2400" kern="1200">
           <a:solidFill>
@@ -4269,7 +4367,7 @@
         <a:spcBef>
           <a:spcPts val="500"/>
         </a:spcBef>
-        <a:buFont typeface="Arial" panose="020B0604020202090204" pitchFamily="34" charset="0"/>
+        <a:buFont typeface="Arial" panose="020B0604020202020204" pitchFamily="34" charset="0"/>
         <a:buChar char="•"/>
         <a:defRPr sz="2000" kern="1200">
           <a:solidFill>
@@ -4287,7 +4385,7 @@
         <a:spcBef>
           <a:spcPts val="500"/>
         </a:spcBef>
-        <a:buFont typeface="Arial" panose="020B0604020202090204" pitchFamily="34" charset="0"/>
+        <a:buFont typeface="Arial" panose="020B0604020202020204" pitchFamily="34" charset="0"/>
         <a:buChar char="•"/>
         <a:defRPr sz="1800" kern="1200">
           <a:solidFill>
@@ -4305,7 +4403,7 @@
         <a:spcBef>
           <a:spcPts val="500"/>
         </a:spcBef>
-        <a:buFont typeface="Arial" panose="020B0604020202090204" pitchFamily="34" charset="0"/>
+        <a:buFont typeface="Arial" panose="020B0604020202020204" pitchFamily="34" charset="0"/>
         <a:buChar char="•"/>
         <a:defRPr sz="1800" kern="1200">
           <a:solidFill>
@@ -4323,7 +4421,7 @@
         <a:spcBef>
           <a:spcPts val="500"/>
         </a:spcBef>
-        <a:buFont typeface="Arial" panose="020B0604020202090204" pitchFamily="34" charset="0"/>
+        <a:buFont typeface="Arial" panose="020B0604020202020204" pitchFamily="34" charset="0"/>
         <a:buChar char="•"/>
         <a:defRPr sz="1800" kern="1200">
           <a:solidFill>
@@ -4341,7 +4439,7 @@
         <a:spcBef>
           <a:spcPts val="500"/>
         </a:spcBef>
-        <a:buFont typeface="Arial" panose="020B0604020202090204" pitchFamily="34" charset="0"/>
+        <a:buFont typeface="Arial" panose="020B0604020202020204" pitchFamily="34" charset="0"/>
         <a:buChar char="•"/>
         <a:defRPr sz="1800" kern="1200">
           <a:solidFill>
@@ -4359,7 +4457,7 @@
         <a:spcBef>
           <a:spcPts val="500"/>
         </a:spcBef>
-        <a:buFont typeface="Arial" panose="020B0604020202090204" pitchFamily="34" charset="0"/>
+        <a:buFont typeface="Arial" panose="020B0604020202020204" pitchFamily="34" charset="0"/>
         <a:buChar char="•"/>
         <a:defRPr sz="1800" kern="1200">
           <a:solidFill>
@@ -4377,7 +4475,7 @@
         <a:spcBef>
           <a:spcPts val="500"/>
         </a:spcBef>
-        <a:buFont typeface="Arial" panose="020B0604020202090204" pitchFamily="34" charset="0"/>
+        <a:buFont typeface="Arial" panose="020B0604020202020204" pitchFamily="34" charset="0"/>
         <a:buChar char="•"/>
         <a:defRPr sz="1800" kern="1200">
           <a:solidFill>
@@ -4532,7 +4630,7 @@
               <a:spcBef>
                 <a:spcPts val="1000"/>
               </a:spcBef>
-              <a:buFont typeface="Arial" panose="020B0604020202090204" pitchFamily="34" charset="0"/>
+              <a:buFont typeface="Arial" panose="020B0604020202020204" pitchFamily="34" charset="0"/>
               <a:buChar char="•"/>
               <a:defRPr sz="3200" b="0" i="0" kern="1200" spc="64">
                 <a:solidFill>
@@ -4551,7 +4649,7 @@
               <a:spcBef>
                 <a:spcPts val="500"/>
               </a:spcBef>
-              <a:buFont typeface="Arial" panose="020B0604020202090204" pitchFamily="34" charset="0"/>
+              <a:buFont typeface="Arial" panose="020B0604020202020204" pitchFamily="34" charset="0"/>
               <a:buChar char="•"/>
               <a:defRPr sz="2400" kern="1200">
                 <a:solidFill>
@@ -4569,7 +4667,7 @@
               <a:spcBef>
                 <a:spcPts val="500"/>
               </a:spcBef>
-              <a:buFont typeface="Arial" panose="020B0604020202090204" pitchFamily="34" charset="0"/>
+              <a:buFont typeface="Arial" panose="020B0604020202020204" pitchFamily="34" charset="0"/>
               <a:buChar char="•"/>
               <a:defRPr sz="2000" kern="1200">
                 <a:solidFill>
@@ -4587,7 +4685,7 @@
               <a:spcBef>
                 <a:spcPts val="500"/>
               </a:spcBef>
-              <a:buFont typeface="Arial" panose="020B0604020202090204" pitchFamily="34" charset="0"/>
+              <a:buFont typeface="Arial" panose="020B0604020202020204" pitchFamily="34" charset="0"/>
               <a:buChar char="•"/>
               <a:defRPr sz="1800" kern="1200">
                 <a:solidFill>
@@ -4605,7 +4703,7 @@
               <a:spcBef>
                 <a:spcPts val="500"/>
               </a:spcBef>
-              <a:buFont typeface="Arial" panose="020B0604020202090204" pitchFamily="34" charset="0"/>
+              <a:buFont typeface="Arial" panose="020B0604020202020204" pitchFamily="34" charset="0"/>
               <a:buChar char="•"/>
               <a:defRPr sz="1800" kern="1200">
                 <a:solidFill>
@@ -4623,7 +4721,7 @@
               <a:spcBef>
                 <a:spcPts val="500"/>
               </a:spcBef>
-              <a:buFont typeface="Arial" panose="020B0604020202090204" pitchFamily="34" charset="0"/>
+              <a:buFont typeface="Arial" panose="020B0604020202020204" pitchFamily="34" charset="0"/>
               <a:buChar char="•"/>
               <a:defRPr sz="1800" kern="1200">
                 <a:solidFill>
@@ -4641,7 +4739,7 @@
               <a:spcBef>
                 <a:spcPts val="500"/>
               </a:spcBef>
-              <a:buFont typeface="Arial" panose="020B0604020202090204" pitchFamily="34" charset="0"/>
+              <a:buFont typeface="Arial" panose="020B0604020202020204" pitchFamily="34" charset="0"/>
               <a:buChar char="•"/>
               <a:defRPr sz="1800" kern="1200">
                 <a:solidFill>
@@ -4659,7 +4757,7 @@
               <a:spcBef>
                 <a:spcPts val="500"/>
               </a:spcBef>
-              <a:buFont typeface="Arial" panose="020B0604020202090204" pitchFamily="34" charset="0"/>
+              <a:buFont typeface="Arial" panose="020B0604020202020204" pitchFamily="34" charset="0"/>
               <a:buChar char="•"/>
               <a:defRPr sz="1800" kern="1200">
                 <a:solidFill>
@@ -4677,7 +4775,7 @@
               <a:spcBef>
                 <a:spcPts val="500"/>
               </a:spcBef>
-              <a:buFont typeface="Arial" panose="020B0604020202090204" pitchFamily="34" charset="0"/>
+              <a:buFont typeface="Arial" panose="020B0604020202020204" pitchFamily="34" charset="0"/>
               <a:buChar char="•"/>
               <a:defRPr sz="1800" kern="1200">
                 <a:solidFill>
@@ -5623,7 +5721,7 @@
               <a:spcBef>
                 <a:spcPts val="1000"/>
               </a:spcBef>
-              <a:buFont typeface="Arial" panose="020B0604020202090204" pitchFamily="34" charset="0"/>
+              <a:buFont typeface="Arial" panose="020B0604020202020204" pitchFamily="34" charset="0"/>
               <a:buNone/>
               <a:defRPr sz="4400" b="0" i="0" kern="1200">
                 <a:solidFill>
@@ -5642,7 +5740,7 @@
               <a:spcBef>
                 <a:spcPts val="500"/>
               </a:spcBef>
-              <a:buFont typeface="Arial" panose="020B0604020202090204" pitchFamily="34" charset="0"/>
+              <a:buFont typeface="Arial" panose="020B0604020202020204" pitchFamily="34" charset="0"/>
               <a:buChar char="•"/>
               <a:defRPr sz="2400" kern="1200">
                 <a:solidFill>
@@ -5660,7 +5758,7 @@
               <a:spcBef>
                 <a:spcPts val="500"/>
               </a:spcBef>
-              <a:buFont typeface="Arial" panose="020B0604020202090204" pitchFamily="34" charset="0"/>
+              <a:buFont typeface="Arial" panose="020B0604020202020204" pitchFamily="34" charset="0"/>
               <a:buChar char="•"/>
               <a:defRPr sz="2000" kern="1200">
                 <a:solidFill>
@@ -5678,7 +5776,7 @@
               <a:spcBef>
                 <a:spcPts val="500"/>
               </a:spcBef>
-              <a:buFont typeface="Arial" panose="020B0604020202090204" pitchFamily="34" charset="0"/>
+              <a:buFont typeface="Arial" panose="020B0604020202020204" pitchFamily="34" charset="0"/>
               <a:buChar char="•"/>
               <a:defRPr sz="1800" kern="1200">
                 <a:solidFill>
@@ -5696,7 +5794,7 @@
               <a:spcBef>
                 <a:spcPts val="500"/>
               </a:spcBef>
-              <a:buFont typeface="Arial" panose="020B0604020202090204" pitchFamily="34" charset="0"/>
+              <a:buFont typeface="Arial" panose="020B0604020202020204" pitchFamily="34" charset="0"/>
               <a:buChar char="•"/>
               <a:defRPr sz="1800" kern="1200">
                 <a:solidFill>
@@ -5714,7 +5812,7 @@
               <a:spcBef>
                 <a:spcPts val="500"/>
               </a:spcBef>
-              <a:buFont typeface="Arial" panose="020B0604020202090204" pitchFamily="34" charset="0"/>
+              <a:buFont typeface="Arial" panose="020B0604020202020204" pitchFamily="34" charset="0"/>
               <a:buChar char="•"/>
               <a:defRPr sz="1800" kern="1200">
                 <a:solidFill>
@@ -5732,7 +5830,7 @@
               <a:spcBef>
                 <a:spcPts val="500"/>
               </a:spcBef>
-              <a:buFont typeface="Arial" panose="020B0604020202090204" pitchFamily="34" charset="0"/>
+              <a:buFont typeface="Arial" panose="020B0604020202020204" pitchFamily="34" charset="0"/>
               <a:buChar char="•"/>
               <a:defRPr sz="1800" kern="1200">
                 <a:solidFill>
@@ -5750,7 +5848,7 @@
               <a:spcBef>
                 <a:spcPts val="500"/>
               </a:spcBef>
-              <a:buFont typeface="Arial" panose="020B0604020202090204" pitchFamily="34" charset="0"/>
+              <a:buFont typeface="Arial" panose="020B0604020202020204" pitchFamily="34" charset="0"/>
               <a:buChar char="•"/>
               <a:defRPr sz="1800" kern="1200">
                 <a:solidFill>
@@ -5768,7 +5866,7 @@
               <a:spcBef>
                 <a:spcPts val="500"/>
               </a:spcBef>
-              <a:buFont typeface="Arial" panose="020B0604020202090204" pitchFamily="34" charset="0"/>
+              <a:buFont typeface="Arial" panose="020B0604020202020204" pitchFamily="34" charset="0"/>
               <a:buChar char="•"/>
               <a:defRPr sz="1800" kern="1200">
                 <a:solidFill>
@@ -5996,7 +6094,7 @@
               <a:spcBef>
                 <a:spcPts val="1000"/>
               </a:spcBef>
-              <a:buFont typeface="Arial" panose="020B0604020202090204" pitchFamily="34" charset="0"/>
+              <a:buFont typeface="Arial" panose="020B0604020202020204" pitchFamily="34" charset="0"/>
               <a:buNone/>
               <a:defRPr sz="4400" b="0" i="0" kern="1200">
                 <a:solidFill>
@@ -6015,7 +6113,7 @@
               <a:spcBef>
                 <a:spcPts val="500"/>
               </a:spcBef>
-              <a:buFont typeface="Arial" panose="020B0604020202090204" pitchFamily="34" charset="0"/>
+              <a:buFont typeface="Arial" panose="020B0604020202020204" pitchFamily="34" charset="0"/>
               <a:buChar char="•"/>
               <a:defRPr sz="2400" kern="1200">
                 <a:solidFill>
@@ -6033,7 +6131,7 @@
               <a:spcBef>
                 <a:spcPts val="500"/>
               </a:spcBef>
-              <a:buFont typeface="Arial" panose="020B0604020202090204" pitchFamily="34" charset="0"/>
+              <a:buFont typeface="Arial" panose="020B0604020202020204" pitchFamily="34" charset="0"/>
               <a:buChar char="•"/>
               <a:defRPr sz="2000" kern="1200">
                 <a:solidFill>
@@ -6051,7 +6149,7 @@
               <a:spcBef>
                 <a:spcPts val="500"/>
               </a:spcBef>
-              <a:buFont typeface="Arial" panose="020B0604020202090204" pitchFamily="34" charset="0"/>
+              <a:buFont typeface="Arial" panose="020B0604020202020204" pitchFamily="34" charset="0"/>
               <a:buChar char="•"/>
               <a:defRPr sz="1800" kern="1200">
                 <a:solidFill>
@@ -6069,7 +6167,7 @@
               <a:spcBef>
                 <a:spcPts val="500"/>
               </a:spcBef>
-              <a:buFont typeface="Arial" panose="020B0604020202090204" pitchFamily="34" charset="0"/>
+              <a:buFont typeface="Arial" panose="020B0604020202020204" pitchFamily="34" charset="0"/>
               <a:buChar char="•"/>
               <a:defRPr sz="1800" kern="1200">
                 <a:solidFill>
@@ -6087,7 +6185,7 @@
               <a:spcBef>
                 <a:spcPts val="500"/>
               </a:spcBef>
-              <a:buFont typeface="Arial" panose="020B0604020202090204" pitchFamily="34" charset="0"/>
+              <a:buFont typeface="Arial" panose="020B0604020202020204" pitchFamily="34" charset="0"/>
               <a:buChar char="•"/>
               <a:defRPr sz="1800" kern="1200">
                 <a:solidFill>
@@ -6105,7 +6203,7 @@
               <a:spcBef>
                 <a:spcPts val="500"/>
               </a:spcBef>
-              <a:buFont typeface="Arial" panose="020B0604020202090204" pitchFamily="34" charset="0"/>
+              <a:buFont typeface="Arial" panose="020B0604020202020204" pitchFamily="34" charset="0"/>
               <a:buChar char="•"/>
               <a:defRPr sz="1800" kern="1200">
                 <a:solidFill>
@@ -6123,7 +6221,7 @@
               <a:spcBef>
                 <a:spcPts val="500"/>
               </a:spcBef>
-              <a:buFont typeface="Arial" panose="020B0604020202090204" pitchFamily="34" charset="0"/>
+              <a:buFont typeface="Arial" panose="020B0604020202020204" pitchFamily="34" charset="0"/>
               <a:buChar char="•"/>
               <a:defRPr sz="1800" kern="1200">
                 <a:solidFill>
@@ -6141,7 +6239,7 @@
               <a:spcBef>
                 <a:spcPts val="500"/>
               </a:spcBef>
-              <a:buFont typeface="Arial" panose="020B0604020202090204" pitchFamily="34" charset="0"/>
+              <a:buFont typeface="Arial" panose="020B0604020202020204" pitchFamily="34" charset="0"/>
               <a:buChar char="•"/>
               <a:defRPr sz="1800" kern="1200">
                 <a:solidFill>
@@ -9186,7 +9284,7 @@
               <a:spcBef>
                 <a:spcPts val="1000"/>
               </a:spcBef>
-              <a:buFont typeface="Arial" panose="020B0604020202090204" pitchFamily="34" charset="0"/>
+              <a:buFont typeface="Arial" panose="020B0604020202020204" pitchFamily="34" charset="0"/>
               <a:buChar char="•"/>
               <a:defRPr sz="3200" b="0" i="0" kern="1200" spc="64">
                 <a:solidFill>
@@ -9205,7 +9303,7 @@
               <a:spcBef>
                 <a:spcPts val="500"/>
               </a:spcBef>
-              <a:buFont typeface="Arial" panose="020B0604020202090204" pitchFamily="34" charset="0"/>
+              <a:buFont typeface="Arial" panose="020B0604020202020204" pitchFamily="34" charset="0"/>
               <a:buChar char="•"/>
               <a:defRPr sz="2400" kern="1200">
                 <a:solidFill>
@@ -9223,7 +9321,7 @@
               <a:spcBef>
                 <a:spcPts val="500"/>
               </a:spcBef>
-              <a:buFont typeface="Arial" panose="020B0604020202090204" pitchFamily="34" charset="0"/>
+              <a:buFont typeface="Arial" panose="020B0604020202020204" pitchFamily="34" charset="0"/>
               <a:buChar char="•"/>
               <a:defRPr sz="2000" kern="1200">
                 <a:solidFill>
@@ -9241,7 +9339,7 @@
               <a:spcBef>
                 <a:spcPts val="500"/>
               </a:spcBef>
-              <a:buFont typeface="Arial" panose="020B0604020202090204" pitchFamily="34" charset="0"/>
+              <a:buFont typeface="Arial" panose="020B0604020202020204" pitchFamily="34" charset="0"/>
               <a:buChar char="•"/>
               <a:defRPr sz="1800" kern="1200">
                 <a:solidFill>
@@ -9259,7 +9357,7 @@
               <a:spcBef>
                 <a:spcPts val="500"/>
               </a:spcBef>
-              <a:buFont typeface="Arial" panose="020B0604020202090204" pitchFamily="34" charset="0"/>
+              <a:buFont typeface="Arial" panose="020B0604020202020204" pitchFamily="34" charset="0"/>
               <a:buChar char="•"/>
               <a:defRPr sz="1800" kern="1200">
                 <a:solidFill>
@@ -9277,7 +9375,7 @@
               <a:spcBef>
                 <a:spcPts val="500"/>
               </a:spcBef>
-              <a:buFont typeface="Arial" panose="020B0604020202090204" pitchFamily="34" charset="0"/>
+              <a:buFont typeface="Arial" panose="020B0604020202020204" pitchFamily="34" charset="0"/>
               <a:buChar char="•"/>
               <a:defRPr sz="1800" kern="1200">
                 <a:solidFill>
@@ -9295,7 +9393,7 @@
               <a:spcBef>
                 <a:spcPts val="500"/>
               </a:spcBef>
-              <a:buFont typeface="Arial" panose="020B0604020202090204" pitchFamily="34" charset="0"/>
+              <a:buFont typeface="Arial" panose="020B0604020202020204" pitchFamily="34" charset="0"/>
               <a:buChar char="•"/>
               <a:defRPr sz="1800" kern="1200">
                 <a:solidFill>
@@ -9313,7 +9411,7 @@
               <a:spcBef>
                 <a:spcPts val="500"/>
               </a:spcBef>
-              <a:buFont typeface="Arial" panose="020B0604020202090204" pitchFamily="34" charset="0"/>
+              <a:buFont typeface="Arial" panose="020B0604020202020204" pitchFamily="34" charset="0"/>
               <a:buChar char="•"/>
               <a:defRPr sz="1800" kern="1200">
                 <a:solidFill>
@@ -9331,7 +9429,7 @@
               <a:spcBef>
                 <a:spcPts val="500"/>
               </a:spcBef>
-              <a:buFont typeface="Arial" panose="020B0604020202090204" pitchFamily="34" charset="0"/>
+              <a:buFont typeface="Arial" panose="020B0604020202020204" pitchFamily="34" charset="0"/>
               <a:buChar char="•"/>
               <a:defRPr sz="1800" kern="1200">
                 <a:solidFill>
@@ -9628,7 +9726,7 @@
               <a:spcBef>
                 <a:spcPts val="1000"/>
               </a:spcBef>
-              <a:buFont typeface="Arial" panose="020B0604020202090204" pitchFamily="34" charset="0"/>
+              <a:buFont typeface="Arial" panose="020B0604020202020204" pitchFamily="34" charset="0"/>
               <a:buChar char="•"/>
               <a:defRPr sz="3200" b="0" i="0" kern="1200" spc="64">
                 <a:solidFill>
@@ -9647,7 +9745,7 @@
               <a:spcBef>
                 <a:spcPts val="500"/>
               </a:spcBef>
-              <a:buFont typeface="Arial" panose="020B0604020202090204" pitchFamily="34" charset="0"/>
+              <a:buFont typeface="Arial" panose="020B0604020202020204" pitchFamily="34" charset="0"/>
               <a:buChar char="•"/>
               <a:defRPr sz="2400" kern="1200">
                 <a:solidFill>
@@ -9665,7 +9763,7 @@
               <a:spcBef>
                 <a:spcPts val="500"/>
               </a:spcBef>
-              <a:buFont typeface="Arial" panose="020B0604020202090204" pitchFamily="34" charset="0"/>
+              <a:buFont typeface="Arial" panose="020B0604020202020204" pitchFamily="34" charset="0"/>
               <a:buChar char="•"/>
               <a:defRPr sz="2000" kern="1200">
                 <a:solidFill>
@@ -9683,7 +9781,7 @@
               <a:spcBef>
                 <a:spcPts val="500"/>
               </a:spcBef>
-              <a:buFont typeface="Arial" panose="020B0604020202090204" pitchFamily="34" charset="0"/>
+              <a:buFont typeface="Arial" panose="020B0604020202020204" pitchFamily="34" charset="0"/>
               <a:buChar char="•"/>
               <a:defRPr sz="1800" kern="1200">
                 <a:solidFill>
@@ -9701,7 +9799,7 @@
               <a:spcBef>
                 <a:spcPts val="500"/>
               </a:spcBef>
-              <a:buFont typeface="Arial" panose="020B0604020202090204" pitchFamily="34" charset="0"/>
+              <a:buFont typeface="Arial" panose="020B0604020202020204" pitchFamily="34" charset="0"/>
               <a:buChar char="•"/>
               <a:defRPr sz="1800" kern="1200">
                 <a:solidFill>
@@ -9719,7 +9817,7 @@
               <a:spcBef>
                 <a:spcPts val="500"/>
               </a:spcBef>
-              <a:buFont typeface="Arial" panose="020B0604020202090204" pitchFamily="34" charset="0"/>
+              <a:buFont typeface="Arial" panose="020B0604020202020204" pitchFamily="34" charset="0"/>
               <a:buChar char="•"/>
               <a:defRPr sz="1800" kern="1200">
                 <a:solidFill>
@@ -9737,7 +9835,7 @@
               <a:spcBef>
                 <a:spcPts val="500"/>
               </a:spcBef>
-              <a:buFont typeface="Arial" panose="020B0604020202090204" pitchFamily="34" charset="0"/>
+              <a:buFont typeface="Arial" panose="020B0604020202020204" pitchFamily="34" charset="0"/>
               <a:buChar char="•"/>
               <a:defRPr sz="1800" kern="1200">
                 <a:solidFill>
@@ -9755,7 +9853,7 @@
               <a:spcBef>
                 <a:spcPts val="500"/>
               </a:spcBef>
-              <a:buFont typeface="Arial" panose="020B0604020202090204" pitchFamily="34" charset="0"/>
+              <a:buFont typeface="Arial" panose="020B0604020202020204" pitchFamily="34" charset="0"/>
               <a:buChar char="•"/>
               <a:defRPr sz="1800" kern="1200">
                 <a:solidFill>
@@ -9773,7 +9871,7 @@
               <a:spcBef>
                 <a:spcPts val="500"/>
               </a:spcBef>
-              <a:buFont typeface="Arial" panose="020B0604020202090204" pitchFamily="34" charset="0"/>
+              <a:buFont typeface="Arial" panose="020B0604020202020204" pitchFamily="34" charset="0"/>
               <a:buChar char="•"/>
               <a:defRPr sz="1800" kern="1200">
                 <a:solidFill>

--- a/PlayWithWASM.pptx
+++ b/PlayWithWASM.pptx
@@ -9,7 +9,7 @@
     <p:notesMasterId r:id="rId5"/>
   </p:notesMasterIdLst>
   <p:handoutMasterIdLst>
-    <p:handoutMasterId r:id="rId36"/>
+    <p:handoutMasterId r:id="rId33"/>
   </p:handoutMasterIdLst>
   <p:sldIdLst>
     <p:sldId id="274" r:id="rId4"/>
@@ -26,23 +26,20 @@
     <p:sldId id="317" r:id="rId16"/>
     <p:sldId id="329" r:id="rId17"/>
     <p:sldId id="328" r:id="rId18"/>
-    <p:sldId id="295" r:id="rId19"/>
-    <p:sldId id="318" r:id="rId20"/>
-    <p:sldId id="296" r:id="rId21"/>
-    <p:sldId id="340" r:id="rId22"/>
-    <p:sldId id="293" r:id="rId23"/>
-    <p:sldId id="288" r:id="rId24"/>
-    <p:sldId id="347" r:id="rId25"/>
-    <p:sldId id="348" r:id="rId26"/>
-    <p:sldId id="349" r:id="rId27"/>
-    <p:sldId id="289" r:id="rId28"/>
-    <p:sldId id="350" r:id="rId29"/>
-    <p:sldId id="351" r:id="rId30"/>
-    <p:sldId id="352" r:id="rId31"/>
-    <p:sldId id="353" r:id="rId32"/>
-    <p:sldId id="298" r:id="rId33"/>
-    <p:sldId id="299" r:id="rId34"/>
-    <p:sldId id="297" r:id="rId35"/>
+    <p:sldId id="358" r:id="rId19"/>
+    <p:sldId id="295" r:id="rId20"/>
+    <p:sldId id="318" r:id="rId21"/>
+    <p:sldId id="296" r:id="rId22"/>
+    <p:sldId id="340" r:id="rId23"/>
+    <p:sldId id="293" r:id="rId24"/>
+    <p:sldId id="288" r:id="rId25"/>
+    <p:sldId id="359" r:id="rId26"/>
+    <p:sldId id="289" r:id="rId27"/>
+    <p:sldId id="352" r:id="rId28"/>
+    <p:sldId id="353" r:id="rId29"/>
+    <p:sldId id="298" r:id="rId30"/>
+    <p:sldId id="299" r:id="rId31"/>
+    <p:sldId id="297" r:id="rId32"/>
   </p:sldIdLst>
   <p:sldSz cx="24384000" cy="13716000"/>
   <p:notesSz cx="6858000" cy="9144000"/>
@@ -3813,7 +3810,7 @@
         <a:spcBef>
           <a:spcPts val="1000"/>
         </a:spcBef>
-        <a:buFont typeface="Arial" panose="020B0604020202020204" pitchFamily="34" charset="0"/>
+        <a:buFont typeface="Arial" panose="020B0604020202090204" pitchFamily="34" charset="0"/>
         <a:buChar char="•"/>
         <a:defRPr sz="2800" kern="1200">
           <a:solidFill>
@@ -3831,7 +3828,7 @@
         <a:spcBef>
           <a:spcPts val="500"/>
         </a:spcBef>
-        <a:buFont typeface="Arial" panose="020B0604020202020204" pitchFamily="34" charset="0"/>
+        <a:buFont typeface="Arial" panose="020B0604020202090204" pitchFamily="34" charset="0"/>
         <a:buChar char="•"/>
         <a:defRPr sz="2400" kern="1200">
           <a:solidFill>
@@ -3849,7 +3846,7 @@
         <a:spcBef>
           <a:spcPts val="500"/>
         </a:spcBef>
-        <a:buFont typeface="Arial" panose="020B0604020202020204" pitchFamily="34" charset="0"/>
+        <a:buFont typeface="Arial" panose="020B0604020202090204" pitchFamily="34" charset="0"/>
         <a:buChar char="•"/>
         <a:defRPr sz="2000" kern="1200">
           <a:solidFill>
@@ -3867,7 +3864,7 @@
         <a:spcBef>
           <a:spcPts val="500"/>
         </a:spcBef>
-        <a:buFont typeface="Arial" panose="020B0604020202020204" pitchFamily="34" charset="0"/>
+        <a:buFont typeface="Arial" panose="020B0604020202090204" pitchFamily="34" charset="0"/>
         <a:buChar char="•"/>
         <a:defRPr sz="1800" kern="1200">
           <a:solidFill>
@@ -3885,7 +3882,7 @@
         <a:spcBef>
           <a:spcPts val="500"/>
         </a:spcBef>
-        <a:buFont typeface="Arial" panose="020B0604020202020204" pitchFamily="34" charset="0"/>
+        <a:buFont typeface="Arial" panose="020B0604020202090204" pitchFamily="34" charset="0"/>
         <a:buChar char="•"/>
         <a:defRPr sz="1800" kern="1200">
           <a:solidFill>
@@ -3903,7 +3900,7 @@
         <a:spcBef>
           <a:spcPts val="500"/>
         </a:spcBef>
-        <a:buFont typeface="Arial" panose="020B0604020202020204" pitchFamily="34" charset="0"/>
+        <a:buFont typeface="Arial" panose="020B0604020202090204" pitchFamily="34" charset="0"/>
         <a:buChar char="•"/>
         <a:defRPr sz="1800" kern="1200">
           <a:solidFill>
@@ -3921,7 +3918,7 @@
         <a:spcBef>
           <a:spcPts val="500"/>
         </a:spcBef>
-        <a:buFont typeface="Arial" panose="020B0604020202020204" pitchFamily="34" charset="0"/>
+        <a:buFont typeface="Arial" panose="020B0604020202090204" pitchFamily="34" charset="0"/>
         <a:buChar char="•"/>
         <a:defRPr sz="1800" kern="1200">
           <a:solidFill>
@@ -3939,7 +3936,7 @@
         <a:spcBef>
           <a:spcPts val="500"/>
         </a:spcBef>
-        <a:buFont typeface="Arial" panose="020B0604020202020204" pitchFamily="34" charset="0"/>
+        <a:buFont typeface="Arial" panose="020B0604020202090204" pitchFamily="34" charset="0"/>
         <a:buChar char="•"/>
         <a:defRPr sz="1800" kern="1200">
           <a:solidFill>
@@ -3957,7 +3954,7 @@
         <a:spcBef>
           <a:spcPts val="500"/>
         </a:spcBef>
-        <a:buFont typeface="Arial" panose="020B0604020202020204" pitchFamily="34" charset="0"/>
+        <a:buFont typeface="Arial" panose="020B0604020202090204" pitchFamily="34" charset="0"/>
         <a:buChar char="•"/>
         <a:defRPr sz="1800" kern="1200">
           <a:solidFill>
@@ -4331,7 +4328,7 @@
         <a:spcBef>
           <a:spcPts val="1000"/>
         </a:spcBef>
-        <a:buFont typeface="Arial" panose="020B0604020202020204" pitchFamily="34" charset="0"/>
+        <a:buFont typeface="Arial" panose="020B0604020202090204" pitchFamily="34" charset="0"/>
         <a:buChar char="•"/>
         <a:defRPr sz="2800" kern="1200">
           <a:solidFill>
@@ -4349,7 +4346,7 @@
         <a:spcBef>
           <a:spcPts val="500"/>
         </a:spcBef>
-        <a:buFont typeface="Arial" panose="020B0604020202020204" pitchFamily="34" charset="0"/>
+        <a:buFont typeface="Arial" panose="020B0604020202090204" pitchFamily="34" charset="0"/>
         <a:buChar char="•"/>
         <a:defRPr sz="2400" kern="1200">
           <a:solidFill>
@@ -4367,7 +4364,7 @@
         <a:spcBef>
           <a:spcPts val="500"/>
         </a:spcBef>
-        <a:buFont typeface="Arial" panose="020B0604020202020204" pitchFamily="34" charset="0"/>
+        <a:buFont typeface="Arial" panose="020B0604020202090204" pitchFamily="34" charset="0"/>
         <a:buChar char="•"/>
         <a:defRPr sz="2000" kern="1200">
           <a:solidFill>
@@ -4385,7 +4382,7 @@
         <a:spcBef>
           <a:spcPts val="500"/>
         </a:spcBef>
-        <a:buFont typeface="Arial" panose="020B0604020202020204" pitchFamily="34" charset="0"/>
+        <a:buFont typeface="Arial" panose="020B0604020202090204" pitchFamily="34" charset="0"/>
         <a:buChar char="•"/>
         <a:defRPr sz="1800" kern="1200">
           <a:solidFill>
@@ -4403,7 +4400,7 @@
         <a:spcBef>
           <a:spcPts val="500"/>
         </a:spcBef>
-        <a:buFont typeface="Arial" panose="020B0604020202020204" pitchFamily="34" charset="0"/>
+        <a:buFont typeface="Arial" panose="020B0604020202090204" pitchFamily="34" charset="0"/>
         <a:buChar char="•"/>
         <a:defRPr sz="1800" kern="1200">
           <a:solidFill>
@@ -4421,7 +4418,7 @@
         <a:spcBef>
           <a:spcPts val="500"/>
         </a:spcBef>
-        <a:buFont typeface="Arial" panose="020B0604020202020204" pitchFamily="34" charset="0"/>
+        <a:buFont typeface="Arial" panose="020B0604020202090204" pitchFamily="34" charset="0"/>
         <a:buChar char="•"/>
         <a:defRPr sz="1800" kern="1200">
           <a:solidFill>
@@ -4439,7 +4436,7 @@
         <a:spcBef>
           <a:spcPts val="500"/>
         </a:spcBef>
-        <a:buFont typeface="Arial" panose="020B0604020202020204" pitchFamily="34" charset="0"/>
+        <a:buFont typeface="Arial" panose="020B0604020202090204" pitchFamily="34" charset="0"/>
         <a:buChar char="•"/>
         <a:defRPr sz="1800" kern="1200">
           <a:solidFill>
@@ -4457,7 +4454,7 @@
         <a:spcBef>
           <a:spcPts val="500"/>
         </a:spcBef>
-        <a:buFont typeface="Arial" panose="020B0604020202020204" pitchFamily="34" charset="0"/>
+        <a:buFont typeface="Arial" panose="020B0604020202090204" pitchFamily="34" charset="0"/>
         <a:buChar char="•"/>
         <a:defRPr sz="1800" kern="1200">
           <a:solidFill>
@@ -4475,7 +4472,7 @@
         <a:spcBef>
           <a:spcPts val="500"/>
         </a:spcBef>
-        <a:buFont typeface="Arial" panose="020B0604020202020204" pitchFamily="34" charset="0"/>
+        <a:buFont typeface="Arial" panose="020B0604020202090204" pitchFamily="34" charset="0"/>
         <a:buChar char="•"/>
         <a:defRPr sz="1800" kern="1200">
           <a:solidFill>
@@ -4630,7 +4627,7 @@
               <a:spcBef>
                 <a:spcPts val="1000"/>
               </a:spcBef>
-              <a:buFont typeface="Arial" panose="020B0604020202020204" pitchFamily="34" charset="0"/>
+              <a:buFont typeface="Arial" panose="020B0604020202090204" pitchFamily="34" charset="0"/>
               <a:buChar char="•"/>
               <a:defRPr sz="3200" b="0" i="0" kern="1200" spc="64">
                 <a:solidFill>
@@ -4649,7 +4646,7 @@
               <a:spcBef>
                 <a:spcPts val="500"/>
               </a:spcBef>
-              <a:buFont typeface="Arial" panose="020B0604020202020204" pitchFamily="34" charset="0"/>
+              <a:buFont typeface="Arial" panose="020B0604020202090204" pitchFamily="34" charset="0"/>
               <a:buChar char="•"/>
               <a:defRPr sz="2400" kern="1200">
                 <a:solidFill>
@@ -4667,7 +4664,7 @@
               <a:spcBef>
                 <a:spcPts val="500"/>
               </a:spcBef>
-              <a:buFont typeface="Arial" panose="020B0604020202020204" pitchFamily="34" charset="0"/>
+              <a:buFont typeface="Arial" panose="020B0604020202090204" pitchFamily="34" charset="0"/>
               <a:buChar char="•"/>
               <a:defRPr sz="2000" kern="1200">
                 <a:solidFill>
@@ -4685,7 +4682,7 @@
               <a:spcBef>
                 <a:spcPts val="500"/>
               </a:spcBef>
-              <a:buFont typeface="Arial" panose="020B0604020202020204" pitchFamily="34" charset="0"/>
+              <a:buFont typeface="Arial" panose="020B0604020202090204" pitchFamily="34" charset="0"/>
               <a:buChar char="•"/>
               <a:defRPr sz="1800" kern="1200">
                 <a:solidFill>
@@ -4703,7 +4700,7 @@
               <a:spcBef>
                 <a:spcPts val="500"/>
               </a:spcBef>
-              <a:buFont typeface="Arial" panose="020B0604020202020204" pitchFamily="34" charset="0"/>
+              <a:buFont typeface="Arial" panose="020B0604020202090204" pitchFamily="34" charset="0"/>
               <a:buChar char="•"/>
               <a:defRPr sz="1800" kern="1200">
                 <a:solidFill>
@@ -4721,7 +4718,7 @@
               <a:spcBef>
                 <a:spcPts val="500"/>
               </a:spcBef>
-              <a:buFont typeface="Arial" panose="020B0604020202020204" pitchFamily="34" charset="0"/>
+              <a:buFont typeface="Arial" panose="020B0604020202090204" pitchFamily="34" charset="0"/>
               <a:buChar char="•"/>
               <a:defRPr sz="1800" kern="1200">
                 <a:solidFill>
@@ -4739,7 +4736,7 @@
               <a:spcBef>
                 <a:spcPts val="500"/>
               </a:spcBef>
-              <a:buFont typeface="Arial" panose="020B0604020202020204" pitchFamily="34" charset="0"/>
+              <a:buFont typeface="Arial" panose="020B0604020202090204" pitchFamily="34" charset="0"/>
               <a:buChar char="•"/>
               <a:defRPr sz="1800" kern="1200">
                 <a:solidFill>
@@ -4757,7 +4754,7 @@
               <a:spcBef>
                 <a:spcPts val="500"/>
               </a:spcBef>
-              <a:buFont typeface="Arial" panose="020B0604020202020204" pitchFamily="34" charset="0"/>
+              <a:buFont typeface="Arial" panose="020B0604020202090204" pitchFamily="34" charset="0"/>
               <a:buChar char="•"/>
               <a:defRPr sz="1800" kern="1200">
                 <a:solidFill>
@@ -4775,7 +4772,7 @@
               <a:spcBef>
                 <a:spcPts val="500"/>
               </a:spcBef>
-              <a:buFont typeface="Arial" panose="020B0604020202020204" pitchFamily="34" charset="0"/>
+              <a:buFont typeface="Arial" panose="020B0604020202090204" pitchFamily="34" charset="0"/>
               <a:buChar char="•"/>
               <a:defRPr sz="1800" kern="1200">
                 <a:solidFill>
@@ -5616,78 +5613,137 @@
           <a:lstStyle/>
           <a:p>
             <a:r>
-              <a:rPr kumimoji="1" lang="zh-CN" altLang="en-US"/>
-              <a:t>import java.net.URL;</a:t>
+              <a:rPr kumimoji="1" lang="en-US" altLang="zh-CN">
+                <a:sym typeface="+mn-ea"/>
+              </a:rPr>
+              <a:t>// C code below</a:t>
+            </a:r>
+            <a:endParaRPr kumimoji="1" lang="zh-CN" altLang="en-US">
+              <a:sym typeface="+mn-ea"/>
+            </a:endParaRPr>
+          </a:p>
+          <a:p>
+            <a:r>
+              <a:rPr kumimoji="1" lang="zh-CN" altLang="en-US">
+                <a:sym typeface="+mn-ea"/>
+              </a:rPr>
+              <a:t>#include &lt;jni.h&gt;</a:t>
             </a:r>
             <a:endParaRPr kumimoji="1" lang="zh-CN" altLang="en-US"/>
           </a:p>
           <a:p>
             <a:r>
-              <a:rPr kumimoji="1" lang="zh-CN" altLang="en-US"/>
-              <a:t>public class Main {</a:t>
+              <a:rPr kumimoji="1" lang="zh-CN" altLang="en-US">
+                <a:sym typeface="+mn-ea"/>
+              </a:rPr>
+              <a:t>#include &lt;jni_md.h&gt;</a:t>
             </a:r>
             <a:endParaRPr kumimoji="1" lang="zh-CN" altLang="en-US"/>
           </a:p>
           <a:p>
             <a:r>
-              <a:rPr kumimoji="1" lang="zh-CN" altLang="en-US"/>
-              <a:t>    static {</a:t>
-            </a:r>
-            <a:r>
-              <a:rPr kumimoji="1" lang="en-US" altLang="zh-CN"/>
-              <a:t>    final </a:t>
-            </a:r>
-            <a:r>
-              <a:rPr kumimoji="1" lang="zh-CN" altLang="en-US"/>
-              <a:t>URL url = Main.class.getResource("jni.dylib");</a:t>
+              <a:rPr kumimoji="1" lang="zh-CN" altLang="en-US">
+                <a:sym typeface="+mn-ea"/>
+              </a:rPr>
+              <a:t>#include &lt;jvmti.h&gt;</a:t>
             </a:r>
             <a:endParaRPr kumimoji="1" lang="zh-CN" altLang="en-US"/>
           </a:p>
           <a:p>
             <a:r>
-              <a:rPr kumimoji="1" lang="zh-CN" altLang="en-US"/>
-              <a:t>        System.load(url.getPath());</a:t>
+              <a:rPr kumimoji="1" lang="zh-CN" altLang="en-US">
+                <a:sym typeface="+mn-ea"/>
+              </a:rPr>
+              <a:t>#include "Main.h"</a:t>
             </a:r>
             <a:endParaRPr kumimoji="1" lang="zh-CN" altLang="en-US"/>
           </a:p>
           <a:p>
             <a:r>
-              <a:rPr kumimoji="1" lang="zh-CN" altLang="en-US"/>
-              <a:t>    }</a:t>
+              <a:rPr kumimoji="1" lang="zh-CN" altLang="en-US">
+                <a:sym typeface="+mn-ea"/>
+              </a:rPr>
+              <a:t>JNIEXPORT jstring JNICALL </a:t>
             </a:r>
             <a:endParaRPr kumimoji="1" lang="zh-CN" altLang="en-US"/>
           </a:p>
           <a:p>
             <a:r>
-              <a:rPr kumimoji="1" lang="zh-CN" altLang="en-US"/>
-              <a:t>    public static native String helloJni();</a:t>
+              <a:rPr kumimoji="1" lang="zh-CN" altLang="en-US">
+                <a:sym typeface="+mn-ea"/>
+              </a:rPr>
+              <a:t>Java_Main_helloJni</a:t>
+            </a:r>
+            <a:r>
+              <a:rPr kumimoji="1" lang="en-US" altLang="zh-CN">
+                <a:sym typeface="+mn-ea"/>
+              </a:rPr>
+              <a:t> </a:t>
+            </a:r>
+            <a:r>
+              <a:rPr kumimoji="1" lang="zh-CN" altLang="en-US">
+                <a:sym typeface="+mn-ea"/>
+              </a:rPr>
+              <a:t>(JNIEnv *env, </a:t>
             </a:r>
             <a:endParaRPr kumimoji="1" lang="zh-CN" altLang="en-US"/>
           </a:p>
           <a:p>
             <a:r>
-              <a:rPr kumimoji="1" lang="zh-CN" altLang="en-US"/>
-              <a:t>    public static void main(String[] args) {</a:t>
+              <a:rPr kumimoji="1" lang="zh-CN" altLang="en-US">
+                <a:sym typeface="+mn-ea"/>
+              </a:rPr>
+              <a:t> </a:t>
+            </a:r>
+            <a:r>
+              <a:rPr kumimoji="1" lang="en-US" altLang="zh-CN">
+                <a:sym typeface="+mn-ea"/>
+              </a:rPr>
+              <a:t>   </a:t>
+            </a:r>
+            <a:r>
+              <a:rPr kumimoji="1" lang="zh-CN" altLang="en-US">
+                <a:sym typeface="+mn-ea"/>
+              </a:rPr>
+              <a:t>jclass klass) {</a:t>
             </a:r>
             <a:endParaRPr kumimoji="1" lang="zh-CN" altLang="en-US"/>
           </a:p>
           <a:p>
             <a:r>
-              <a:rPr kumimoji="1" lang="zh-CN" altLang="en-US"/>
-              <a:t>        System.out.println(helloJni());</a:t>
+              <a:rPr kumimoji="1" lang="zh-CN" altLang="en-US">
+                <a:sym typeface="+mn-ea"/>
+              </a:rPr>
+              <a:t>    return env-&gt;</a:t>
             </a:r>
             <a:endParaRPr kumimoji="1" lang="zh-CN" altLang="en-US"/>
           </a:p>
           <a:p>
             <a:r>
-              <a:rPr kumimoji="1" lang="zh-CN" altLang="en-US"/>
-              <a:t>    }</a:t>
+              <a:rPr kumimoji="1" lang="zh-CN" altLang="en-US">
+                <a:sym typeface="+mn-ea"/>
+              </a:rPr>
+              <a:t> </a:t>
+            </a:r>
+            <a:r>
+              <a:rPr kumimoji="1" lang="en-US" altLang="zh-CN">
+                <a:sym typeface="+mn-ea"/>
+              </a:rPr>
+              <a:t>       </a:t>
+            </a:r>
+            <a:r>
+              <a:rPr kumimoji="1" lang="zh-CN" altLang="en-US">
+                <a:sym typeface="+mn-ea"/>
+              </a:rPr>
+              <a:t>NewStringUTF("Hello JNI");</a:t>
             </a:r>
             <a:endParaRPr kumimoji="1" lang="zh-CN" altLang="en-US"/>
           </a:p>
           <a:p>
             <a:r>
-              <a:rPr kumimoji="1" lang="zh-CN" altLang="en-US"/>
+              <a:rPr kumimoji="1" lang="zh-CN" altLang="en-US">
+                <a:sym typeface="+mn-ea"/>
+              </a:rPr>
               <a:t>}</a:t>
             </a:r>
             <a:endParaRPr kumimoji="1" lang="zh-CN" altLang="en-US"/>
@@ -5721,7 +5777,7 @@
               <a:spcBef>
                 <a:spcPts val="1000"/>
               </a:spcBef>
-              <a:buFont typeface="Arial" panose="020B0604020202020204" pitchFamily="34" charset="0"/>
+              <a:buFont typeface="Arial" panose="020B0604020202090204" pitchFamily="34" charset="0"/>
               <a:buNone/>
               <a:defRPr sz="4400" b="0" i="0" kern="1200">
                 <a:solidFill>
@@ -5740,7 +5796,7 @@
               <a:spcBef>
                 <a:spcPts val="500"/>
               </a:spcBef>
-              <a:buFont typeface="Arial" panose="020B0604020202020204" pitchFamily="34" charset="0"/>
+              <a:buFont typeface="Arial" panose="020B0604020202090204" pitchFamily="34" charset="0"/>
               <a:buChar char="•"/>
               <a:defRPr sz="2400" kern="1200">
                 <a:solidFill>
@@ -5758,7 +5814,7 @@
               <a:spcBef>
                 <a:spcPts val="500"/>
               </a:spcBef>
-              <a:buFont typeface="Arial" panose="020B0604020202020204" pitchFamily="34" charset="0"/>
+              <a:buFont typeface="Arial" panose="020B0604020202090204" pitchFamily="34" charset="0"/>
               <a:buChar char="•"/>
               <a:defRPr sz="2000" kern="1200">
                 <a:solidFill>
@@ -5776,7 +5832,7 @@
               <a:spcBef>
                 <a:spcPts val="500"/>
               </a:spcBef>
-              <a:buFont typeface="Arial" panose="020B0604020202020204" pitchFamily="34" charset="0"/>
+              <a:buFont typeface="Arial" panose="020B0604020202090204" pitchFamily="34" charset="0"/>
               <a:buChar char="•"/>
               <a:defRPr sz="1800" kern="1200">
                 <a:solidFill>
@@ -5794,7 +5850,7 @@
               <a:spcBef>
                 <a:spcPts val="500"/>
               </a:spcBef>
-              <a:buFont typeface="Arial" panose="020B0604020202020204" pitchFamily="34" charset="0"/>
+              <a:buFont typeface="Arial" panose="020B0604020202090204" pitchFamily="34" charset="0"/>
               <a:buChar char="•"/>
               <a:defRPr sz="1800" kern="1200">
                 <a:solidFill>
@@ -5812,7 +5868,7 @@
               <a:spcBef>
                 <a:spcPts val="500"/>
               </a:spcBef>
-              <a:buFont typeface="Arial" panose="020B0604020202020204" pitchFamily="34" charset="0"/>
+              <a:buFont typeface="Arial" panose="020B0604020202090204" pitchFamily="34" charset="0"/>
               <a:buChar char="•"/>
               <a:defRPr sz="1800" kern="1200">
                 <a:solidFill>
@@ -5830,7 +5886,7 @@
               <a:spcBef>
                 <a:spcPts val="500"/>
               </a:spcBef>
-              <a:buFont typeface="Arial" panose="020B0604020202020204" pitchFamily="34" charset="0"/>
+              <a:buFont typeface="Arial" panose="020B0604020202090204" pitchFamily="34" charset="0"/>
               <a:buChar char="•"/>
               <a:defRPr sz="1800" kern="1200">
                 <a:solidFill>
@@ -5848,7 +5904,7 @@
               <a:spcBef>
                 <a:spcPts val="500"/>
               </a:spcBef>
-              <a:buFont typeface="Arial" panose="020B0604020202020204" pitchFamily="34" charset="0"/>
+              <a:buFont typeface="Arial" panose="020B0604020202090204" pitchFamily="34" charset="0"/>
               <a:buChar char="•"/>
               <a:defRPr sz="1800" kern="1200">
                 <a:solidFill>
@@ -5866,7 +5922,7 @@
               <a:spcBef>
                 <a:spcPts val="500"/>
               </a:spcBef>
-              <a:buFont typeface="Arial" panose="020B0604020202020204" pitchFamily="34" charset="0"/>
+              <a:buFont typeface="Arial" panose="020B0604020202090204" pitchFamily="34" charset="0"/>
               <a:buChar char="•"/>
               <a:defRPr sz="1800" kern="1200">
                 <a:solidFill>
@@ -5881,102 +5937,46 @@
           <a:p>
             <a:r>
               <a:rPr kumimoji="1" lang="en-US" altLang="zh-CN"/>
-              <a:t>// C code below</a:t>
-            </a:r>
+              <a:t>// generate the dynamic link library by g++ in macos</a:t>
+            </a:r>
+            <a:endParaRPr kumimoji="1" lang="en-US" altLang="zh-CN"/>
+          </a:p>
+          <a:p>
             <a:endParaRPr kumimoji="1" lang="zh-CN" altLang="en-US"/>
           </a:p>
           <a:p>
             <a:r>
               <a:rPr kumimoji="1" lang="zh-CN" altLang="en-US"/>
-              <a:t>#include &lt;jni.h&gt;</a:t>
+              <a:t>g++ -I ${JAVA_HOME}/include</a:t>
             </a:r>
             <a:endParaRPr kumimoji="1" lang="zh-CN" altLang="en-US"/>
           </a:p>
           <a:p>
             <a:r>
               <a:rPr kumimoji="1" lang="zh-CN" altLang="en-US"/>
-              <a:t>#include &lt;jni_md.h&gt;</a:t>
+              <a:t>-I </a:t>
+            </a:r>
+            <a:r>
+              <a:rPr kumimoji="1" lang="en-US" altLang="zh-CN"/>
+              <a:t>${</a:t>
+            </a:r>
+            <a:r>
+              <a:rPr kumimoji="1" lang="en-US" altLang="zh-CN">
+                <a:sym typeface="+mn-ea"/>
+              </a:rPr>
+              <a:t>Main.h</a:t>
+            </a:r>
+            <a:r>
+              <a:rPr kumimoji="1" lang="en-US" altLang="zh-CN"/>
+              <a:t>}</a:t>
+            </a:r>
+            <a:r>
+              <a:rPr kumimoji="1" lang="zh-CN" altLang="en-US"/>
+              <a:t> MainImpl.c -m64 -fPIC -shared -o jni.dylib</a:t>
             </a:r>
             <a:endParaRPr kumimoji="1" lang="zh-CN" altLang="en-US"/>
           </a:p>
           <a:p>
-            <a:r>
-              <a:rPr kumimoji="1" lang="zh-CN" altLang="en-US"/>
-              <a:t>#include &lt;jvmti.h&gt;</a:t>
-            </a:r>
-            <a:endParaRPr kumimoji="1" lang="zh-CN" altLang="en-US"/>
-          </a:p>
-          <a:p>
-            <a:r>
-              <a:rPr kumimoji="1" lang="zh-CN" altLang="en-US"/>
-              <a:t>#include "Main.h"</a:t>
-            </a:r>
-            <a:endParaRPr kumimoji="1" lang="zh-CN" altLang="en-US"/>
-          </a:p>
-          <a:p>
-            <a:r>
-              <a:rPr kumimoji="1" lang="zh-CN" altLang="en-US"/>
-              <a:t>JNIEXPORT jstring JNICALL </a:t>
-            </a:r>
-            <a:endParaRPr kumimoji="1" lang="zh-CN" altLang="en-US"/>
-          </a:p>
-          <a:p>
-            <a:r>
-              <a:rPr kumimoji="1" lang="zh-CN" altLang="en-US"/>
-              <a:t>Java_Main_helloJni</a:t>
-            </a:r>
-            <a:r>
-              <a:rPr kumimoji="1" lang="en-US" altLang="zh-CN"/>
-              <a:t> </a:t>
-            </a:r>
-            <a:r>
-              <a:rPr kumimoji="1" lang="zh-CN" altLang="en-US"/>
-              <a:t>(JNIEnv *env, </a:t>
-            </a:r>
-            <a:endParaRPr kumimoji="1" lang="zh-CN" altLang="en-US"/>
-          </a:p>
-          <a:p>
-            <a:r>
-              <a:rPr kumimoji="1" lang="zh-CN" altLang="en-US"/>
-              <a:t> </a:t>
-            </a:r>
-            <a:r>
-              <a:rPr kumimoji="1" lang="en-US" altLang="zh-CN"/>
-              <a:t>   </a:t>
-            </a:r>
-            <a:r>
-              <a:rPr kumimoji="1" lang="zh-CN" altLang="en-US"/>
-              <a:t>jclass klass) {</a:t>
-            </a:r>
-            <a:endParaRPr kumimoji="1" lang="zh-CN" altLang="en-US"/>
-          </a:p>
-          <a:p>
-            <a:r>
-              <a:rPr kumimoji="1" lang="zh-CN" altLang="en-US"/>
-              <a:t>    return env-&gt;</a:t>
-            </a:r>
-            <a:endParaRPr kumimoji="1" lang="zh-CN" altLang="en-US"/>
-          </a:p>
-          <a:p>
-            <a:r>
-              <a:rPr kumimoji="1" lang="zh-CN" altLang="en-US"/>
-              <a:t> </a:t>
-            </a:r>
-            <a:r>
-              <a:rPr kumimoji="1" lang="en-US" altLang="zh-CN"/>
-              <a:t>       </a:t>
-            </a:r>
-            <a:r>
-              <a:rPr kumimoji="1" lang="zh-CN" altLang="en-US"/>
-              <a:t>NewStringUTF("Hello JNI");</a:t>
-            </a:r>
-            <a:endParaRPr kumimoji="1" lang="zh-CN" altLang="en-US"/>
-          </a:p>
-          <a:p>
-            <a:r>
-              <a:rPr kumimoji="1" lang="zh-CN" altLang="en-US"/>
-              <a:t>}</a:t>
-            </a:r>
             <a:endParaRPr kumimoji="1" lang="zh-CN" altLang="en-US"/>
           </a:p>
         </p:txBody>
@@ -6030,43 +6030,123 @@
             <p:ph type="body" sz="quarter" idx="21"/>
           </p:nvPr>
         </p:nvSpPr>
-        <p:spPr/>
+        <p:spPr>
+          <a:xfrm>
+            <a:off x="1420495" y="1397000"/>
+            <a:ext cx="10434320" cy="1231900"/>
+          </a:xfrm>
+        </p:spPr>
         <p:txBody>
           <a:bodyPr/>
           <a:lstStyle/>
           <a:p>
             <a:r>
               <a:rPr kumimoji="1" lang="en-US" altLang="zh-CN"/>
-              <a:t>Dynamic Link Library</a:t>
+              <a:t>Dynamic Link Library Example</a:t>
             </a:r>
             <a:endParaRPr kumimoji="1" lang="en-US" altLang="zh-CN"/>
           </a:p>
         </p:txBody>
       </p:sp>
-      <p:pic>
-        <p:nvPicPr>
-          <p:cNvPr id="4" name="Picture 3" descr="opendal"/>
-          <p:cNvPicPr>
-            <a:picLocks noChangeAspect="1"/>
-          </p:cNvPicPr>
-          <p:nvPr/>
-        </p:nvPicPr>
-        <p:blipFill>
-          <a:blip r:embed="rId2"/>
-          <a:stretch>
-            <a:fillRect/>
-          </a:stretch>
-        </p:blipFill>
+      <p:sp>
+        <p:nvSpPr>
+          <p:cNvPr id="3" name="文本占位符 2"/>
+          <p:cNvSpPr>
+            <a:spLocks noGrp="1"/>
+          </p:cNvSpPr>
+          <p:nvPr>
+            <p:ph type="body" sz="quarter" idx="22"/>
+          </p:nvPr>
+        </p:nvSpPr>
         <p:spPr>
           <a:xfrm>
             <a:off x="1420495" y="2628900"/>
-            <a:ext cx="13385165" cy="9062720"/>
+            <a:ext cx="10791825" cy="7200265"/>
           </a:xfrm>
-          <a:prstGeom prst="rect">
-            <a:avLst/>
-          </a:prstGeom>
         </p:spPr>
-      </p:pic>
+        <p:txBody>
+          <a:bodyPr/>
+          <a:lstStyle/>
+          <a:p>
+            <a:r>
+              <a:rPr kumimoji="1" lang="zh-CN" altLang="en-US"/>
+              <a:t>import java.net.URL;</a:t>
+            </a:r>
+            <a:endParaRPr kumimoji="1" lang="zh-CN" altLang="en-US"/>
+          </a:p>
+          <a:p>
+            <a:r>
+              <a:rPr kumimoji="1" lang="zh-CN" altLang="en-US"/>
+              <a:t>public class Main {</a:t>
+            </a:r>
+            <a:endParaRPr kumimoji="1" lang="zh-CN" altLang="en-US"/>
+          </a:p>
+          <a:p>
+            <a:r>
+              <a:rPr kumimoji="1" lang="zh-CN" altLang="en-US"/>
+              <a:t>    static {</a:t>
+            </a:r>
+            <a:r>
+              <a:rPr kumimoji="1" lang="en-US" altLang="zh-CN"/>
+              <a:t>    final </a:t>
+            </a:r>
+            <a:r>
+              <a:rPr kumimoji="1" lang="zh-CN" altLang="en-US"/>
+              <a:t>URL url = Main.class.getResource("jni.dylib");</a:t>
+            </a:r>
+            <a:endParaRPr kumimoji="1" lang="zh-CN" altLang="en-US"/>
+          </a:p>
+          <a:p>
+            <a:r>
+              <a:rPr kumimoji="1" lang="zh-CN" altLang="en-US"/>
+              <a:t>        System.load(url.getPath());</a:t>
+            </a:r>
+            <a:endParaRPr kumimoji="1" lang="zh-CN" altLang="en-US"/>
+          </a:p>
+          <a:p>
+            <a:r>
+              <a:rPr kumimoji="1" lang="zh-CN" altLang="en-US"/>
+              <a:t>    }</a:t>
+            </a:r>
+            <a:endParaRPr kumimoji="1" lang="zh-CN" altLang="en-US"/>
+          </a:p>
+          <a:p>
+            <a:r>
+              <a:rPr kumimoji="1" lang="zh-CN" altLang="en-US"/>
+              <a:t>    public static native String helloJni();</a:t>
+            </a:r>
+            <a:endParaRPr kumimoji="1" lang="zh-CN" altLang="en-US"/>
+          </a:p>
+          <a:p>
+            <a:r>
+              <a:rPr kumimoji="1" lang="zh-CN" altLang="en-US"/>
+              <a:t>    public static void main(String[] args) {</a:t>
+            </a:r>
+            <a:endParaRPr kumimoji="1" lang="zh-CN" altLang="en-US"/>
+          </a:p>
+          <a:p>
+            <a:r>
+              <a:rPr kumimoji="1" lang="zh-CN" altLang="en-US"/>
+              <a:t>        System.out.println(helloJni());</a:t>
+            </a:r>
+            <a:endParaRPr kumimoji="1" lang="zh-CN" altLang="en-US"/>
+          </a:p>
+          <a:p>
+            <a:r>
+              <a:rPr kumimoji="1" lang="zh-CN" altLang="en-US"/>
+              <a:t>    }</a:t>
+            </a:r>
+            <a:endParaRPr kumimoji="1" lang="zh-CN" altLang="en-US"/>
+          </a:p>
+          <a:p>
+            <a:r>
+              <a:rPr kumimoji="1" lang="zh-CN" altLang="en-US"/>
+              <a:t>}</a:t>
+            </a:r>
+            <a:endParaRPr kumimoji="1" lang="zh-CN" altLang="en-US"/>
+          </a:p>
+        </p:txBody>
+      </p:sp>
       <p:sp>
         <p:nvSpPr>
           <p:cNvPr id="6" name="文本占位符 2"/>
@@ -6077,8 +6157,8 @@
         </p:nvSpPr>
         <p:spPr>
           <a:xfrm>
-            <a:off x="14805660" y="3236595"/>
-            <a:ext cx="7101205" cy="7200265"/>
+            <a:off x="12696825" y="2628900"/>
+            <a:ext cx="9244965" cy="7200265"/>
           </a:xfrm>
           <a:prstGeom prst="rect">
             <a:avLst/>
@@ -6094,7 +6174,7 @@
               <a:spcBef>
                 <a:spcPts val="1000"/>
               </a:spcBef>
-              <a:buFont typeface="Arial" panose="020B0604020202020204" pitchFamily="34" charset="0"/>
+              <a:buFont typeface="Arial" panose="020B0604020202090204" pitchFamily="34" charset="0"/>
               <a:buNone/>
               <a:defRPr sz="4400" b="0" i="0" kern="1200">
                 <a:solidFill>
@@ -6113,7 +6193,7 @@
               <a:spcBef>
                 <a:spcPts val="500"/>
               </a:spcBef>
-              <a:buFont typeface="Arial" panose="020B0604020202020204" pitchFamily="34" charset="0"/>
+              <a:buFont typeface="Arial" panose="020B0604020202090204" pitchFamily="34" charset="0"/>
               <a:buChar char="•"/>
               <a:defRPr sz="2400" kern="1200">
                 <a:solidFill>
@@ -6131,7 +6211,7 @@
               <a:spcBef>
                 <a:spcPts val="500"/>
               </a:spcBef>
-              <a:buFont typeface="Arial" panose="020B0604020202020204" pitchFamily="34" charset="0"/>
+              <a:buFont typeface="Arial" panose="020B0604020202090204" pitchFamily="34" charset="0"/>
               <a:buChar char="•"/>
               <a:defRPr sz="2000" kern="1200">
                 <a:solidFill>
@@ -6149,7 +6229,7 @@
               <a:spcBef>
                 <a:spcPts val="500"/>
               </a:spcBef>
-              <a:buFont typeface="Arial" panose="020B0604020202020204" pitchFamily="34" charset="0"/>
+              <a:buFont typeface="Arial" panose="020B0604020202090204" pitchFamily="34" charset="0"/>
               <a:buChar char="•"/>
               <a:defRPr sz="1800" kern="1200">
                 <a:solidFill>
@@ -6167,7 +6247,7 @@
               <a:spcBef>
                 <a:spcPts val="500"/>
               </a:spcBef>
-              <a:buFont typeface="Arial" panose="020B0604020202020204" pitchFamily="34" charset="0"/>
+              <a:buFont typeface="Arial" panose="020B0604020202090204" pitchFamily="34" charset="0"/>
               <a:buChar char="•"/>
               <a:defRPr sz="1800" kern="1200">
                 <a:solidFill>
@@ -6185,7 +6265,7 @@
               <a:spcBef>
                 <a:spcPts val="500"/>
               </a:spcBef>
-              <a:buFont typeface="Arial" panose="020B0604020202020204" pitchFamily="34" charset="0"/>
+              <a:buFont typeface="Arial" panose="020B0604020202090204" pitchFamily="34" charset="0"/>
               <a:buChar char="•"/>
               <a:defRPr sz="1800" kern="1200">
                 <a:solidFill>
@@ -6203,7 +6283,7 @@
               <a:spcBef>
                 <a:spcPts val="500"/>
               </a:spcBef>
-              <a:buFont typeface="Arial" panose="020B0604020202020204" pitchFamily="34" charset="0"/>
+              <a:buFont typeface="Arial" panose="020B0604020202090204" pitchFamily="34" charset="0"/>
               <a:buChar char="•"/>
               <a:defRPr sz="1800" kern="1200">
                 <a:solidFill>
@@ -6221,7 +6301,7 @@
               <a:spcBef>
                 <a:spcPts val="500"/>
               </a:spcBef>
-              <a:buFont typeface="Arial" panose="020B0604020202020204" pitchFamily="34" charset="0"/>
+              <a:buFont typeface="Arial" panose="020B0604020202090204" pitchFamily="34" charset="0"/>
               <a:buChar char="•"/>
               <a:defRPr sz="1800" kern="1200">
                 <a:solidFill>
@@ -6239,7 +6319,7 @@
               <a:spcBef>
                 <a:spcPts val="500"/>
               </a:spcBef>
-              <a:buFont typeface="Arial" panose="020B0604020202020204" pitchFamily="34" charset="0"/>
+              <a:buFont typeface="Arial" panose="020B0604020202090204" pitchFamily="34" charset="0"/>
               <a:buChar char="•"/>
               <a:defRPr sz="1800" kern="1200">
                 <a:solidFill>
@@ -6253,30 +6333,13 @@
           </a:lstStyle>
           <a:p>
             <a:r>
-              <a:rPr kumimoji="1" lang="en-US"/>
-              <a:t>The low-level code needs to ensure compatibility(OS &amp; CPU);</a:t>
-            </a:r>
-            <a:endParaRPr kumimoji="1" lang="en-US"/>
-          </a:p>
-          <a:p>
-            <a:endParaRPr kumimoji="1" lang="en-US"/>
-          </a:p>
-          <a:p>
-            <a:r>
-              <a:rPr kumimoji="1" lang="en-US"/>
-              <a:t>Each supported language is </a:t>
-            </a:r>
-            <a:r>
-              <a:rPr kumimoji="1" lang="en-US">
-                <a:sym typeface="+mn-ea"/>
-              </a:rPr>
-              <a:t>bound to .so/.dylib/.dll as the upper-level</a:t>
-            </a:r>
-            <a:r>
-              <a:rPr kumimoji="1" lang="en-US"/>
-              <a:t>;</a:t>
-            </a:r>
-            <a:endParaRPr kumimoji="1" lang="en-US"/>
+              <a:rPr kumimoji="1" lang="en-US" altLang="zh-CN"/>
+              <a:t>// project pic</a:t>
+            </a:r>
+            <a:endParaRPr kumimoji="1" lang="zh-CN" altLang="en-US"/>
+          </a:p>
+          <a:p>
+            <a:endParaRPr kumimoji="1" lang="zh-CN" altLang="en-US"/>
           </a:p>
         </p:txBody>
       </p:sp>
@@ -6342,100 +6405,240 @@
           </a:p>
         </p:txBody>
       </p:sp>
+      <p:pic>
+        <p:nvPicPr>
+          <p:cNvPr id="4" name="Picture 3" descr="opendal"/>
+          <p:cNvPicPr>
+            <a:picLocks noChangeAspect="1"/>
+          </p:cNvPicPr>
+          <p:nvPr/>
+        </p:nvPicPr>
+        <p:blipFill>
+          <a:blip r:embed="rId2"/>
+          <a:stretch>
+            <a:fillRect/>
+          </a:stretch>
+        </p:blipFill>
+        <p:spPr>
+          <a:xfrm>
+            <a:off x="1420495" y="2628900"/>
+            <a:ext cx="13385165" cy="9062720"/>
+          </a:xfrm>
+          <a:prstGeom prst="rect">
+            <a:avLst/>
+          </a:prstGeom>
+        </p:spPr>
+      </p:pic>
       <p:sp>
         <p:nvSpPr>
-          <p:cNvPr id="3" name="文本占位符 2"/>
+          <p:cNvPr id="6" name="文本占位符 2"/>
           <p:cNvSpPr>
             <a:spLocks noGrp="1"/>
           </p:cNvSpPr>
-          <p:nvPr>
-            <p:ph type="body" sz="quarter" idx="22"/>
-          </p:nvPr>
+          <p:nvPr/>
         </p:nvSpPr>
-        <p:spPr/>
+        <p:spPr>
+          <a:xfrm>
+            <a:off x="14805660" y="3236595"/>
+            <a:ext cx="7101205" cy="7200265"/>
+          </a:xfrm>
+          <a:prstGeom prst="rect">
+            <a:avLst/>
+          </a:prstGeom>
+        </p:spPr>
         <p:txBody>
           <a:bodyPr/>
-          <a:lstStyle/>
-          <a:p>
-            <a:r>
-              <a:rPr kumimoji="1" lang="en-US" altLang="zh-CN">
+          <a:lstStyle>
+            <a:lvl1pPr marL="0" indent="0" algn="l" defTabSz="2438400" rtl="0" eaLnBrk="1" latinLnBrk="0" hangingPunct="1">
+              <a:lnSpc>
+                <a:spcPct val="110000"/>
+              </a:lnSpc>
+              <a:spcBef>
+                <a:spcPts val="1000"/>
+              </a:spcBef>
+              <a:buFont typeface="Arial" panose="020B0604020202090204" pitchFamily="34" charset="0"/>
+              <a:buNone/>
+              <a:defRPr sz="4400" b="0" i="0" kern="1200">
+                <a:solidFill>
+                  <a:srgbClr val="FFFFFF"/>
+                </a:solidFill>
+                <a:latin typeface="OPPOSans R" pitchFamily="18" charset="-122"/>
+                <a:ea typeface="OPPOSans R" pitchFamily="18" charset="-122"/>
+                <a:cs typeface="OPPOSans R" pitchFamily="18" charset="-122"/>
+                <a:sym typeface="OPPOSans L"/>
+              </a:defRPr>
+            </a:lvl1pPr>
+            <a:lvl2pPr marL="685800" indent="-228600" algn="l" defTabSz="914400" rtl="0" eaLnBrk="1" latinLnBrk="0" hangingPunct="1">
+              <a:lnSpc>
+                <a:spcPct val="90000"/>
+              </a:lnSpc>
+              <a:spcBef>
+                <a:spcPts val="500"/>
+              </a:spcBef>
+              <a:buFont typeface="Arial" panose="020B0604020202090204" pitchFamily="34" charset="0"/>
+              <a:buChar char="•"/>
+              <a:defRPr sz="2400" kern="1200">
+                <a:solidFill>
+                  <a:schemeClr val="tx1"/>
+                </a:solidFill>
+                <a:latin typeface="+mn-lt"/>
+                <a:ea typeface="+mn-ea"/>
+                <a:cs typeface="+mn-cs"/>
+              </a:defRPr>
+            </a:lvl2pPr>
+            <a:lvl3pPr marL="1143000" indent="-228600" algn="l" defTabSz="914400" rtl="0" eaLnBrk="1" latinLnBrk="0" hangingPunct="1">
+              <a:lnSpc>
+                <a:spcPct val="90000"/>
+              </a:lnSpc>
+              <a:spcBef>
+                <a:spcPts val="500"/>
+              </a:spcBef>
+              <a:buFont typeface="Arial" panose="020B0604020202090204" pitchFamily="34" charset="0"/>
+              <a:buChar char="•"/>
+              <a:defRPr sz="2000" kern="1200">
+                <a:solidFill>
+                  <a:schemeClr val="tx1"/>
+                </a:solidFill>
+                <a:latin typeface="+mn-lt"/>
+                <a:ea typeface="+mn-ea"/>
+                <a:cs typeface="+mn-cs"/>
+              </a:defRPr>
+            </a:lvl3pPr>
+            <a:lvl4pPr marL="1600200" indent="-228600" algn="l" defTabSz="914400" rtl="0" eaLnBrk="1" latinLnBrk="0" hangingPunct="1">
+              <a:lnSpc>
+                <a:spcPct val="90000"/>
+              </a:lnSpc>
+              <a:spcBef>
+                <a:spcPts val="500"/>
+              </a:spcBef>
+              <a:buFont typeface="Arial" panose="020B0604020202090204" pitchFamily="34" charset="0"/>
+              <a:buChar char="•"/>
+              <a:defRPr sz="1800" kern="1200">
+                <a:solidFill>
+                  <a:schemeClr val="tx1"/>
+                </a:solidFill>
+                <a:latin typeface="+mn-lt"/>
+                <a:ea typeface="+mn-ea"/>
+                <a:cs typeface="+mn-cs"/>
+              </a:defRPr>
+            </a:lvl4pPr>
+            <a:lvl5pPr marL="2057400" indent="-228600" algn="l" defTabSz="914400" rtl="0" eaLnBrk="1" latinLnBrk="0" hangingPunct="1">
+              <a:lnSpc>
+                <a:spcPct val="90000"/>
+              </a:lnSpc>
+              <a:spcBef>
+                <a:spcPts val="500"/>
+              </a:spcBef>
+              <a:buFont typeface="Arial" panose="020B0604020202090204" pitchFamily="34" charset="0"/>
+              <a:buChar char="•"/>
+              <a:defRPr sz="1800" kern="1200">
+                <a:solidFill>
+                  <a:schemeClr val="tx1"/>
+                </a:solidFill>
+                <a:latin typeface="+mn-lt"/>
+                <a:ea typeface="+mn-ea"/>
+                <a:cs typeface="+mn-cs"/>
+              </a:defRPr>
+            </a:lvl5pPr>
+            <a:lvl6pPr marL="2514600" indent="-228600" algn="l" defTabSz="914400" rtl="0" eaLnBrk="1" latinLnBrk="0" hangingPunct="1">
+              <a:lnSpc>
+                <a:spcPct val="90000"/>
+              </a:lnSpc>
+              <a:spcBef>
+                <a:spcPts val="500"/>
+              </a:spcBef>
+              <a:buFont typeface="Arial" panose="020B0604020202090204" pitchFamily="34" charset="0"/>
+              <a:buChar char="•"/>
+              <a:defRPr sz="1800" kern="1200">
+                <a:solidFill>
+                  <a:schemeClr val="tx1"/>
+                </a:solidFill>
+                <a:latin typeface="+mn-lt"/>
+                <a:ea typeface="+mn-ea"/>
+                <a:cs typeface="+mn-cs"/>
+              </a:defRPr>
+            </a:lvl6pPr>
+            <a:lvl7pPr marL="2971800" indent="-228600" algn="l" defTabSz="914400" rtl="0" eaLnBrk="1" latinLnBrk="0" hangingPunct="1">
+              <a:lnSpc>
+                <a:spcPct val="90000"/>
+              </a:lnSpc>
+              <a:spcBef>
+                <a:spcPts val="500"/>
+              </a:spcBef>
+              <a:buFont typeface="Arial" panose="020B0604020202090204" pitchFamily="34" charset="0"/>
+              <a:buChar char="•"/>
+              <a:defRPr sz="1800" kern="1200">
+                <a:solidFill>
+                  <a:schemeClr val="tx1"/>
+                </a:solidFill>
+                <a:latin typeface="+mn-lt"/>
+                <a:ea typeface="+mn-ea"/>
+                <a:cs typeface="+mn-cs"/>
+              </a:defRPr>
+            </a:lvl7pPr>
+            <a:lvl8pPr marL="3429000" indent="-228600" algn="l" defTabSz="914400" rtl="0" eaLnBrk="1" latinLnBrk="0" hangingPunct="1">
+              <a:lnSpc>
+                <a:spcPct val="90000"/>
+              </a:lnSpc>
+              <a:spcBef>
+                <a:spcPts val="500"/>
+              </a:spcBef>
+              <a:buFont typeface="Arial" panose="020B0604020202090204" pitchFamily="34" charset="0"/>
+              <a:buChar char="•"/>
+              <a:defRPr sz="1800" kern="1200">
+                <a:solidFill>
+                  <a:schemeClr val="tx1"/>
+                </a:solidFill>
+                <a:latin typeface="+mn-lt"/>
+                <a:ea typeface="+mn-ea"/>
+                <a:cs typeface="+mn-cs"/>
+              </a:defRPr>
+            </a:lvl8pPr>
+            <a:lvl9pPr marL="3886200" indent="-228600" algn="l" defTabSz="914400" rtl="0" eaLnBrk="1" latinLnBrk="0" hangingPunct="1">
+              <a:lnSpc>
+                <a:spcPct val="90000"/>
+              </a:lnSpc>
+              <a:spcBef>
+                <a:spcPts val="500"/>
+              </a:spcBef>
+              <a:buFont typeface="Arial" panose="020B0604020202090204" pitchFamily="34" charset="0"/>
+              <a:buChar char="•"/>
+              <a:defRPr sz="1800" kern="1200">
+                <a:solidFill>
+                  <a:schemeClr val="tx1"/>
+                </a:solidFill>
+                <a:latin typeface="+mn-lt"/>
+                <a:ea typeface="+mn-ea"/>
+                <a:cs typeface="+mn-cs"/>
+              </a:defRPr>
+            </a:lvl9pPr>
+          </a:lstStyle>
+          <a:p>
+            <a:r>
+              <a:rPr kumimoji="1" lang="en-US"/>
+              <a:t>The low-level code needs to ensure compatibility(OS &amp; CPU);</a:t>
+            </a:r>
+            <a:endParaRPr kumimoji="1" lang="en-US"/>
+          </a:p>
+          <a:p>
+            <a:endParaRPr kumimoji="1" lang="en-US"/>
+          </a:p>
+          <a:p>
+            <a:r>
+              <a:rPr kumimoji="1" lang="en-US"/>
+              <a:t>Each supported language is </a:t>
+            </a:r>
+            <a:r>
+              <a:rPr kumimoji="1" lang="en-US">
                 <a:sym typeface="+mn-ea"/>
               </a:rPr>
-              <a:t>Example: https://github.com/apache/opendal</a:t>
-            </a:r>
-            <a:endParaRPr kumimoji="1" lang="en-US" altLang="zh-CN">
-              <a:sym typeface="+mn-ea"/>
-            </a:endParaRPr>
-          </a:p>
-          <a:p>
-            <a:r>
-              <a:rPr kumimoji="1" lang="en-US" altLang="zh-CN">
-                <a:sym typeface="+mn-ea"/>
-              </a:rPr>
-              <a:t>Workload: Middle</a:t>
-            </a:r>
-            <a:endParaRPr kumimoji="1" lang="en-US" altLang="zh-CN">
-              <a:sym typeface="+mn-ea"/>
-            </a:endParaRPr>
-          </a:p>
-          <a:p>
-            <a:r>
-              <a:rPr kumimoji="1" lang="en-US" altLang="zh-CN">
-                <a:sym typeface="+mn-ea"/>
-              </a:rPr>
-              <a:t>Difficulty: Hard, not only do you need to be familiar with cross platform development, but you also need to learn JNI knowledge in addition</a:t>
-            </a:r>
-            <a:endParaRPr kumimoji="1" lang="en-US" altLang="zh-CN">
-              <a:sym typeface="+mn-ea"/>
-            </a:endParaRPr>
-          </a:p>
-          <a:p>
-            <a:r>
-              <a:rPr kumimoji="1" lang="en-US" altLang="zh-CN">
-                <a:sym typeface="+mn-ea"/>
-              </a:rPr>
-              <a:t>Extention for new languages: </a:t>
-            </a:r>
-            <a:r>
-              <a:rPr kumimoji="1" lang="en-US" altLang="zh-CN">
-                <a:sym typeface="+mn-ea"/>
-              </a:rPr>
-              <a:t>Middle, need to encapsulate the dynamic link library for new languages</a:t>
-            </a:r>
-            <a:endParaRPr kumimoji="1" lang="en-US" altLang="zh-CN">
-              <a:sym typeface="+mn-ea"/>
-            </a:endParaRPr>
-          </a:p>
-          <a:p>
-            <a:r>
-              <a:rPr kumimoji="1" lang="en-US" altLang="zh-CN">
-                <a:sym typeface="+mn-ea"/>
-              </a:rPr>
-              <a:t>User friendliness: Good, there is a low probability of discovering that the CPU architecture or OS of your machine is not supported, but if it is, a disaster occurs</a:t>
-            </a:r>
-            <a:endParaRPr kumimoji="1" lang="en-US" altLang="zh-CN">
-              <a:sym typeface="+mn-ea"/>
-            </a:endParaRPr>
-          </a:p>
-          <a:p>
-            <a:r>
-              <a:rPr kumimoji="1" lang="en-US" altLang="zh-CN">
-                <a:sym typeface="+mn-ea"/>
-              </a:rPr>
-              <a:t>Performance: Great</a:t>
-            </a:r>
-            <a:endParaRPr kumimoji="1" lang="en-US" altLang="zh-CN">
-              <a:sym typeface="+mn-ea"/>
-            </a:endParaRPr>
-          </a:p>
-          <a:p>
-            <a:r>
-              <a:rPr kumimoji="1" lang="en-US" altLang="zh-CN">
-                <a:sym typeface="+mn-ea"/>
-              </a:rPr>
-              <a:t>Operation complexity: No</a:t>
-            </a:r>
-            <a:endParaRPr kumimoji="1" lang="zh-CN" altLang="en-US"/>
+              <a:t>bound to .so/.dylib/.dll as the upper-level</a:t>
+            </a:r>
+            <a:r>
+              <a:rPr kumimoji="1" lang="en-US"/>
+              <a:t>;</a:t>
+            </a:r>
+            <a:endParaRPr kumimoji="1" lang="en-US"/>
           </a:p>
         </p:txBody>
       </p:sp>
@@ -6488,19 +6691,14 @@
             <p:ph type="body" sz="quarter" idx="21"/>
           </p:nvPr>
         </p:nvSpPr>
-        <p:spPr>
-          <a:xfrm>
-            <a:off x="1420495" y="1397000"/>
-            <a:ext cx="11194415" cy="1231900"/>
-          </a:xfrm>
-        </p:spPr>
+        <p:spPr/>
         <p:txBody>
           <a:bodyPr/>
           <a:lstStyle/>
           <a:p>
             <a:r>
               <a:rPr kumimoji="1" lang="en-US" altLang="zh-CN"/>
-              <a:t>WebAssembly System Interface</a:t>
+              <a:t>Dynamic Link Library</a:t>
             </a:r>
             <a:endParaRPr kumimoji="1" lang="en-US" altLang="zh-CN"/>
           </a:p>
@@ -6522,18 +6720,82 @@
           <a:lstStyle/>
           <a:p>
             <a:r>
-              <a:rPr kumimoji="1" lang="zh-CN" altLang="en-US"/>
-              <a:t>WASM(WebAssembly) bytecode is designed to be encoded in a size- and load-time-efficient binary format. WASM aims to leverage the common hardware features available on various platforms to execute in browsers at machine code speed.</a:t>
-            </a:r>
-            <a:endParaRPr kumimoji="1" lang="zh-CN" altLang="en-US"/>
-          </a:p>
-          <a:p>
-            <a:endParaRPr kumimoji="1" lang="zh-CN" altLang="en-US"/>
-          </a:p>
-          <a:p>
-            <a:r>
-              <a:rPr kumimoji="1" lang="zh-CN" altLang="en-US"/>
-              <a:t>WASI provide a portable interface for applications that run within a constrained sandbox environment, which allows WASM to run in non browser environments such as Linux. It's portable and secure.</a:t>
+              <a:rPr kumimoji="1" lang="en-US" altLang="zh-CN">
+                <a:sym typeface="+mn-ea"/>
+              </a:rPr>
+              <a:t>Example: https://github.com/apache/opendal</a:t>
+            </a:r>
+            <a:endParaRPr kumimoji="1" lang="en-US" altLang="zh-CN">
+              <a:sym typeface="+mn-ea"/>
+            </a:endParaRPr>
+          </a:p>
+          <a:p>
+            <a:r>
+              <a:rPr kumimoji="1" lang="en-US" altLang="zh-CN">
+                <a:sym typeface="+mn-ea"/>
+              </a:rPr>
+              <a:t>Workload: Middle</a:t>
+            </a:r>
+            <a:endParaRPr kumimoji="1" lang="en-US" altLang="zh-CN">
+              <a:sym typeface="+mn-ea"/>
+            </a:endParaRPr>
+          </a:p>
+          <a:p>
+            <a:r>
+              <a:rPr kumimoji="1" lang="en-US" altLang="zh-CN">
+                <a:sym typeface="+mn-ea"/>
+              </a:rPr>
+              <a:t>Difficulty: Hard, not only do you need to be familiar with cross platform development, but you also need to learn JNI knowledge in addition</a:t>
+            </a:r>
+            <a:endParaRPr kumimoji="1" lang="en-US" altLang="zh-CN">
+              <a:sym typeface="+mn-ea"/>
+            </a:endParaRPr>
+          </a:p>
+          <a:p>
+            <a:r>
+              <a:rPr kumimoji="1" lang="en-US" altLang="zh-CN">
+                <a:sym typeface="+mn-ea"/>
+              </a:rPr>
+              <a:t>Extention for new languages: </a:t>
+            </a:r>
+            <a:r>
+              <a:rPr kumimoji="1" lang="en-US" altLang="zh-CN">
+                <a:sym typeface="+mn-ea"/>
+              </a:rPr>
+              <a:t>Middle, need to encapsulate the dynamic link library for new languages</a:t>
+            </a:r>
+            <a:endParaRPr kumimoji="1" lang="en-US" altLang="zh-CN">
+              <a:sym typeface="+mn-ea"/>
+            </a:endParaRPr>
+          </a:p>
+          <a:p>
+            <a:r>
+              <a:rPr kumimoji="1" lang="en-US" altLang="zh-CN">
+                <a:sym typeface="+mn-ea"/>
+              </a:rPr>
+              <a:t>User friendliness: Good, there is a low probability of discovering that the CPU architecture or OS of your machine is not supported, but if it is, a disaster occurs</a:t>
+            </a:r>
+            <a:endParaRPr kumimoji="1" lang="en-US" altLang="zh-CN">
+              <a:sym typeface="+mn-ea"/>
+            </a:endParaRPr>
+          </a:p>
+          <a:p>
+            <a:r>
+              <a:rPr kumimoji="1" lang="en-US" altLang="zh-CN">
+                <a:sym typeface="+mn-ea"/>
+              </a:rPr>
+              <a:t>Performance: Great</a:t>
+            </a:r>
+            <a:endParaRPr kumimoji="1" lang="en-US" altLang="zh-CN">
+              <a:sym typeface="+mn-ea"/>
+            </a:endParaRPr>
+          </a:p>
+          <a:p>
+            <a:r>
+              <a:rPr kumimoji="1" lang="en-US" altLang="zh-CN">
+                <a:sym typeface="+mn-ea"/>
+              </a:rPr>
+              <a:t>Operation complexity: No</a:t>
             </a:r>
             <a:endParaRPr kumimoji="1" lang="zh-CN" altLang="en-US"/>
           </a:p>
@@ -6591,7 +6853,7 @@
         <p:spPr>
           <a:xfrm>
             <a:off x="1420495" y="1397000"/>
-            <a:ext cx="11228705" cy="1231900"/>
+            <a:ext cx="11194415" cy="1231900"/>
           </a:xfrm>
         </p:spPr>
         <p:txBody>
@@ -6599,9 +6861,7 @@
           <a:lstStyle/>
           <a:p>
             <a:r>
-              <a:rPr kumimoji="1" lang="en-US" altLang="zh-CN">
-                <a:sym typeface="+mn-ea"/>
-              </a:rPr>
+              <a:rPr kumimoji="1" lang="en-US" altLang="zh-CN"/>
               <a:t>WebAssembly System Interface</a:t>
             </a:r>
             <a:endParaRPr kumimoji="1" lang="en-US" altLang="zh-CN"/>
@@ -6624,106 +6884,18 @@
           <a:lstStyle/>
           <a:p>
             <a:r>
-              <a:rPr kumimoji="1" lang="en-US" altLang="zh-CN">
-                <a:sym typeface="+mn-ea"/>
-              </a:rPr>
-              <a:t>Example: https://github.com/alibaba/higress</a:t>
-            </a:r>
-            <a:endParaRPr kumimoji="1" lang="en-US" altLang="zh-CN">
-              <a:sym typeface="+mn-ea"/>
-            </a:endParaRPr>
-          </a:p>
-          <a:p>
-            <a:r>
-              <a:rPr kumimoji="1" lang="en-US" altLang="zh-CN">
-                <a:sym typeface="+mn-ea"/>
-              </a:rPr>
-              <a:t>Workload: Light</a:t>
-            </a:r>
-            <a:endParaRPr kumimoji="1" lang="en-US" altLang="zh-CN">
-              <a:sym typeface="+mn-ea"/>
-            </a:endParaRPr>
-          </a:p>
-          <a:p>
-            <a:r>
-              <a:rPr kumimoji="1" lang="en-US" altLang="zh-CN">
-                <a:sym typeface="+mn-ea"/>
-              </a:rPr>
-              <a:t>Difficulty: Simple</a:t>
-            </a:r>
-            <a:endParaRPr kumimoji="1" lang="en-US" altLang="zh-CN">
-              <a:sym typeface="+mn-ea"/>
-            </a:endParaRPr>
-          </a:p>
-          <a:p>
-            <a:r>
-              <a:rPr kumimoji="1" lang="en-US" altLang="zh-CN">
-                <a:sym typeface="+mn-ea"/>
-              </a:rPr>
-              <a:t>Extention for new languages: </a:t>
-            </a:r>
-            <a:r>
-              <a:rPr kumimoji="1" lang="en-US" altLang="zh-CN">
-                <a:sym typeface="+mn-ea"/>
-              </a:rPr>
-              <a:t>Good, no need to modify framework code, but it's possible that the language you're good at doesn't support WASM</a:t>
-            </a:r>
-            <a:endParaRPr kumimoji="1" lang="en-US" altLang="zh-CN">
-              <a:sym typeface="+mn-ea"/>
-            </a:endParaRPr>
-          </a:p>
-          <a:p>
-            <a:r>
-              <a:rPr kumimoji="1" lang="en-US" altLang="zh-CN">
-                <a:sym typeface="+mn-ea"/>
-              </a:rPr>
-              <a:t>User friendliness: Good, only 4 basic </a:t>
-            </a:r>
-            <a:r>
-              <a:rPr kumimoji="1" lang="en-US" altLang="zh-CN">
-                <a:sym typeface="+mn-ea"/>
-              </a:rPr>
-              <a:t>Java</a:t>
-            </a:r>
-            <a:r>
-              <a:rPr kumimoji="1" lang="en-US" altLang="zh-CN">
-                <a:sym typeface="+mn-ea"/>
-              </a:rPr>
-              <a:t> types are supported d</a:t>
-            </a:r>
-            <a:r>
-              <a:rPr kumimoji="1" lang="en-US" altLang="zh-CN">
-                <a:sym typeface="+mn-ea"/>
-              </a:rPr>
-              <a:t>ue to the immaturity of the WASM ecosystem in Java</a:t>
-            </a:r>
-            <a:endParaRPr kumimoji="1" lang="en-US" altLang="zh-CN">
-              <a:sym typeface="+mn-ea"/>
-            </a:endParaRPr>
-          </a:p>
-          <a:p>
-            <a:r>
-              <a:rPr kumimoji="1" lang="en-US" altLang="zh-CN">
-                <a:sym typeface="+mn-ea"/>
-              </a:rPr>
-              <a:t>Performance: </a:t>
-            </a:r>
-            <a:r>
-              <a:rPr kumimoji="1" lang="en-US" altLang="zh-CN">
-                <a:sym typeface="+mn-ea"/>
-              </a:rPr>
-              <a:t>Performance loss due to serialization and deserialization</a:t>
-            </a:r>
-            <a:endParaRPr kumimoji="1" lang="en-US" altLang="zh-CN">
-              <a:sym typeface="+mn-ea"/>
-            </a:endParaRPr>
-          </a:p>
-          <a:p>
-            <a:r>
-              <a:rPr kumimoji="1" lang="en-US" altLang="zh-CN">
-                <a:sym typeface="+mn-ea"/>
-              </a:rPr>
-              <a:t>Operation complexity: No</a:t>
+              <a:rPr kumimoji="1" lang="zh-CN" altLang="en-US"/>
+              <a:t>WASM(WebAssembly) bytecode is designed to be encoded in a size- and load-time-efficient binary format. WASM aims to leverage the common hardware features available on various platforms to execute in browsers at machine code speed.</a:t>
+            </a:r>
+            <a:endParaRPr kumimoji="1" lang="zh-CN" altLang="en-US"/>
+          </a:p>
+          <a:p>
+            <a:endParaRPr kumimoji="1" lang="zh-CN" altLang="en-US"/>
+          </a:p>
+          <a:p>
+            <a:r>
+              <a:rPr kumimoji="1" lang="zh-CN" altLang="en-US"/>
+              <a:t>WASI provide a portable interface for applications that run within a constrained sandbox environment, which allows WASM to run in non browser environments such as Linux. It's portable and secure.</a:t>
             </a:r>
             <a:endParaRPr kumimoji="1" lang="zh-CN" altLang="en-US"/>
           </a:p>
@@ -6738,6 +6910,402 @@
 </file>
 
 <file path=ppt/slides/slide19.xml><?xml version="1.0" encoding="utf-8"?>
+<p:sld xmlns:a="http://schemas.openxmlformats.org/drawingml/2006/main" xmlns:r="http://schemas.openxmlformats.org/officeDocument/2006/relationships" xmlns:p="http://schemas.openxmlformats.org/presentationml/2006/main">
+  <p:cSld>
+    <p:bg>
+      <p:bgPr>
+        <a:blipFill dpi="0" rotWithShape="1">
+          <a:blip r:embed="rId1">
+            <a:lum/>
+          </a:blip>
+          <a:srcRect/>
+          <a:stretch>
+            <a:fillRect/>
+          </a:stretch>
+        </a:blipFill>
+        <a:effectLst/>
+      </p:bgPr>
+    </p:bg>
+    <p:spTree>
+      <p:nvGrpSpPr>
+        <p:cNvPr id="1" name=""/>
+        <p:cNvGrpSpPr/>
+        <p:nvPr/>
+      </p:nvGrpSpPr>
+      <p:grpSpPr>
+        <a:xfrm>
+          <a:off x="0" y="0"/>
+          <a:ext cx="0" cy="0"/>
+          <a:chOff x="0" y="0"/>
+          <a:chExt cx="0" cy="0"/>
+        </a:xfrm>
+      </p:grpSpPr>
+      <p:sp>
+        <p:nvSpPr>
+          <p:cNvPr id="2" name="文本占位符 1"/>
+          <p:cNvSpPr>
+            <a:spLocks noGrp="1"/>
+          </p:cNvSpPr>
+          <p:nvPr>
+            <p:ph type="body" sz="quarter" idx="21"/>
+          </p:nvPr>
+        </p:nvSpPr>
+        <p:spPr>
+          <a:xfrm>
+            <a:off x="1420495" y="1397000"/>
+            <a:ext cx="11228705" cy="1231900"/>
+          </a:xfrm>
+        </p:spPr>
+        <p:txBody>
+          <a:bodyPr/>
+          <a:lstStyle/>
+          <a:p>
+            <a:r>
+              <a:rPr kumimoji="1" lang="en-US" altLang="zh-CN">
+                <a:sym typeface="+mn-ea"/>
+              </a:rPr>
+              <a:t>WebAssembly System Interface</a:t>
+            </a:r>
+            <a:endParaRPr kumimoji="1" lang="en-US" altLang="zh-CN"/>
+          </a:p>
+        </p:txBody>
+      </p:sp>
+      <p:sp>
+        <p:nvSpPr>
+          <p:cNvPr id="3" name="文本占位符 2"/>
+          <p:cNvSpPr>
+            <a:spLocks noGrp="1"/>
+          </p:cNvSpPr>
+          <p:nvPr>
+            <p:ph type="body" sz="quarter" idx="22"/>
+          </p:nvPr>
+        </p:nvSpPr>
+        <p:spPr/>
+        <p:txBody>
+          <a:bodyPr/>
+          <a:lstStyle/>
+          <a:p>
+            <a:r>
+              <a:rPr kumimoji="1" lang="en-US" altLang="zh-CN">
+                <a:sym typeface="+mn-ea"/>
+              </a:rPr>
+              <a:t>Example: https://github.com/alibaba/higress</a:t>
+            </a:r>
+            <a:endParaRPr kumimoji="1" lang="en-US" altLang="zh-CN">
+              <a:sym typeface="+mn-ea"/>
+            </a:endParaRPr>
+          </a:p>
+          <a:p>
+            <a:r>
+              <a:rPr kumimoji="1" lang="en-US" altLang="zh-CN">
+                <a:sym typeface="+mn-ea"/>
+              </a:rPr>
+              <a:t>Workload: Light</a:t>
+            </a:r>
+            <a:endParaRPr kumimoji="1" lang="en-US" altLang="zh-CN">
+              <a:sym typeface="+mn-ea"/>
+            </a:endParaRPr>
+          </a:p>
+          <a:p>
+            <a:r>
+              <a:rPr kumimoji="1" lang="en-US" altLang="zh-CN">
+                <a:sym typeface="+mn-ea"/>
+              </a:rPr>
+              <a:t>Difficulty: Simple</a:t>
+            </a:r>
+            <a:endParaRPr kumimoji="1" lang="en-US" altLang="zh-CN">
+              <a:sym typeface="+mn-ea"/>
+            </a:endParaRPr>
+          </a:p>
+          <a:p>
+            <a:r>
+              <a:rPr kumimoji="1" lang="en-US" altLang="zh-CN">
+                <a:sym typeface="+mn-ea"/>
+              </a:rPr>
+              <a:t>Extention for new languages: </a:t>
+            </a:r>
+            <a:r>
+              <a:rPr kumimoji="1" lang="en-US" altLang="zh-CN">
+                <a:sym typeface="+mn-ea"/>
+              </a:rPr>
+              <a:t>Good, no need to modify framework code, but it's possible that the language you're good at doesn't support WASM</a:t>
+            </a:r>
+            <a:endParaRPr kumimoji="1" lang="en-US" altLang="zh-CN">
+              <a:sym typeface="+mn-ea"/>
+            </a:endParaRPr>
+          </a:p>
+          <a:p>
+            <a:r>
+              <a:rPr kumimoji="1" lang="en-US" altLang="zh-CN">
+                <a:sym typeface="+mn-ea"/>
+              </a:rPr>
+              <a:t>User friendliness: Good, only 4 basic </a:t>
+            </a:r>
+            <a:r>
+              <a:rPr kumimoji="1" lang="en-US" altLang="zh-CN">
+                <a:sym typeface="+mn-ea"/>
+              </a:rPr>
+              <a:t>Java</a:t>
+            </a:r>
+            <a:r>
+              <a:rPr kumimoji="1" lang="en-US" altLang="zh-CN">
+                <a:sym typeface="+mn-ea"/>
+              </a:rPr>
+              <a:t> types are supported d</a:t>
+            </a:r>
+            <a:r>
+              <a:rPr kumimoji="1" lang="en-US" altLang="zh-CN">
+                <a:sym typeface="+mn-ea"/>
+              </a:rPr>
+              <a:t>ue to the immaturity of the WASM ecosystem in Java</a:t>
+            </a:r>
+            <a:endParaRPr kumimoji="1" lang="en-US" altLang="zh-CN">
+              <a:sym typeface="+mn-ea"/>
+            </a:endParaRPr>
+          </a:p>
+          <a:p>
+            <a:r>
+              <a:rPr kumimoji="1" lang="en-US" altLang="zh-CN">
+                <a:sym typeface="+mn-ea"/>
+              </a:rPr>
+              <a:t>Performance: </a:t>
+            </a:r>
+            <a:r>
+              <a:rPr kumimoji="1" lang="en-US" altLang="zh-CN">
+                <a:sym typeface="+mn-ea"/>
+              </a:rPr>
+              <a:t>Performance loss due to serialization and deserialization</a:t>
+            </a:r>
+            <a:endParaRPr kumimoji="1" lang="en-US" altLang="zh-CN">
+              <a:sym typeface="+mn-ea"/>
+            </a:endParaRPr>
+          </a:p>
+          <a:p>
+            <a:r>
+              <a:rPr kumimoji="1" lang="en-US" altLang="zh-CN">
+                <a:sym typeface="+mn-ea"/>
+              </a:rPr>
+              <a:t>Operation complexity: No</a:t>
+            </a:r>
+            <a:endParaRPr kumimoji="1" lang="zh-CN" altLang="en-US"/>
+          </a:p>
+        </p:txBody>
+      </p:sp>
+    </p:spTree>
+  </p:cSld>
+  <p:clrMapOvr>
+    <a:masterClrMapping/>
+  </p:clrMapOvr>
+</p:sld>
+</file>
+
+<file path=ppt/slides/slide2.xml><?xml version="1.0" encoding="utf-8"?>
+<p:sld xmlns:a="http://schemas.openxmlformats.org/drawingml/2006/main" xmlns:r="http://schemas.openxmlformats.org/officeDocument/2006/relationships" xmlns:p="http://schemas.openxmlformats.org/presentationml/2006/main">
+  <p:cSld>
+    <p:bg>
+      <p:bgPr>
+        <a:blipFill dpi="0" rotWithShape="1">
+          <a:blip r:embed="rId1">
+            <a:lum/>
+          </a:blip>
+          <a:srcRect/>
+          <a:stretch>
+            <a:fillRect/>
+          </a:stretch>
+        </a:blipFill>
+        <a:effectLst/>
+      </p:bgPr>
+    </p:bg>
+    <p:spTree>
+      <p:nvGrpSpPr>
+        <p:cNvPr id="1" name=""/>
+        <p:cNvGrpSpPr/>
+        <p:nvPr/>
+      </p:nvGrpSpPr>
+      <p:grpSpPr>
+        <a:xfrm>
+          <a:off x="0" y="0"/>
+          <a:ext cx="0" cy="0"/>
+          <a:chOff x="0" y="0"/>
+          <a:chExt cx="0" cy="0"/>
+        </a:xfrm>
+      </p:grpSpPr>
+      <p:sp>
+        <p:nvSpPr>
+          <p:cNvPr id="2" name="文本占位符 1"/>
+          <p:cNvSpPr>
+            <a:spLocks noGrp="1"/>
+          </p:cNvSpPr>
+          <p:nvPr>
+            <p:ph type="body" sz="quarter" idx="22"/>
+          </p:nvPr>
+        </p:nvSpPr>
+        <p:spPr>
+          <a:xfrm>
+            <a:off x="8906933" y="2404010"/>
+            <a:ext cx="12202383" cy="995680"/>
+          </a:xfrm>
+        </p:spPr>
+        <p:txBody>
+          <a:bodyPr/>
+          <a:lstStyle/>
+          <a:p>
+            <a:r>
+              <a:rPr lang="en-GB" altLang="zh-CN" dirty="0">
+                <a:latin typeface="OPPOSans R" pitchFamily="18" charset="-122"/>
+                <a:ea typeface="OPPOSans R" pitchFamily="18" charset="-122"/>
+                <a:cs typeface="OPPOSans R" pitchFamily="18" charset="-122"/>
+              </a:rPr>
+              <a:t>1.</a:t>
+            </a:r>
+            <a:r>
+              <a:rPr lang="en-US" altLang="en-GB" dirty="0">
+                <a:latin typeface="OPPOSans R" pitchFamily="18" charset="-122"/>
+                <a:ea typeface="OPPOSans R" pitchFamily="18" charset="-122"/>
+                <a:cs typeface="OPPOSans R" pitchFamily="18" charset="-122"/>
+              </a:rPr>
+              <a:t>Introduction</a:t>
+            </a:r>
+            <a:endParaRPr lang="en-US" altLang="en-GB" dirty="0">
+              <a:latin typeface="OPPOSans R" pitchFamily="18" charset="-122"/>
+              <a:ea typeface="OPPOSans R" pitchFamily="18" charset="-122"/>
+              <a:cs typeface="OPPOSans R" pitchFamily="18" charset="-122"/>
+            </a:endParaRPr>
+          </a:p>
+        </p:txBody>
+      </p:sp>
+      <p:sp>
+        <p:nvSpPr>
+          <p:cNvPr id="3" name="文本占位符 2"/>
+          <p:cNvSpPr>
+            <a:spLocks noGrp="1"/>
+          </p:cNvSpPr>
+          <p:nvPr>
+            <p:ph type="body" sz="quarter" idx="23"/>
+          </p:nvPr>
+        </p:nvSpPr>
+        <p:spPr>
+          <a:xfrm>
+            <a:off x="8861213" y="3614132"/>
+            <a:ext cx="12202383" cy="995680"/>
+          </a:xfrm>
+        </p:spPr>
+        <p:txBody>
+          <a:bodyPr/>
+          <a:lstStyle/>
+          <a:p>
+            <a:r>
+              <a:rPr lang="en-US" altLang="zh-CN" dirty="0">
+                <a:latin typeface="OPPOSans R" pitchFamily="18" charset="-122"/>
+                <a:ea typeface="OPPOSans R" pitchFamily="18" charset="-122"/>
+                <a:cs typeface="OPPOSans R" pitchFamily="18" charset="-122"/>
+              </a:rPr>
+              <a:t>2.Motivation</a:t>
+            </a:r>
+            <a:endParaRPr lang="en-US" altLang="zh-CN" dirty="0">
+              <a:latin typeface="OPPOSans R" pitchFamily="18" charset="-122"/>
+              <a:ea typeface="OPPOSans R" pitchFamily="18" charset="-122"/>
+              <a:cs typeface="OPPOSans R" pitchFamily="18" charset="-122"/>
+            </a:endParaRPr>
+          </a:p>
+        </p:txBody>
+      </p:sp>
+      <p:sp>
+        <p:nvSpPr>
+          <p:cNvPr id="4" name="文本占位符 3"/>
+          <p:cNvSpPr>
+            <a:spLocks noGrp="1"/>
+          </p:cNvSpPr>
+          <p:nvPr>
+            <p:ph type="body" sz="quarter" idx="24"/>
+          </p:nvPr>
+        </p:nvSpPr>
+        <p:spPr>
+          <a:xfrm>
+            <a:off x="8848513" y="4824255"/>
+            <a:ext cx="12202384" cy="995680"/>
+          </a:xfrm>
+        </p:spPr>
+        <p:txBody>
+          <a:bodyPr/>
+          <a:lstStyle/>
+          <a:p>
+            <a:r>
+              <a:rPr lang="en-US" altLang="zh-CN" dirty="0">
+                <a:latin typeface="OPPOSans R" pitchFamily="18" charset="-122"/>
+                <a:ea typeface="OPPOSans R" pitchFamily="18" charset="-122"/>
+                <a:cs typeface="OPPOSans R" pitchFamily="18" charset="-122"/>
+              </a:rPr>
+              <a:t>3.Solution</a:t>
+            </a:r>
+            <a:endParaRPr lang="en-US" altLang="zh-CN" dirty="0">
+              <a:latin typeface="OPPOSans R" pitchFamily="18" charset="-122"/>
+              <a:ea typeface="OPPOSans R" pitchFamily="18" charset="-122"/>
+              <a:cs typeface="OPPOSans R" pitchFamily="18" charset="-122"/>
+            </a:endParaRPr>
+          </a:p>
+        </p:txBody>
+      </p:sp>
+      <p:sp>
+        <p:nvSpPr>
+          <p:cNvPr id="5" name="文本占位符 4"/>
+          <p:cNvSpPr>
+            <a:spLocks noGrp="1"/>
+          </p:cNvSpPr>
+          <p:nvPr>
+            <p:ph type="body" sz="quarter" idx="25"/>
+          </p:nvPr>
+        </p:nvSpPr>
+        <p:spPr>
+          <a:xfrm>
+            <a:off x="8873913" y="6008978"/>
+            <a:ext cx="12176983" cy="2028825"/>
+          </a:xfrm>
+        </p:spPr>
+        <p:txBody>
+          <a:bodyPr/>
+          <a:lstStyle/>
+          <a:p>
+            <a:r>
+              <a:rPr lang="en-US" altLang="zh-CN" dirty="0">
+                <a:latin typeface="OPPOSans R" pitchFamily="18" charset="-122"/>
+                <a:ea typeface="OPPOSans R" pitchFamily="18" charset="-122"/>
+                <a:cs typeface="OPPOSans R" pitchFamily="18" charset="-122"/>
+              </a:rPr>
+              <a:t>4.Extention</a:t>
+            </a:r>
+            <a:endParaRPr lang="en-US" altLang="zh-CN" dirty="0">
+              <a:latin typeface="OPPOSans R" pitchFamily="18" charset="-122"/>
+              <a:ea typeface="OPPOSans R" pitchFamily="18" charset="-122"/>
+              <a:cs typeface="OPPOSans R" pitchFamily="18" charset="-122"/>
+            </a:endParaRPr>
+          </a:p>
+          <a:p>
+            <a:r>
+              <a:rPr lang="en-US" altLang="zh-CN" dirty="0">
+                <a:latin typeface="OPPOSans R" pitchFamily="18" charset="-122"/>
+                <a:ea typeface="OPPOSans R" pitchFamily="18" charset="-122"/>
+                <a:cs typeface="OPPOSans R" pitchFamily="18" charset="-122"/>
+              </a:rPr>
+              <a:t>5.Q&amp;A</a:t>
+            </a:r>
+            <a:endParaRPr lang="en-US" altLang="zh-CN" dirty="0">
+              <a:latin typeface="OPPOSans R" pitchFamily="18" charset="-122"/>
+              <a:ea typeface="OPPOSans R" pitchFamily="18" charset="-122"/>
+              <a:cs typeface="OPPOSans R" pitchFamily="18" charset="-122"/>
+            </a:endParaRPr>
+          </a:p>
+        </p:txBody>
+      </p:sp>
+    </p:spTree>
+  </p:cSld>
+  <p:clrMapOvr>
+    <a:masterClrMapping/>
+  </p:clrMapOvr>
+</p:sld>
+</file>
+
+<file path=ppt/slides/slide20.xml><?xml version="1.0" encoding="utf-8"?>
 <p:sld xmlns:a="http://schemas.openxmlformats.org/drawingml/2006/main" xmlns:r="http://schemas.openxmlformats.org/officeDocument/2006/relationships" xmlns:p="http://schemas.openxmlformats.org/presentationml/2006/main">
   <p:cSld>
     <p:bg>
@@ -7980,213 +8548,7 @@
 </p:sld>
 </file>
 
-<file path=ppt/slides/slide2.xml><?xml version="1.0" encoding="utf-8"?>
-<p:sld xmlns:a="http://schemas.openxmlformats.org/drawingml/2006/main" xmlns:r="http://schemas.openxmlformats.org/officeDocument/2006/relationships" xmlns:p="http://schemas.openxmlformats.org/presentationml/2006/main">
-  <p:cSld>
-    <p:bg>
-      <p:bgPr>
-        <a:blipFill dpi="0" rotWithShape="1">
-          <a:blip r:embed="rId1">
-            <a:lum/>
-          </a:blip>
-          <a:srcRect/>
-          <a:stretch>
-            <a:fillRect/>
-          </a:stretch>
-        </a:blipFill>
-        <a:effectLst/>
-      </p:bgPr>
-    </p:bg>
-    <p:spTree>
-      <p:nvGrpSpPr>
-        <p:cNvPr id="1" name=""/>
-        <p:cNvGrpSpPr/>
-        <p:nvPr/>
-      </p:nvGrpSpPr>
-      <p:grpSpPr>
-        <a:xfrm>
-          <a:off x="0" y="0"/>
-          <a:ext cx="0" cy="0"/>
-          <a:chOff x="0" y="0"/>
-          <a:chExt cx="0" cy="0"/>
-        </a:xfrm>
-      </p:grpSpPr>
-      <p:sp>
-        <p:nvSpPr>
-          <p:cNvPr id="2" name="文本占位符 1"/>
-          <p:cNvSpPr>
-            <a:spLocks noGrp="1"/>
-          </p:cNvSpPr>
-          <p:nvPr>
-            <p:ph type="body" sz="quarter" idx="22"/>
-          </p:nvPr>
-        </p:nvSpPr>
-        <p:spPr>
-          <a:xfrm>
-            <a:off x="8906933" y="2404010"/>
-            <a:ext cx="12202383" cy="995680"/>
-          </a:xfrm>
-        </p:spPr>
-        <p:txBody>
-          <a:bodyPr/>
-          <a:lstStyle/>
-          <a:p>
-            <a:r>
-              <a:rPr lang="en-GB" altLang="zh-CN" dirty="0">
-                <a:latin typeface="OPPOSans R" pitchFamily="18" charset="-122"/>
-                <a:ea typeface="OPPOSans R" pitchFamily="18" charset="-122"/>
-                <a:cs typeface="OPPOSans R" pitchFamily="18" charset="-122"/>
-              </a:rPr>
-              <a:t>1.</a:t>
-            </a:r>
-            <a:r>
-              <a:rPr lang="en-US" altLang="en-GB" dirty="0">
-                <a:latin typeface="OPPOSans R" pitchFamily="18" charset="-122"/>
-                <a:ea typeface="OPPOSans R" pitchFamily="18" charset="-122"/>
-                <a:cs typeface="OPPOSans R" pitchFamily="18" charset="-122"/>
-              </a:rPr>
-              <a:t>Introduction</a:t>
-            </a:r>
-            <a:endParaRPr lang="en-US" altLang="en-GB" dirty="0">
-              <a:latin typeface="OPPOSans R" pitchFamily="18" charset="-122"/>
-              <a:ea typeface="OPPOSans R" pitchFamily="18" charset="-122"/>
-              <a:cs typeface="OPPOSans R" pitchFamily="18" charset="-122"/>
-            </a:endParaRPr>
-          </a:p>
-        </p:txBody>
-      </p:sp>
-      <p:sp>
-        <p:nvSpPr>
-          <p:cNvPr id="3" name="文本占位符 2"/>
-          <p:cNvSpPr>
-            <a:spLocks noGrp="1"/>
-          </p:cNvSpPr>
-          <p:nvPr>
-            <p:ph type="body" sz="quarter" idx="23"/>
-          </p:nvPr>
-        </p:nvSpPr>
-        <p:spPr>
-          <a:xfrm>
-            <a:off x="8861213" y="3614132"/>
-            <a:ext cx="12202383" cy="995680"/>
-          </a:xfrm>
-        </p:spPr>
-        <p:txBody>
-          <a:bodyPr/>
-          <a:lstStyle/>
-          <a:p>
-            <a:r>
-              <a:rPr lang="en-US" altLang="zh-CN" dirty="0">
-                <a:latin typeface="OPPOSans R" pitchFamily="18" charset="-122"/>
-                <a:ea typeface="OPPOSans R" pitchFamily="18" charset="-122"/>
-                <a:cs typeface="OPPOSans R" pitchFamily="18" charset="-122"/>
-              </a:rPr>
-              <a:t>2.Motivation</a:t>
-            </a:r>
-            <a:endParaRPr lang="en-US" altLang="zh-CN" dirty="0">
-              <a:latin typeface="OPPOSans R" pitchFamily="18" charset="-122"/>
-              <a:ea typeface="OPPOSans R" pitchFamily="18" charset="-122"/>
-              <a:cs typeface="OPPOSans R" pitchFamily="18" charset="-122"/>
-            </a:endParaRPr>
-          </a:p>
-        </p:txBody>
-      </p:sp>
-      <p:sp>
-        <p:nvSpPr>
-          <p:cNvPr id="4" name="文本占位符 3"/>
-          <p:cNvSpPr>
-            <a:spLocks noGrp="1"/>
-          </p:cNvSpPr>
-          <p:nvPr>
-            <p:ph type="body" sz="quarter" idx="24"/>
-          </p:nvPr>
-        </p:nvSpPr>
-        <p:spPr>
-          <a:xfrm>
-            <a:off x="8848513" y="4824255"/>
-            <a:ext cx="12202384" cy="995680"/>
-          </a:xfrm>
-        </p:spPr>
-        <p:txBody>
-          <a:bodyPr/>
-          <a:lstStyle/>
-          <a:p>
-            <a:r>
-              <a:rPr lang="en-US" altLang="zh-CN" dirty="0">
-                <a:latin typeface="OPPOSans R" pitchFamily="18" charset="-122"/>
-                <a:ea typeface="OPPOSans R" pitchFamily="18" charset="-122"/>
-                <a:cs typeface="OPPOSans R" pitchFamily="18" charset="-122"/>
-              </a:rPr>
-              <a:t>3.Solution</a:t>
-            </a:r>
-            <a:endParaRPr lang="en-US" altLang="zh-CN" dirty="0">
-              <a:latin typeface="OPPOSans R" pitchFamily="18" charset="-122"/>
-              <a:ea typeface="OPPOSans R" pitchFamily="18" charset="-122"/>
-              <a:cs typeface="OPPOSans R" pitchFamily="18" charset="-122"/>
-            </a:endParaRPr>
-          </a:p>
-        </p:txBody>
-      </p:sp>
-      <p:sp>
-        <p:nvSpPr>
-          <p:cNvPr id="5" name="文本占位符 4"/>
-          <p:cNvSpPr>
-            <a:spLocks noGrp="1"/>
-          </p:cNvSpPr>
-          <p:nvPr>
-            <p:ph type="body" sz="quarter" idx="25"/>
-          </p:nvPr>
-        </p:nvSpPr>
-        <p:spPr>
-          <a:xfrm>
-            <a:off x="8873913" y="6008978"/>
-            <a:ext cx="12176983" cy="2028825"/>
-          </a:xfrm>
-        </p:spPr>
-        <p:txBody>
-          <a:bodyPr/>
-          <a:lstStyle/>
-          <a:p>
-            <a:r>
-              <a:rPr lang="en-US" altLang="zh-CN" dirty="0">
-                <a:latin typeface="OPPOSans R" pitchFamily="18" charset="-122"/>
-                <a:ea typeface="OPPOSans R" pitchFamily="18" charset="-122"/>
-                <a:cs typeface="OPPOSans R" pitchFamily="18" charset="-122"/>
-              </a:rPr>
-              <a:t>4.Extention</a:t>
-            </a:r>
-            <a:endParaRPr lang="en-US" altLang="zh-CN" dirty="0">
-              <a:latin typeface="OPPOSans R" pitchFamily="18" charset="-122"/>
-              <a:ea typeface="OPPOSans R" pitchFamily="18" charset="-122"/>
-              <a:cs typeface="OPPOSans R" pitchFamily="18" charset="-122"/>
-            </a:endParaRPr>
-          </a:p>
-          <a:p>
-            <a:r>
-              <a:rPr lang="en-US" altLang="zh-CN" dirty="0">
-                <a:latin typeface="OPPOSans R" pitchFamily="18" charset="-122"/>
-                <a:ea typeface="OPPOSans R" pitchFamily="18" charset="-122"/>
-                <a:cs typeface="OPPOSans R" pitchFamily="18" charset="-122"/>
-              </a:rPr>
-              <a:t>5.Q&amp;A</a:t>
-            </a:r>
-            <a:endParaRPr lang="en-US" altLang="zh-CN" dirty="0">
-              <a:latin typeface="OPPOSans R" pitchFamily="18" charset="-122"/>
-              <a:ea typeface="OPPOSans R" pitchFamily="18" charset="-122"/>
-              <a:cs typeface="OPPOSans R" pitchFamily="18" charset="-122"/>
-            </a:endParaRPr>
-          </a:p>
-        </p:txBody>
-      </p:sp>
-    </p:spTree>
-  </p:cSld>
-  <p:clrMapOvr>
-    <a:masterClrMapping/>
-  </p:clrMapOvr>
-</p:sld>
-</file>
-
-<file path=ppt/slides/slide20.xml><?xml version="1.0" encoding="utf-8"?>
+<file path=ppt/slides/slide21.xml><?xml version="1.0" encoding="utf-8"?>
 <p:sld xmlns:a="http://schemas.openxmlformats.org/drawingml/2006/main" xmlns:r="http://schemas.openxmlformats.org/officeDocument/2006/relationships" xmlns:p="http://schemas.openxmlformats.org/presentationml/2006/main">
   <p:cSld>
     <p:spTree>
@@ -8286,125 +8648,6 @@
 </p:sld>
 </file>
 
-<file path=ppt/slides/slide21.xml><?xml version="1.0" encoding="utf-8"?>
-<p:sld xmlns:a="http://schemas.openxmlformats.org/drawingml/2006/main" xmlns:r="http://schemas.openxmlformats.org/officeDocument/2006/relationships" xmlns:p="http://schemas.openxmlformats.org/presentationml/2006/main">
-  <p:cSld>
-    <p:bg>
-      <p:bgPr>
-        <a:blipFill dpi="0" rotWithShape="1">
-          <a:blip r:embed="rId1">
-            <a:lum/>
-          </a:blip>
-          <a:srcRect/>
-          <a:stretch>
-            <a:fillRect/>
-          </a:stretch>
-        </a:blipFill>
-        <a:effectLst/>
-      </p:bgPr>
-    </p:bg>
-    <p:spTree>
-      <p:nvGrpSpPr>
-        <p:cNvPr id="1" name=""/>
-        <p:cNvGrpSpPr/>
-        <p:nvPr/>
-      </p:nvGrpSpPr>
-      <p:grpSpPr>
-        <a:xfrm>
-          <a:off x="0" y="0"/>
-          <a:ext cx="0" cy="0"/>
-          <a:chOff x="0" y="0"/>
-          <a:chExt cx="0" cy="0"/>
-        </a:xfrm>
-      </p:grpSpPr>
-      <p:sp>
-        <p:nvSpPr>
-          <p:cNvPr id="2" name="文本占位符 1"/>
-          <p:cNvSpPr>
-            <a:spLocks noGrp="1"/>
-          </p:cNvSpPr>
-          <p:nvPr>
-            <p:ph type="body" sz="quarter" idx="21"/>
-          </p:nvPr>
-        </p:nvSpPr>
-        <p:spPr/>
-        <p:txBody>
-          <a:bodyPr/>
-          <a:lstStyle/>
-          <a:p>
-            <a:r>
-              <a:rPr lang="en-US" altLang="en-GB" dirty="0">
-                <a:latin typeface="OPPOSans R" pitchFamily="18" charset="-122"/>
-                <a:ea typeface="OPPOSans R" pitchFamily="18" charset="-122"/>
-                <a:cs typeface="OPPOSans R" pitchFamily="18" charset="-122"/>
-                <a:sym typeface="+mn-ea"/>
-              </a:rPr>
-              <a:t>What is a Selector</a:t>
-            </a:r>
-            <a:endParaRPr kumimoji="1" lang="zh-CN" altLang="en-US"/>
-          </a:p>
-        </p:txBody>
-      </p:sp>
-      <p:sp>
-        <p:nvSpPr>
-          <p:cNvPr id="3" name="文本占位符 2"/>
-          <p:cNvSpPr>
-            <a:spLocks noGrp="1"/>
-          </p:cNvSpPr>
-          <p:nvPr>
-            <p:ph type="body" sz="quarter" idx="22"/>
-          </p:nvPr>
-        </p:nvSpPr>
-        <p:spPr>
-          <a:xfrm>
-            <a:off x="17693005" y="4152900"/>
-            <a:ext cx="4945380" cy="5410200"/>
-          </a:xfrm>
-        </p:spPr>
-        <p:txBody>
-          <a:bodyPr/>
-          <a:lstStyle/>
-          <a:p>
-            <a:r>
-              <a:rPr kumimoji="1" lang="en-US" altLang="zh-CN"/>
-              <a:t>Selector: Each plugin can set multiple selectors to carry out preliminary filtering of traffic.</a:t>
-            </a:r>
-            <a:endParaRPr kumimoji="1" lang="en-US" altLang="zh-CN"/>
-          </a:p>
-        </p:txBody>
-      </p:sp>
-      <p:pic>
-        <p:nvPicPr>
-          <p:cNvPr id="4" name="Picture 3" descr="shenyu-architecture-3d"/>
-          <p:cNvPicPr>
-            <a:picLocks noChangeAspect="1"/>
-          </p:cNvPicPr>
-          <p:nvPr/>
-        </p:nvPicPr>
-        <p:blipFill>
-          <a:blip r:embed="rId2"/>
-          <a:stretch>
-            <a:fillRect/>
-          </a:stretch>
-        </p:blipFill>
-        <p:spPr>
-          <a:xfrm>
-            <a:off x="1420495" y="3578225"/>
-            <a:ext cx="15128240" cy="9058910"/>
-          </a:xfrm>
-          <a:prstGeom prst="rect">
-            <a:avLst/>
-          </a:prstGeom>
-        </p:spPr>
-      </p:pic>
-    </p:spTree>
-  </p:cSld>
-  <p:clrMapOvr>
-    <a:masterClrMapping/>
-  </p:clrMapOvr>
-</p:sld>
-</file>
-
 <file path=ppt/slides/slide22.xml><?xml version="1.0" encoding="utf-8"?>
 <p:sld xmlns:a="http://schemas.openxmlformats.org/drawingml/2006/main" xmlns:r="http://schemas.openxmlformats.org/officeDocument/2006/relationships" xmlns:p="http://schemas.openxmlformats.org/presentationml/2006/main">
   <p:cSld>
@@ -8452,15 +8695,10 @@
           <a:lstStyle/>
           <a:p>
             <a:r>
-              <a:rPr lang="en-US" altLang="en-GB" dirty="0">
-                <a:latin typeface="OPPOSans R" pitchFamily="18" charset="-122"/>
-                <a:ea typeface="OPPOSans R" pitchFamily="18" charset="-122"/>
-                <a:cs typeface="OPPOSans R" pitchFamily="18" charset="-122"/>
-                <a:sym typeface="+mn-ea"/>
-              </a:rPr>
-              <a:t>What is a Rule</a:t>
-            </a:r>
-            <a:endParaRPr kumimoji="1" lang="zh-CN" altLang="en-US"/>
+              <a:rPr kumimoji="1" lang="en-US" altLang="zh-CN"/>
+              <a:t>How to run example</a:t>
+            </a:r>
+            <a:endParaRPr kumimoji="1" lang="en-US" altLang="zh-CN"/>
           </a:p>
         </p:txBody>
       </p:sp>
@@ -8474,48 +8712,39 @@
             <p:ph type="body" sz="quarter" idx="22"/>
           </p:nvPr>
         </p:nvSpPr>
-        <p:spPr>
-          <a:xfrm>
-            <a:off x="17693005" y="4152900"/>
-            <a:ext cx="4945380" cy="5410200"/>
-          </a:xfrm>
-        </p:spPr>
+        <p:spPr/>
         <p:txBody>
           <a:bodyPr/>
           <a:lstStyle/>
           <a:p>
             <a:r>
+              <a:rPr kumimoji="1" lang="zh-CN" altLang="en-US"/>
+              <a:t>把</a:t>
+            </a:r>
+            <a:r>
               <a:rPr kumimoji="1" lang="en-US" altLang="zh-CN"/>
-              <a:t>Rule: Multiple rules can be set per selector for more fine-grained control of flow.</a:t>
-            </a:r>
-            <a:endParaRPr kumimoji="1" lang="en-US" altLang="zh-CN"/>
+              <a:t>rust http client</a:t>
+            </a:r>
+            <a:r>
+              <a:rPr kumimoji="1" lang="zh-CN" altLang="en-US"/>
+              <a:t>插件的代码放到</a:t>
+            </a:r>
+            <a:r>
+              <a:rPr kumimoji="1" lang="en-US" altLang="zh-CN"/>
+              <a:t>shenyu repo</a:t>
+            </a:r>
+            <a:r>
+              <a:rPr kumimoji="1" lang="zh-CN" altLang="en-US"/>
+              <a:t>，然后讲讲如何</a:t>
+            </a:r>
+            <a:r>
+              <a:rPr kumimoji="1" lang="zh-CN" altLang="en-US"/>
+              <a:t>运行</a:t>
+            </a:r>
+            <a:endParaRPr kumimoji="1" lang="zh-CN" altLang="en-US"/>
           </a:p>
         </p:txBody>
       </p:sp>
-      <p:pic>
-        <p:nvPicPr>
-          <p:cNvPr id="4" name="Picture 3" descr="shenyu-architecture-3d"/>
-          <p:cNvPicPr>
-            <a:picLocks noChangeAspect="1"/>
-          </p:cNvPicPr>
-          <p:nvPr/>
-        </p:nvPicPr>
-        <p:blipFill>
-          <a:blip r:embed="rId2"/>
-          <a:stretch>
-            <a:fillRect/>
-          </a:stretch>
-        </p:blipFill>
-        <p:spPr>
-          <a:xfrm>
-            <a:off x="1420495" y="3578225"/>
-            <a:ext cx="15128240" cy="9058910"/>
-          </a:xfrm>
-          <a:prstGeom prst="rect">
-            <a:avLst/>
-          </a:prstGeom>
-        </p:spPr>
-      </p:pic>
     </p:spTree>
   </p:cSld>
   <p:clrMapOvr>
@@ -8571,15 +8800,10 @@
           <a:lstStyle/>
           <a:p>
             <a:r>
-              <a:rPr lang="en-US" altLang="en-GB" dirty="0">
-                <a:latin typeface="OPPOSans R" pitchFamily="18" charset="-122"/>
-                <a:ea typeface="OPPOSans R" pitchFamily="18" charset="-122"/>
-                <a:cs typeface="OPPOSans R" pitchFamily="18" charset="-122"/>
-                <a:sym typeface="+mn-ea"/>
-              </a:rPr>
-              <a:t>What is a Metadata</a:t>
-            </a:r>
-            <a:endParaRPr kumimoji="1" lang="zh-CN" altLang="en-US"/>
+              <a:rPr kumimoji="1" lang="en-US" altLang="zh-CN"/>
+              <a:t>Step1: Add Dependency</a:t>
+            </a:r>
+            <a:endParaRPr kumimoji="1" lang="en-US" altLang="zh-CN"/>
           </a:p>
         </p:txBody>
       </p:sp>
@@ -8593,54 +8817,77 @@
             <p:ph type="body" sz="quarter" idx="22"/>
           </p:nvPr>
         </p:nvSpPr>
-        <p:spPr>
-          <a:xfrm>
-            <a:off x="17693005" y="4152900"/>
-            <a:ext cx="4945380" cy="5410200"/>
-          </a:xfrm>
-        </p:spPr>
+        <p:spPr/>
         <p:txBody>
           <a:bodyPr/>
           <a:lstStyle/>
           <a:p>
             <a:r>
+              <a:rPr kumimoji="1" lang="zh-CN" altLang="en-US"/>
+              <a:t>Assuming we already have a Maven project</a:t>
+            </a:r>
+            <a:r>
               <a:rPr kumimoji="1" lang="en-US" altLang="zh-CN"/>
-              <a:t>Metadata is used for generic invoke by gateway. </a:t>
-            </a:r>
-            <a:r>
-              <a:rPr kumimoji="1" lang="en-US" altLang="zh-CN">
-                <a:sym typeface="+mn-ea"/>
-              </a:rPr>
-              <a:t>For each interface method, there is one piece of metadata.</a:t>
+              <a:t>.</a:t>
             </a:r>
             <a:endParaRPr kumimoji="1" lang="en-US" altLang="zh-CN"/>
+          </a:p>
+          <a:p>
+            <a:endParaRPr kumimoji="1" lang="zh-CN" altLang="en-US"/>
+          </a:p>
+          <a:p>
+            <a:r>
+              <a:rPr kumimoji="1" lang="zh-CN" altLang="en-US"/>
+              <a:t>&lt;dependency&gt;</a:t>
+            </a:r>
+            <a:endParaRPr kumimoji="1" lang="zh-CN" altLang="en-US"/>
+          </a:p>
+          <a:p>
+            <a:r>
+              <a:rPr kumimoji="1" lang="zh-CN" altLang="en-US"/>
+              <a:t>    &lt;groupId&gt;org.apache.shenyu&lt;/groupId&gt;</a:t>
+            </a:r>
+            <a:endParaRPr kumimoji="1" lang="zh-CN" altLang="en-US"/>
+          </a:p>
+          <a:p>
+            <a:r>
+              <a:rPr kumimoji="1" lang="zh-CN" altLang="en-US"/>
+              <a:t>    &lt;artifactId&gt;shenyu-plugin-wasm-</a:t>
+            </a:r>
+            <a:r>
+              <a:rPr kumimoji="1" lang="en-US" altLang="zh-CN"/>
+              <a:t>api</a:t>
+            </a:r>
+            <a:r>
+              <a:rPr kumimoji="1" lang="zh-CN" altLang="en-US"/>
+              <a:t>&lt;/artifactId&gt;</a:t>
+            </a:r>
+            <a:endParaRPr kumimoji="1" lang="zh-CN" altLang="en-US"/>
+          </a:p>
+          <a:p>
+            <a:r>
+              <a:rPr kumimoji="1" lang="zh-CN" altLang="en-US"/>
+              <a:t>    &lt;version&gt;${</a:t>
+            </a:r>
+            <a:r>
+              <a:rPr kumimoji="1" lang="en-US" altLang="zh-CN"/>
+              <a:t>shenyu</a:t>
+            </a:r>
+            <a:r>
+              <a:rPr kumimoji="1" lang="zh-CN" altLang="en-US"/>
+              <a:t>.version}&lt;/version&gt;</a:t>
+            </a:r>
+            <a:endParaRPr kumimoji="1" lang="zh-CN" altLang="en-US"/>
+          </a:p>
+          <a:p>
+            <a:r>
+              <a:rPr kumimoji="1" lang="zh-CN" altLang="en-US"/>
+              <a:t>&lt;/dependency&gt;</a:t>
+            </a:r>
+            <a:endParaRPr kumimoji="1" lang="zh-CN" altLang="en-US"/>
           </a:p>
         </p:txBody>
       </p:sp>
-      <p:pic>
-        <p:nvPicPr>
-          <p:cNvPr id="4" name="Picture 3" descr="shenyu-architecture-3d"/>
-          <p:cNvPicPr>
-            <a:picLocks noChangeAspect="1"/>
-          </p:cNvPicPr>
-          <p:nvPr/>
-        </p:nvPicPr>
-        <p:blipFill>
-          <a:blip r:embed="rId2"/>
-          <a:stretch>
-            <a:fillRect/>
-          </a:stretch>
-        </p:blipFill>
-        <p:spPr>
-          <a:xfrm>
-            <a:off x="1420495" y="3578225"/>
-            <a:ext cx="15128240" cy="9058910"/>
-          </a:xfrm>
-          <a:prstGeom prst="rect">
-            <a:avLst/>
-          </a:prstGeom>
-        </p:spPr>
-      </p:pic>
     </p:spTree>
   </p:cSld>
   <p:clrMapOvr>
@@ -8690,16 +8937,28 @@
             <p:ph type="body" sz="quarter" idx="21"/>
           </p:nvPr>
         </p:nvSpPr>
-        <p:spPr/>
+        <p:spPr>
+          <a:xfrm>
+            <a:off x="1420495" y="1397000"/>
+            <a:ext cx="11299825" cy="1231900"/>
+          </a:xfrm>
+        </p:spPr>
         <p:txBody>
           <a:bodyPr/>
           <a:lstStyle/>
           <a:p>
             <a:r>
-              <a:rPr kumimoji="1" lang="en-US" altLang="zh-CN"/>
-              <a:t>Step1: Add Dependency</a:t>
-            </a:r>
-            <a:endParaRPr kumimoji="1" lang="en-US" altLang="zh-CN"/>
+              <a:rPr kumimoji="1" lang="en-US" altLang="zh-CN">
+                <a:sym typeface="+mn-ea"/>
+              </a:rPr>
+              <a:t>Step2: Implement the Java Part</a:t>
+            </a:r>
+            <a:endParaRPr kumimoji="1" lang="en-US" altLang="zh-CN">
+              <a:sym typeface="+mn-ea"/>
+            </a:endParaRPr>
+          </a:p>
+          <a:p>
+            <a:endParaRPr kumimoji="1" lang="zh-CN" altLang="en-US"/>
           </a:p>
         </p:txBody>
       </p:sp>
@@ -8718,60 +8977,6 @@
           <a:bodyPr/>
           <a:lstStyle/>
           <a:p>
-            <a:r>
-              <a:rPr kumimoji="1" lang="zh-CN" altLang="en-US"/>
-              <a:t>Assuming we already have a Maven project</a:t>
-            </a:r>
-            <a:r>
-              <a:rPr kumimoji="1" lang="en-US" altLang="zh-CN"/>
-              <a:t>.</a:t>
-            </a:r>
-            <a:endParaRPr kumimoji="1" lang="en-US" altLang="zh-CN"/>
-          </a:p>
-          <a:p>
-            <a:endParaRPr kumimoji="1" lang="zh-CN" altLang="en-US"/>
-          </a:p>
-          <a:p>
-            <a:r>
-              <a:rPr kumimoji="1" lang="zh-CN" altLang="en-US"/>
-              <a:t>&lt;dependency&gt;</a:t>
-            </a:r>
-            <a:endParaRPr kumimoji="1" lang="zh-CN" altLang="en-US"/>
-          </a:p>
-          <a:p>
-            <a:r>
-              <a:rPr kumimoji="1" lang="zh-CN" altLang="en-US"/>
-              <a:t>    &lt;groupId&gt;org.apache.shenyu&lt;/groupId&gt;</a:t>
-            </a:r>
-            <a:endParaRPr kumimoji="1" lang="zh-CN" altLang="en-US"/>
-          </a:p>
-          <a:p>
-            <a:r>
-              <a:rPr kumimoji="1" lang="zh-CN" altLang="en-US"/>
-              <a:t>    &lt;artifactId&gt;shenyu-plugin-wasm-base&lt;/artifactId&gt;</a:t>
-            </a:r>
-            <a:endParaRPr kumimoji="1" lang="zh-CN" altLang="en-US"/>
-          </a:p>
-          <a:p>
-            <a:r>
-              <a:rPr kumimoji="1" lang="zh-CN" altLang="en-US"/>
-              <a:t>    &lt;version&gt;${</a:t>
-            </a:r>
-            <a:r>
-              <a:rPr kumimoji="1" lang="en-US" altLang="zh-CN"/>
-              <a:t>shenyu</a:t>
-            </a:r>
-            <a:r>
-              <a:rPr kumimoji="1" lang="zh-CN" altLang="en-US"/>
-              <a:t>.version}&lt;/version&gt;</a:t>
-            </a:r>
-            <a:endParaRPr kumimoji="1" lang="zh-CN" altLang="en-US"/>
-          </a:p>
-          <a:p>
-            <a:r>
-              <a:rPr kumimoji="1" lang="zh-CN" altLang="en-US"/>
-              <a:t>&lt;/dependency&gt;</a:t>
-            </a:r>
             <a:endParaRPr kumimoji="1" lang="zh-CN" altLang="en-US"/>
           </a:p>
         </p:txBody>
@@ -8825,25 +9030,12 @@
             <p:ph type="body" sz="quarter" idx="21"/>
           </p:nvPr>
         </p:nvSpPr>
-        <p:spPr>
-          <a:xfrm>
-            <a:off x="1420495" y="1397000"/>
-            <a:ext cx="12094845" cy="1231900"/>
-          </a:xfrm>
-        </p:spPr>
+        <p:spPr/>
         <p:txBody>
           <a:bodyPr/>
           <a:lstStyle/>
           <a:p>
-            <a:r>
-              <a:rPr kumimoji="1" lang="en-US" altLang="zh-CN">
-                <a:sym typeface="+mn-ea"/>
-              </a:rPr>
-              <a:t>Step2: Subscribe Plugin Changes</a:t>
-            </a:r>
-            <a:endParaRPr kumimoji="1" lang="en-US" altLang="zh-CN">
-              <a:sym typeface="+mn-ea"/>
-            </a:endParaRPr>
+            <a:endParaRPr kumimoji="1" lang="zh-CN" altLang="en-US"/>
           </a:p>
         </p:txBody>
       </p:sp>
@@ -8862,25 +9054,7 @@
           <a:bodyPr/>
           <a:lstStyle/>
           <a:p>
-            <a:r>
-              <a:rPr kumimoji="1" lang="zh-CN" altLang="en-US"/>
-              <a:t>public class BrpcPluginDataHandler extends AbstractWasmPluginDataHandler {</a:t>
-            </a:r>
             <a:endParaRPr kumimoji="1" lang="zh-CN" altLang="en-US"/>
-          </a:p>
-          <a:p>
-            <a:r>
-              <a:rPr kumimoji="1" lang="en-US" altLang="zh-CN"/>
-              <a:t>    // Receive data from shenyu-admin</a:t>
-            </a:r>
-            <a:endParaRPr kumimoji="1" lang="en-US" altLang="zh-CN"/>
-          </a:p>
-          <a:p>
-            <a:r>
-              <a:rPr kumimoji="1" lang="en-US" altLang="zh-CN"/>
-              <a:t>}</a:t>
-            </a:r>
-            <a:endParaRPr kumimoji="1" lang="en-US" altLang="zh-CN"/>
           </a:p>
         </p:txBody>
       </p:sp>
@@ -8895,20 +9069,6 @@
 <file path=ppt/slides/slide26.xml><?xml version="1.0" encoding="utf-8"?>
 <p:sld xmlns:a="http://schemas.openxmlformats.org/drawingml/2006/main" xmlns:r="http://schemas.openxmlformats.org/officeDocument/2006/relationships" xmlns:p="http://schemas.openxmlformats.org/presentationml/2006/main">
   <p:cSld>
-    <p:bg>
-      <p:bgPr>
-        <a:blipFill dpi="0" rotWithShape="1">
-          <a:blip r:embed="rId1">
-            <a:lum/>
-          </a:blip>
-          <a:srcRect/>
-          <a:stretch>
-            <a:fillRect/>
-          </a:stretch>
-        </a:blipFill>
-        <a:effectLst/>
-      </p:bgPr>
-    </p:bg>
     <p:spTree>
       <p:nvGrpSpPr>
         <p:cNvPr id="1" name=""/>
@@ -8925,50 +9085,73 @@
       </p:grpSpPr>
       <p:sp>
         <p:nvSpPr>
-          <p:cNvPr id="2" name="文本占位符 1"/>
-          <p:cNvSpPr>
-            <a:spLocks noGrp="1"/>
-          </p:cNvSpPr>
-          <p:nvPr>
-            <p:ph type="body" sz="quarter" idx="21"/>
-          </p:nvPr>
+          <p:cNvPr id="9" name="标题占位符 16"/>
+          <p:cNvSpPr txBox="1"/>
+          <p:nvPr/>
         </p:nvSpPr>
         <p:spPr>
           <a:xfrm>
-            <a:off x="1420495" y="1397000"/>
-            <a:ext cx="12710160" cy="1231900"/>
+            <a:off x="1750489" y="4437077"/>
+            <a:ext cx="20957109" cy="2651125"/>
           </a:xfrm>
+          <a:prstGeom prst="rect">
+            <a:avLst/>
+          </a:prstGeom>
         </p:spPr>
         <p:txBody>
-          <a:bodyPr/>
-          <a:lstStyle/>
-          <a:p>
-            <a:r>
-              <a:rPr kumimoji="1" lang="en-US" altLang="zh-CN">
+          <a:bodyPr vert="horz" lIns="91440" tIns="45720" rIns="91440" bIns="45720" rtlCol="0" anchor="ctr">
+            <a:normAutofit/>
+          </a:bodyPr>
+          <a:lstStyle>
+            <a:lvl1pPr marL="0" marR="0" indent="0" algn="ctr" defTabSz="2438400" rtl="0" eaLnBrk="1" fontAlgn="auto" latinLnBrk="0" hangingPunct="1">
+              <a:lnSpc>
+                <a:spcPct val="110000"/>
+              </a:lnSpc>
+              <a:spcBef>
+                <a:spcPts val="0"/>
+              </a:spcBef>
+              <a:spcAft>
+                <a:spcPts val="0"/>
+              </a:spcAft>
+              <a:buClrTx/>
+              <a:buSzTx/>
+              <a:buFontTx/>
+              <a:buNone/>
+              <a:defRPr kumimoji="0" lang="zh-CN" altLang="en-US" sz="8000" b="0" i="0" u="none" strike="noStrike" kern="0" cap="none" spc="0" normalizeH="0" baseline="0" dirty="0">
+                <a:ln>
+                  <a:noFill/>
+                </a:ln>
+                <a:solidFill>
+                  <a:srgbClr val="FFFFFF"/>
+                </a:solidFill>
+                <a:effectLst/>
+                <a:uFillTx/>
+                <a:latin typeface="OPPOSans H"/>
+                <a:ea typeface="OPPOSans H"/>
+                <a:cs typeface="OPPOSans H"/>
+                <a:sym typeface="OPPOSans H"/>
+              </a:defRPr>
+            </a:lvl1pPr>
+          </a:lstStyle>
+          <a:p>
+            <a:pPr>
+              <a:defRPr sz="8000" b="0">
+                <a:solidFill>
+                  <a:srgbClr val="FFFFFF"/>
+                </a:solidFill>
+                <a:latin typeface="OPPOSans H"/>
+                <a:ea typeface="OPPOSans H"/>
+                <a:cs typeface="OPPOSans H"/>
+                <a:sym typeface="OPPOSans H"/>
+              </a:defRPr>
+            </a:pPr>
+            <a:r>
+              <a:rPr lang="en-US" altLang="en-GB" sz="9600">
                 <a:sym typeface="+mn-ea"/>
               </a:rPr>
-              <a:t>Step3: Subscribe Metadata Changes</a:t>
-            </a:r>
-            <a:endParaRPr kumimoji="1" lang="zh-CN" altLang="en-US"/>
-          </a:p>
-        </p:txBody>
-      </p:sp>
-      <p:sp>
-        <p:nvSpPr>
-          <p:cNvPr id="3" name="文本占位符 2"/>
-          <p:cNvSpPr>
-            <a:spLocks noGrp="1"/>
-          </p:cNvSpPr>
-          <p:nvPr>
-            <p:ph type="body" sz="quarter" idx="22"/>
-          </p:nvPr>
-        </p:nvSpPr>
-        <p:spPr/>
-        <p:txBody>
-          <a:bodyPr/>
-          <a:lstStyle/>
-          <a:p>
-            <a:endParaRPr kumimoji="1" lang="zh-CN" altLang="en-US"/>
+              <a:t>Question&amp;Answer</a:t>
+            </a:r>
+            <a:endParaRPr lang="en-GB" altLang="zh-CN" sz="9600" dirty="0"/>
           </a:p>
         </p:txBody>
       </p:sp>
@@ -9027,14 +9210,11 @@
           <a:lstStyle/>
           <a:p>
             <a:r>
-              <a:rPr kumimoji="1" lang="en-US" altLang="zh-CN">
+              <a:rPr lang="en-US" altLang="en-GB">
                 <a:sym typeface="+mn-ea"/>
               </a:rPr>
-              <a:t>Step4: Implement Plugin</a:t>
-            </a:r>
-            <a:endParaRPr kumimoji="1" lang="zh-CN" altLang="en-US"/>
-          </a:p>
-          <a:p>
+              <a:t>Question&amp;Answer</a:t>
+            </a:r>
             <a:endParaRPr kumimoji="1" lang="zh-CN" altLang="en-US"/>
           </a:p>
         </p:txBody>
@@ -9054,7 +9234,59 @@
           <a:bodyPr/>
           <a:lstStyle/>
           <a:p>
-            <a:endParaRPr kumimoji="1" lang="zh-CN" altLang="en-US"/>
+            <a:r>
+              <a:rPr kumimoji="1" lang="en-US" altLang="zh-CN"/>
+              <a:t>The friendship project link is as follows:</a:t>
+            </a:r>
+            <a:endParaRPr kumimoji="1" lang="en-US" altLang="zh-CN"/>
+          </a:p>
+          <a:p>
+            <a:r>
+              <a:rPr kumimoji="1" lang="en-US" altLang="zh-CN"/>
+              <a:t>https://github.com/acl-dev/open-coroutine</a:t>
+            </a:r>
+            <a:endParaRPr kumimoji="1" lang="en-US" altLang="zh-CN"/>
+          </a:p>
+          <a:p>
+            <a:r>
+              <a:rPr kumimoji="1" lang="en-US" altLang="zh-CN"/>
+              <a:t>https://github.com/acl-dev/acl</a:t>
+            </a:r>
+            <a:endParaRPr kumimoji="1" lang="en-US" altLang="zh-CN"/>
+          </a:p>
+          <a:p>
+            <a:r>
+              <a:rPr kumimoji="1" lang="en-US" altLang="zh-CN"/>
+              <a:t>https://github.com/alibaba/arthas</a:t>
+            </a:r>
+            <a:endParaRPr kumimoji="1" lang="en-US" altLang="zh-CN"/>
+          </a:p>
+          <a:p>
+            <a:r>
+              <a:rPr kumimoji="1" lang="en-US" altLang="zh-CN">
+                <a:sym typeface="+mn-ea"/>
+              </a:rPr>
+              <a:t>https://github.com/bytedance/monoio</a:t>
+            </a:r>
+            <a:endParaRPr kumimoji="1" lang="en-US" altLang="zh-CN">
+              <a:sym typeface="+mn-ea"/>
+            </a:endParaRPr>
+          </a:p>
+          <a:p>
+            <a:r>
+              <a:rPr kumimoji="1" lang="en-US" altLang="zh-CN">
+                <a:sym typeface="+mn-ea"/>
+              </a:rPr>
+              <a:t>https://github.com/dromara/dynamic-tp</a:t>
+            </a:r>
+            <a:endParaRPr kumimoji="1" lang="en-US" altLang="zh-CN"/>
+          </a:p>
+          <a:p>
+            <a:r>
+              <a:rPr kumimoji="1" lang="en-US" altLang="zh-CN"/>
+              <a:t>https://github.com/apache/dubbo-spi-extensions</a:t>
+            </a:r>
+            <a:endParaRPr kumimoji="1" lang="en-US" altLang="zh-CN"/>
           </a:p>
         </p:txBody>
       </p:sp>
@@ -9069,20 +9301,6 @@
 <file path=ppt/slides/slide28.xml><?xml version="1.0" encoding="utf-8"?>
 <p:sld xmlns:a="http://schemas.openxmlformats.org/drawingml/2006/main" xmlns:r="http://schemas.openxmlformats.org/officeDocument/2006/relationships" xmlns:p="http://schemas.openxmlformats.org/presentationml/2006/main">
   <p:cSld>
-    <p:bg>
-      <p:bgPr>
-        <a:blipFill dpi="0" rotWithShape="1">
-          <a:blip r:embed="rId1">
-            <a:lum/>
-          </a:blip>
-          <a:srcRect/>
-          <a:stretch>
-            <a:fillRect/>
-          </a:stretch>
-        </a:blipFill>
-        <a:effectLst/>
-      </p:bgPr>
-    </p:bg>
     <p:spTree>
       <p:nvGrpSpPr>
         <p:cNvPr id="1" name=""/>
@@ -9099,67 +9317,238 @@
       </p:grpSpPr>
       <p:sp>
         <p:nvSpPr>
-          <p:cNvPr id="2" name="文本占位符 1"/>
-          <p:cNvSpPr>
-            <a:spLocks noGrp="1"/>
-          </p:cNvSpPr>
-          <p:nvPr>
-            <p:ph type="body" sz="quarter" idx="21"/>
-          </p:nvPr>
+          <p:cNvPr id="8" name="嘉宾姓名 / Title"/>
+          <p:cNvSpPr txBox="1"/>
+          <p:nvPr/>
         </p:nvSpPr>
-        <p:spPr/>
+        <p:spPr>
+          <a:xfrm>
+            <a:off x="1750490" y="7953360"/>
+            <a:ext cx="20957109" cy="729770"/>
+          </a:xfrm>
+          <a:prstGeom prst="rect">
+            <a:avLst/>
+          </a:prstGeom>
+        </p:spPr>
         <p:txBody>
-          <a:bodyPr/>
-          <a:lstStyle/>
-          <a:p>
-            <a:endParaRPr kumimoji="1" lang="zh-CN" altLang="en-US"/>
+          <a:bodyPr lIns="45719" tIns="45719" rIns="45719" bIns="45719" anchor="ctr">
+            <a:noAutofit/>
+          </a:bodyPr>
+          <a:lstStyle>
+            <a:lvl1pPr marL="228600" indent="-228600" algn="l" defTabSz="2438400" rtl="0" eaLnBrk="1" latinLnBrk="0" hangingPunct="1">
+              <a:lnSpc>
+                <a:spcPct val="90000"/>
+              </a:lnSpc>
+              <a:spcBef>
+                <a:spcPts val="1000"/>
+              </a:spcBef>
+              <a:buFont typeface="Arial" panose="020B0604020202090204" pitchFamily="34" charset="0"/>
+              <a:buChar char="•"/>
+              <a:defRPr sz="3200" b="0" i="0" kern="1200" spc="64">
+                <a:solidFill>
+                  <a:srgbClr val="FFFFFF"/>
+                </a:solidFill>
+                <a:latin typeface="OPPOSans L" pitchFamily="18" charset="-122"/>
+                <a:ea typeface="OPPOSans L" pitchFamily="18" charset="-122"/>
+                <a:cs typeface="OPPOSans L" pitchFamily="18" charset="-122"/>
+                <a:sym typeface="OPPOSans L"/>
+              </a:defRPr>
+            </a:lvl1pPr>
+            <a:lvl2pPr marL="685800" indent="-228600" algn="l" defTabSz="914400" rtl="0" eaLnBrk="1" latinLnBrk="0" hangingPunct="1">
+              <a:lnSpc>
+                <a:spcPct val="90000"/>
+              </a:lnSpc>
+              <a:spcBef>
+                <a:spcPts val="500"/>
+              </a:spcBef>
+              <a:buFont typeface="Arial" panose="020B0604020202090204" pitchFamily="34" charset="0"/>
+              <a:buChar char="•"/>
+              <a:defRPr sz="2400" kern="1200">
+                <a:solidFill>
+                  <a:schemeClr val="tx1"/>
+                </a:solidFill>
+                <a:latin typeface="+mn-lt"/>
+                <a:ea typeface="+mn-ea"/>
+                <a:cs typeface="+mn-cs"/>
+              </a:defRPr>
+            </a:lvl2pPr>
+            <a:lvl3pPr marL="1143000" indent="-228600" algn="l" defTabSz="914400" rtl="0" eaLnBrk="1" latinLnBrk="0" hangingPunct="1">
+              <a:lnSpc>
+                <a:spcPct val="90000"/>
+              </a:lnSpc>
+              <a:spcBef>
+                <a:spcPts val="500"/>
+              </a:spcBef>
+              <a:buFont typeface="Arial" panose="020B0604020202090204" pitchFamily="34" charset="0"/>
+              <a:buChar char="•"/>
+              <a:defRPr sz="2000" kern="1200">
+                <a:solidFill>
+                  <a:schemeClr val="tx1"/>
+                </a:solidFill>
+                <a:latin typeface="+mn-lt"/>
+                <a:ea typeface="+mn-ea"/>
+                <a:cs typeface="+mn-cs"/>
+              </a:defRPr>
+            </a:lvl3pPr>
+            <a:lvl4pPr marL="1600200" indent="-228600" algn="l" defTabSz="914400" rtl="0" eaLnBrk="1" latinLnBrk="0" hangingPunct="1">
+              <a:lnSpc>
+                <a:spcPct val="90000"/>
+              </a:lnSpc>
+              <a:spcBef>
+                <a:spcPts val="500"/>
+              </a:spcBef>
+              <a:buFont typeface="Arial" panose="020B0604020202090204" pitchFamily="34" charset="0"/>
+              <a:buChar char="•"/>
+              <a:defRPr sz="1800" kern="1200">
+                <a:solidFill>
+                  <a:schemeClr val="tx1"/>
+                </a:solidFill>
+                <a:latin typeface="+mn-lt"/>
+                <a:ea typeface="+mn-ea"/>
+                <a:cs typeface="+mn-cs"/>
+              </a:defRPr>
+            </a:lvl4pPr>
+            <a:lvl5pPr marL="2057400" indent="-228600" algn="l" defTabSz="914400" rtl="0" eaLnBrk="1" latinLnBrk="0" hangingPunct="1">
+              <a:lnSpc>
+                <a:spcPct val="90000"/>
+              </a:lnSpc>
+              <a:spcBef>
+                <a:spcPts val="500"/>
+              </a:spcBef>
+              <a:buFont typeface="Arial" panose="020B0604020202090204" pitchFamily="34" charset="0"/>
+              <a:buChar char="•"/>
+              <a:defRPr sz="1800" kern="1200">
+                <a:solidFill>
+                  <a:schemeClr val="tx1"/>
+                </a:solidFill>
+                <a:latin typeface="+mn-lt"/>
+                <a:ea typeface="+mn-ea"/>
+                <a:cs typeface="+mn-cs"/>
+              </a:defRPr>
+            </a:lvl5pPr>
+            <a:lvl6pPr marL="2514600" indent="-228600" algn="l" defTabSz="914400" rtl="0" eaLnBrk="1" latinLnBrk="0" hangingPunct="1">
+              <a:lnSpc>
+                <a:spcPct val="90000"/>
+              </a:lnSpc>
+              <a:spcBef>
+                <a:spcPts val="500"/>
+              </a:spcBef>
+              <a:buFont typeface="Arial" panose="020B0604020202090204" pitchFamily="34" charset="0"/>
+              <a:buChar char="•"/>
+              <a:defRPr sz="1800" kern="1200">
+                <a:solidFill>
+                  <a:schemeClr val="tx1"/>
+                </a:solidFill>
+                <a:latin typeface="+mn-lt"/>
+                <a:ea typeface="+mn-ea"/>
+                <a:cs typeface="+mn-cs"/>
+              </a:defRPr>
+            </a:lvl6pPr>
+            <a:lvl7pPr marL="2971800" indent="-228600" algn="l" defTabSz="914400" rtl="0" eaLnBrk="1" latinLnBrk="0" hangingPunct="1">
+              <a:lnSpc>
+                <a:spcPct val="90000"/>
+              </a:lnSpc>
+              <a:spcBef>
+                <a:spcPts val="500"/>
+              </a:spcBef>
+              <a:buFont typeface="Arial" panose="020B0604020202090204" pitchFamily="34" charset="0"/>
+              <a:buChar char="•"/>
+              <a:defRPr sz="1800" kern="1200">
+                <a:solidFill>
+                  <a:schemeClr val="tx1"/>
+                </a:solidFill>
+                <a:latin typeface="+mn-lt"/>
+                <a:ea typeface="+mn-ea"/>
+                <a:cs typeface="+mn-cs"/>
+              </a:defRPr>
+            </a:lvl7pPr>
+            <a:lvl8pPr marL="3429000" indent="-228600" algn="l" defTabSz="914400" rtl="0" eaLnBrk="1" latinLnBrk="0" hangingPunct="1">
+              <a:lnSpc>
+                <a:spcPct val="90000"/>
+              </a:lnSpc>
+              <a:spcBef>
+                <a:spcPts val="500"/>
+              </a:spcBef>
+              <a:buFont typeface="Arial" panose="020B0604020202090204" pitchFamily="34" charset="0"/>
+              <a:buChar char="•"/>
+              <a:defRPr sz="1800" kern="1200">
+                <a:solidFill>
+                  <a:schemeClr val="tx1"/>
+                </a:solidFill>
+                <a:latin typeface="+mn-lt"/>
+                <a:ea typeface="+mn-ea"/>
+                <a:cs typeface="+mn-cs"/>
+              </a:defRPr>
+            </a:lvl8pPr>
+            <a:lvl9pPr marL="3886200" indent="-228600" algn="l" defTabSz="914400" rtl="0" eaLnBrk="1" latinLnBrk="0" hangingPunct="1">
+              <a:lnSpc>
+                <a:spcPct val="90000"/>
+              </a:lnSpc>
+              <a:spcBef>
+                <a:spcPts val="500"/>
+              </a:spcBef>
+              <a:buFont typeface="Arial" panose="020B0604020202090204" pitchFamily="34" charset="0"/>
+              <a:buChar char="•"/>
+              <a:defRPr sz="1800" kern="1200">
+                <a:solidFill>
+                  <a:schemeClr val="tx1"/>
+                </a:solidFill>
+                <a:latin typeface="+mn-lt"/>
+                <a:ea typeface="+mn-ea"/>
+                <a:cs typeface="+mn-cs"/>
+              </a:defRPr>
+            </a:lvl9pPr>
+          </a:lstStyle>
+          <a:p>
+            <a:pPr marL="0" indent="0" algn="ctr">
+              <a:buNone/>
+            </a:pPr>
+            <a:r>
+              <a:rPr lang="en-US" altLang="en-GB" sz="4400" dirty="0" err="1">
+                <a:solidFill>
+                  <a:srgbClr val="EB9E43"/>
+                </a:solidFill>
+                <a:latin typeface="OPPOSans M" pitchFamily="18" charset="-122"/>
+                <a:ea typeface="OPPOSans M" pitchFamily="18" charset="-122"/>
+                <a:cs typeface="OPPOSans M" pitchFamily="18" charset="-122"/>
+              </a:rPr>
+              <a:t>zhangzicheng@apache.org</a:t>
+            </a:r>
+            <a:endParaRPr lang="en-US" altLang="en-GB" sz="4400" dirty="0" err="1">
+              <a:solidFill>
+                <a:srgbClr val="EB9E43"/>
+              </a:solidFill>
+              <a:latin typeface="OPPOSans M" pitchFamily="18" charset="-122"/>
+              <a:ea typeface="OPPOSans M" pitchFamily="18" charset="-122"/>
+              <a:cs typeface="OPPOSans M" pitchFamily="18" charset="-122"/>
+            </a:endParaRPr>
+          </a:p>
+          <a:p>
+            <a:pPr marL="0" indent="0" algn="ctr">
+              <a:buNone/>
+            </a:pPr>
+            <a:r>
+              <a:rPr lang="en-US" altLang="en-GB" sz="4400" dirty="0" err="1">
+                <a:solidFill>
+                  <a:srgbClr val="EB9E43"/>
+                </a:solidFill>
+                <a:latin typeface="OPPOSans M" pitchFamily="18" charset="-122"/>
+                <a:ea typeface="OPPOSans M" pitchFamily="18" charset="-122"/>
+                <a:cs typeface="OPPOSans M" pitchFamily="18" charset="-122"/>
+              </a:rPr>
+              <a:t>https://github.com/loongs-zhang/ACOCA2024-PlayWithWASM</a:t>
+            </a:r>
+            <a:endParaRPr lang="en-US" altLang="en-GB" sz="4400" dirty="0" err="1">
+              <a:solidFill>
+                <a:srgbClr val="EB9E43"/>
+              </a:solidFill>
+              <a:latin typeface="OPPOSans M" pitchFamily="18" charset="-122"/>
+              <a:ea typeface="OPPOSans M" pitchFamily="18" charset="-122"/>
+              <a:cs typeface="OPPOSans M" pitchFamily="18" charset="-122"/>
+            </a:endParaRPr>
           </a:p>
         </p:txBody>
       </p:sp>
-      <p:sp>
-        <p:nvSpPr>
-          <p:cNvPr id="3" name="文本占位符 2"/>
-          <p:cNvSpPr>
-            <a:spLocks noGrp="1"/>
-          </p:cNvSpPr>
-          <p:nvPr>
-            <p:ph type="body" sz="quarter" idx="22"/>
-          </p:nvPr>
-        </p:nvSpPr>
-        <p:spPr/>
-        <p:txBody>
-          <a:bodyPr/>
-          <a:lstStyle/>
-          <a:p>
-            <a:endParaRPr kumimoji="1" lang="zh-CN" altLang="en-US"/>
-          </a:p>
-        </p:txBody>
-      </p:sp>
-    </p:spTree>
-  </p:cSld>
-  <p:clrMapOvr>
-    <a:masterClrMapping/>
-  </p:clrMapOvr>
-</p:sld>
-</file>
-
-<file path=ppt/slides/slide29.xml><?xml version="1.0" encoding="utf-8"?>
-<p:sld xmlns:a="http://schemas.openxmlformats.org/drawingml/2006/main" xmlns:r="http://schemas.openxmlformats.org/officeDocument/2006/relationships" xmlns:p="http://schemas.openxmlformats.org/presentationml/2006/main">
-  <p:cSld>
-    <p:spTree>
-      <p:nvGrpSpPr>
-        <p:cNvPr id="1" name=""/>
-        <p:cNvGrpSpPr/>
-        <p:nvPr/>
-      </p:nvGrpSpPr>
-      <p:grpSpPr>
-        <a:xfrm>
-          <a:off x="0" y="0"/>
-          <a:ext cx="0" cy="0"/>
-          <a:chOff x="0" y="0"/>
-          <a:chExt cx="0" cy="0"/>
-        </a:xfrm>
-      </p:grpSpPr>
       <p:sp>
         <p:nvSpPr>
           <p:cNvPr id="9" name="标题占位符 16"/>
@@ -9223,10 +9612,8 @@
               </a:defRPr>
             </a:pPr>
             <a:r>
-              <a:rPr lang="en-US" altLang="en-GB" sz="9600">
-                <a:sym typeface="+mn-ea"/>
-              </a:rPr>
-              <a:t>Question&amp;Answer</a:t>
+              <a:rPr lang="en-GB" altLang="zh-CN" sz="9600" dirty="0"/>
+              <a:t>Thanks</a:t>
             </a:r>
             <a:endParaRPr lang="en-GB" altLang="zh-CN" sz="9600" dirty="0"/>
           </a:p>
@@ -9284,7 +9671,7 @@
               <a:spcBef>
                 <a:spcPts val="1000"/>
               </a:spcBef>
-              <a:buFont typeface="Arial" panose="020B0604020202020204" pitchFamily="34" charset="0"/>
+              <a:buFont typeface="Arial" panose="020B0604020202090204" pitchFamily="34" charset="0"/>
               <a:buChar char="•"/>
               <a:defRPr sz="3200" b="0" i="0" kern="1200" spc="64">
                 <a:solidFill>
@@ -9303,7 +9690,7 @@
               <a:spcBef>
                 <a:spcPts val="500"/>
               </a:spcBef>
-              <a:buFont typeface="Arial" panose="020B0604020202020204" pitchFamily="34" charset="0"/>
+              <a:buFont typeface="Arial" panose="020B0604020202090204" pitchFamily="34" charset="0"/>
               <a:buChar char="•"/>
               <a:defRPr sz="2400" kern="1200">
                 <a:solidFill>
@@ -9321,7 +9708,7 @@
               <a:spcBef>
                 <a:spcPts val="500"/>
               </a:spcBef>
-              <a:buFont typeface="Arial" panose="020B0604020202020204" pitchFamily="34" charset="0"/>
+              <a:buFont typeface="Arial" panose="020B0604020202090204" pitchFamily="34" charset="0"/>
               <a:buChar char="•"/>
               <a:defRPr sz="2000" kern="1200">
                 <a:solidFill>
@@ -9339,7 +9726,7 @@
               <a:spcBef>
                 <a:spcPts val="500"/>
               </a:spcBef>
-              <a:buFont typeface="Arial" panose="020B0604020202020204" pitchFamily="34" charset="0"/>
+              <a:buFont typeface="Arial" panose="020B0604020202090204" pitchFamily="34" charset="0"/>
               <a:buChar char="•"/>
               <a:defRPr sz="1800" kern="1200">
                 <a:solidFill>
@@ -9357,7 +9744,7 @@
               <a:spcBef>
                 <a:spcPts val="500"/>
               </a:spcBef>
-              <a:buFont typeface="Arial" panose="020B0604020202020204" pitchFamily="34" charset="0"/>
+              <a:buFont typeface="Arial" panose="020B0604020202090204" pitchFamily="34" charset="0"/>
               <a:buChar char="•"/>
               <a:defRPr sz="1800" kern="1200">
                 <a:solidFill>
@@ -9375,7 +9762,7 @@
               <a:spcBef>
                 <a:spcPts val="500"/>
               </a:spcBef>
-              <a:buFont typeface="Arial" panose="020B0604020202020204" pitchFamily="34" charset="0"/>
+              <a:buFont typeface="Arial" panose="020B0604020202090204" pitchFamily="34" charset="0"/>
               <a:buChar char="•"/>
               <a:defRPr sz="1800" kern="1200">
                 <a:solidFill>
@@ -9393,7 +9780,7 @@
               <a:spcBef>
                 <a:spcPts val="500"/>
               </a:spcBef>
-              <a:buFont typeface="Arial" panose="020B0604020202020204" pitchFamily="34" charset="0"/>
+              <a:buFont typeface="Arial" panose="020B0604020202090204" pitchFamily="34" charset="0"/>
               <a:buChar char="•"/>
               <a:defRPr sz="1800" kern="1200">
                 <a:solidFill>
@@ -9411,7 +9798,7 @@
               <a:spcBef>
                 <a:spcPts val="500"/>
               </a:spcBef>
-              <a:buFont typeface="Arial" panose="020B0604020202020204" pitchFamily="34" charset="0"/>
+              <a:buFont typeface="Arial" panose="020B0604020202090204" pitchFamily="34" charset="0"/>
               <a:buChar char="•"/>
               <a:defRPr sz="1800" kern="1200">
                 <a:solidFill>
@@ -9429,7 +9816,7 @@
               <a:spcBef>
                 <a:spcPts val="500"/>
               </a:spcBef>
-              <a:buFont typeface="Arial" panose="020B0604020202020204" pitchFamily="34" charset="0"/>
+              <a:buFont typeface="Arial" panose="020B0604020202090204" pitchFamily="34" charset="0"/>
               <a:buChar char="•"/>
               <a:defRPr sz="1800" kern="1200">
                 <a:solidFill>
@@ -9534,470 +9921,6 @@
                 <a:sym typeface="+mn-ea"/>
               </a:rPr>
               <a:t>Introduction</a:t>
-            </a:r>
-            <a:endParaRPr lang="en-GB" altLang="zh-CN" sz="9600" dirty="0"/>
-          </a:p>
-        </p:txBody>
-      </p:sp>
-    </p:spTree>
-  </p:cSld>
-  <p:clrMapOvr>
-    <a:masterClrMapping/>
-  </p:clrMapOvr>
-</p:sld>
-</file>
-
-<file path=ppt/slides/slide30.xml><?xml version="1.0" encoding="utf-8"?>
-<p:sld xmlns:a="http://schemas.openxmlformats.org/drawingml/2006/main" xmlns:r="http://schemas.openxmlformats.org/officeDocument/2006/relationships" xmlns:p="http://schemas.openxmlformats.org/presentationml/2006/main">
-  <p:cSld>
-    <p:bg>
-      <p:bgPr>
-        <a:blipFill dpi="0" rotWithShape="1">
-          <a:blip r:embed="rId1">
-            <a:lum/>
-          </a:blip>
-          <a:srcRect/>
-          <a:stretch>
-            <a:fillRect/>
-          </a:stretch>
-        </a:blipFill>
-        <a:effectLst/>
-      </p:bgPr>
-    </p:bg>
-    <p:spTree>
-      <p:nvGrpSpPr>
-        <p:cNvPr id="1" name=""/>
-        <p:cNvGrpSpPr/>
-        <p:nvPr/>
-      </p:nvGrpSpPr>
-      <p:grpSpPr>
-        <a:xfrm>
-          <a:off x="0" y="0"/>
-          <a:ext cx="0" cy="0"/>
-          <a:chOff x="0" y="0"/>
-          <a:chExt cx="0" cy="0"/>
-        </a:xfrm>
-      </p:grpSpPr>
-      <p:sp>
-        <p:nvSpPr>
-          <p:cNvPr id="2" name="文本占位符 1"/>
-          <p:cNvSpPr>
-            <a:spLocks noGrp="1"/>
-          </p:cNvSpPr>
-          <p:nvPr>
-            <p:ph type="body" sz="quarter" idx="21"/>
-          </p:nvPr>
-        </p:nvSpPr>
-        <p:spPr/>
-        <p:txBody>
-          <a:bodyPr/>
-          <a:lstStyle/>
-          <a:p>
-            <a:r>
-              <a:rPr lang="en-US" altLang="en-GB">
-                <a:sym typeface="+mn-ea"/>
-              </a:rPr>
-              <a:t>Question&amp;Answer</a:t>
-            </a:r>
-            <a:endParaRPr kumimoji="1" lang="zh-CN" altLang="en-US"/>
-          </a:p>
-        </p:txBody>
-      </p:sp>
-      <p:sp>
-        <p:nvSpPr>
-          <p:cNvPr id="3" name="文本占位符 2"/>
-          <p:cNvSpPr>
-            <a:spLocks noGrp="1"/>
-          </p:cNvSpPr>
-          <p:nvPr>
-            <p:ph type="body" sz="quarter" idx="22"/>
-          </p:nvPr>
-        </p:nvSpPr>
-        <p:spPr/>
-        <p:txBody>
-          <a:bodyPr/>
-          <a:lstStyle/>
-          <a:p>
-            <a:r>
-              <a:rPr kumimoji="1" lang="en-US" altLang="zh-CN"/>
-              <a:t>The friendship project link is as follows:</a:t>
-            </a:r>
-            <a:endParaRPr kumimoji="1" lang="en-US" altLang="zh-CN"/>
-          </a:p>
-          <a:p>
-            <a:r>
-              <a:rPr kumimoji="1" lang="en-US" altLang="zh-CN"/>
-              <a:t>https://github.com/acl-dev/open-coroutine</a:t>
-            </a:r>
-            <a:endParaRPr kumimoji="1" lang="en-US" altLang="zh-CN"/>
-          </a:p>
-          <a:p>
-            <a:r>
-              <a:rPr kumimoji="1" lang="en-US" altLang="zh-CN"/>
-              <a:t>https://github.com/acl-dev/acl</a:t>
-            </a:r>
-            <a:endParaRPr kumimoji="1" lang="en-US" altLang="zh-CN"/>
-          </a:p>
-          <a:p>
-            <a:r>
-              <a:rPr kumimoji="1" lang="en-US" altLang="zh-CN"/>
-              <a:t>https://github.com/alibaba/arthas</a:t>
-            </a:r>
-            <a:endParaRPr kumimoji="1" lang="en-US" altLang="zh-CN"/>
-          </a:p>
-          <a:p>
-            <a:r>
-              <a:rPr kumimoji="1" lang="en-US" altLang="zh-CN">
-                <a:sym typeface="+mn-ea"/>
-              </a:rPr>
-              <a:t>https://github.com/bytedance/monoio</a:t>
-            </a:r>
-            <a:endParaRPr kumimoji="1" lang="en-US" altLang="zh-CN">
-              <a:sym typeface="+mn-ea"/>
-            </a:endParaRPr>
-          </a:p>
-          <a:p>
-            <a:r>
-              <a:rPr kumimoji="1" lang="en-US" altLang="zh-CN">
-                <a:sym typeface="+mn-ea"/>
-              </a:rPr>
-              <a:t>https://github.com/dromara/dynamic-tp</a:t>
-            </a:r>
-            <a:endParaRPr kumimoji="1" lang="en-US" altLang="zh-CN"/>
-          </a:p>
-          <a:p>
-            <a:r>
-              <a:rPr kumimoji="1" lang="en-US" altLang="zh-CN"/>
-              <a:t>https://github.com/apache/dubbo-spi-extensions</a:t>
-            </a:r>
-            <a:endParaRPr kumimoji="1" lang="en-US" altLang="zh-CN"/>
-          </a:p>
-        </p:txBody>
-      </p:sp>
-    </p:spTree>
-  </p:cSld>
-  <p:clrMapOvr>
-    <a:masterClrMapping/>
-  </p:clrMapOvr>
-</p:sld>
-</file>
-
-<file path=ppt/slides/slide31.xml><?xml version="1.0" encoding="utf-8"?>
-<p:sld xmlns:a="http://schemas.openxmlformats.org/drawingml/2006/main" xmlns:r="http://schemas.openxmlformats.org/officeDocument/2006/relationships" xmlns:p="http://schemas.openxmlformats.org/presentationml/2006/main">
-  <p:cSld>
-    <p:spTree>
-      <p:nvGrpSpPr>
-        <p:cNvPr id="1" name=""/>
-        <p:cNvGrpSpPr/>
-        <p:nvPr/>
-      </p:nvGrpSpPr>
-      <p:grpSpPr>
-        <a:xfrm>
-          <a:off x="0" y="0"/>
-          <a:ext cx="0" cy="0"/>
-          <a:chOff x="0" y="0"/>
-          <a:chExt cx="0" cy="0"/>
-        </a:xfrm>
-      </p:grpSpPr>
-      <p:sp>
-        <p:nvSpPr>
-          <p:cNvPr id="8" name="嘉宾姓名 / Title"/>
-          <p:cNvSpPr txBox="1"/>
-          <p:nvPr/>
-        </p:nvSpPr>
-        <p:spPr>
-          <a:xfrm>
-            <a:off x="1750490" y="7953360"/>
-            <a:ext cx="20957109" cy="729770"/>
-          </a:xfrm>
-          <a:prstGeom prst="rect">
-            <a:avLst/>
-          </a:prstGeom>
-        </p:spPr>
-        <p:txBody>
-          <a:bodyPr lIns="45719" tIns="45719" rIns="45719" bIns="45719" anchor="ctr">
-            <a:noAutofit/>
-          </a:bodyPr>
-          <a:lstStyle>
-            <a:lvl1pPr marL="228600" indent="-228600" algn="l" defTabSz="2438400" rtl="0" eaLnBrk="1" latinLnBrk="0" hangingPunct="1">
-              <a:lnSpc>
-                <a:spcPct val="90000"/>
-              </a:lnSpc>
-              <a:spcBef>
-                <a:spcPts val="1000"/>
-              </a:spcBef>
-              <a:buFont typeface="Arial" panose="020B0604020202020204" pitchFamily="34" charset="0"/>
-              <a:buChar char="•"/>
-              <a:defRPr sz="3200" b="0" i="0" kern="1200" spc="64">
-                <a:solidFill>
-                  <a:srgbClr val="FFFFFF"/>
-                </a:solidFill>
-                <a:latin typeface="OPPOSans L" pitchFamily="18" charset="-122"/>
-                <a:ea typeface="OPPOSans L" pitchFamily="18" charset="-122"/>
-                <a:cs typeface="OPPOSans L" pitchFamily="18" charset="-122"/>
-                <a:sym typeface="OPPOSans L"/>
-              </a:defRPr>
-            </a:lvl1pPr>
-            <a:lvl2pPr marL="685800" indent="-228600" algn="l" defTabSz="914400" rtl="0" eaLnBrk="1" latinLnBrk="0" hangingPunct="1">
-              <a:lnSpc>
-                <a:spcPct val="90000"/>
-              </a:lnSpc>
-              <a:spcBef>
-                <a:spcPts val="500"/>
-              </a:spcBef>
-              <a:buFont typeface="Arial" panose="020B0604020202020204" pitchFamily="34" charset="0"/>
-              <a:buChar char="•"/>
-              <a:defRPr sz="2400" kern="1200">
-                <a:solidFill>
-                  <a:schemeClr val="tx1"/>
-                </a:solidFill>
-                <a:latin typeface="+mn-lt"/>
-                <a:ea typeface="+mn-ea"/>
-                <a:cs typeface="+mn-cs"/>
-              </a:defRPr>
-            </a:lvl2pPr>
-            <a:lvl3pPr marL="1143000" indent="-228600" algn="l" defTabSz="914400" rtl="0" eaLnBrk="1" latinLnBrk="0" hangingPunct="1">
-              <a:lnSpc>
-                <a:spcPct val="90000"/>
-              </a:lnSpc>
-              <a:spcBef>
-                <a:spcPts val="500"/>
-              </a:spcBef>
-              <a:buFont typeface="Arial" panose="020B0604020202020204" pitchFamily="34" charset="0"/>
-              <a:buChar char="•"/>
-              <a:defRPr sz="2000" kern="1200">
-                <a:solidFill>
-                  <a:schemeClr val="tx1"/>
-                </a:solidFill>
-                <a:latin typeface="+mn-lt"/>
-                <a:ea typeface="+mn-ea"/>
-                <a:cs typeface="+mn-cs"/>
-              </a:defRPr>
-            </a:lvl3pPr>
-            <a:lvl4pPr marL="1600200" indent="-228600" algn="l" defTabSz="914400" rtl="0" eaLnBrk="1" latinLnBrk="0" hangingPunct="1">
-              <a:lnSpc>
-                <a:spcPct val="90000"/>
-              </a:lnSpc>
-              <a:spcBef>
-                <a:spcPts val="500"/>
-              </a:spcBef>
-              <a:buFont typeface="Arial" panose="020B0604020202020204" pitchFamily="34" charset="0"/>
-              <a:buChar char="•"/>
-              <a:defRPr sz="1800" kern="1200">
-                <a:solidFill>
-                  <a:schemeClr val="tx1"/>
-                </a:solidFill>
-                <a:latin typeface="+mn-lt"/>
-                <a:ea typeface="+mn-ea"/>
-                <a:cs typeface="+mn-cs"/>
-              </a:defRPr>
-            </a:lvl4pPr>
-            <a:lvl5pPr marL="2057400" indent="-228600" algn="l" defTabSz="914400" rtl="0" eaLnBrk="1" latinLnBrk="0" hangingPunct="1">
-              <a:lnSpc>
-                <a:spcPct val="90000"/>
-              </a:lnSpc>
-              <a:spcBef>
-                <a:spcPts val="500"/>
-              </a:spcBef>
-              <a:buFont typeface="Arial" panose="020B0604020202020204" pitchFamily="34" charset="0"/>
-              <a:buChar char="•"/>
-              <a:defRPr sz="1800" kern="1200">
-                <a:solidFill>
-                  <a:schemeClr val="tx1"/>
-                </a:solidFill>
-                <a:latin typeface="+mn-lt"/>
-                <a:ea typeface="+mn-ea"/>
-                <a:cs typeface="+mn-cs"/>
-              </a:defRPr>
-            </a:lvl5pPr>
-            <a:lvl6pPr marL="2514600" indent="-228600" algn="l" defTabSz="914400" rtl="0" eaLnBrk="1" latinLnBrk="0" hangingPunct="1">
-              <a:lnSpc>
-                <a:spcPct val="90000"/>
-              </a:lnSpc>
-              <a:spcBef>
-                <a:spcPts val="500"/>
-              </a:spcBef>
-              <a:buFont typeface="Arial" panose="020B0604020202020204" pitchFamily="34" charset="0"/>
-              <a:buChar char="•"/>
-              <a:defRPr sz="1800" kern="1200">
-                <a:solidFill>
-                  <a:schemeClr val="tx1"/>
-                </a:solidFill>
-                <a:latin typeface="+mn-lt"/>
-                <a:ea typeface="+mn-ea"/>
-                <a:cs typeface="+mn-cs"/>
-              </a:defRPr>
-            </a:lvl6pPr>
-            <a:lvl7pPr marL="2971800" indent="-228600" algn="l" defTabSz="914400" rtl="0" eaLnBrk="1" latinLnBrk="0" hangingPunct="1">
-              <a:lnSpc>
-                <a:spcPct val="90000"/>
-              </a:lnSpc>
-              <a:spcBef>
-                <a:spcPts val="500"/>
-              </a:spcBef>
-              <a:buFont typeface="Arial" panose="020B0604020202020204" pitchFamily="34" charset="0"/>
-              <a:buChar char="•"/>
-              <a:defRPr sz="1800" kern="1200">
-                <a:solidFill>
-                  <a:schemeClr val="tx1"/>
-                </a:solidFill>
-                <a:latin typeface="+mn-lt"/>
-                <a:ea typeface="+mn-ea"/>
-                <a:cs typeface="+mn-cs"/>
-              </a:defRPr>
-            </a:lvl7pPr>
-            <a:lvl8pPr marL="3429000" indent="-228600" algn="l" defTabSz="914400" rtl="0" eaLnBrk="1" latinLnBrk="0" hangingPunct="1">
-              <a:lnSpc>
-                <a:spcPct val="90000"/>
-              </a:lnSpc>
-              <a:spcBef>
-                <a:spcPts val="500"/>
-              </a:spcBef>
-              <a:buFont typeface="Arial" panose="020B0604020202020204" pitchFamily="34" charset="0"/>
-              <a:buChar char="•"/>
-              <a:defRPr sz="1800" kern="1200">
-                <a:solidFill>
-                  <a:schemeClr val="tx1"/>
-                </a:solidFill>
-                <a:latin typeface="+mn-lt"/>
-                <a:ea typeface="+mn-ea"/>
-                <a:cs typeface="+mn-cs"/>
-              </a:defRPr>
-            </a:lvl8pPr>
-            <a:lvl9pPr marL="3886200" indent="-228600" algn="l" defTabSz="914400" rtl="0" eaLnBrk="1" latinLnBrk="0" hangingPunct="1">
-              <a:lnSpc>
-                <a:spcPct val="90000"/>
-              </a:lnSpc>
-              <a:spcBef>
-                <a:spcPts val="500"/>
-              </a:spcBef>
-              <a:buFont typeface="Arial" panose="020B0604020202020204" pitchFamily="34" charset="0"/>
-              <a:buChar char="•"/>
-              <a:defRPr sz="1800" kern="1200">
-                <a:solidFill>
-                  <a:schemeClr val="tx1"/>
-                </a:solidFill>
-                <a:latin typeface="+mn-lt"/>
-                <a:ea typeface="+mn-ea"/>
-                <a:cs typeface="+mn-cs"/>
-              </a:defRPr>
-            </a:lvl9pPr>
-          </a:lstStyle>
-          <a:p>
-            <a:pPr marL="0" indent="0" algn="ctr">
-              <a:buNone/>
-            </a:pPr>
-            <a:r>
-              <a:rPr lang="en-US" altLang="en-GB" sz="4400" dirty="0" err="1">
-                <a:solidFill>
-                  <a:srgbClr val="EB9E43"/>
-                </a:solidFill>
-                <a:latin typeface="OPPOSans M" pitchFamily="18" charset="-122"/>
-                <a:ea typeface="OPPOSans M" pitchFamily="18" charset="-122"/>
-                <a:cs typeface="OPPOSans M" pitchFamily="18" charset="-122"/>
-              </a:rPr>
-              <a:t>zhangzicheng@apache.org</a:t>
-            </a:r>
-            <a:endParaRPr lang="en-US" altLang="en-GB" sz="4400" dirty="0" err="1">
-              <a:solidFill>
-                <a:srgbClr val="EB9E43"/>
-              </a:solidFill>
-              <a:latin typeface="OPPOSans M" pitchFamily="18" charset="-122"/>
-              <a:ea typeface="OPPOSans M" pitchFamily="18" charset="-122"/>
-              <a:cs typeface="OPPOSans M" pitchFamily="18" charset="-122"/>
-            </a:endParaRPr>
-          </a:p>
-          <a:p>
-            <a:pPr marL="0" indent="0" algn="ctr">
-              <a:buNone/>
-            </a:pPr>
-            <a:r>
-              <a:rPr lang="en-US" altLang="en-GB" sz="4400" dirty="0" err="1">
-                <a:solidFill>
-                  <a:srgbClr val="EB9E43"/>
-                </a:solidFill>
-                <a:latin typeface="OPPOSans M" pitchFamily="18" charset="-122"/>
-                <a:ea typeface="OPPOSans M" pitchFamily="18" charset="-122"/>
-                <a:cs typeface="OPPOSans M" pitchFamily="18" charset="-122"/>
-              </a:rPr>
-              <a:t>https://github.com/loongs-zhang/ACOCA2024-PlayWithWASM</a:t>
-            </a:r>
-            <a:endParaRPr lang="en-US" altLang="en-GB" sz="4400" dirty="0" err="1">
-              <a:solidFill>
-                <a:srgbClr val="EB9E43"/>
-              </a:solidFill>
-              <a:latin typeface="OPPOSans M" pitchFamily="18" charset="-122"/>
-              <a:ea typeface="OPPOSans M" pitchFamily="18" charset="-122"/>
-              <a:cs typeface="OPPOSans M" pitchFamily="18" charset="-122"/>
-            </a:endParaRPr>
-          </a:p>
-        </p:txBody>
-      </p:sp>
-      <p:sp>
-        <p:nvSpPr>
-          <p:cNvPr id="9" name="标题占位符 16"/>
-          <p:cNvSpPr txBox="1"/>
-          <p:nvPr/>
-        </p:nvSpPr>
-        <p:spPr>
-          <a:xfrm>
-            <a:off x="1750489" y="4437077"/>
-            <a:ext cx="20957109" cy="2651125"/>
-          </a:xfrm>
-          <a:prstGeom prst="rect">
-            <a:avLst/>
-          </a:prstGeom>
-        </p:spPr>
-        <p:txBody>
-          <a:bodyPr vert="horz" lIns="91440" tIns="45720" rIns="91440" bIns="45720" rtlCol="0" anchor="ctr">
-            <a:normAutofit/>
-          </a:bodyPr>
-          <a:lstStyle>
-            <a:lvl1pPr marL="0" marR="0" indent="0" algn="ctr" defTabSz="2438400" rtl="0" eaLnBrk="1" fontAlgn="auto" latinLnBrk="0" hangingPunct="1">
-              <a:lnSpc>
-                <a:spcPct val="110000"/>
-              </a:lnSpc>
-              <a:spcBef>
-                <a:spcPts val="0"/>
-              </a:spcBef>
-              <a:spcAft>
-                <a:spcPts val="0"/>
-              </a:spcAft>
-              <a:buClrTx/>
-              <a:buSzTx/>
-              <a:buFontTx/>
-              <a:buNone/>
-              <a:defRPr kumimoji="0" lang="zh-CN" altLang="en-US" sz="8000" b="0" i="0" u="none" strike="noStrike" kern="0" cap="none" spc="0" normalizeH="0" baseline="0" dirty="0">
-                <a:ln>
-                  <a:noFill/>
-                </a:ln>
-                <a:solidFill>
-                  <a:srgbClr val="FFFFFF"/>
-                </a:solidFill>
-                <a:effectLst/>
-                <a:uFillTx/>
-                <a:latin typeface="OPPOSans H"/>
-                <a:ea typeface="OPPOSans H"/>
-                <a:cs typeface="OPPOSans H"/>
-                <a:sym typeface="OPPOSans H"/>
-              </a:defRPr>
-            </a:lvl1pPr>
-          </a:lstStyle>
-          <a:p>
-            <a:pPr>
-              <a:defRPr sz="8000" b="0">
-                <a:solidFill>
-                  <a:srgbClr val="FFFFFF"/>
-                </a:solidFill>
-                <a:latin typeface="OPPOSans H"/>
-                <a:ea typeface="OPPOSans H"/>
-                <a:cs typeface="OPPOSans H"/>
-                <a:sym typeface="OPPOSans H"/>
-              </a:defRPr>
-            </a:pPr>
-            <a:r>
-              <a:rPr lang="en-GB" altLang="zh-CN" sz="9600" dirty="0"/>
-              <a:t>Thanks</a:t>
             </a:r>
             <a:endParaRPr lang="en-GB" altLang="zh-CN" sz="9600" dirty="0"/>
           </a:p>

--- a/PlayWithWASM.pptx
+++ b/PlayWithWASM.pptx
@@ -9,7 +9,7 @@
     <p:notesMasterId r:id="rId5"/>
   </p:notesMasterIdLst>
   <p:handoutMasterIdLst>
-    <p:handoutMasterId r:id="rId33"/>
+    <p:handoutMasterId r:id="rId34"/>
   </p:handoutMasterIdLst>
   <p:sldIdLst>
     <p:sldId id="274" r:id="rId4"/>
@@ -21,25 +21,26 @@
     <p:sldId id="287" r:id="rId11"/>
     <p:sldId id="291" r:id="rId12"/>
     <p:sldId id="292" r:id="rId13"/>
-    <p:sldId id="284" r:id="rId14"/>
-    <p:sldId id="294" r:id="rId15"/>
-    <p:sldId id="317" r:id="rId16"/>
-    <p:sldId id="329" r:id="rId17"/>
-    <p:sldId id="328" r:id="rId18"/>
-    <p:sldId id="358" r:id="rId19"/>
-    <p:sldId id="295" r:id="rId20"/>
-    <p:sldId id="318" r:id="rId21"/>
-    <p:sldId id="296" r:id="rId22"/>
-    <p:sldId id="340" r:id="rId23"/>
-    <p:sldId id="293" r:id="rId24"/>
-    <p:sldId id="288" r:id="rId25"/>
-    <p:sldId id="359" r:id="rId26"/>
-    <p:sldId id="289" r:id="rId27"/>
-    <p:sldId id="352" r:id="rId28"/>
-    <p:sldId id="353" r:id="rId29"/>
-    <p:sldId id="298" r:id="rId30"/>
-    <p:sldId id="299" r:id="rId31"/>
-    <p:sldId id="297" r:id="rId32"/>
+    <p:sldId id="372" r:id="rId14"/>
+    <p:sldId id="284" r:id="rId15"/>
+    <p:sldId id="294" r:id="rId16"/>
+    <p:sldId id="317" r:id="rId17"/>
+    <p:sldId id="329" r:id="rId18"/>
+    <p:sldId id="328" r:id="rId19"/>
+    <p:sldId id="358" r:id="rId20"/>
+    <p:sldId id="295" r:id="rId21"/>
+    <p:sldId id="318" r:id="rId22"/>
+    <p:sldId id="296" r:id="rId23"/>
+    <p:sldId id="340" r:id="rId24"/>
+    <p:sldId id="293" r:id="rId25"/>
+    <p:sldId id="288" r:id="rId26"/>
+    <p:sldId id="359" r:id="rId27"/>
+    <p:sldId id="289" r:id="rId28"/>
+    <p:sldId id="352" r:id="rId29"/>
+    <p:sldId id="353" r:id="rId30"/>
+    <p:sldId id="298" r:id="rId31"/>
+    <p:sldId id="299" r:id="rId32"/>
+    <p:sldId id="297" r:id="rId33"/>
   </p:sldIdLst>
   <p:sldSz cx="24384000" cy="13716000"/>
   <p:notesSz cx="6858000" cy="9144000"/>
@@ -707,10 +708,50 @@
           <a:bodyPr/>
           <a:p>
             <a:r>
+              <a:rPr lang="zh-CN" altLang="en-US"/>
+              <a:t>大家好，我是</a:t>
+            </a:r>
+            <a:r>
               <a:rPr lang="en-US" altLang="zh-CN"/>
-              <a:t>ss</a:t>
-            </a:r>
-            <a:endParaRPr lang="en-US" altLang="zh-CN"/>
+              <a:t>shenyu</a:t>
+            </a:r>
+            <a:r>
+              <a:rPr lang="zh-CN" altLang="en-US"/>
+              <a:t>社区的张子成，很高兴在</a:t>
+            </a:r>
+            <a:r>
+              <a:rPr lang="en-US" altLang="zh-CN"/>
+              <a:t>Apache</a:t>
+            </a:r>
+            <a:r>
+              <a:rPr lang="zh-CN" altLang="en-US"/>
+              <a:t>亚洲峰会</a:t>
+            </a:r>
+            <a:r>
+              <a:rPr lang="en-US" altLang="zh-CN"/>
+              <a:t>2024</a:t>
+            </a:r>
+            <a:r>
+              <a:rPr lang="zh-CN" altLang="en-US"/>
+              <a:t>和大家见面。首先感谢</a:t>
+            </a:r>
+            <a:r>
+              <a:rPr lang="en-US" altLang="zh-CN"/>
+              <a:t>Apache</a:t>
+            </a:r>
+            <a:r>
+              <a:rPr lang="zh-CN" altLang="en-US"/>
+              <a:t>基金会提供这个舞台，其次感谢帮助过我的社区小伙伴，接下来让我们进入今天的正题：玩转</a:t>
+            </a:r>
+            <a:r>
+              <a:rPr lang="en-US" altLang="zh-CN"/>
+              <a:t>WASM</a:t>
+            </a:r>
+            <a:r>
+              <a:rPr lang="zh-CN" altLang="en-US"/>
+              <a:t>。</a:t>
+            </a:r>
+            <a:endParaRPr lang="zh-CN" altLang="en-US"/>
           </a:p>
         </p:txBody>
       </p:sp>
@@ -723,6 +764,240 @@
 </file>
 
 <file path=ppt/notesSlides/notesSlide2.xml><?xml version="1.0" encoding="utf-8"?>
+<p:notes xmlns:a="http://schemas.openxmlformats.org/drawingml/2006/main" xmlns:r="http://schemas.openxmlformats.org/officeDocument/2006/relationships" xmlns:p="http://schemas.openxmlformats.org/presentationml/2006/main">
+  <p:cSld>
+    <p:spTree>
+      <p:nvGrpSpPr>
+        <p:cNvPr id="1" name=""/>
+        <p:cNvGrpSpPr/>
+        <p:nvPr/>
+      </p:nvGrpSpPr>
+      <p:grpSpPr/>
+      <p:sp>
+        <p:nvSpPr>
+          <p:cNvPr id="2" name="Slide Image Placeholder 1"/>
+          <p:cNvSpPr>
+            <a:spLocks noGrp="1"/>
+          </p:cNvSpPr>
+          <p:nvPr>
+            <p:ph type="sldImg"/>
+          </p:nvPr>
+        </p:nvSpPr>
+        <p:spPr/>
+      </p:sp>
+      <p:sp>
+        <p:nvSpPr>
+          <p:cNvPr id="3" name="Text Placeholder 2"/>
+          <p:cNvSpPr>
+            <a:spLocks noGrp="1"/>
+          </p:cNvSpPr>
+          <p:nvPr>
+            <p:ph type="body" idx="1"/>
+          </p:nvPr>
+        </p:nvSpPr>
+        <p:spPr/>
+        <p:txBody>
+          <a:bodyPr/>
+          <a:p>
+            <a:r>
+              <a:rPr lang="zh-CN" altLang="en-US"/>
+              <a:t>来我们分为</a:t>
+            </a:r>
+            <a:r>
+              <a:rPr lang="en-US" altLang="zh-CN"/>
+              <a:t>4</a:t>
+            </a:r>
+            <a:r>
+              <a:rPr lang="zh-CN" altLang="en-US"/>
+              <a:t>部分来介绍，第</a:t>
+            </a:r>
+            <a:r>
+              <a:rPr lang="en-US" altLang="zh-CN"/>
+              <a:t>1</a:t>
+            </a:r>
+            <a:r>
+              <a:rPr lang="zh-CN" altLang="en-US"/>
+              <a:t>点是关于</a:t>
+            </a:r>
+            <a:r>
+              <a:rPr lang="en-US" altLang="zh-CN"/>
+              <a:t>shenyu</a:t>
+            </a:r>
+            <a:r>
+              <a:rPr lang="zh-CN" altLang="en-US"/>
+              <a:t>及个人的介绍，第</a:t>
+            </a:r>
+            <a:r>
+              <a:rPr lang="en-US" altLang="zh-CN"/>
+              <a:t>2</a:t>
+            </a:r>
+            <a:r>
+              <a:rPr lang="zh-CN" altLang="en-US"/>
+              <a:t>点是</a:t>
+            </a:r>
+            <a:r>
+              <a:rPr lang="en-US" altLang="zh-CN"/>
+              <a:t>shenyu</a:t>
+            </a:r>
+            <a:r>
+              <a:rPr lang="zh-CN" altLang="en-US"/>
+              <a:t>引入</a:t>
+            </a:r>
+            <a:r>
+              <a:rPr lang="en-US" altLang="zh-CN"/>
+              <a:t>WASM</a:t>
+            </a:r>
+            <a:r>
+              <a:rPr lang="zh-CN" altLang="en-US"/>
+              <a:t>技术的动机</a:t>
+            </a:r>
+            <a:r>
+              <a:rPr lang="en-US" altLang="zh-CN"/>
+              <a:t>，</a:t>
+            </a:r>
+            <a:r>
+              <a:rPr lang="zh-CN" altLang="en-US"/>
+              <a:t>在第</a:t>
+            </a:r>
+            <a:r>
+              <a:rPr lang="en-US" altLang="zh-CN"/>
+              <a:t>3</a:t>
+            </a:r>
+            <a:r>
+              <a:rPr lang="zh-CN" altLang="en-US"/>
+              <a:t>点中我们会深入探讨多语言</a:t>
+            </a:r>
+            <a:r>
+              <a:rPr lang="en-US" altLang="zh-CN"/>
+              <a:t>SDK</a:t>
+            </a:r>
+            <a:r>
+              <a:rPr lang="zh-CN" altLang="en-US"/>
+              <a:t>、本地转发、动态链接库和</a:t>
+            </a:r>
+            <a:r>
+              <a:rPr lang="en-US" altLang="zh-CN"/>
+              <a:t>WASM</a:t>
+            </a:r>
+            <a:r>
+              <a:rPr lang="zh-CN" altLang="en-US"/>
+              <a:t>这几种方案之间的优劣，而后讲述如何在</a:t>
+            </a:r>
+            <a:r>
+              <a:rPr lang="en-US" altLang="zh-CN"/>
+              <a:t>shenyu</a:t>
+            </a:r>
+            <a:r>
+              <a:rPr lang="zh-CN" altLang="en-US"/>
+              <a:t>中扩展一个</a:t>
+            </a:r>
+            <a:r>
+              <a:rPr lang="en-US" altLang="zh-CN"/>
+              <a:t>WASM</a:t>
+            </a:r>
+            <a:r>
+              <a:rPr lang="zh-CN" altLang="en-US"/>
+              <a:t>插件，最后</a:t>
+            </a:r>
+            <a:r>
+              <a:rPr lang="zh-CN" altLang="en-US">
+                <a:sym typeface="+mn-ea"/>
+              </a:rPr>
+              <a:t>时间留给</a:t>
+            </a:r>
+            <a:r>
+              <a:rPr lang="en-US" altLang="zh-CN"/>
+              <a:t>QA</a:t>
+            </a:r>
+            <a:r>
+              <a:rPr lang="zh-CN" altLang="en-US"/>
+              <a:t>。</a:t>
+            </a:r>
+            <a:endParaRPr lang="zh-CN" altLang="en-US"/>
+          </a:p>
+        </p:txBody>
+      </p:sp>
+    </p:spTree>
+  </p:cSld>
+  <p:clrMapOvr>
+    <a:masterClrMapping/>
+  </p:clrMapOvr>
+</p:notes>
+</file>
+
+<file path=ppt/notesSlides/notesSlide3.xml><?xml version="1.0" encoding="utf-8"?>
+<p:notes xmlns:a="http://schemas.openxmlformats.org/drawingml/2006/main" xmlns:r="http://schemas.openxmlformats.org/officeDocument/2006/relationships" xmlns:p="http://schemas.openxmlformats.org/presentationml/2006/main">
+  <p:cSld>
+    <p:spTree>
+      <p:nvGrpSpPr>
+        <p:cNvPr id="1" name=""/>
+        <p:cNvGrpSpPr/>
+        <p:nvPr/>
+      </p:nvGrpSpPr>
+      <p:grpSpPr/>
+      <p:sp>
+        <p:nvSpPr>
+          <p:cNvPr id="2" name="Slide Image Placeholder 1"/>
+          <p:cNvSpPr>
+            <a:spLocks noGrp="1"/>
+          </p:cNvSpPr>
+          <p:nvPr>
+            <p:ph type="sldImg"/>
+          </p:nvPr>
+        </p:nvSpPr>
+        <p:spPr/>
+      </p:sp>
+      <p:sp>
+        <p:nvSpPr>
+          <p:cNvPr id="3" name="Text Placeholder 2"/>
+          <p:cNvSpPr>
+            <a:spLocks noGrp="1"/>
+          </p:cNvSpPr>
+          <p:nvPr>
+            <p:ph type="body" idx="1"/>
+          </p:nvPr>
+        </p:nvSpPr>
+        <p:spPr/>
+        <p:txBody>
+          <a:bodyPr/>
+          <a:p>
+            <a:r>
+              <a:rPr lang="zh-CN" altLang="en-US"/>
+              <a:t>本次分享的</a:t>
+            </a:r>
+            <a:r>
+              <a:rPr lang="en-US" altLang="zh-CN"/>
+              <a:t>PPT</a:t>
+            </a:r>
+            <a:r>
+              <a:rPr lang="zh-CN" altLang="en-US"/>
+              <a:t>及相关资源可以在我的</a:t>
+            </a:r>
+            <a:r>
+              <a:rPr lang="en-US" altLang="zh-CN"/>
+              <a:t>github</a:t>
+            </a:r>
+            <a:r>
+              <a:rPr lang="zh-CN" altLang="en-US"/>
+              <a:t>上</a:t>
+            </a:r>
+            <a:r>
+              <a:rPr lang="zh-CN" altLang="en-US"/>
+              <a:t>获取。</a:t>
+            </a:r>
+            <a:endParaRPr lang="zh-CN" altLang="en-US"/>
+          </a:p>
+        </p:txBody>
+      </p:sp>
+    </p:spTree>
+  </p:cSld>
+  <p:clrMapOvr>
+    <a:masterClrMapping/>
+  </p:clrMapOvr>
+</p:notes>
+</file>
+
+<file path=ppt/notesSlides/notesSlide4.xml><?xml version="1.0" encoding="utf-8"?>
 <p:notes xmlns:a="http://schemas.openxmlformats.org/drawingml/2006/main" xmlns:r="http://schemas.openxmlformats.org/officeDocument/2006/relationships" xmlns:p="http://schemas.openxmlformats.org/presentationml/2006/main">
   <p:cSld>
     <p:spTree>
@@ -755,10 +1030,20 @@
           <a:bodyPr/>
           <a:p>
             <a:r>
-              <a:rPr lang="zh-CN" altLang="en-US">
-                <a:sym typeface="+mn-ea"/>
-              </a:rPr>
-              <a:t>测试备注</a:t>
+              <a:rPr lang="zh-CN" altLang="en-US"/>
+              <a:t>网关、</a:t>
+            </a:r>
+            <a:r>
+              <a:rPr lang="en-US" altLang="zh-CN"/>
+              <a:t>admin</a:t>
+            </a:r>
+            <a:r>
+              <a:rPr lang="zh-CN" altLang="en-US"/>
+              <a:t>、注册</a:t>
+            </a:r>
+            <a:r>
+              <a:rPr lang="zh-CN" altLang="en-US"/>
+              <a:t>中心、</a:t>
             </a:r>
             <a:endParaRPr lang="zh-CN" altLang="en-US"/>
           </a:p>
@@ -4980,7 +5265,7 @@
           <a:p>
             <a:r>
               <a:rPr kumimoji="1" lang="en-US" altLang="zh-CN"/>
-              <a:t>Multiple Language SDKs</a:t>
+              <a:t>Evaluation Criteria</a:t>
             </a:r>
             <a:endParaRPr kumimoji="1" lang="en-US" altLang="zh-CN"/>
           </a:p>
@@ -5003,55 +5288,37 @@
           <a:p>
             <a:r>
               <a:rPr kumimoji="1" lang="en-US" altLang="zh-CN"/>
-              <a:t>Example: https://github.com/apache/dubbo-go</a:t>
+              <a:t>Workload: The workload of framework developers</a:t>
             </a:r>
             <a:endParaRPr kumimoji="1" lang="en-US" altLang="zh-CN"/>
           </a:p>
           <a:p>
+            <a:endParaRPr kumimoji="1" lang="en-US" altLang="zh-CN"/>
+          </a:p>
+          <a:p>
             <a:r>
               <a:rPr kumimoji="1" lang="en-US" altLang="zh-CN"/>
-              <a:t>Workload: Huge</a:t>
+              <a:t>Difficulty: Difficulty for framework developers</a:t>
             </a:r>
             <a:endParaRPr kumimoji="1" lang="en-US" altLang="zh-CN"/>
           </a:p>
           <a:p>
+            <a:endParaRPr kumimoji="1" lang="en-US" altLang="zh-CN"/>
+          </a:p>
+          <a:p>
             <a:r>
               <a:rPr kumimoji="1" lang="en-US" altLang="zh-CN"/>
-              <a:t>Difficulty: Hard</a:t>
+              <a:t>User friendliness: User's learning cost</a:t>
             </a:r>
             <a:endParaRPr kumimoji="1" lang="en-US" altLang="zh-CN"/>
           </a:p>
           <a:p>
+            <a:endParaRPr kumimoji="1" lang="en-US" altLang="zh-CN"/>
+          </a:p>
+          <a:p>
             <a:r>
               <a:rPr kumimoji="1" lang="en-US" altLang="zh-CN"/>
-              <a:t>Extention for new languages: Unsupported</a:t>
-            </a:r>
-            <a:endParaRPr kumimoji="1" lang="en-US" altLang="zh-CN"/>
-          </a:p>
-          <a:p>
-            <a:r>
-              <a:rPr kumimoji="1" lang="en-US" altLang="zh-CN"/>
-              <a:t>User friendliness: Great</a:t>
-            </a:r>
-            <a:endParaRPr kumimoji="1" lang="en-US" altLang="zh-CN"/>
-          </a:p>
-          <a:p>
-            <a:r>
-              <a:rPr kumimoji="1" lang="en-US" altLang="zh-CN"/>
-              <a:t>Performance: </a:t>
-            </a:r>
-            <a:r>
-              <a:rPr kumimoji="1" lang="en-US" altLang="zh-CN">
-                <a:sym typeface="+mn-ea"/>
-              </a:rPr>
-              <a:t>Great</a:t>
-            </a:r>
-            <a:endParaRPr kumimoji="1" lang="en-US" altLang="zh-CN"/>
-          </a:p>
-          <a:p>
-            <a:r>
-              <a:rPr kumimoji="1" lang="en-US" altLang="zh-CN"/>
-              <a:t>Operation complexity: No</a:t>
+              <a:t>Operation complexity: The complexity of deploying service using this framework</a:t>
             </a:r>
             <a:endParaRPr kumimoji="1" lang="en-US" altLang="zh-CN"/>
           </a:p>
@@ -5113,7 +5380,7 @@
           <a:p>
             <a:r>
               <a:rPr kumimoji="1" lang="en-US" altLang="zh-CN"/>
-              <a:t>Local Forward Example</a:t>
+              <a:t>Multiple Language SDKs</a:t>
             </a:r>
             <a:endParaRPr kumimoji="1" lang="en-US" altLang="zh-CN"/>
           </a:p>
@@ -5129,84 +5396,67 @@
             <p:ph type="body" sz="quarter" idx="22"/>
           </p:nvPr>
         </p:nvSpPr>
-        <p:spPr>
-          <a:xfrm>
-            <a:off x="18703290" y="3578225"/>
-            <a:ext cx="3694430" cy="7200265"/>
-          </a:xfrm>
-        </p:spPr>
+        <p:spPr/>
         <p:txBody>
           <a:bodyPr/>
           <a:lstStyle/>
           <a:p>
             <a:r>
+              <a:rPr kumimoji="1" lang="en-US" altLang="zh-CN"/>
+              <a:t>Example: https://github.com/apache/dubbo-go</a:t>
+            </a:r>
+            <a:endParaRPr kumimoji="1" lang="en-US" altLang="zh-CN"/>
+          </a:p>
+          <a:p>
+            <a:r>
+              <a:rPr kumimoji="1" lang="en-US" altLang="zh-CN"/>
+              <a:t>Workload: Huge, each language has its own technology stack</a:t>
+            </a:r>
+            <a:endParaRPr kumimoji="1" lang="en-US" altLang="zh-CN"/>
+          </a:p>
+          <a:p>
+            <a:r>
+              <a:rPr kumimoji="1" lang="en-US" altLang="zh-CN"/>
+              <a:t>Difficulty: Hard</a:t>
+            </a:r>
+            <a:endParaRPr kumimoji="1" lang="en-US" altLang="zh-CN"/>
+          </a:p>
+          <a:p>
+            <a:r>
+              <a:rPr kumimoji="1" lang="en-US" altLang="zh-CN"/>
+              <a:t>Extention for new languages: Unsupported</a:t>
+            </a:r>
+            <a:endParaRPr kumimoji="1" lang="en-US" altLang="zh-CN"/>
+          </a:p>
+          <a:p>
+            <a:r>
+              <a:rPr kumimoji="1" lang="en-US" altLang="zh-CN"/>
+              <a:t>User friendliness: Great</a:t>
+            </a:r>
+            <a:endParaRPr kumimoji="1" lang="en-US" altLang="zh-CN"/>
+          </a:p>
+          <a:p>
+            <a:r>
+              <a:rPr kumimoji="1" lang="en-US" altLang="zh-CN"/>
+              <a:t>Performance: </a:t>
+            </a:r>
+            <a:r>
               <a:rPr kumimoji="1" lang="en-US" altLang="zh-CN">
                 <a:sym typeface="+mn-ea"/>
               </a:rPr>
-              <a:t>This is example for supporting the brpc protocol for shenyu</a:t>
-            </a:r>
-            <a:endParaRPr kumimoji="1" lang="en-US" altLang="zh-CN">
-              <a:sym typeface="+mn-ea"/>
-            </a:endParaRPr>
+              <a:t>Great</a:t>
+            </a:r>
+            <a:endParaRPr kumimoji="1" lang="en-US" altLang="zh-CN"/>
+          </a:p>
+          <a:p>
+            <a:r>
+              <a:rPr kumimoji="1" lang="en-US" altLang="zh-CN"/>
+              <a:t>Operation complexity: No</a:t>
+            </a:r>
+            <a:endParaRPr kumimoji="1" lang="en-US" altLang="zh-CN"/>
           </a:p>
         </p:txBody>
       </p:sp>
-      <p:pic>
-        <p:nvPicPr>
-          <p:cNvPr id="4" name="Picture 3"/>
-          <p:cNvPicPr>
-            <a:picLocks noChangeAspect="1"/>
-          </p:cNvPicPr>
-          <p:nvPr>
-            <p:custDataLst>
-              <p:tags r:id="rId2"/>
-            </p:custDataLst>
-          </p:nvPr>
-        </p:nvPicPr>
-        <p:blipFill>
-          <a:blip r:embed="rId3"/>
-          <a:stretch>
-            <a:fillRect/>
-          </a:stretch>
-        </p:blipFill>
-        <p:spPr>
-          <a:xfrm>
-            <a:off x="10261600" y="3578225"/>
-            <a:ext cx="8495030" cy="6837680"/>
-          </a:xfrm>
-          <a:prstGeom prst="rect">
-            <a:avLst/>
-          </a:prstGeom>
-        </p:spPr>
-      </p:pic>
-      <p:pic>
-        <p:nvPicPr>
-          <p:cNvPr id="7" name="Picture 6"/>
-          <p:cNvPicPr>
-            <a:picLocks noChangeAspect="1"/>
-          </p:cNvPicPr>
-          <p:nvPr>
-            <p:custDataLst>
-              <p:tags r:id="rId4"/>
-            </p:custDataLst>
-          </p:nvPr>
-        </p:nvPicPr>
-        <p:blipFill>
-          <a:blip r:embed="rId5"/>
-          <a:stretch>
-            <a:fillRect/>
-          </a:stretch>
-        </p:blipFill>
-        <p:spPr>
-          <a:xfrm>
-            <a:off x="1480185" y="3578225"/>
-            <a:ext cx="8789035" cy="8448040"/>
-          </a:xfrm>
-          <a:prstGeom prst="rect">
-            <a:avLst/>
-          </a:prstGeom>
-        </p:spPr>
-      </p:pic>
     </p:spTree>
   </p:cSld>
   <p:clrMapOvr>
@@ -5263,7 +5513,7 @@
           <a:p>
             <a:r>
               <a:rPr kumimoji="1" lang="en-US" altLang="zh-CN"/>
-              <a:t>Local Forward</a:t>
+              <a:t>Local Forward Example</a:t>
             </a:r>
             <a:endParaRPr kumimoji="1" lang="en-US" altLang="zh-CN"/>
           </a:p>
@@ -5279,7 +5529,12 @@
             <p:ph type="body" sz="quarter" idx="22"/>
           </p:nvPr>
         </p:nvSpPr>
-        <p:spPr/>
+        <p:spPr>
+          <a:xfrm>
+            <a:off x="19263995" y="3578225"/>
+            <a:ext cx="3023235" cy="7200265"/>
+          </a:xfrm>
+        </p:spPr>
         <p:txBody>
           <a:bodyPr/>
           <a:lstStyle/>
@@ -5288,90 +5543,70 @@
               <a:rPr kumimoji="1" lang="en-US" altLang="zh-CN">
                 <a:sym typeface="+mn-ea"/>
               </a:rPr>
-              <a:t>Example: https://github.com/apache/apisix</a:t>
+              <a:t>This is example for supporting the brpc protocol for shenyu</a:t>
             </a:r>
             <a:endParaRPr kumimoji="1" lang="en-US" altLang="zh-CN">
               <a:sym typeface="+mn-ea"/>
             </a:endParaRPr>
           </a:p>
-          <a:p>
-            <a:r>
-              <a:rPr kumimoji="1" lang="en-US" altLang="zh-CN">
-                <a:sym typeface="+mn-ea"/>
-              </a:rPr>
-              <a:t>Workload: Light</a:t>
-            </a:r>
-            <a:endParaRPr kumimoji="1" lang="en-US" altLang="zh-CN">
-              <a:sym typeface="+mn-ea"/>
-            </a:endParaRPr>
-          </a:p>
-          <a:p>
-            <a:r>
-              <a:rPr kumimoji="1" lang="en-US" altLang="zh-CN">
-                <a:sym typeface="+mn-ea"/>
-              </a:rPr>
-              <a:t>Difficulty: Middle, need to be familiar with network programming</a:t>
-            </a:r>
-            <a:endParaRPr kumimoji="1" lang="en-US" altLang="zh-CN">
-              <a:sym typeface="+mn-ea"/>
-            </a:endParaRPr>
-          </a:p>
-          <a:p>
-            <a:r>
-              <a:rPr kumimoji="1" lang="en-US" altLang="zh-CN">
-                <a:sym typeface="+mn-ea"/>
-              </a:rPr>
-              <a:t>Extention for new languages: </a:t>
-            </a:r>
-            <a:r>
-              <a:rPr kumimoji="1" lang="en-US" altLang="zh-CN">
-                <a:sym typeface="+mn-ea"/>
-              </a:rPr>
-              <a:t>Great, no need to modify framework code</a:t>
-            </a:r>
-            <a:endParaRPr kumimoji="1" lang="en-US" altLang="zh-CN"/>
-          </a:p>
-          <a:p>
-            <a:r>
-              <a:rPr kumimoji="1" lang="en-US" altLang="zh-CN">
-                <a:sym typeface="+mn-ea"/>
-              </a:rPr>
-              <a:t>User friendliness: </a:t>
-            </a:r>
-            <a:r>
-              <a:rPr kumimoji="1" lang="en-US" altLang="zh-CN">
-                <a:sym typeface="+mn-ea"/>
-              </a:rPr>
-              <a:t>Middle, need to be familiar with network programming</a:t>
-            </a:r>
-            <a:endParaRPr kumimoji="1" lang="en-US" altLang="zh-CN">
-              <a:sym typeface="+mn-ea"/>
-            </a:endParaRPr>
-          </a:p>
-          <a:p>
-            <a:r>
-              <a:rPr kumimoji="1" lang="en-US" altLang="zh-CN">
-                <a:sym typeface="+mn-ea"/>
-              </a:rPr>
-              <a:t>Performance: Performance loss due to network protocol stack, serialization and deserialization, at least 20%</a:t>
-            </a:r>
-            <a:endParaRPr kumimoji="1" lang="en-US" altLang="zh-CN">
-              <a:sym typeface="+mn-ea"/>
-            </a:endParaRPr>
-          </a:p>
-          <a:p>
-            <a:r>
-              <a:rPr kumimoji="1" lang="en-US" altLang="zh-CN">
-                <a:sym typeface="+mn-ea"/>
-              </a:rPr>
-              <a:t>Operation complexity: A bit complex, multiple processes need to be started at once on a machine/container</a:t>
-            </a:r>
-            <a:endParaRPr kumimoji="1" lang="en-US" altLang="zh-CN">
-              <a:sym typeface="+mn-ea"/>
-            </a:endParaRPr>
-          </a:p>
         </p:txBody>
       </p:sp>
+      <p:pic>
+        <p:nvPicPr>
+          <p:cNvPr id="4" name="Picture 3"/>
+          <p:cNvPicPr>
+            <a:picLocks noChangeAspect="1"/>
+          </p:cNvPicPr>
+          <p:nvPr>
+            <p:custDataLst>
+              <p:tags r:id="rId2"/>
+            </p:custDataLst>
+          </p:nvPr>
+        </p:nvPicPr>
+        <p:blipFill>
+          <a:blip r:embed="rId3"/>
+          <a:stretch>
+            <a:fillRect/>
+          </a:stretch>
+        </p:blipFill>
+        <p:spPr>
+          <a:xfrm>
+            <a:off x="10261600" y="3578225"/>
+            <a:ext cx="9002395" cy="7245985"/>
+          </a:xfrm>
+          <a:prstGeom prst="rect">
+            <a:avLst/>
+          </a:prstGeom>
+        </p:spPr>
+      </p:pic>
+      <p:pic>
+        <p:nvPicPr>
+          <p:cNvPr id="7" name="Picture 6"/>
+          <p:cNvPicPr>
+            <a:picLocks noChangeAspect="1"/>
+          </p:cNvPicPr>
+          <p:nvPr>
+            <p:custDataLst>
+              <p:tags r:id="rId4"/>
+            </p:custDataLst>
+          </p:nvPr>
+        </p:nvPicPr>
+        <p:blipFill>
+          <a:blip r:embed="rId5"/>
+          <a:stretch>
+            <a:fillRect/>
+          </a:stretch>
+        </p:blipFill>
+        <p:spPr>
+          <a:xfrm>
+            <a:off x="1480185" y="3578225"/>
+            <a:ext cx="8789035" cy="8448040"/>
+          </a:xfrm>
+          <a:prstGeom prst="rect">
+            <a:avLst/>
+          </a:prstGeom>
+        </p:spPr>
+      </p:pic>
     </p:spTree>
   </p:cSld>
   <p:clrMapOvr>
@@ -5421,19 +5656,14 @@
             <p:ph type="body" sz="quarter" idx="21"/>
           </p:nvPr>
         </p:nvSpPr>
-        <p:spPr>
-          <a:xfrm>
-            <a:off x="1420495" y="1397000"/>
-            <a:ext cx="10624185" cy="1231900"/>
-          </a:xfrm>
-        </p:spPr>
+        <p:spPr/>
         <p:txBody>
           <a:bodyPr/>
           <a:lstStyle/>
           <a:p>
             <a:r>
               <a:rPr kumimoji="1" lang="en-US" altLang="zh-CN"/>
-              <a:t>Dynamic Link Library Example</a:t>
+              <a:t>Local Forward</a:t>
             </a:r>
             <a:endParaRPr kumimoji="1" lang="en-US" altLang="zh-CN"/>
           </a:p>
@@ -5449,82 +5679,99 @@
             <p:ph type="body" sz="quarter" idx="22"/>
           </p:nvPr>
         </p:nvSpPr>
-        <p:spPr>
-          <a:xfrm>
-            <a:off x="1480185" y="3578225"/>
-            <a:ext cx="10841990" cy="7200265"/>
-          </a:xfrm>
-        </p:spPr>
+        <p:spPr/>
         <p:txBody>
           <a:bodyPr/>
           <a:lstStyle/>
           <a:p>
             <a:r>
-              <a:rPr kumimoji="1" lang="zh-CN" altLang="en-US"/>
-              <a:t>public class Main {</a:t>
-            </a:r>
-            <a:endParaRPr kumimoji="1" lang="zh-CN" altLang="en-US"/>
-          </a:p>
-          <a:p>
-            <a:r>
-              <a:rPr kumimoji="1" lang="zh-CN" altLang="en-US"/>
-              <a:t>    public static native String helloJni();</a:t>
-            </a:r>
-            <a:endParaRPr kumimoji="1" lang="zh-CN" altLang="en-US"/>
-          </a:p>
-          <a:p>
-            <a:r>
-              <a:rPr kumimoji="1" lang="zh-CN" altLang="en-US"/>
-              <a:t>}</a:t>
-            </a:r>
-            <a:endParaRPr kumimoji="1" lang="zh-CN" altLang="en-US"/>
-          </a:p>
-          <a:p>
-            <a:endParaRPr kumimoji="1" lang="zh-CN" altLang="en-US"/>
-          </a:p>
-          <a:p>
-            <a:r>
-              <a:rPr kumimoji="1" lang="zh-CN" altLang="en-US"/>
-              <a:t>javac -h . Main.java</a:t>
-            </a:r>
-            <a:endParaRPr kumimoji="1" lang="zh-CN" altLang="en-US"/>
-          </a:p>
-          <a:p>
-            <a:endParaRPr kumimoji="1" lang="zh-CN" altLang="en-US"/>
-          </a:p>
-          <a:p>
-            <a:r>
-              <a:rPr kumimoji="1" lang="en-US" altLang="zh-CN"/>
-              <a:t>Then we got Main.h --------------&gt;</a:t>
+              <a:rPr kumimoji="1" lang="en-US" altLang="zh-CN">
+                <a:sym typeface="+mn-ea"/>
+              </a:rPr>
+              <a:t>Example: https://github.com/apache/apisix</a:t>
+            </a:r>
+            <a:endParaRPr kumimoji="1" lang="en-US" altLang="zh-CN">
+              <a:sym typeface="+mn-ea"/>
+            </a:endParaRPr>
+          </a:p>
+          <a:p>
+            <a:r>
+              <a:rPr kumimoji="1" lang="en-US" altLang="zh-CN">
+                <a:sym typeface="+mn-ea"/>
+              </a:rPr>
+              <a:t>Workload: Light</a:t>
+            </a:r>
+            <a:endParaRPr kumimoji="1" lang="en-US" altLang="zh-CN">
+              <a:sym typeface="+mn-ea"/>
+            </a:endParaRPr>
+          </a:p>
+          <a:p>
+            <a:r>
+              <a:rPr kumimoji="1" lang="en-US" altLang="zh-CN">
+                <a:sym typeface="+mn-ea"/>
+              </a:rPr>
+              <a:t>Difficulty: Middle, need to be familiar with network programming</a:t>
+            </a:r>
+            <a:endParaRPr kumimoji="1" lang="en-US" altLang="zh-CN">
+              <a:sym typeface="+mn-ea"/>
+            </a:endParaRPr>
+          </a:p>
+          <a:p>
+            <a:r>
+              <a:rPr kumimoji="1" lang="en-US" altLang="zh-CN">
+                <a:sym typeface="+mn-ea"/>
+              </a:rPr>
+              <a:t>Extention for new languages: </a:t>
+            </a:r>
+            <a:r>
+              <a:rPr kumimoji="1" lang="en-US" altLang="zh-CN">
+                <a:sym typeface="+mn-ea"/>
+              </a:rPr>
+              <a:t>Great, no need to modify framework code</a:t>
             </a:r>
             <a:endParaRPr kumimoji="1" lang="en-US" altLang="zh-CN"/>
+          </a:p>
+          <a:p>
+            <a:r>
+              <a:rPr kumimoji="1" lang="en-US" altLang="zh-CN">
+                <a:sym typeface="+mn-ea"/>
+              </a:rPr>
+              <a:t>User friendliness: </a:t>
+            </a:r>
+            <a:r>
+              <a:rPr kumimoji="1" lang="en-US" altLang="zh-CN">
+                <a:sym typeface="+mn-ea"/>
+              </a:rPr>
+              <a:t>Middle, need to be familiar with network programming</a:t>
+            </a:r>
+            <a:endParaRPr kumimoji="1" lang="en-US" altLang="zh-CN">
+              <a:sym typeface="+mn-ea"/>
+            </a:endParaRPr>
+          </a:p>
+          <a:p>
+            <a:r>
+              <a:rPr kumimoji="1" lang="en-US" altLang="zh-CN">
+                <a:sym typeface="+mn-ea"/>
+              </a:rPr>
+              <a:t>Performance: Performance loss due to network protocol stack, serialization and deserialization, at least 20%</a:t>
+            </a:r>
+            <a:endParaRPr kumimoji="1" lang="en-US" altLang="zh-CN">
+              <a:sym typeface="+mn-ea"/>
+            </a:endParaRPr>
+          </a:p>
+          <a:p>
+            <a:r>
+              <a:rPr kumimoji="1" lang="en-US" altLang="zh-CN">
+                <a:sym typeface="+mn-ea"/>
+              </a:rPr>
+              <a:t>Operation complexity: A bit complex, multiple processes need to be started at once on a machine/container</a:t>
+            </a:r>
+            <a:endParaRPr kumimoji="1" lang="en-US" altLang="zh-CN">
+              <a:sym typeface="+mn-ea"/>
+            </a:endParaRPr>
           </a:p>
         </p:txBody>
       </p:sp>
-      <p:pic>
-        <p:nvPicPr>
-          <p:cNvPr id="7" name="图片 6" descr="企业微信截图_27b9400f-49d1-4cbc-a840-f3dcd1b96418"/>
-          <p:cNvPicPr>
-            <a:picLocks noChangeAspect="1"/>
-          </p:cNvPicPr>
-          <p:nvPr/>
-        </p:nvPicPr>
-        <p:blipFill>
-          <a:blip r:embed="rId2"/>
-          <a:stretch>
-            <a:fillRect/>
-          </a:stretch>
-        </p:blipFill>
-        <p:spPr>
-          <a:xfrm>
-            <a:off x="12322175" y="2581275"/>
-            <a:ext cx="8658860" cy="8197850"/>
-          </a:xfrm>
-          <a:prstGeom prst="rect">
-            <a:avLst/>
-          </a:prstGeom>
-        </p:spPr>
-      </p:pic>
     </p:spTree>
   </p:cSld>
   <p:clrMapOvr>
@@ -5577,7 +5824,7 @@
         <p:spPr>
           <a:xfrm>
             <a:off x="1420495" y="1397000"/>
-            <a:ext cx="10434320" cy="1231900"/>
+            <a:ext cx="10624185" cy="1231900"/>
           </a:xfrm>
         </p:spPr>
         <p:txBody>
@@ -5604,8 +5851,8 @@
         </p:nvSpPr>
         <p:spPr>
           <a:xfrm>
-            <a:off x="1420495" y="2628900"/>
-            <a:ext cx="10791825" cy="7200265"/>
+            <a:off x="1480185" y="3578225"/>
+            <a:ext cx="10841990" cy="7200265"/>
           </a:xfrm>
         </p:spPr>
         <p:txBody>
@@ -5613,374 +5860,71 @@
           <a:lstStyle/>
           <a:p>
             <a:r>
-              <a:rPr kumimoji="1" lang="en-US" altLang="zh-CN">
-                <a:sym typeface="+mn-ea"/>
-              </a:rPr>
-              <a:t>// C code below</a:t>
-            </a:r>
-            <a:endParaRPr kumimoji="1" lang="zh-CN" altLang="en-US">
-              <a:sym typeface="+mn-ea"/>
-            </a:endParaRPr>
-          </a:p>
-          <a:p>
-            <a:r>
-              <a:rPr kumimoji="1" lang="zh-CN" altLang="en-US">
-                <a:sym typeface="+mn-ea"/>
-              </a:rPr>
-              <a:t>#include &lt;jni.h&gt;</a:t>
+              <a:rPr kumimoji="1" lang="zh-CN" altLang="en-US"/>
+              <a:t>public class Main {</a:t>
             </a:r>
             <a:endParaRPr kumimoji="1" lang="zh-CN" altLang="en-US"/>
           </a:p>
           <a:p>
             <a:r>
-              <a:rPr kumimoji="1" lang="zh-CN" altLang="en-US">
-                <a:sym typeface="+mn-ea"/>
-              </a:rPr>
-              <a:t>#include &lt;jni_md.h&gt;</a:t>
+              <a:rPr kumimoji="1" lang="zh-CN" altLang="en-US"/>
+              <a:t>    public static native String helloJni();</a:t>
             </a:r>
             <a:endParaRPr kumimoji="1" lang="zh-CN" altLang="en-US"/>
           </a:p>
           <a:p>
             <a:r>
-              <a:rPr kumimoji="1" lang="zh-CN" altLang="en-US">
-                <a:sym typeface="+mn-ea"/>
-              </a:rPr>
-              <a:t>#include &lt;jvmti.h&gt;</a:t>
+              <a:rPr kumimoji="1" lang="zh-CN" altLang="en-US"/>
+              <a:t>}</a:t>
             </a:r>
             <a:endParaRPr kumimoji="1" lang="zh-CN" altLang="en-US"/>
           </a:p>
           <a:p>
-            <a:r>
-              <a:rPr kumimoji="1" lang="zh-CN" altLang="en-US">
-                <a:sym typeface="+mn-ea"/>
-              </a:rPr>
-              <a:t>#include "Main.h"</a:t>
-            </a:r>
             <a:endParaRPr kumimoji="1" lang="zh-CN" altLang="en-US"/>
           </a:p>
           <a:p>
             <a:r>
-              <a:rPr kumimoji="1" lang="zh-CN" altLang="en-US">
-                <a:sym typeface="+mn-ea"/>
-              </a:rPr>
-              <a:t>JNIEXPORT jstring JNICALL </a:t>
+              <a:rPr kumimoji="1" lang="zh-CN" altLang="en-US"/>
+              <a:t>javac -h . Main.java</a:t>
             </a:r>
             <a:endParaRPr kumimoji="1" lang="zh-CN" altLang="en-US"/>
           </a:p>
           <a:p>
-            <a:r>
-              <a:rPr kumimoji="1" lang="zh-CN" altLang="en-US">
-                <a:sym typeface="+mn-ea"/>
-              </a:rPr>
-              <a:t>Java_Main_helloJni</a:t>
-            </a:r>
-            <a:r>
-              <a:rPr kumimoji="1" lang="en-US" altLang="zh-CN">
-                <a:sym typeface="+mn-ea"/>
-              </a:rPr>
-              <a:t> </a:t>
-            </a:r>
-            <a:r>
-              <a:rPr kumimoji="1" lang="zh-CN" altLang="en-US">
-                <a:sym typeface="+mn-ea"/>
-              </a:rPr>
-              <a:t>(JNIEnv *env, </a:t>
-            </a:r>
             <a:endParaRPr kumimoji="1" lang="zh-CN" altLang="en-US"/>
           </a:p>
           <a:p>
             <a:r>
-              <a:rPr kumimoji="1" lang="zh-CN" altLang="en-US">
-                <a:sym typeface="+mn-ea"/>
-              </a:rPr>
-              <a:t> </a:t>
-            </a:r>
-            <a:r>
-              <a:rPr kumimoji="1" lang="en-US" altLang="zh-CN">
-                <a:sym typeface="+mn-ea"/>
-              </a:rPr>
-              <a:t>   </a:t>
-            </a:r>
-            <a:r>
-              <a:rPr kumimoji="1" lang="zh-CN" altLang="en-US">
-                <a:sym typeface="+mn-ea"/>
-              </a:rPr>
-              <a:t>jclass klass) {</a:t>
-            </a:r>
-            <a:endParaRPr kumimoji="1" lang="zh-CN" altLang="en-US"/>
-          </a:p>
-          <a:p>
-            <a:r>
-              <a:rPr kumimoji="1" lang="zh-CN" altLang="en-US">
-                <a:sym typeface="+mn-ea"/>
-              </a:rPr>
-              <a:t>    return env-&gt;</a:t>
-            </a:r>
-            <a:endParaRPr kumimoji="1" lang="zh-CN" altLang="en-US"/>
-          </a:p>
-          <a:p>
-            <a:r>
-              <a:rPr kumimoji="1" lang="zh-CN" altLang="en-US">
-                <a:sym typeface="+mn-ea"/>
-              </a:rPr>
-              <a:t> </a:t>
-            </a:r>
-            <a:r>
-              <a:rPr kumimoji="1" lang="en-US" altLang="zh-CN">
-                <a:sym typeface="+mn-ea"/>
-              </a:rPr>
-              <a:t>       </a:t>
-            </a:r>
-            <a:r>
-              <a:rPr kumimoji="1" lang="zh-CN" altLang="en-US">
-                <a:sym typeface="+mn-ea"/>
-              </a:rPr>
-              <a:t>NewStringUTF("Hello JNI");</a:t>
-            </a:r>
-            <a:endParaRPr kumimoji="1" lang="zh-CN" altLang="en-US"/>
-          </a:p>
-          <a:p>
-            <a:r>
-              <a:rPr kumimoji="1" lang="zh-CN" altLang="en-US">
-                <a:sym typeface="+mn-ea"/>
-              </a:rPr>
-              <a:t>}</a:t>
-            </a:r>
-            <a:endParaRPr kumimoji="1" lang="zh-CN" altLang="en-US"/>
+              <a:rPr kumimoji="1" lang="en-US" altLang="zh-CN"/>
+              <a:t>Then we got Main.h --------------&gt;</a:t>
+            </a:r>
+            <a:endParaRPr kumimoji="1" lang="en-US" altLang="zh-CN"/>
           </a:p>
         </p:txBody>
       </p:sp>
-      <p:sp>
-        <p:nvSpPr>
-          <p:cNvPr id="6" name="文本占位符 2"/>
-          <p:cNvSpPr>
-            <a:spLocks noGrp="1"/>
-          </p:cNvSpPr>
+      <p:pic>
+        <p:nvPicPr>
+          <p:cNvPr id="7" name="图片 6" descr="企业微信截图_27b9400f-49d1-4cbc-a840-f3dcd1b96418"/>
+          <p:cNvPicPr>
+            <a:picLocks noChangeAspect="1"/>
+          </p:cNvPicPr>
           <p:nvPr/>
-        </p:nvSpPr>
+        </p:nvPicPr>
+        <p:blipFill>
+          <a:blip r:embed="rId2"/>
+          <a:stretch>
+            <a:fillRect/>
+          </a:stretch>
+        </p:blipFill>
         <p:spPr>
           <a:xfrm>
-            <a:off x="12696825" y="2628900"/>
-            <a:ext cx="9244965" cy="7200265"/>
+            <a:off x="12322175" y="2581275"/>
+            <a:ext cx="8658860" cy="8197850"/>
           </a:xfrm>
           <a:prstGeom prst="rect">
             <a:avLst/>
           </a:prstGeom>
         </p:spPr>
-        <p:txBody>
-          <a:bodyPr/>
-          <a:lstStyle>
-            <a:lvl1pPr marL="0" indent="0" algn="l" defTabSz="2438400" rtl="0" eaLnBrk="1" latinLnBrk="0" hangingPunct="1">
-              <a:lnSpc>
-                <a:spcPct val="110000"/>
-              </a:lnSpc>
-              <a:spcBef>
-                <a:spcPts val="1000"/>
-              </a:spcBef>
-              <a:buFont typeface="Arial" panose="020B0604020202090204" pitchFamily="34" charset="0"/>
-              <a:buNone/>
-              <a:defRPr sz="4400" b="0" i="0" kern="1200">
-                <a:solidFill>
-                  <a:srgbClr val="FFFFFF"/>
-                </a:solidFill>
-                <a:latin typeface="OPPOSans R" pitchFamily="18" charset="-122"/>
-                <a:ea typeface="OPPOSans R" pitchFamily="18" charset="-122"/>
-                <a:cs typeface="OPPOSans R" pitchFamily="18" charset="-122"/>
-                <a:sym typeface="OPPOSans L"/>
-              </a:defRPr>
-            </a:lvl1pPr>
-            <a:lvl2pPr marL="685800" indent="-228600" algn="l" defTabSz="914400" rtl="0" eaLnBrk="1" latinLnBrk="0" hangingPunct="1">
-              <a:lnSpc>
-                <a:spcPct val="90000"/>
-              </a:lnSpc>
-              <a:spcBef>
-                <a:spcPts val="500"/>
-              </a:spcBef>
-              <a:buFont typeface="Arial" panose="020B0604020202090204" pitchFamily="34" charset="0"/>
-              <a:buChar char="•"/>
-              <a:defRPr sz="2400" kern="1200">
-                <a:solidFill>
-                  <a:schemeClr val="tx1"/>
-                </a:solidFill>
-                <a:latin typeface="+mn-lt"/>
-                <a:ea typeface="+mn-ea"/>
-                <a:cs typeface="+mn-cs"/>
-              </a:defRPr>
-            </a:lvl2pPr>
-            <a:lvl3pPr marL="1143000" indent="-228600" algn="l" defTabSz="914400" rtl="0" eaLnBrk="1" latinLnBrk="0" hangingPunct="1">
-              <a:lnSpc>
-                <a:spcPct val="90000"/>
-              </a:lnSpc>
-              <a:spcBef>
-                <a:spcPts val="500"/>
-              </a:spcBef>
-              <a:buFont typeface="Arial" panose="020B0604020202090204" pitchFamily="34" charset="0"/>
-              <a:buChar char="•"/>
-              <a:defRPr sz="2000" kern="1200">
-                <a:solidFill>
-                  <a:schemeClr val="tx1"/>
-                </a:solidFill>
-                <a:latin typeface="+mn-lt"/>
-                <a:ea typeface="+mn-ea"/>
-                <a:cs typeface="+mn-cs"/>
-              </a:defRPr>
-            </a:lvl3pPr>
-            <a:lvl4pPr marL="1600200" indent="-228600" algn="l" defTabSz="914400" rtl="0" eaLnBrk="1" latinLnBrk="0" hangingPunct="1">
-              <a:lnSpc>
-                <a:spcPct val="90000"/>
-              </a:lnSpc>
-              <a:spcBef>
-                <a:spcPts val="500"/>
-              </a:spcBef>
-              <a:buFont typeface="Arial" panose="020B0604020202090204" pitchFamily="34" charset="0"/>
-              <a:buChar char="•"/>
-              <a:defRPr sz="1800" kern="1200">
-                <a:solidFill>
-                  <a:schemeClr val="tx1"/>
-                </a:solidFill>
-                <a:latin typeface="+mn-lt"/>
-                <a:ea typeface="+mn-ea"/>
-                <a:cs typeface="+mn-cs"/>
-              </a:defRPr>
-            </a:lvl4pPr>
-            <a:lvl5pPr marL="2057400" indent="-228600" algn="l" defTabSz="914400" rtl="0" eaLnBrk="1" latinLnBrk="0" hangingPunct="1">
-              <a:lnSpc>
-                <a:spcPct val="90000"/>
-              </a:lnSpc>
-              <a:spcBef>
-                <a:spcPts val="500"/>
-              </a:spcBef>
-              <a:buFont typeface="Arial" panose="020B0604020202090204" pitchFamily="34" charset="0"/>
-              <a:buChar char="•"/>
-              <a:defRPr sz="1800" kern="1200">
-                <a:solidFill>
-                  <a:schemeClr val="tx1"/>
-                </a:solidFill>
-                <a:latin typeface="+mn-lt"/>
-                <a:ea typeface="+mn-ea"/>
-                <a:cs typeface="+mn-cs"/>
-              </a:defRPr>
-            </a:lvl5pPr>
-            <a:lvl6pPr marL="2514600" indent="-228600" algn="l" defTabSz="914400" rtl="0" eaLnBrk="1" latinLnBrk="0" hangingPunct="1">
-              <a:lnSpc>
-                <a:spcPct val="90000"/>
-              </a:lnSpc>
-              <a:spcBef>
-                <a:spcPts val="500"/>
-              </a:spcBef>
-              <a:buFont typeface="Arial" panose="020B0604020202090204" pitchFamily="34" charset="0"/>
-              <a:buChar char="•"/>
-              <a:defRPr sz="1800" kern="1200">
-                <a:solidFill>
-                  <a:schemeClr val="tx1"/>
-                </a:solidFill>
-                <a:latin typeface="+mn-lt"/>
-                <a:ea typeface="+mn-ea"/>
-                <a:cs typeface="+mn-cs"/>
-              </a:defRPr>
-            </a:lvl6pPr>
-            <a:lvl7pPr marL="2971800" indent="-228600" algn="l" defTabSz="914400" rtl="0" eaLnBrk="1" latinLnBrk="0" hangingPunct="1">
-              <a:lnSpc>
-                <a:spcPct val="90000"/>
-              </a:lnSpc>
-              <a:spcBef>
-                <a:spcPts val="500"/>
-              </a:spcBef>
-              <a:buFont typeface="Arial" panose="020B0604020202090204" pitchFamily="34" charset="0"/>
-              <a:buChar char="•"/>
-              <a:defRPr sz="1800" kern="1200">
-                <a:solidFill>
-                  <a:schemeClr val="tx1"/>
-                </a:solidFill>
-                <a:latin typeface="+mn-lt"/>
-                <a:ea typeface="+mn-ea"/>
-                <a:cs typeface="+mn-cs"/>
-              </a:defRPr>
-            </a:lvl7pPr>
-            <a:lvl8pPr marL="3429000" indent="-228600" algn="l" defTabSz="914400" rtl="0" eaLnBrk="1" latinLnBrk="0" hangingPunct="1">
-              <a:lnSpc>
-                <a:spcPct val="90000"/>
-              </a:lnSpc>
-              <a:spcBef>
-                <a:spcPts val="500"/>
-              </a:spcBef>
-              <a:buFont typeface="Arial" panose="020B0604020202090204" pitchFamily="34" charset="0"/>
-              <a:buChar char="•"/>
-              <a:defRPr sz="1800" kern="1200">
-                <a:solidFill>
-                  <a:schemeClr val="tx1"/>
-                </a:solidFill>
-                <a:latin typeface="+mn-lt"/>
-                <a:ea typeface="+mn-ea"/>
-                <a:cs typeface="+mn-cs"/>
-              </a:defRPr>
-            </a:lvl8pPr>
-            <a:lvl9pPr marL="3886200" indent="-228600" algn="l" defTabSz="914400" rtl="0" eaLnBrk="1" latinLnBrk="0" hangingPunct="1">
-              <a:lnSpc>
-                <a:spcPct val="90000"/>
-              </a:lnSpc>
-              <a:spcBef>
-                <a:spcPts val="500"/>
-              </a:spcBef>
-              <a:buFont typeface="Arial" panose="020B0604020202090204" pitchFamily="34" charset="0"/>
-              <a:buChar char="•"/>
-              <a:defRPr sz="1800" kern="1200">
-                <a:solidFill>
-                  <a:schemeClr val="tx1"/>
-                </a:solidFill>
-                <a:latin typeface="+mn-lt"/>
-                <a:ea typeface="+mn-ea"/>
-                <a:cs typeface="+mn-cs"/>
-              </a:defRPr>
-            </a:lvl9pPr>
-          </a:lstStyle>
-          <a:p>
-            <a:r>
-              <a:rPr kumimoji="1" lang="en-US" altLang="zh-CN"/>
-              <a:t>// generate the dynamic link library by g++ in macos</a:t>
-            </a:r>
-            <a:endParaRPr kumimoji="1" lang="en-US" altLang="zh-CN"/>
-          </a:p>
-          <a:p>
-            <a:endParaRPr kumimoji="1" lang="zh-CN" altLang="en-US"/>
-          </a:p>
-          <a:p>
-            <a:r>
-              <a:rPr kumimoji="1" lang="zh-CN" altLang="en-US"/>
-              <a:t>g++ -I ${JAVA_HOME}/include</a:t>
-            </a:r>
-            <a:endParaRPr kumimoji="1" lang="zh-CN" altLang="en-US"/>
-          </a:p>
-          <a:p>
-            <a:r>
-              <a:rPr kumimoji="1" lang="zh-CN" altLang="en-US"/>
-              <a:t>-I </a:t>
-            </a:r>
-            <a:r>
-              <a:rPr kumimoji="1" lang="en-US" altLang="zh-CN"/>
-              <a:t>${</a:t>
-            </a:r>
-            <a:r>
-              <a:rPr kumimoji="1" lang="en-US" altLang="zh-CN">
-                <a:sym typeface="+mn-ea"/>
-              </a:rPr>
-              <a:t>Main.h</a:t>
-            </a:r>
-            <a:r>
-              <a:rPr kumimoji="1" lang="en-US" altLang="zh-CN"/>
-              <a:t>}</a:t>
-            </a:r>
-            <a:r>
-              <a:rPr kumimoji="1" lang="zh-CN" altLang="en-US"/>
-              <a:t> MainImpl.c -m64 -fPIC -shared -o jni.dylib</a:t>
-            </a:r>
-            <a:endParaRPr kumimoji="1" lang="zh-CN" altLang="en-US"/>
-          </a:p>
-          <a:p>
-            <a:endParaRPr kumimoji="1" lang="zh-CN" altLang="en-US"/>
-          </a:p>
-        </p:txBody>
-      </p:sp>
+      </p:pic>
     </p:spTree>
   </p:cSld>
   <p:clrMapOvr>
@@ -6069,78 +6013,137 @@
           <a:lstStyle/>
           <a:p>
             <a:r>
-              <a:rPr kumimoji="1" lang="zh-CN" altLang="en-US"/>
-              <a:t>import java.net.URL;</a:t>
+              <a:rPr kumimoji="1" lang="en-US" altLang="zh-CN">
+                <a:sym typeface="+mn-ea"/>
+              </a:rPr>
+              <a:t>// C code below</a:t>
+            </a:r>
+            <a:endParaRPr kumimoji="1" lang="zh-CN" altLang="en-US">
+              <a:sym typeface="+mn-ea"/>
+            </a:endParaRPr>
+          </a:p>
+          <a:p>
+            <a:r>
+              <a:rPr kumimoji="1" lang="zh-CN" altLang="en-US">
+                <a:sym typeface="+mn-ea"/>
+              </a:rPr>
+              <a:t>#include &lt;jni.h&gt;</a:t>
             </a:r>
             <a:endParaRPr kumimoji="1" lang="zh-CN" altLang="en-US"/>
           </a:p>
           <a:p>
             <a:r>
-              <a:rPr kumimoji="1" lang="zh-CN" altLang="en-US"/>
-              <a:t>public class Main {</a:t>
+              <a:rPr kumimoji="1" lang="zh-CN" altLang="en-US">
+                <a:sym typeface="+mn-ea"/>
+              </a:rPr>
+              <a:t>#include &lt;jni_md.h&gt;</a:t>
             </a:r>
             <a:endParaRPr kumimoji="1" lang="zh-CN" altLang="en-US"/>
           </a:p>
           <a:p>
             <a:r>
-              <a:rPr kumimoji="1" lang="zh-CN" altLang="en-US"/>
-              <a:t>    static {</a:t>
-            </a:r>
-            <a:r>
-              <a:rPr kumimoji="1" lang="en-US" altLang="zh-CN"/>
-              <a:t>    final </a:t>
-            </a:r>
-            <a:r>
-              <a:rPr kumimoji="1" lang="zh-CN" altLang="en-US"/>
-              <a:t>URL url = Main.class.getResource("jni.dylib");</a:t>
+              <a:rPr kumimoji="1" lang="zh-CN" altLang="en-US">
+                <a:sym typeface="+mn-ea"/>
+              </a:rPr>
+              <a:t>#include &lt;jvmti.h&gt;</a:t>
             </a:r>
             <a:endParaRPr kumimoji="1" lang="zh-CN" altLang="en-US"/>
           </a:p>
           <a:p>
             <a:r>
-              <a:rPr kumimoji="1" lang="zh-CN" altLang="en-US"/>
-              <a:t>        System.load(url.getPath());</a:t>
+              <a:rPr kumimoji="1" lang="zh-CN" altLang="en-US">
+                <a:sym typeface="+mn-ea"/>
+              </a:rPr>
+              <a:t>#include "Main.h"</a:t>
             </a:r>
             <a:endParaRPr kumimoji="1" lang="zh-CN" altLang="en-US"/>
           </a:p>
           <a:p>
             <a:r>
-              <a:rPr kumimoji="1" lang="zh-CN" altLang="en-US"/>
-              <a:t>    }</a:t>
+              <a:rPr kumimoji="1" lang="zh-CN" altLang="en-US">
+                <a:sym typeface="+mn-ea"/>
+              </a:rPr>
+              <a:t>JNIEXPORT jstring JNICALL </a:t>
             </a:r>
             <a:endParaRPr kumimoji="1" lang="zh-CN" altLang="en-US"/>
           </a:p>
           <a:p>
             <a:r>
-              <a:rPr kumimoji="1" lang="zh-CN" altLang="en-US"/>
-              <a:t>    public static native String helloJni();</a:t>
+              <a:rPr kumimoji="1" lang="zh-CN" altLang="en-US">
+                <a:sym typeface="+mn-ea"/>
+              </a:rPr>
+              <a:t>Java_Main_helloJni</a:t>
+            </a:r>
+            <a:r>
+              <a:rPr kumimoji="1" lang="en-US" altLang="zh-CN">
+                <a:sym typeface="+mn-ea"/>
+              </a:rPr>
+              <a:t> </a:t>
+            </a:r>
+            <a:r>
+              <a:rPr kumimoji="1" lang="zh-CN" altLang="en-US">
+                <a:sym typeface="+mn-ea"/>
+              </a:rPr>
+              <a:t>(JNIEnv *env, </a:t>
             </a:r>
             <a:endParaRPr kumimoji="1" lang="zh-CN" altLang="en-US"/>
           </a:p>
           <a:p>
             <a:r>
-              <a:rPr kumimoji="1" lang="zh-CN" altLang="en-US"/>
-              <a:t>    public static void main(String[] args) {</a:t>
+              <a:rPr kumimoji="1" lang="zh-CN" altLang="en-US">
+                <a:sym typeface="+mn-ea"/>
+              </a:rPr>
+              <a:t> </a:t>
+            </a:r>
+            <a:r>
+              <a:rPr kumimoji="1" lang="en-US" altLang="zh-CN">
+                <a:sym typeface="+mn-ea"/>
+              </a:rPr>
+              <a:t>   </a:t>
+            </a:r>
+            <a:r>
+              <a:rPr kumimoji="1" lang="zh-CN" altLang="en-US">
+                <a:sym typeface="+mn-ea"/>
+              </a:rPr>
+              <a:t>jclass klass) {</a:t>
             </a:r>
             <a:endParaRPr kumimoji="1" lang="zh-CN" altLang="en-US"/>
           </a:p>
           <a:p>
             <a:r>
-              <a:rPr kumimoji="1" lang="zh-CN" altLang="en-US"/>
-              <a:t>        System.out.println(helloJni());</a:t>
+              <a:rPr kumimoji="1" lang="zh-CN" altLang="en-US">
+                <a:sym typeface="+mn-ea"/>
+              </a:rPr>
+              <a:t>    return env-&gt;</a:t>
             </a:r>
             <a:endParaRPr kumimoji="1" lang="zh-CN" altLang="en-US"/>
           </a:p>
           <a:p>
             <a:r>
-              <a:rPr kumimoji="1" lang="zh-CN" altLang="en-US"/>
-              <a:t>    }</a:t>
+              <a:rPr kumimoji="1" lang="zh-CN" altLang="en-US">
+                <a:sym typeface="+mn-ea"/>
+              </a:rPr>
+              <a:t> </a:t>
+            </a:r>
+            <a:r>
+              <a:rPr kumimoji="1" lang="en-US" altLang="zh-CN">
+                <a:sym typeface="+mn-ea"/>
+              </a:rPr>
+              <a:t>       </a:t>
+            </a:r>
+            <a:r>
+              <a:rPr kumimoji="1" lang="zh-CN" altLang="en-US">
+                <a:sym typeface="+mn-ea"/>
+              </a:rPr>
+              <a:t>NewStringUTF("Hello JNI");</a:t>
             </a:r>
             <a:endParaRPr kumimoji="1" lang="zh-CN" altLang="en-US"/>
           </a:p>
           <a:p>
             <a:r>
-              <a:rPr kumimoji="1" lang="zh-CN" altLang="en-US"/>
+              <a:rPr kumimoji="1" lang="zh-CN" altLang="en-US">
+                <a:sym typeface="+mn-ea"/>
+              </a:rPr>
               <a:t>}</a:t>
             </a:r>
             <a:endParaRPr kumimoji="1" lang="zh-CN" altLang="en-US"/>
@@ -6334,7 +6337,48 @@
           <a:p>
             <a:r>
               <a:rPr kumimoji="1" lang="en-US" altLang="zh-CN"/>
-              <a:t>// project pic</a:t>
+              <a:t>// generate the dynamic link library by g++ command in macos</a:t>
+            </a:r>
+            <a:endParaRPr kumimoji="1" lang="en-US" altLang="zh-CN"/>
+          </a:p>
+          <a:p>
+            <a:endParaRPr kumimoji="1" lang="zh-CN" altLang="en-US"/>
+          </a:p>
+          <a:p>
+            <a:r>
+              <a:rPr kumimoji="1" lang="zh-CN" altLang="en-US"/>
+              <a:t>g++ -I ${JAVA_HOME}/include</a:t>
+            </a:r>
+            <a:r>
+              <a:rPr kumimoji="1" lang="en-US" altLang="zh-CN"/>
+              <a:t> </a:t>
+            </a:r>
+            <a:endParaRPr kumimoji="1" lang="en-US" altLang="zh-CN"/>
+          </a:p>
+          <a:p>
+            <a:r>
+              <a:rPr kumimoji="1" lang="zh-CN" altLang="en-US">
+                <a:sym typeface="+mn-ea"/>
+              </a:rPr>
+              <a:t>-I ${JAVA_HOME}/include</a:t>
+            </a:r>
+            <a:r>
+              <a:rPr kumimoji="1" lang="en-US" altLang="zh-CN">
+                <a:sym typeface="+mn-ea"/>
+              </a:rPr>
+              <a:t>/</a:t>
+            </a:r>
+            <a:r>
+              <a:rPr kumimoji="1" lang="zh-CN" altLang="en-US"/>
+              <a:t>darwin</a:t>
+            </a:r>
+            <a:r>
+              <a:rPr kumimoji="1" lang="en-US" altLang="zh-CN"/>
+              <a:t> jni-library.cpp</a:t>
+            </a:r>
+            <a:r>
+              <a:rPr kumimoji="1" lang="zh-CN" altLang="en-US"/>
+              <a:t> -m64 -fPIC -shared -o jni.dylib</a:t>
             </a:r>
             <a:endParaRPr kumimoji="1" lang="zh-CN" altLang="en-US"/>
           </a:p>
@@ -6352,6 +6396,393 @@
 </file>
 
 <file path=ppt/slides/slide16.xml><?xml version="1.0" encoding="utf-8"?>
+<p:sld xmlns:a="http://schemas.openxmlformats.org/drawingml/2006/main" xmlns:r="http://schemas.openxmlformats.org/officeDocument/2006/relationships" xmlns:p="http://schemas.openxmlformats.org/presentationml/2006/main">
+  <p:cSld>
+    <p:bg>
+      <p:bgPr>
+        <a:blipFill dpi="0" rotWithShape="1">
+          <a:blip r:embed="rId1">
+            <a:lum/>
+          </a:blip>
+          <a:srcRect/>
+          <a:stretch>
+            <a:fillRect/>
+          </a:stretch>
+        </a:blipFill>
+        <a:effectLst/>
+      </p:bgPr>
+    </p:bg>
+    <p:spTree>
+      <p:nvGrpSpPr>
+        <p:cNvPr id="1" name=""/>
+        <p:cNvGrpSpPr/>
+        <p:nvPr/>
+      </p:nvGrpSpPr>
+      <p:grpSpPr>
+        <a:xfrm>
+          <a:off x="0" y="0"/>
+          <a:ext cx="0" cy="0"/>
+          <a:chOff x="0" y="0"/>
+          <a:chExt cx="0" cy="0"/>
+        </a:xfrm>
+      </p:grpSpPr>
+      <p:sp>
+        <p:nvSpPr>
+          <p:cNvPr id="2" name="文本占位符 1"/>
+          <p:cNvSpPr>
+            <a:spLocks noGrp="1"/>
+          </p:cNvSpPr>
+          <p:nvPr>
+            <p:ph type="body" sz="quarter" idx="21"/>
+          </p:nvPr>
+        </p:nvSpPr>
+        <p:spPr>
+          <a:xfrm>
+            <a:off x="1420495" y="1397000"/>
+            <a:ext cx="10434320" cy="1231900"/>
+          </a:xfrm>
+        </p:spPr>
+        <p:txBody>
+          <a:bodyPr/>
+          <a:lstStyle/>
+          <a:p>
+            <a:r>
+              <a:rPr kumimoji="1" lang="en-US" altLang="zh-CN"/>
+              <a:t>Dynamic Link Library Example</a:t>
+            </a:r>
+            <a:endParaRPr kumimoji="1" lang="en-US" altLang="zh-CN"/>
+          </a:p>
+        </p:txBody>
+      </p:sp>
+      <p:sp>
+        <p:nvSpPr>
+          <p:cNvPr id="3" name="文本占位符 2"/>
+          <p:cNvSpPr>
+            <a:spLocks noGrp="1"/>
+          </p:cNvSpPr>
+          <p:nvPr>
+            <p:ph type="body" sz="quarter" idx="22"/>
+          </p:nvPr>
+        </p:nvSpPr>
+        <p:spPr>
+          <a:xfrm>
+            <a:off x="1420495" y="2628900"/>
+            <a:ext cx="10791825" cy="7200265"/>
+          </a:xfrm>
+        </p:spPr>
+        <p:txBody>
+          <a:bodyPr/>
+          <a:lstStyle/>
+          <a:p>
+            <a:r>
+              <a:rPr kumimoji="1" lang="zh-CN" altLang="en-US"/>
+              <a:t>import java.net.URL;</a:t>
+            </a:r>
+            <a:endParaRPr kumimoji="1" lang="zh-CN" altLang="en-US"/>
+          </a:p>
+          <a:p>
+            <a:r>
+              <a:rPr kumimoji="1" lang="zh-CN" altLang="en-US"/>
+              <a:t>public class Main {</a:t>
+            </a:r>
+            <a:endParaRPr kumimoji="1" lang="zh-CN" altLang="en-US"/>
+          </a:p>
+          <a:p>
+            <a:r>
+              <a:rPr kumimoji="1" lang="zh-CN" altLang="en-US"/>
+              <a:t>    static {</a:t>
+            </a:r>
+            <a:r>
+              <a:rPr kumimoji="1" lang="en-US" altLang="zh-CN"/>
+              <a:t>    final </a:t>
+            </a:r>
+            <a:r>
+              <a:rPr kumimoji="1" lang="zh-CN" altLang="en-US"/>
+              <a:t>URL url = Main.class.getResource("jni.dylib");</a:t>
+            </a:r>
+            <a:endParaRPr kumimoji="1" lang="zh-CN" altLang="en-US"/>
+          </a:p>
+          <a:p>
+            <a:r>
+              <a:rPr kumimoji="1" lang="zh-CN" altLang="en-US"/>
+              <a:t>        System.load(url.getPath());</a:t>
+            </a:r>
+            <a:endParaRPr kumimoji="1" lang="zh-CN" altLang="en-US"/>
+          </a:p>
+          <a:p>
+            <a:r>
+              <a:rPr kumimoji="1" lang="zh-CN" altLang="en-US"/>
+              <a:t>    }</a:t>
+            </a:r>
+            <a:endParaRPr kumimoji="1" lang="zh-CN" altLang="en-US"/>
+          </a:p>
+          <a:p>
+            <a:r>
+              <a:rPr kumimoji="1" lang="zh-CN" altLang="en-US"/>
+              <a:t>    public static native String helloJni();</a:t>
+            </a:r>
+            <a:endParaRPr kumimoji="1" lang="zh-CN" altLang="en-US"/>
+          </a:p>
+          <a:p>
+            <a:r>
+              <a:rPr kumimoji="1" lang="zh-CN" altLang="en-US"/>
+              <a:t>    public static void main(String[] args) {</a:t>
+            </a:r>
+            <a:endParaRPr kumimoji="1" lang="zh-CN" altLang="en-US"/>
+          </a:p>
+          <a:p>
+            <a:r>
+              <a:rPr kumimoji="1" lang="zh-CN" altLang="en-US"/>
+              <a:t>        System.out.println(helloJni());</a:t>
+            </a:r>
+            <a:endParaRPr kumimoji="1" lang="zh-CN" altLang="en-US"/>
+          </a:p>
+          <a:p>
+            <a:r>
+              <a:rPr kumimoji="1" lang="zh-CN" altLang="en-US"/>
+              <a:t>    }</a:t>
+            </a:r>
+            <a:endParaRPr kumimoji="1" lang="zh-CN" altLang="en-US"/>
+          </a:p>
+          <a:p>
+            <a:r>
+              <a:rPr kumimoji="1" lang="zh-CN" altLang="en-US"/>
+              <a:t>}</a:t>
+            </a:r>
+            <a:endParaRPr kumimoji="1" lang="zh-CN" altLang="en-US"/>
+          </a:p>
+        </p:txBody>
+      </p:sp>
+      <p:sp>
+        <p:nvSpPr>
+          <p:cNvPr id="6" name="文本占位符 2"/>
+          <p:cNvSpPr>
+            <a:spLocks noGrp="1"/>
+          </p:cNvSpPr>
+          <p:nvPr/>
+        </p:nvSpPr>
+        <p:spPr>
+          <a:xfrm>
+            <a:off x="12696825" y="2628900"/>
+            <a:ext cx="9244965" cy="7200265"/>
+          </a:xfrm>
+          <a:prstGeom prst="rect">
+            <a:avLst/>
+          </a:prstGeom>
+        </p:spPr>
+        <p:txBody>
+          <a:bodyPr/>
+          <a:lstStyle>
+            <a:lvl1pPr marL="0" indent="0" algn="l" defTabSz="2438400" rtl="0" eaLnBrk="1" latinLnBrk="0" hangingPunct="1">
+              <a:lnSpc>
+                <a:spcPct val="110000"/>
+              </a:lnSpc>
+              <a:spcBef>
+                <a:spcPts val="1000"/>
+              </a:spcBef>
+              <a:buFont typeface="Arial" panose="020B0604020202090204" pitchFamily="34" charset="0"/>
+              <a:buNone/>
+              <a:defRPr sz="4400" b="0" i="0" kern="1200">
+                <a:solidFill>
+                  <a:srgbClr val="FFFFFF"/>
+                </a:solidFill>
+                <a:latin typeface="OPPOSans R" pitchFamily="18" charset="-122"/>
+                <a:ea typeface="OPPOSans R" pitchFamily="18" charset="-122"/>
+                <a:cs typeface="OPPOSans R" pitchFamily="18" charset="-122"/>
+                <a:sym typeface="OPPOSans L"/>
+              </a:defRPr>
+            </a:lvl1pPr>
+            <a:lvl2pPr marL="685800" indent="-228600" algn="l" defTabSz="914400" rtl="0" eaLnBrk="1" latinLnBrk="0" hangingPunct="1">
+              <a:lnSpc>
+                <a:spcPct val="90000"/>
+              </a:lnSpc>
+              <a:spcBef>
+                <a:spcPts val="500"/>
+              </a:spcBef>
+              <a:buFont typeface="Arial" panose="020B0604020202090204" pitchFamily="34" charset="0"/>
+              <a:buChar char="•"/>
+              <a:defRPr sz="2400" kern="1200">
+                <a:solidFill>
+                  <a:schemeClr val="tx1"/>
+                </a:solidFill>
+                <a:latin typeface="+mn-lt"/>
+                <a:ea typeface="+mn-ea"/>
+                <a:cs typeface="+mn-cs"/>
+              </a:defRPr>
+            </a:lvl2pPr>
+            <a:lvl3pPr marL="1143000" indent="-228600" algn="l" defTabSz="914400" rtl="0" eaLnBrk="1" latinLnBrk="0" hangingPunct="1">
+              <a:lnSpc>
+                <a:spcPct val="90000"/>
+              </a:lnSpc>
+              <a:spcBef>
+                <a:spcPts val="500"/>
+              </a:spcBef>
+              <a:buFont typeface="Arial" panose="020B0604020202090204" pitchFamily="34" charset="0"/>
+              <a:buChar char="•"/>
+              <a:defRPr sz="2000" kern="1200">
+                <a:solidFill>
+                  <a:schemeClr val="tx1"/>
+                </a:solidFill>
+                <a:latin typeface="+mn-lt"/>
+                <a:ea typeface="+mn-ea"/>
+                <a:cs typeface="+mn-cs"/>
+              </a:defRPr>
+            </a:lvl3pPr>
+            <a:lvl4pPr marL="1600200" indent="-228600" algn="l" defTabSz="914400" rtl="0" eaLnBrk="1" latinLnBrk="0" hangingPunct="1">
+              <a:lnSpc>
+                <a:spcPct val="90000"/>
+              </a:lnSpc>
+              <a:spcBef>
+                <a:spcPts val="500"/>
+              </a:spcBef>
+              <a:buFont typeface="Arial" panose="020B0604020202090204" pitchFamily="34" charset="0"/>
+              <a:buChar char="•"/>
+              <a:defRPr sz="1800" kern="1200">
+                <a:solidFill>
+                  <a:schemeClr val="tx1"/>
+                </a:solidFill>
+                <a:latin typeface="+mn-lt"/>
+                <a:ea typeface="+mn-ea"/>
+                <a:cs typeface="+mn-cs"/>
+              </a:defRPr>
+            </a:lvl4pPr>
+            <a:lvl5pPr marL="2057400" indent="-228600" algn="l" defTabSz="914400" rtl="0" eaLnBrk="1" latinLnBrk="0" hangingPunct="1">
+              <a:lnSpc>
+                <a:spcPct val="90000"/>
+              </a:lnSpc>
+              <a:spcBef>
+                <a:spcPts val="500"/>
+              </a:spcBef>
+              <a:buFont typeface="Arial" panose="020B0604020202090204" pitchFamily="34" charset="0"/>
+              <a:buChar char="•"/>
+              <a:defRPr sz="1800" kern="1200">
+                <a:solidFill>
+                  <a:schemeClr val="tx1"/>
+                </a:solidFill>
+                <a:latin typeface="+mn-lt"/>
+                <a:ea typeface="+mn-ea"/>
+                <a:cs typeface="+mn-cs"/>
+              </a:defRPr>
+            </a:lvl5pPr>
+            <a:lvl6pPr marL="2514600" indent="-228600" algn="l" defTabSz="914400" rtl="0" eaLnBrk="1" latinLnBrk="0" hangingPunct="1">
+              <a:lnSpc>
+                <a:spcPct val="90000"/>
+              </a:lnSpc>
+              <a:spcBef>
+                <a:spcPts val="500"/>
+              </a:spcBef>
+              <a:buFont typeface="Arial" panose="020B0604020202090204" pitchFamily="34" charset="0"/>
+              <a:buChar char="•"/>
+              <a:defRPr sz="1800" kern="1200">
+                <a:solidFill>
+                  <a:schemeClr val="tx1"/>
+                </a:solidFill>
+                <a:latin typeface="+mn-lt"/>
+                <a:ea typeface="+mn-ea"/>
+                <a:cs typeface="+mn-cs"/>
+              </a:defRPr>
+            </a:lvl6pPr>
+            <a:lvl7pPr marL="2971800" indent="-228600" algn="l" defTabSz="914400" rtl="0" eaLnBrk="1" latinLnBrk="0" hangingPunct="1">
+              <a:lnSpc>
+                <a:spcPct val="90000"/>
+              </a:lnSpc>
+              <a:spcBef>
+                <a:spcPts val="500"/>
+              </a:spcBef>
+              <a:buFont typeface="Arial" panose="020B0604020202090204" pitchFamily="34" charset="0"/>
+              <a:buChar char="•"/>
+              <a:defRPr sz="1800" kern="1200">
+                <a:solidFill>
+                  <a:schemeClr val="tx1"/>
+                </a:solidFill>
+                <a:latin typeface="+mn-lt"/>
+                <a:ea typeface="+mn-ea"/>
+                <a:cs typeface="+mn-cs"/>
+              </a:defRPr>
+            </a:lvl7pPr>
+            <a:lvl8pPr marL="3429000" indent="-228600" algn="l" defTabSz="914400" rtl="0" eaLnBrk="1" latinLnBrk="0" hangingPunct="1">
+              <a:lnSpc>
+                <a:spcPct val="90000"/>
+              </a:lnSpc>
+              <a:spcBef>
+                <a:spcPts val="500"/>
+              </a:spcBef>
+              <a:buFont typeface="Arial" panose="020B0604020202090204" pitchFamily="34" charset="0"/>
+              <a:buChar char="•"/>
+              <a:defRPr sz="1800" kern="1200">
+                <a:solidFill>
+                  <a:schemeClr val="tx1"/>
+                </a:solidFill>
+                <a:latin typeface="+mn-lt"/>
+                <a:ea typeface="+mn-ea"/>
+                <a:cs typeface="+mn-cs"/>
+              </a:defRPr>
+            </a:lvl8pPr>
+            <a:lvl9pPr marL="3886200" indent="-228600" algn="l" defTabSz="914400" rtl="0" eaLnBrk="1" latinLnBrk="0" hangingPunct="1">
+              <a:lnSpc>
+                <a:spcPct val="90000"/>
+              </a:lnSpc>
+              <a:spcBef>
+                <a:spcPts val="500"/>
+              </a:spcBef>
+              <a:buFont typeface="Arial" panose="020B0604020202090204" pitchFamily="34" charset="0"/>
+              <a:buChar char="•"/>
+              <a:defRPr sz="1800" kern="1200">
+                <a:solidFill>
+                  <a:schemeClr val="tx1"/>
+                </a:solidFill>
+                <a:latin typeface="+mn-lt"/>
+                <a:ea typeface="+mn-ea"/>
+                <a:cs typeface="+mn-cs"/>
+              </a:defRPr>
+            </a:lvl9pPr>
+          </a:lstStyle>
+          <a:p>
+            <a:r>
+              <a:rPr kumimoji="1" lang="en-US" altLang="zh-CN"/>
+              <a:t>//</a:t>
+            </a:r>
+            <a:endParaRPr kumimoji="1" lang="en-US" altLang="zh-CN"/>
+          </a:p>
+        </p:txBody>
+      </p:sp>
+      <p:pic>
+        <p:nvPicPr>
+          <p:cNvPr id="5" name="Picture 4"/>
+          <p:cNvPicPr>
+            <a:picLocks noChangeAspect="1"/>
+          </p:cNvPicPr>
+          <p:nvPr>
+            <p:custDataLst>
+              <p:tags r:id="rId2"/>
+            </p:custDataLst>
+          </p:nvPr>
+        </p:nvPicPr>
+        <p:blipFill>
+          <a:blip r:embed="rId3"/>
+          <a:stretch>
+            <a:fillRect/>
+          </a:stretch>
+        </p:blipFill>
+        <p:spPr>
+          <a:xfrm>
+            <a:off x="12696825" y="2628900"/>
+            <a:ext cx="9304655" cy="7557135"/>
+          </a:xfrm>
+          <a:prstGeom prst="rect">
+            <a:avLst/>
+          </a:prstGeom>
+        </p:spPr>
+      </p:pic>
+    </p:spTree>
+  </p:cSld>
+  <p:clrMapOvr>
+    <a:masterClrMapping/>
+  </p:clrMapOvr>
+</p:sld>
+</file>
+
+<file path=ppt/slides/slide17.xml><?xml version="1.0" encoding="utf-8"?>
 <p:sld xmlns:a="http://schemas.openxmlformats.org/drawingml/2006/main" xmlns:r="http://schemas.openxmlformats.org/officeDocument/2006/relationships" xmlns:p="http://schemas.openxmlformats.org/presentationml/2006/main">
   <p:cSld>
     <p:bg>
@@ -6650,7 +7081,7 @@
 </p:sld>
 </file>
 
-<file path=ppt/slides/slide17.xml><?xml version="1.0" encoding="utf-8"?>
+<file path=ppt/slides/slide18.xml><?xml version="1.0" encoding="utf-8"?>
 <p:sld xmlns:a="http://schemas.openxmlformats.org/drawingml/2006/main" xmlns:r="http://schemas.openxmlformats.org/officeDocument/2006/relationships" xmlns:p="http://schemas.openxmlformats.org/presentationml/2006/main">
   <p:cSld>
     <p:bg>
@@ -6796,106 +7227,6 @@
                 <a:sym typeface="+mn-ea"/>
               </a:rPr>
               <a:t>Operation complexity: No</a:t>
-            </a:r>
-            <a:endParaRPr kumimoji="1" lang="zh-CN" altLang="en-US"/>
-          </a:p>
-        </p:txBody>
-      </p:sp>
-    </p:spTree>
-  </p:cSld>
-  <p:clrMapOvr>
-    <a:masterClrMapping/>
-  </p:clrMapOvr>
-</p:sld>
-</file>
-
-<file path=ppt/slides/slide18.xml><?xml version="1.0" encoding="utf-8"?>
-<p:sld xmlns:a="http://schemas.openxmlformats.org/drawingml/2006/main" xmlns:r="http://schemas.openxmlformats.org/officeDocument/2006/relationships" xmlns:p="http://schemas.openxmlformats.org/presentationml/2006/main">
-  <p:cSld>
-    <p:bg>
-      <p:bgPr>
-        <a:blipFill dpi="0" rotWithShape="1">
-          <a:blip r:embed="rId1">
-            <a:lum/>
-          </a:blip>
-          <a:srcRect/>
-          <a:stretch>
-            <a:fillRect/>
-          </a:stretch>
-        </a:blipFill>
-        <a:effectLst/>
-      </p:bgPr>
-    </p:bg>
-    <p:spTree>
-      <p:nvGrpSpPr>
-        <p:cNvPr id="1" name=""/>
-        <p:cNvGrpSpPr/>
-        <p:nvPr/>
-      </p:nvGrpSpPr>
-      <p:grpSpPr>
-        <a:xfrm>
-          <a:off x="0" y="0"/>
-          <a:ext cx="0" cy="0"/>
-          <a:chOff x="0" y="0"/>
-          <a:chExt cx="0" cy="0"/>
-        </a:xfrm>
-      </p:grpSpPr>
-      <p:sp>
-        <p:nvSpPr>
-          <p:cNvPr id="2" name="文本占位符 1"/>
-          <p:cNvSpPr>
-            <a:spLocks noGrp="1"/>
-          </p:cNvSpPr>
-          <p:nvPr>
-            <p:ph type="body" sz="quarter" idx="21"/>
-          </p:nvPr>
-        </p:nvSpPr>
-        <p:spPr>
-          <a:xfrm>
-            <a:off x="1420495" y="1397000"/>
-            <a:ext cx="11194415" cy="1231900"/>
-          </a:xfrm>
-        </p:spPr>
-        <p:txBody>
-          <a:bodyPr/>
-          <a:lstStyle/>
-          <a:p>
-            <a:r>
-              <a:rPr kumimoji="1" lang="en-US" altLang="zh-CN"/>
-              <a:t>WebAssembly System Interface</a:t>
-            </a:r>
-            <a:endParaRPr kumimoji="1" lang="en-US" altLang="zh-CN"/>
-          </a:p>
-        </p:txBody>
-      </p:sp>
-      <p:sp>
-        <p:nvSpPr>
-          <p:cNvPr id="3" name="文本占位符 2"/>
-          <p:cNvSpPr>
-            <a:spLocks noGrp="1"/>
-          </p:cNvSpPr>
-          <p:nvPr>
-            <p:ph type="body" sz="quarter" idx="22"/>
-          </p:nvPr>
-        </p:nvSpPr>
-        <p:spPr/>
-        <p:txBody>
-          <a:bodyPr/>
-          <a:lstStyle/>
-          <a:p>
-            <a:r>
-              <a:rPr kumimoji="1" lang="zh-CN" altLang="en-US"/>
-              <a:t>WASM(WebAssembly) bytecode is designed to be encoded in a size- and load-time-efficient binary format. WASM aims to leverage the common hardware features available on various platforms to execute in browsers at machine code speed.</a:t>
-            </a:r>
-            <a:endParaRPr kumimoji="1" lang="zh-CN" altLang="en-US"/>
-          </a:p>
-          <a:p>
-            <a:endParaRPr kumimoji="1" lang="zh-CN" altLang="en-US"/>
-          </a:p>
-          <a:p>
-            <a:r>
-              <a:rPr kumimoji="1" lang="zh-CN" altLang="en-US"/>
-              <a:t>WASI provide a portable interface for applications that run within a constrained sandbox environment, which allows WASM to run in non browser environments such as Linux. It's portable and secure.</a:t>
             </a:r>
             <a:endParaRPr kumimoji="1" lang="zh-CN" altLang="en-US"/>
           </a:p>
@@ -6953,7 +7284,7 @@
         <p:spPr>
           <a:xfrm>
             <a:off x="1420495" y="1397000"/>
-            <a:ext cx="11228705" cy="1231900"/>
+            <a:ext cx="11194415" cy="1231900"/>
           </a:xfrm>
         </p:spPr>
         <p:txBody>
@@ -6961,9 +7292,7 @@
           <a:lstStyle/>
           <a:p>
             <a:r>
-              <a:rPr kumimoji="1" lang="en-US" altLang="zh-CN">
-                <a:sym typeface="+mn-ea"/>
-              </a:rPr>
+              <a:rPr kumimoji="1" lang="en-US" altLang="zh-CN"/>
               <a:t>WebAssembly System Interface</a:t>
             </a:r>
             <a:endParaRPr kumimoji="1" lang="en-US" altLang="zh-CN"/>
@@ -6980,117 +7309,62 @@
             <p:ph type="body" sz="quarter" idx="22"/>
           </p:nvPr>
         </p:nvSpPr>
-        <p:spPr/>
+        <p:spPr>
+          <a:xfrm>
+            <a:off x="1480185" y="3578225"/>
+            <a:ext cx="7715885" cy="7200265"/>
+          </a:xfrm>
+        </p:spPr>
         <p:txBody>
           <a:bodyPr/>
           <a:lstStyle/>
           <a:p>
             <a:r>
-              <a:rPr kumimoji="1" lang="en-US" altLang="zh-CN">
-                <a:sym typeface="+mn-ea"/>
-              </a:rPr>
-              <a:t>Example: https://github.com/alibaba/higress</a:t>
-            </a:r>
-            <a:endParaRPr kumimoji="1" lang="en-US" altLang="zh-CN">
-              <a:sym typeface="+mn-ea"/>
-            </a:endParaRPr>
-          </a:p>
-          <a:p>
-            <a:r>
-              <a:rPr kumimoji="1" lang="en-US" altLang="zh-CN">
-                <a:sym typeface="+mn-ea"/>
-              </a:rPr>
-              <a:t>Workload: Light</a:t>
-            </a:r>
-            <a:endParaRPr kumimoji="1" lang="en-US" altLang="zh-CN">
-              <a:sym typeface="+mn-ea"/>
-            </a:endParaRPr>
-          </a:p>
-          <a:p>
-            <a:r>
-              <a:rPr kumimoji="1" lang="en-US" altLang="zh-CN">
-                <a:sym typeface="+mn-ea"/>
-              </a:rPr>
-              <a:t>Difficulty: Simple</a:t>
-            </a:r>
-            <a:endParaRPr kumimoji="1" lang="en-US" altLang="zh-CN">
-              <a:sym typeface="+mn-ea"/>
-            </a:endParaRPr>
-          </a:p>
-          <a:p>
-            <a:r>
-              <a:rPr kumimoji="1" lang="en-US" altLang="zh-CN">
-                <a:sym typeface="+mn-ea"/>
-              </a:rPr>
-              <a:t>Extention for new languages: </a:t>
-            </a:r>
-            <a:r>
-              <a:rPr kumimoji="1" lang="en-US" altLang="zh-CN">
-                <a:sym typeface="+mn-ea"/>
-              </a:rPr>
-              <a:t>Good, no need to modify framework code, but it's possible that the language you're good at doesn't support WASM</a:t>
-            </a:r>
-            <a:endParaRPr kumimoji="1" lang="en-US" altLang="zh-CN">
-              <a:sym typeface="+mn-ea"/>
-            </a:endParaRPr>
-          </a:p>
-          <a:p>
-            <a:r>
-              <a:rPr kumimoji="1" lang="en-US" altLang="zh-CN">
-                <a:sym typeface="+mn-ea"/>
-              </a:rPr>
-              <a:t>User friendliness: Good, only 4 basic </a:t>
-            </a:r>
-            <a:r>
-              <a:rPr kumimoji="1" lang="en-US" altLang="zh-CN">
-                <a:sym typeface="+mn-ea"/>
-              </a:rPr>
-              <a:t>Java</a:t>
-            </a:r>
-            <a:r>
-              <a:rPr kumimoji="1" lang="en-US" altLang="zh-CN">
-                <a:sym typeface="+mn-ea"/>
-              </a:rPr>
-              <a:t> types are supported d</a:t>
-            </a:r>
-            <a:r>
-              <a:rPr kumimoji="1" lang="en-US" altLang="zh-CN">
-                <a:sym typeface="+mn-ea"/>
-              </a:rPr>
-              <a:t>ue to the immaturity of the WASM ecosystem in Java</a:t>
-            </a:r>
-            <a:endParaRPr kumimoji="1" lang="en-US" altLang="zh-CN">
-              <a:sym typeface="+mn-ea"/>
-            </a:endParaRPr>
-          </a:p>
-          <a:p>
-            <a:r>
-              <a:rPr kumimoji="1" lang="en-US" altLang="zh-CN">
-                <a:sym typeface="+mn-ea"/>
-              </a:rPr>
-              <a:t>Performance: </a:t>
-            </a:r>
-            <a:r>
-              <a:rPr kumimoji="1" lang="en-US" altLang="zh-CN">
-                <a:sym typeface="+mn-ea"/>
-              </a:rPr>
-              <a:t>Performance loss due to serialization and deserialization</a:t>
-            </a:r>
-            <a:endParaRPr kumimoji="1" lang="en-US" altLang="zh-CN">
-              <a:sym typeface="+mn-ea"/>
-            </a:endParaRPr>
-          </a:p>
-          <a:p>
-            <a:r>
-              <a:rPr kumimoji="1" lang="en-US" altLang="zh-CN">
-                <a:sym typeface="+mn-ea"/>
-              </a:rPr>
-              <a:t>Operation complexity: No</a:t>
+              <a:rPr kumimoji="1" lang="zh-CN" altLang="en-US"/>
+              <a:t>WebAssembly or wasm is a new, portable, size- and load-time-efficient format suitable for compilation to the web.</a:t>
+            </a:r>
+            <a:endParaRPr kumimoji="1" lang="zh-CN" altLang="en-US"/>
+          </a:p>
+          <a:p>
+            <a:endParaRPr kumimoji="1" lang="zh-CN" altLang="en-US"/>
+          </a:p>
+          <a:p>
+            <a:r>
+              <a:rPr kumimoji="1" lang="zh-CN" altLang="en-US"/>
+              <a:t>WASI allows WASM to run in non browser environments such as Linux.</a:t>
             </a:r>
             <a:endParaRPr kumimoji="1" lang="zh-CN" altLang="en-US"/>
           </a:p>
         </p:txBody>
       </p:sp>
+      <p:pic>
+        <p:nvPicPr>
+          <p:cNvPr id="5" name="Picture 4"/>
+          <p:cNvPicPr>
+            <a:picLocks noChangeAspect="1"/>
+          </p:cNvPicPr>
+          <p:nvPr>
+            <p:custDataLst>
+              <p:tags r:id="rId2"/>
+            </p:custDataLst>
+          </p:nvPr>
+        </p:nvPicPr>
+        <p:blipFill>
+          <a:blip r:embed="rId3"/>
+          <a:stretch>
+            <a:fillRect/>
+          </a:stretch>
+        </p:blipFill>
+        <p:spPr>
+          <a:xfrm>
+            <a:off x="9526905" y="3578225"/>
+            <a:ext cx="12490450" cy="7815580"/>
+          </a:xfrm>
+          <a:prstGeom prst="rect">
+            <a:avLst/>
+          </a:prstGeom>
+        </p:spPr>
+      </p:pic>
     </p:spTree>
   </p:cSld>
   <p:clrMapOvr>
@@ -7306,6 +7580,196 @@
 </file>
 
 <file path=ppt/slides/slide20.xml><?xml version="1.0" encoding="utf-8"?>
+<p:sld xmlns:a="http://schemas.openxmlformats.org/drawingml/2006/main" xmlns:r="http://schemas.openxmlformats.org/officeDocument/2006/relationships" xmlns:p="http://schemas.openxmlformats.org/presentationml/2006/main">
+  <p:cSld>
+    <p:bg>
+      <p:bgPr>
+        <a:blipFill dpi="0" rotWithShape="1">
+          <a:blip r:embed="rId1">
+            <a:lum/>
+          </a:blip>
+          <a:srcRect/>
+          <a:stretch>
+            <a:fillRect/>
+          </a:stretch>
+        </a:blipFill>
+        <a:effectLst/>
+      </p:bgPr>
+    </p:bg>
+    <p:spTree>
+      <p:nvGrpSpPr>
+        <p:cNvPr id="1" name=""/>
+        <p:cNvGrpSpPr/>
+        <p:nvPr/>
+      </p:nvGrpSpPr>
+      <p:grpSpPr>
+        <a:xfrm>
+          <a:off x="0" y="0"/>
+          <a:ext cx="0" cy="0"/>
+          <a:chOff x="0" y="0"/>
+          <a:chExt cx="0" cy="0"/>
+        </a:xfrm>
+      </p:grpSpPr>
+      <p:sp>
+        <p:nvSpPr>
+          <p:cNvPr id="2" name="文本占位符 1"/>
+          <p:cNvSpPr>
+            <a:spLocks noGrp="1"/>
+          </p:cNvSpPr>
+          <p:nvPr>
+            <p:ph type="body" sz="quarter" idx="21"/>
+          </p:nvPr>
+        </p:nvSpPr>
+        <p:spPr>
+          <a:xfrm>
+            <a:off x="1420495" y="1397000"/>
+            <a:ext cx="11228705" cy="1231900"/>
+          </a:xfrm>
+        </p:spPr>
+        <p:txBody>
+          <a:bodyPr/>
+          <a:lstStyle/>
+          <a:p>
+            <a:r>
+              <a:rPr kumimoji="1" lang="en-US" altLang="zh-CN">
+                <a:sym typeface="+mn-ea"/>
+              </a:rPr>
+              <a:t>WebAssembly System Interface</a:t>
+            </a:r>
+            <a:endParaRPr kumimoji="1" lang="en-US" altLang="zh-CN"/>
+          </a:p>
+        </p:txBody>
+      </p:sp>
+      <p:sp>
+        <p:nvSpPr>
+          <p:cNvPr id="3" name="文本占位符 2"/>
+          <p:cNvSpPr>
+            <a:spLocks noGrp="1"/>
+          </p:cNvSpPr>
+          <p:nvPr>
+            <p:ph type="body" sz="quarter" idx="22"/>
+          </p:nvPr>
+        </p:nvSpPr>
+        <p:spPr/>
+        <p:txBody>
+          <a:bodyPr/>
+          <a:lstStyle/>
+          <a:p>
+            <a:r>
+              <a:rPr kumimoji="1" lang="en-US" altLang="zh-CN">
+                <a:sym typeface="+mn-ea"/>
+              </a:rPr>
+              <a:t>Example: https://github.com/alibaba/higress</a:t>
+            </a:r>
+            <a:endParaRPr kumimoji="1" lang="en-US" altLang="zh-CN">
+              <a:sym typeface="+mn-ea"/>
+            </a:endParaRPr>
+          </a:p>
+          <a:p>
+            <a:r>
+              <a:rPr kumimoji="1" lang="en-US" altLang="zh-CN">
+                <a:sym typeface="+mn-ea"/>
+              </a:rPr>
+              <a:t>Workload: Light</a:t>
+            </a:r>
+            <a:endParaRPr kumimoji="1" lang="en-US" altLang="zh-CN">
+              <a:sym typeface="+mn-ea"/>
+            </a:endParaRPr>
+          </a:p>
+          <a:p>
+            <a:r>
+              <a:rPr kumimoji="1" lang="en-US" altLang="zh-CN">
+                <a:sym typeface="+mn-ea"/>
+              </a:rPr>
+              <a:t>Difficulty: Simple</a:t>
+            </a:r>
+            <a:endParaRPr kumimoji="1" lang="en-US" altLang="zh-CN">
+              <a:sym typeface="+mn-ea"/>
+            </a:endParaRPr>
+          </a:p>
+          <a:p>
+            <a:r>
+              <a:rPr kumimoji="1" lang="en-US" altLang="zh-CN">
+                <a:sym typeface="+mn-ea"/>
+              </a:rPr>
+              <a:t>Extention for new languages: </a:t>
+            </a:r>
+            <a:r>
+              <a:rPr kumimoji="1" lang="en-US" altLang="zh-CN">
+                <a:sym typeface="+mn-ea"/>
+              </a:rPr>
+              <a:t>Good, no need to modify framework code, but it's possible that the language you're good at doesn't support WASM</a:t>
+            </a:r>
+            <a:endParaRPr kumimoji="1" lang="en-US" altLang="zh-CN">
+              <a:sym typeface="+mn-ea"/>
+            </a:endParaRPr>
+          </a:p>
+          <a:p>
+            <a:r>
+              <a:rPr kumimoji="1" lang="en-US" altLang="zh-CN">
+                <a:sym typeface="+mn-ea"/>
+              </a:rPr>
+              <a:t>User friendliness: Good, only 4 basic </a:t>
+            </a:r>
+            <a:r>
+              <a:rPr kumimoji="1" lang="en-US" altLang="zh-CN">
+                <a:sym typeface="+mn-ea"/>
+              </a:rPr>
+              <a:t>Java</a:t>
+            </a:r>
+            <a:r>
+              <a:rPr kumimoji="1" lang="en-US" altLang="zh-CN">
+                <a:sym typeface="+mn-ea"/>
+              </a:rPr>
+              <a:t> types are supported d</a:t>
+            </a:r>
+            <a:r>
+              <a:rPr kumimoji="1" lang="en-US" altLang="zh-CN">
+                <a:sym typeface="+mn-ea"/>
+              </a:rPr>
+              <a:t>ue to the immaturity of the WASM ecosystem in Java</a:t>
+            </a:r>
+            <a:endParaRPr kumimoji="1" lang="en-US" altLang="zh-CN">
+              <a:sym typeface="+mn-ea"/>
+            </a:endParaRPr>
+          </a:p>
+          <a:p>
+            <a:r>
+              <a:rPr kumimoji="1" lang="en-US" altLang="zh-CN">
+                <a:sym typeface="+mn-ea"/>
+              </a:rPr>
+              <a:t>Performance: </a:t>
+            </a:r>
+            <a:r>
+              <a:rPr kumimoji="1" lang="en-US" altLang="zh-CN">
+                <a:sym typeface="+mn-ea"/>
+              </a:rPr>
+              <a:t>Performance loss due to serialization and deserialization</a:t>
+            </a:r>
+            <a:endParaRPr kumimoji="1" lang="en-US" altLang="zh-CN">
+              <a:sym typeface="+mn-ea"/>
+            </a:endParaRPr>
+          </a:p>
+          <a:p>
+            <a:r>
+              <a:rPr kumimoji="1" lang="en-US" altLang="zh-CN">
+                <a:sym typeface="+mn-ea"/>
+              </a:rPr>
+              <a:t>Operation complexity: No</a:t>
+            </a:r>
+            <a:endParaRPr kumimoji="1" lang="zh-CN" altLang="en-US"/>
+          </a:p>
+        </p:txBody>
+      </p:sp>
+    </p:spTree>
+  </p:cSld>
+  <p:clrMapOvr>
+    <a:masterClrMapping/>
+  </p:clrMapOvr>
+</p:sld>
+</file>
+
+<file path=ppt/slides/slide21.xml><?xml version="1.0" encoding="utf-8"?>
 <p:sld xmlns:a="http://schemas.openxmlformats.org/drawingml/2006/main" xmlns:r="http://schemas.openxmlformats.org/officeDocument/2006/relationships" xmlns:p="http://schemas.openxmlformats.org/presentationml/2006/main">
   <p:cSld>
     <p:bg>
@@ -8548,7 +9012,7 @@
 </p:sld>
 </file>
 
-<file path=ppt/slides/slide21.xml><?xml version="1.0" encoding="utf-8"?>
+<file path=ppt/slides/slide22.xml><?xml version="1.0" encoding="utf-8"?>
 <p:sld xmlns:a="http://schemas.openxmlformats.org/drawingml/2006/main" xmlns:r="http://schemas.openxmlformats.org/officeDocument/2006/relationships" xmlns:p="http://schemas.openxmlformats.org/presentationml/2006/main">
   <p:cSld>
     <p:spTree>
@@ -8637,111 +9101,6 @@
               <a:t>Extention</a:t>
             </a:r>
             <a:endParaRPr lang="en-US" altLang="en-GB" sz="9600" dirty="0"/>
-          </a:p>
-        </p:txBody>
-      </p:sp>
-    </p:spTree>
-  </p:cSld>
-  <p:clrMapOvr>
-    <a:masterClrMapping/>
-  </p:clrMapOvr>
-</p:sld>
-</file>
-
-<file path=ppt/slides/slide22.xml><?xml version="1.0" encoding="utf-8"?>
-<p:sld xmlns:a="http://schemas.openxmlformats.org/drawingml/2006/main" xmlns:r="http://schemas.openxmlformats.org/officeDocument/2006/relationships" xmlns:p="http://schemas.openxmlformats.org/presentationml/2006/main">
-  <p:cSld>
-    <p:bg>
-      <p:bgPr>
-        <a:blipFill dpi="0" rotWithShape="1">
-          <a:blip r:embed="rId1">
-            <a:lum/>
-          </a:blip>
-          <a:srcRect/>
-          <a:stretch>
-            <a:fillRect/>
-          </a:stretch>
-        </a:blipFill>
-        <a:effectLst/>
-      </p:bgPr>
-    </p:bg>
-    <p:spTree>
-      <p:nvGrpSpPr>
-        <p:cNvPr id="1" name=""/>
-        <p:cNvGrpSpPr/>
-        <p:nvPr/>
-      </p:nvGrpSpPr>
-      <p:grpSpPr>
-        <a:xfrm>
-          <a:off x="0" y="0"/>
-          <a:ext cx="0" cy="0"/>
-          <a:chOff x="0" y="0"/>
-          <a:chExt cx="0" cy="0"/>
-        </a:xfrm>
-      </p:grpSpPr>
-      <p:sp>
-        <p:nvSpPr>
-          <p:cNvPr id="2" name="文本占位符 1"/>
-          <p:cNvSpPr>
-            <a:spLocks noGrp="1"/>
-          </p:cNvSpPr>
-          <p:nvPr>
-            <p:ph type="body" sz="quarter" idx="21"/>
-          </p:nvPr>
-        </p:nvSpPr>
-        <p:spPr/>
-        <p:txBody>
-          <a:bodyPr/>
-          <a:lstStyle/>
-          <a:p>
-            <a:r>
-              <a:rPr kumimoji="1" lang="en-US" altLang="zh-CN"/>
-              <a:t>How to run example</a:t>
-            </a:r>
-            <a:endParaRPr kumimoji="1" lang="en-US" altLang="zh-CN"/>
-          </a:p>
-        </p:txBody>
-      </p:sp>
-      <p:sp>
-        <p:nvSpPr>
-          <p:cNvPr id="3" name="文本占位符 2"/>
-          <p:cNvSpPr>
-            <a:spLocks noGrp="1"/>
-          </p:cNvSpPr>
-          <p:nvPr>
-            <p:ph type="body" sz="quarter" idx="22"/>
-          </p:nvPr>
-        </p:nvSpPr>
-        <p:spPr/>
-        <p:txBody>
-          <a:bodyPr/>
-          <a:lstStyle/>
-          <a:p>
-            <a:r>
-              <a:rPr kumimoji="1" lang="zh-CN" altLang="en-US"/>
-              <a:t>把</a:t>
-            </a:r>
-            <a:r>
-              <a:rPr kumimoji="1" lang="en-US" altLang="zh-CN"/>
-              <a:t>rust http client</a:t>
-            </a:r>
-            <a:r>
-              <a:rPr kumimoji="1" lang="zh-CN" altLang="en-US"/>
-              <a:t>插件的代码放到</a:t>
-            </a:r>
-            <a:r>
-              <a:rPr kumimoji="1" lang="en-US" altLang="zh-CN"/>
-              <a:t>shenyu repo</a:t>
-            </a:r>
-            <a:r>
-              <a:rPr kumimoji="1" lang="zh-CN" altLang="en-US"/>
-              <a:t>，然后讲讲如何</a:t>
-            </a:r>
-            <a:r>
-              <a:rPr kumimoji="1" lang="zh-CN" altLang="en-US"/>
-              <a:t>运行</a:t>
-            </a:r>
-            <a:endParaRPr kumimoji="1" lang="zh-CN" altLang="en-US"/>
           </a:p>
         </p:txBody>
       </p:sp>
@@ -8801,7 +9160,7 @@
           <a:p>
             <a:r>
               <a:rPr kumimoji="1" lang="en-US" altLang="zh-CN"/>
-              <a:t>Step1: Add Dependency</a:t>
+              <a:t>How to run example</a:t>
             </a:r>
             <a:endParaRPr kumimoji="1" lang="en-US" altLang="zh-CN"/>
           </a:p>
@@ -8824,65 +9183,27 @@
           <a:p>
             <a:r>
               <a:rPr kumimoji="1" lang="zh-CN" altLang="en-US"/>
-              <a:t>Assuming we already have a Maven project</a:t>
+              <a:t>把</a:t>
             </a:r>
             <a:r>
               <a:rPr kumimoji="1" lang="en-US" altLang="zh-CN"/>
-              <a:t>.</a:t>
-            </a:r>
-            <a:endParaRPr kumimoji="1" lang="en-US" altLang="zh-CN"/>
-          </a:p>
-          <a:p>
-            <a:endParaRPr kumimoji="1" lang="zh-CN" altLang="en-US"/>
-          </a:p>
-          <a:p>
+              <a:t>rust http client</a:t>
+            </a:r>
             <a:r>
               <a:rPr kumimoji="1" lang="zh-CN" altLang="en-US"/>
-              <a:t>&lt;dependency&gt;</a:t>
-            </a:r>
-            <a:endParaRPr kumimoji="1" lang="zh-CN" altLang="en-US"/>
-          </a:p>
-          <a:p>
+              <a:t>插件的代码放到</a:t>
+            </a:r>
+            <a:r>
+              <a:rPr kumimoji="1" lang="en-US" altLang="zh-CN"/>
+              <a:t>shenyu repo</a:t>
+            </a:r>
             <a:r>
               <a:rPr kumimoji="1" lang="zh-CN" altLang="en-US"/>
-              <a:t>    &lt;groupId&gt;org.apache.shenyu&lt;/groupId&gt;</a:t>
-            </a:r>
-            <a:endParaRPr kumimoji="1" lang="zh-CN" altLang="en-US"/>
-          </a:p>
-          <a:p>
+              <a:t>，然后讲讲如何</a:t>
+            </a:r>
             <a:r>
               <a:rPr kumimoji="1" lang="zh-CN" altLang="en-US"/>
-              <a:t>    &lt;artifactId&gt;shenyu-plugin-wasm-</a:t>
-            </a:r>
-            <a:r>
-              <a:rPr kumimoji="1" lang="en-US" altLang="zh-CN"/>
-              <a:t>api</a:t>
-            </a:r>
-            <a:r>
-              <a:rPr kumimoji="1" lang="zh-CN" altLang="en-US"/>
-              <a:t>&lt;/artifactId&gt;</a:t>
-            </a:r>
-            <a:endParaRPr kumimoji="1" lang="zh-CN" altLang="en-US"/>
-          </a:p>
-          <a:p>
-            <a:r>
-              <a:rPr kumimoji="1" lang="zh-CN" altLang="en-US"/>
-              <a:t>    &lt;version&gt;${</a:t>
-            </a:r>
-            <a:r>
-              <a:rPr kumimoji="1" lang="en-US" altLang="zh-CN"/>
-              <a:t>shenyu</a:t>
-            </a:r>
-            <a:r>
-              <a:rPr kumimoji="1" lang="zh-CN" altLang="en-US"/>
-              <a:t>.version}&lt;/version&gt;</a:t>
-            </a:r>
-            <a:endParaRPr kumimoji="1" lang="zh-CN" altLang="en-US"/>
-          </a:p>
-          <a:p>
-            <a:r>
-              <a:rPr kumimoji="1" lang="zh-CN" altLang="en-US"/>
-              <a:t>&lt;/dependency&gt;</a:t>
+              <a:t>运行</a:t>
             </a:r>
             <a:endParaRPr kumimoji="1" lang="zh-CN" altLang="en-US"/>
           </a:p>
@@ -8937,28 +9258,16 @@
             <p:ph type="body" sz="quarter" idx="21"/>
           </p:nvPr>
         </p:nvSpPr>
-        <p:spPr>
-          <a:xfrm>
-            <a:off x="1420495" y="1397000"/>
-            <a:ext cx="11299825" cy="1231900"/>
-          </a:xfrm>
-        </p:spPr>
+        <p:spPr/>
         <p:txBody>
           <a:bodyPr/>
           <a:lstStyle/>
           <a:p>
             <a:r>
-              <a:rPr kumimoji="1" lang="en-US" altLang="zh-CN">
-                <a:sym typeface="+mn-ea"/>
-              </a:rPr>
-              <a:t>Step2: Implement the Java Part</a:t>
-            </a:r>
-            <a:endParaRPr kumimoji="1" lang="en-US" altLang="zh-CN">
-              <a:sym typeface="+mn-ea"/>
-            </a:endParaRPr>
-          </a:p>
-          <a:p>
-            <a:endParaRPr kumimoji="1" lang="zh-CN" altLang="en-US"/>
+              <a:rPr kumimoji="1" lang="en-US" altLang="zh-CN"/>
+              <a:t>Step1: Add Dependency</a:t>
+            </a:r>
+            <a:endParaRPr kumimoji="1" lang="en-US" altLang="zh-CN"/>
           </a:p>
         </p:txBody>
       </p:sp>
@@ -8977,6 +9286,68 @@
           <a:bodyPr/>
           <a:lstStyle/>
           <a:p>
+            <a:r>
+              <a:rPr kumimoji="1" lang="zh-CN" altLang="en-US"/>
+              <a:t>Assuming we already have a Maven project</a:t>
+            </a:r>
+            <a:r>
+              <a:rPr kumimoji="1" lang="en-US" altLang="zh-CN"/>
+              <a:t>.</a:t>
+            </a:r>
+            <a:endParaRPr kumimoji="1" lang="en-US" altLang="zh-CN"/>
+          </a:p>
+          <a:p>
+            <a:endParaRPr kumimoji="1" lang="zh-CN" altLang="en-US"/>
+          </a:p>
+          <a:p>
+            <a:r>
+              <a:rPr kumimoji="1" lang="zh-CN" altLang="en-US"/>
+              <a:t>&lt;dependency&gt;</a:t>
+            </a:r>
+            <a:endParaRPr kumimoji="1" lang="zh-CN" altLang="en-US"/>
+          </a:p>
+          <a:p>
+            <a:r>
+              <a:rPr kumimoji="1" lang="zh-CN" altLang="en-US"/>
+              <a:t>    &lt;groupId&gt;org.apache.shenyu&lt;/groupId&gt;</a:t>
+            </a:r>
+            <a:endParaRPr kumimoji="1" lang="zh-CN" altLang="en-US"/>
+          </a:p>
+          <a:p>
+            <a:r>
+              <a:rPr kumimoji="1" lang="zh-CN" altLang="en-US"/>
+              <a:t>    &lt;artifactId&gt;shenyu-plugin-wasm-</a:t>
+            </a:r>
+            <a:r>
+              <a:rPr kumimoji="1" lang="en-US" altLang="zh-CN"/>
+              <a:t>api</a:t>
+            </a:r>
+            <a:r>
+              <a:rPr kumimoji="1" lang="zh-CN" altLang="en-US"/>
+              <a:t>&lt;/artifactId&gt;</a:t>
+            </a:r>
+            <a:endParaRPr kumimoji="1" lang="zh-CN" altLang="en-US"/>
+          </a:p>
+          <a:p>
+            <a:r>
+              <a:rPr kumimoji="1" lang="zh-CN" altLang="en-US"/>
+              <a:t>    &lt;version&gt;${</a:t>
+            </a:r>
+            <a:r>
+              <a:rPr kumimoji="1" lang="en-US" altLang="zh-CN"/>
+              <a:t>shenyu</a:t>
+            </a:r>
+            <a:r>
+              <a:rPr kumimoji="1" lang="zh-CN" altLang="en-US"/>
+              <a:t>.version}&lt;/version&gt;</a:t>
+            </a:r>
+            <a:endParaRPr kumimoji="1" lang="zh-CN" altLang="en-US"/>
+          </a:p>
+          <a:p>
+            <a:r>
+              <a:rPr kumimoji="1" lang="zh-CN" altLang="en-US"/>
+              <a:t>&lt;/dependency&gt;</a:t>
+            </a:r>
             <a:endParaRPr kumimoji="1" lang="zh-CN" altLang="en-US"/>
           </a:p>
         </p:txBody>
@@ -9030,10 +9401,26 @@
             <p:ph type="body" sz="quarter" idx="21"/>
           </p:nvPr>
         </p:nvSpPr>
-        <p:spPr/>
+        <p:spPr>
+          <a:xfrm>
+            <a:off x="1420495" y="1397000"/>
+            <a:ext cx="11299825" cy="1231900"/>
+          </a:xfrm>
+        </p:spPr>
         <p:txBody>
           <a:bodyPr/>
           <a:lstStyle/>
+          <a:p>
+            <a:r>
+              <a:rPr kumimoji="1" lang="en-US" altLang="zh-CN">
+                <a:sym typeface="+mn-ea"/>
+              </a:rPr>
+              <a:t>Step2: Implement the Java Part</a:t>
+            </a:r>
+            <a:endParaRPr kumimoji="1" lang="en-US" altLang="zh-CN">
+              <a:sym typeface="+mn-ea"/>
+            </a:endParaRPr>
+          </a:p>
           <a:p>
             <a:endParaRPr kumimoji="1" lang="zh-CN" altLang="en-US"/>
           </a:p>
@@ -9067,6 +9454,83 @@
 </file>
 
 <file path=ppt/slides/slide26.xml><?xml version="1.0" encoding="utf-8"?>
+<p:sld xmlns:a="http://schemas.openxmlformats.org/drawingml/2006/main" xmlns:r="http://schemas.openxmlformats.org/officeDocument/2006/relationships" xmlns:p="http://schemas.openxmlformats.org/presentationml/2006/main">
+  <p:cSld>
+    <p:bg>
+      <p:bgPr>
+        <a:blipFill dpi="0" rotWithShape="1">
+          <a:blip r:embed="rId1">
+            <a:lum/>
+          </a:blip>
+          <a:srcRect/>
+          <a:stretch>
+            <a:fillRect/>
+          </a:stretch>
+        </a:blipFill>
+        <a:effectLst/>
+      </p:bgPr>
+    </p:bg>
+    <p:spTree>
+      <p:nvGrpSpPr>
+        <p:cNvPr id="1" name=""/>
+        <p:cNvGrpSpPr/>
+        <p:nvPr/>
+      </p:nvGrpSpPr>
+      <p:grpSpPr>
+        <a:xfrm>
+          <a:off x="0" y="0"/>
+          <a:ext cx="0" cy="0"/>
+          <a:chOff x="0" y="0"/>
+          <a:chExt cx="0" cy="0"/>
+        </a:xfrm>
+      </p:grpSpPr>
+      <p:sp>
+        <p:nvSpPr>
+          <p:cNvPr id="2" name="文本占位符 1"/>
+          <p:cNvSpPr>
+            <a:spLocks noGrp="1"/>
+          </p:cNvSpPr>
+          <p:nvPr>
+            <p:ph type="body" sz="quarter" idx="21"/>
+          </p:nvPr>
+        </p:nvSpPr>
+        <p:spPr/>
+        <p:txBody>
+          <a:bodyPr/>
+          <a:lstStyle/>
+          <a:p>
+            <a:endParaRPr kumimoji="1" lang="zh-CN" altLang="en-US"/>
+          </a:p>
+        </p:txBody>
+      </p:sp>
+      <p:sp>
+        <p:nvSpPr>
+          <p:cNvPr id="3" name="文本占位符 2"/>
+          <p:cNvSpPr>
+            <a:spLocks noGrp="1"/>
+          </p:cNvSpPr>
+          <p:nvPr>
+            <p:ph type="body" sz="quarter" idx="22"/>
+          </p:nvPr>
+        </p:nvSpPr>
+        <p:spPr/>
+        <p:txBody>
+          <a:bodyPr/>
+          <a:lstStyle/>
+          <a:p>
+            <a:endParaRPr kumimoji="1" lang="zh-CN" altLang="en-US"/>
+          </a:p>
+        </p:txBody>
+      </p:sp>
+    </p:spTree>
+  </p:cSld>
+  <p:clrMapOvr>
+    <a:masterClrMapping/>
+  </p:clrMapOvr>
+</p:sld>
+</file>
+
+<file path=ppt/slides/slide27.xml><?xml version="1.0" encoding="utf-8"?>
 <p:sld xmlns:a="http://schemas.openxmlformats.org/drawingml/2006/main" xmlns:r="http://schemas.openxmlformats.org/officeDocument/2006/relationships" xmlns:p="http://schemas.openxmlformats.org/presentationml/2006/main">
   <p:cSld>
     <p:spTree>
@@ -9163,7 +9627,7 @@
 </p:sld>
 </file>
 
-<file path=ppt/slides/slide27.xml><?xml version="1.0" encoding="utf-8"?>
+<file path=ppt/slides/slide28.xml><?xml version="1.0" encoding="utf-8"?>
 <p:sld xmlns:a="http://schemas.openxmlformats.org/drawingml/2006/main" xmlns:r="http://schemas.openxmlformats.org/officeDocument/2006/relationships" xmlns:p="http://schemas.openxmlformats.org/presentationml/2006/main">
   <p:cSld>
     <p:bg>
@@ -9298,7 +9762,7 @@
 </p:sld>
 </file>
 
-<file path=ppt/slides/slide28.xml><?xml version="1.0" encoding="utf-8"?>
+<file path=ppt/slides/slide29.xml><?xml version="1.0" encoding="utf-8"?>
 <p:sld xmlns:a="http://schemas.openxmlformats.org/drawingml/2006/main" xmlns:r="http://schemas.openxmlformats.org/officeDocument/2006/relationships" xmlns:p="http://schemas.openxmlformats.org/presentationml/2006/main">
   <p:cSld>
     <p:spTree>
@@ -10335,7 +10799,11 @@
           <a:p>
             <a:r>
               <a:rPr kumimoji="1" lang="en-US" altLang="zh-CN"/>
-              <a:t>One of the creators of Arthas vmtool</a:t>
+              <a:t>One of the creators of </a:t>
+            </a:r>
+            <a:r>
+              <a:rPr kumimoji="1" lang="en-US" altLang="zh-CN"/>
+              <a:t>arthas vmtool</a:t>
             </a:r>
             <a:endParaRPr kumimoji="1" lang="en-US" altLang="zh-CN"/>
           </a:p>
@@ -10726,6 +11194,18 @@
 </file>
 
 <file path=ppt/tags/tag3.xml><?xml version="1.0" encoding="utf-8"?>
+<p:tagLst xmlns:p="http://schemas.openxmlformats.org/presentationml/2006/main">
+  <p:tag name="KSO_WM_BEAUTIFY_FLAG" val=""/>
+</p:tagLst>
+</file>
+
+<file path=ppt/tags/tag4.xml><?xml version="1.0" encoding="utf-8"?>
+<p:tagLst xmlns:p="http://schemas.openxmlformats.org/presentationml/2006/main">
+  <p:tag name="KSO_WM_BEAUTIFY_FLAG" val=""/>
+</p:tagLst>
+</file>
+
+<file path=ppt/tags/tag5.xml><?xml version="1.0" encoding="utf-8"?>
 <p:tagLst xmlns:p="http://schemas.openxmlformats.org/presentationml/2006/main">
   <p:tag name="TABLE_ENDDRAG_ORIGIN_RECT" val="1515*352"/>
   <p:tag name="TABLE_ENDDRAG_RECT" val="116*465*1515*352"/>

--- a/PlayWithWASM.pptx
+++ b/PlayWithWASM.pptx
@@ -9,7 +9,7 @@
     <p:notesMasterId r:id="rId5"/>
   </p:notesMasterIdLst>
   <p:handoutMasterIdLst>
-    <p:handoutMasterId r:id="rId34"/>
+    <p:handoutMasterId r:id="rId41"/>
   </p:handoutMasterIdLst>
   <p:sldIdLst>
     <p:sldId id="274" r:id="rId4"/>
@@ -33,14 +33,21 @@
     <p:sldId id="296" r:id="rId23"/>
     <p:sldId id="340" r:id="rId24"/>
     <p:sldId id="293" r:id="rId25"/>
-    <p:sldId id="288" r:id="rId26"/>
-    <p:sldId id="359" r:id="rId27"/>
-    <p:sldId id="289" r:id="rId28"/>
-    <p:sldId id="352" r:id="rId29"/>
-    <p:sldId id="353" r:id="rId30"/>
-    <p:sldId id="298" r:id="rId31"/>
-    <p:sldId id="299" r:id="rId32"/>
-    <p:sldId id="297" r:id="rId33"/>
+    <p:sldId id="395" r:id="rId26"/>
+    <p:sldId id="399" r:id="rId27"/>
+    <p:sldId id="392" r:id="rId28"/>
+    <p:sldId id="411" r:id="rId29"/>
+    <p:sldId id="400" r:id="rId30"/>
+    <p:sldId id="397" r:id="rId31"/>
+    <p:sldId id="422" r:id="rId32"/>
+    <p:sldId id="288" r:id="rId33"/>
+    <p:sldId id="394" r:id="rId34"/>
+    <p:sldId id="289" r:id="rId35"/>
+    <p:sldId id="352" r:id="rId36"/>
+    <p:sldId id="353" r:id="rId37"/>
+    <p:sldId id="298" r:id="rId38"/>
+    <p:sldId id="299" r:id="rId39"/>
+    <p:sldId id="297" r:id="rId40"/>
   </p:sldIdLst>
   <p:sldSz cx="24384000" cy="13716000"/>
   <p:notesSz cx="6858000" cy="9144000"/>
@@ -1057,6 +1064,74 @@
 </p:notes>
 </file>
 
+<file path=ppt/notesSlides/notesSlide5.xml><?xml version="1.0" encoding="utf-8"?>
+<p:notes xmlns:a="http://schemas.openxmlformats.org/drawingml/2006/main" xmlns:r="http://schemas.openxmlformats.org/officeDocument/2006/relationships" xmlns:p="http://schemas.openxmlformats.org/presentationml/2006/main">
+  <p:cSld>
+    <p:spTree>
+      <p:nvGrpSpPr>
+        <p:cNvPr id="1" name=""/>
+        <p:cNvGrpSpPr/>
+        <p:nvPr/>
+      </p:nvGrpSpPr>
+      <p:grpSpPr/>
+      <p:sp>
+        <p:nvSpPr>
+          <p:cNvPr id="2" name="幻灯片图像占位符 1"/>
+          <p:cNvSpPr/>
+          <p:nvPr>
+            <p:ph type="sldImg"/>
+          </p:nvPr>
+        </p:nvSpPr>
+        <p:spPr/>
+      </p:sp>
+      <p:sp>
+        <p:nvSpPr>
+          <p:cNvPr id="3" name="文本占位符 2"/>
+          <p:cNvSpPr/>
+          <p:nvPr>
+            <p:ph type="body" idx="1"/>
+          </p:nvPr>
+        </p:nvSpPr>
+        <p:spPr/>
+        <p:txBody>
+          <a:bodyPr/>
+          <a:p>
+            <a:r>
+              <a:rPr lang="zh-CN" altLang="en-US"/>
+              <a:t>接下来是一个在</a:t>
+            </a:r>
+            <a:r>
+              <a:rPr lang="en-US" altLang="zh-CN"/>
+              <a:t>shenyu</a:t>
+            </a:r>
+            <a:r>
+              <a:rPr lang="zh-CN" altLang="en-US"/>
+              <a:t>代理</a:t>
+            </a:r>
+            <a:r>
+              <a:rPr lang="en-US" altLang="zh-CN"/>
+              <a:t>http</a:t>
+            </a:r>
+            <a:r>
+              <a:rPr lang="zh-CN" altLang="en-US"/>
+              <a:t>服务的</a:t>
+            </a:r>
+            <a:r>
+              <a:rPr lang="zh-CN" altLang="en-US"/>
+              <a:t>例子</a:t>
+            </a:r>
+            <a:endParaRPr lang="zh-CN" altLang="en-US"/>
+          </a:p>
+        </p:txBody>
+      </p:sp>
+    </p:spTree>
+  </p:cSld>
+  <p:clrMapOvr>
+    <a:masterClrMapping/>
+  </p:clrMapOvr>
+</p:notes>
+</file>
+
 <file path=ppt/slideLayouts/slideLayout1.xml><?xml version="1.0" encoding="utf-8"?>
 <p:sldLayout xmlns:a="http://schemas.openxmlformats.org/drawingml/2006/main" xmlns:r="http://schemas.openxmlformats.org/officeDocument/2006/relationships" xmlns:p="http://schemas.openxmlformats.org/presentationml/2006/main" preserve="1" userDrawn="1">
   <p:cSld name="自定义版式">
@@ -4095,7 +4170,7 @@
         <a:spcBef>
           <a:spcPts val="1000"/>
         </a:spcBef>
-        <a:buFont typeface="Arial" panose="020B0604020202090204" pitchFamily="34" charset="0"/>
+        <a:buFont typeface="Arial" panose="020B0604020202020204" pitchFamily="34" charset="0"/>
         <a:buChar char="•"/>
         <a:defRPr sz="2800" kern="1200">
           <a:solidFill>
@@ -4113,7 +4188,7 @@
         <a:spcBef>
           <a:spcPts val="500"/>
         </a:spcBef>
-        <a:buFont typeface="Arial" panose="020B0604020202090204" pitchFamily="34" charset="0"/>
+        <a:buFont typeface="Arial" panose="020B0604020202020204" pitchFamily="34" charset="0"/>
         <a:buChar char="•"/>
         <a:defRPr sz="2400" kern="1200">
           <a:solidFill>
@@ -4131,7 +4206,7 @@
         <a:spcBef>
           <a:spcPts val="500"/>
         </a:spcBef>
-        <a:buFont typeface="Arial" panose="020B0604020202090204" pitchFamily="34" charset="0"/>
+        <a:buFont typeface="Arial" panose="020B0604020202020204" pitchFamily="34" charset="0"/>
         <a:buChar char="•"/>
         <a:defRPr sz="2000" kern="1200">
           <a:solidFill>
@@ -4149,7 +4224,7 @@
         <a:spcBef>
           <a:spcPts val="500"/>
         </a:spcBef>
-        <a:buFont typeface="Arial" panose="020B0604020202090204" pitchFamily="34" charset="0"/>
+        <a:buFont typeface="Arial" panose="020B0604020202020204" pitchFamily="34" charset="0"/>
         <a:buChar char="•"/>
         <a:defRPr sz="1800" kern="1200">
           <a:solidFill>
@@ -4167,7 +4242,7 @@
         <a:spcBef>
           <a:spcPts val="500"/>
         </a:spcBef>
-        <a:buFont typeface="Arial" panose="020B0604020202090204" pitchFamily="34" charset="0"/>
+        <a:buFont typeface="Arial" panose="020B0604020202020204" pitchFamily="34" charset="0"/>
         <a:buChar char="•"/>
         <a:defRPr sz="1800" kern="1200">
           <a:solidFill>
@@ -4185,7 +4260,7 @@
         <a:spcBef>
           <a:spcPts val="500"/>
         </a:spcBef>
-        <a:buFont typeface="Arial" panose="020B0604020202090204" pitchFamily="34" charset="0"/>
+        <a:buFont typeface="Arial" panose="020B0604020202020204" pitchFamily="34" charset="0"/>
         <a:buChar char="•"/>
         <a:defRPr sz="1800" kern="1200">
           <a:solidFill>
@@ -4203,7 +4278,7 @@
         <a:spcBef>
           <a:spcPts val="500"/>
         </a:spcBef>
-        <a:buFont typeface="Arial" panose="020B0604020202090204" pitchFamily="34" charset="0"/>
+        <a:buFont typeface="Arial" panose="020B0604020202020204" pitchFamily="34" charset="0"/>
         <a:buChar char="•"/>
         <a:defRPr sz="1800" kern="1200">
           <a:solidFill>
@@ -4221,7 +4296,7 @@
         <a:spcBef>
           <a:spcPts val="500"/>
         </a:spcBef>
-        <a:buFont typeface="Arial" panose="020B0604020202090204" pitchFamily="34" charset="0"/>
+        <a:buFont typeface="Arial" panose="020B0604020202020204" pitchFamily="34" charset="0"/>
         <a:buChar char="•"/>
         <a:defRPr sz="1800" kern="1200">
           <a:solidFill>
@@ -4239,7 +4314,7 @@
         <a:spcBef>
           <a:spcPts val="500"/>
         </a:spcBef>
-        <a:buFont typeface="Arial" panose="020B0604020202090204" pitchFamily="34" charset="0"/>
+        <a:buFont typeface="Arial" panose="020B0604020202020204" pitchFamily="34" charset="0"/>
         <a:buChar char="•"/>
         <a:defRPr sz="1800" kern="1200">
           <a:solidFill>
@@ -4613,7 +4688,7 @@
         <a:spcBef>
           <a:spcPts val="1000"/>
         </a:spcBef>
-        <a:buFont typeface="Arial" panose="020B0604020202090204" pitchFamily="34" charset="0"/>
+        <a:buFont typeface="Arial" panose="020B0604020202020204" pitchFamily="34" charset="0"/>
         <a:buChar char="•"/>
         <a:defRPr sz="2800" kern="1200">
           <a:solidFill>
@@ -4631,7 +4706,7 @@
         <a:spcBef>
           <a:spcPts val="500"/>
         </a:spcBef>
-        <a:buFont typeface="Arial" panose="020B0604020202090204" pitchFamily="34" charset="0"/>
+        <a:buFont typeface="Arial" panose="020B0604020202020204" pitchFamily="34" charset="0"/>
         <a:buChar char="•"/>
         <a:defRPr sz="2400" kern="1200">
           <a:solidFill>
@@ -4649,7 +4724,7 @@
         <a:spcBef>
           <a:spcPts val="500"/>
         </a:spcBef>
-        <a:buFont typeface="Arial" panose="020B0604020202090204" pitchFamily="34" charset="0"/>
+        <a:buFont typeface="Arial" panose="020B0604020202020204" pitchFamily="34" charset="0"/>
         <a:buChar char="•"/>
         <a:defRPr sz="2000" kern="1200">
           <a:solidFill>
@@ -4667,7 +4742,7 @@
         <a:spcBef>
           <a:spcPts val="500"/>
         </a:spcBef>
-        <a:buFont typeface="Arial" panose="020B0604020202090204" pitchFamily="34" charset="0"/>
+        <a:buFont typeface="Arial" panose="020B0604020202020204" pitchFamily="34" charset="0"/>
         <a:buChar char="•"/>
         <a:defRPr sz="1800" kern="1200">
           <a:solidFill>
@@ -4685,7 +4760,7 @@
         <a:spcBef>
           <a:spcPts val="500"/>
         </a:spcBef>
-        <a:buFont typeface="Arial" panose="020B0604020202090204" pitchFamily="34" charset="0"/>
+        <a:buFont typeface="Arial" panose="020B0604020202020204" pitchFamily="34" charset="0"/>
         <a:buChar char="•"/>
         <a:defRPr sz="1800" kern="1200">
           <a:solidFill>
@@ -4703,7 +4778,7 @@
         <a:spcBef>
           <a:spcPts val="500"/>
         </a:spcBef>
-        <a:buFont typeface="Arial" panose="020B0604020202090204" pitchFamily="34" charset="0"/>
+        <a:buFont typeface="Arial" panose="020B0604020202020204" pitchFamily="34" charset="0"/>
         <a:buChar char="•"/>
         <a:defRPr sz="1800" kern="1200">
           <a:solidFill>
@@ -4721,7 +4796,7 @@
         <a:spcBef>
           <a:spcPts val="500"/>
         </a:spcBef>
-        <a:buFont typeface="Arial" panose="020B0604020202090204" pitchFamily="34" charset="0"/>
+        <a:buFont typeface="Arial" panose="020B0604020202020204" pitchFamily="34" charset="0"/>
         <a:buChar char="•"/>
         <a:defRPr sz="1800" kern="1200">
           <a:solidFill>
@@ -4739,7 +4814,7 @@
         <a:spcBef>
           <a:spcPts val="500"/>
         </a:spcBef>
-        <a:buFont typeface="Arial" panose="020B0604020202090204" pitchFamily="34" charset="0"/>
+        <a:buFont typeface="Arial" panose="020B0604020202020204" pitchFamily="34" charset="0"/>
         <a:buChar char="•"/>
         <a:defRPr sz="1800" kern="1200">
           <a:solidFill>
@@ -4757,7 +4832,7 @@
         <a:spcBef>
           <a:spcPts val="500"/>
         </a:spcBef>
-        <a:buFont typeface="Arial" panose="020B0604020202090204" pitchFamily="34" charset="0"/>
+        <a:buFont typeface="Arial" panose="020B0604020202020204" pitchFamily="34" charset="0"/>
         <a:buChar char="•"/>
         <a:defRPr sz="1800" kern="1200">
           <a:solidFill>
@@ -4912,7 +4987,7 @@
               <a:spcBef>
                 <a:spcPts val="1000"/>
               </a:spcBef>
-              <a:buFont typeface="Arial" panose="020B0604020202090204" pitchFamily="34" charset="0"/>
+              <a:buFont typeface="Arial" panose="020B0604020202020204" pitchFamily="34" charset="0"/>
               <a:buChar char="•"/>
               <a:defRPr sz="3200" b="0" i="0" kern="1200" spc="64">
                 <a:solidFill>
@@ -4931,7 +5006,7 @@
               <a:spcBef>
                 <a:spcPts val="500"/>
               </a:spcBef>
-              <a:buFont typeface="Arial" panose="020B0604020202090204" pitchFamily="34" charset="0"/>
+              <a:buFont typeface="Arial" panose="020B0604020202020204" pitchFamily="34" charset="0"/>
               <a:buChar char="•"/>
               <a:defRPr sz="2400" kern="1200">
                 <a:solidFill>
@@ -4949,7 +5024,7 @@
               <a:spcBef>
                 <a:spcPts val="500"/>
               </a:spcBef>
-              <a:buFont typeface="Arial" panose="020B0604020202090204" pitchFamily="34" charset="0"/>
+              <a:buFont typeface="Arial" panose="020B0604020202020204" pitchFamily="34" charset="0"/>
               <a:buChar char="•"/>
               <a:defRPr sz="2000" kern="1200">
                 <a:solidFill>
@@ -4967,7 +5042,7 @@
               <a:spcBef>
                 <a:spcPts val="500"/>
               </a:spcBef>
-              <a:buFont typeface="Arial" panose="020B0604020202090204" pitchFamily="34" charset="0"/>
+              <a:buFont typeface="Arial" panose="020B0604020202020204" pitchFamily="34" charset="0"/>
               <a:buChar char="•"/>
               <a:defRPr sz="1800" kern="1200">
                 <a:solidFill>
@@ -4985,7 +5060,7 @@
               <a:spcBef>
                 <a:spcPts val="500"/>
               </a:spcBef>
-              <a:buFont typeface="Arial" panose="020B0604020202090204" pitchFamily="34" charset="0"/>
+              <a:buFont typeface="Arial" panose="020B0604020202020204" pitchFamily="34" charset="0"/>
               <a:buChar char="•"/>
               <a:defRPr sz="1800" kern="1200">
                 <a:solidFill>
@@ -5003,7 +5078,7 @@
               <a:spcBef>
                 <a:spcPts val="500"/>
               </a:spcBef>
-              <a:buFont typeface="Arial" panose="020B0604020202090204" pitchFamily="34" charset="0"/>
+              <a:buFont typeface="Arial" panose="020B0604020202020204" pitchFamily="34" charset="0"/>
               <a:buChar char="•"/>
               <a:defRPr sz="1800" kern="1200">
                 <a:solidFill>
@@ -5021,7 +5096,7 @@
               <a:spcBef>
                 <a:spcPts val="500"/>
               </a:spcBef>
-              <a:buFont typeface="Arial" panose="020B0604020202090204" pitchFamily="34" charset="0"/>
+              <a:buFont typeface="Arial" panose="020B0604020202020204" pitchFamily="34" charset="0"/>
               <a:buChar char="•"/>
               <a:defRPr sz="1800" kern="1200">
                 <a:solidFill>
@@ -5039,7 +5114,7 @@
               <a:spcBef>
                 <a:spcPts val="500"/>
               </a:spcBef>
-              <a:buFont typeface="Arial" panose="020B0604020202090204" pitchFamily="34" charset="0"/>
+              <a:buFont typeface="Arial" panose="020B0604020202020204" pitchFamily="34" charset="0"/>
               <a:buChar char="•"/>
               <a:defRPr sz="1800" kern="1200">
                 <a:solidFill>
@@ -5057,7 +5132,7 @@
               <a:spcBef>
                 <a:spcPts val="500"/>
               </a:spcBef>
-              <a:buFont typeface="Arial" panose="020B0604020202090204" pitchFamily="34" charset="0"/>
+              <a:buFont typeface="Arial" panose="020B0604020202020204" pitchFamily="34" charset="0"/>
               <a:buChar char="•"/>
               <a:defRPr sz="1800" kern="1200">
                 <a:solidFill>
@@ -6177,7 +6252,7 @@
               <a:spcBef>
                 <a:spcPts val="1000"/>
               </a:spcBef>
-              <a:buFont typeface="Arial" panose="020B0604020202090204" pitchFamily="34" charset="0"/>
+              <a:buFont typeface="Arial" panose="020B0604020202020204" pitchFamily="34" charset="0"/>
               <a:buNone/>
               <a:defRPr sz="4400" b="0" i="0" kern="1200">
                 <a:solidFill>
@@ -6196,7 +6271,7 @@
               <a:spcBef>
                 <a:spcPts val="500"/>
               </a:spcBef>
-              <a:buFont typeface="Arial" panose="020B0604020202090204" pitchFamily="34" charset="0"/>
+              <a:buFont typeface="Arial" panose="020B0604020202020204" pitchFamily="34" charset="0"/>
               <a:buChar char="•"/>
               <a:defRPr sz="2400" kern="1200">
                 <a:solidFill>
@@ -6214,7 +6289,7 @@
               <a:spcBef>
                 <a:spcPts val="500"/>
               </a:spcBef>
-              <a:buFont typeface="Arial" panose="020B0604020202090204" pitchFamily="34" charset="0"/>
+              <a:buFont typeface="Arial" panose="020B0604020202020204" pitchFamily="34" charset="0"/>
               <a:buChar char="•"/>
               <a:defRPr sz="2000" kern="1200">
                 <a:solidFill>
@@ -6232,7 +6307,7 @@
               <a:spcBef>
                 <a:spcPts val="500"/>
               </a:spcBef>
-              <a:buFont typeface="Arial" panose="020B0604020202090204" pitchFamily="34" charset="0"/>
+              <a:buFont typeface="Arial" panose="020B0604020202020204" pitchFamily="34" charset="0"/>
               <a:buChar char="•"/>
               <a:defRPr sz="1800" kern="1200">
                 <a:solidFill>
@@ -6250,7 +6325,7 @@
               <a:spcBef>
                 <a:spcPts val="500"/>
               </a:spcBef>
-              <a:buFont typeface="Arial" panose="020B0604020202090204" pitchFamily="34" charset="0"/>
+              <a:buFont typeface="Arial" panose="020B0604020202020204" pitchFamily="34" charset="0"/>
               <a:buChar char="•"/>
               <a:defRPr sz="1800" kern="1200">
                 <a:solidFill>
@@ -6268,7 +6343,7 @@
               <a:spcBef>
                 <a:spcPts val="500"/>
               </a:spcBef>
-              <a:buFont typeface="Arial" panose="020B0604020202090204" pitchFamily="34" charset="0"/>
+              <a:buFont typeface="Arial" panose="020B0604020202020204" pitchFamily="34" charset="0"/>
               <a:buChar char="•"/>
               <a:defRPr sz="1800" kern="1200">
                 <a:solidFill>
@@ -6286,7 +6361,7 @@
               <a:spcBef>
                 <a:spcPts val="500"/>
               </a:spcBef>
-              <a:buFont typeface="Arial" panose="020B0604020202090204" pitchFamily="34" charset="0"/>
+              <a:buFont typeface="Arial" panose="020B0604020202020204" pitchFamily="34" charset="0"/>
               <a:buChar char="•"/>
               <a:defRPr sz="1800" kern="1200">
                 <a:solidFill>
@@ -6304,7 +6379,7 @@
               <a:spcBef>
                 <a:spcPts val="500"/>
               </a:spcBef>
-              <a:buFont typeface="Arial" panose="020B0604020202090204" pitchFamily="34" charset="0"/>
+              <a:buFont typeface="Arial" panose="020B0604020202020204" pitchFamily="34" charset="0"/>
               <a:buChar char="•"/>
               <a:defRPr sz="1800" kern="1200">
                 <a:solidFill>
@@ -6322,7 +6397,7 @@
               <a:spcBef>
                 <a:spcPts val="500"/>
               </a:spcBef>
-              <a:buFont typeface="Arial" panose="020B0604020202090204" pitchFamily="34" charset="0"/>
+              <a:buFont typeface="Arial" panose="020B0604020202020204" pitchFamily="34" charset="0"/>
               <a:buChar char="•"/>
               <a:defRPr sz="1800" kern="1200">
                 <a:solidFill>
@@ -6580,7 +6655,7 @@
               <a:spcBef>
                 <a:spcPts val="1000"/>
               </a:spcBef>
-              <a:buFont typeface="Arial" panose="020B0604020202090204" pitchFamily="34" charset="0"/>
+              <a:buFont typeface="Arial" panose="020B0604020202020204" pitchFamily="34" charset="0"/>
               <a:buNone/>
               <a:defRPr sz="4400" b="0" i="0" kern="1200">
                 <a:solidFill>
@@ -6599,7 +6674,7 @@
               <a:spcBef>
                 <a:spcPts val="500"/>
               </a:spcBef>
-              <a:buFont typeface="Arial" panose="020B0604020202090204" pitchFamily="34" charset="0"/>
+              <a:buFont typeface="Arial" panose="020B0604020202020204" pitchFamily="34" charset="0"/>
               <a:buChar char="•"/>
               <a:defRPr sz="2400" kern="1200">
                 <a:solidFill>
@@ -6617,7 +6692,7 @@
               <a:spcBef>
                 <a:spcPts val="500"/>
               </a:spcBef>
-              <a:buFont typeface="Arial" panose="020B0604020202090204" pitchFamily="34" charset="0"/>
+              <a:buFont typeface="Arial" panose="020B0604020202020204" pitchFamily="34" charset="0"/>
               <a:buChar char="•"/>
               <a:defRPr sz="2000" kern="1200">
                 <a:solidFill>
@@ -6635,7 +6710,7 @@
               <a:spcBef>
                 <a:spcPts val="500"/>
               </a:spcBef>
-              <a:buFont typeface="Arial" panose="020B0604020202090204" pitchFamily="34" charset="0"/>
+              <a:buFont typeface="Arial" panose="020B0604020202020204" pitchFamily="34" charset="0"/>
               <a:buChar char="•"/>
               <a:defRPr sz="1800" kern="1200">
                 <a:solidFill>
@@ -6653,7 +6728,7 @@
               <a:spcBef>
                 <a:spcPts val="500"/>
               </a:spcBef>
-              <a:buFont typeface="Arial" panose="020B0604020202090204" pitchFamily="34" charset="0"/>
+              <a:buFont typeface="Arial" panose="020B0604020202020204" pitchFamily="34" charset="0"/>
               <a:buChar char="•"/>
               <a:defRPr sz="1800" kern="1200">
                 <a:solidFill>
@@ -6671,7 +6746,7 @@
               <a:spcBef>
                 <a:spcPts val="500"/>
               </a:spcBef>
-              <a:buFont typeface="Arial" panose="020B0604020202090204" pitchFamily="34" charset="0"/>
+              <a:buFont typeface="Arial" panose="020B0604020202020204" pitchFamily="34" charset="0"/>
               <a:buChar char="•"/>
               <a:defRPr sz="1800" kern="1200">
                 <a:solidFill>
@@ -6689,7 +6764,7 @@
               <a:spcBef>
                 <a:spcPts val="500"/>
               </a:spcBef>
-              <a:buFont typeface="Arial" panose="020B0604020202090204" pitchFamily="34" charset="0"/>
+              <a:buFont typeface="Arial" panose="020B0604020202020204" pitchFamily="34" charset="0"/>
               <a:buChar char="•"/>
               <a:defRPr sz="1800" kern="1200">
                 <a:solidFill>
@@ -6707,7 +6782,7 @@
               <a:spcBef>
                 <a:spcPts val="500"/>
               </a:spcBef>
-              <a:buFont typeface="Arial" panose="020B0604020202090204" pitchFamily="34" charset="0"/>
+              <a:buFont typeface="Arial" panose="020B0604020202020204" pitchFamily="34" charset="0"/>
               <a:buChar char="•"/>
               <a:defRPr sz="1800" kern="1200">
                 <a:solidFill>
@@ -6725,7 +6800,7 @@
               <a:spcBef>
                 <a:spcPts val="500"/>
               </a:spcBef>
-              <a:buFont typeface="Arial" panose="020B0604020202090204" pitchFamily="34" charset="0"/>
+              <a:buFont typeface="Arial" panose="020B0604020202020204" pitchFamily="34" charset="0"/>
               <a:buChar char="•"/>
               <a:defRPr sz="1800" kern="1200">
                 <a:solidFill>
@@ -6887,7 +6962,7 @@
               <a:spcBef>
                 <a:spcPts val="1000"/>
               </a:spcBef>
-              <a:buFont typeface="Arial" panose="020B0604020202090204" pitchFamily="34" charset="0"/>
+              <a:buFont typeface="Arial" panose="020B0604020202020204" pitchFamily="34" charset="0"/>
               <a:buNone/>
               <a:defRPr sz="4400" b="0" i="0" kern="1200">
                 <a:solidFill>
@@ -6906,7 +6981,7 @@
               <a:spcBef>
                 <a:spcPts val="500"/>
               </a:spcBef>
-              <a:buFont typeface="Arial" panose="020B0604020202090204" pitchFamily="34" charset="0"/>
+              <a:buFont typeface="Arial" panose="020B0604020202020204" pitchFamily="34" charset="0"/>
               <a:buChar char="•"/>
               <a:defRPr sz="2400" kern="1200">
                 <a:solidFill>
@@ -6924,7 +6999,7 @@
               <a:spcBef>
                 <a:spcPts val="500"/>
               </a:spcBef>
-              <a:buFont typeface="Arial" panose="020B0604020202090204" pitchFamily="34" charset="0"/>
+              <a:buFont typeface="Arial" panose="020B0604020202020204" pitchFamily="34" charset="0"/>
               <a:buChar char="•"/>
               <a:defRPr sz="2000" kern="1200">
                 <a:solidFill>
@@ -6942,7 +7017,7 @@
               <a:spcBef>
                 <a:spcPts val="500"/>
               </a:spcBef>
-              <a:buFont typeface="Arial" panose="020B0604020202090204" pitchFamily="34" charset="0"/>
+              <a:buFont typeface="Arial" panose="020B0604020202020204" pitchFamily="34" charset="0"/>
               <a:buChar char="•"/>
               <a:defRPr sz="1800" kern="1200">
                 <a:solidFill>
@@ -6960,7 +7035,7 @@
               <a:spcBef>
                 <a:spcPts val="500"/>
               </a:spcBef>
-              <a:buFont typeface="Arial" panose="020B0604020202090204" pitchFamily="34" charset="0"/>
+              <a:buFont typeface="Arial" panose="020B0604020202020204" pitchFamily="34" charset="0"/>
               <a:buChar char="•"/>
               <a:defRPr sz="1800" kern="1200">
                 <a:solidFill>
@@ -6978,7 +7053,7 @@
               <a:spcBef>
                 <a:spcPts val="500"/>
               </a:spcBef>
-              <a:buFont typeface="Arial" panose="020B0604020202090204" pitchFamily="34" charset="0"/>
+              <a:buFont typeface="Arial" panose="020B0604020202020204" pitchFamily="34" charset="0"/>
               <a:buChar char="•"/>
               <a:defRPr sz="1800" kern="1200">
                 <a:solidFill>
@@ -6996,7 +7071,7 @@
               <a:spcBef>
                 <a:spcPts val="500"/>
               </a:spcBef>
-              <a:buFont typeface="Arial" panose="020B0604020202090204" pitchFamily="34" charset="0"/>
+              <a:buFont typeface="Arial" panose="020B0604020202020204" pitchFamily="34" charset="0"/>
               <a:buChar char="•"/>
               <a:defRPr sz="1800" kern="1200">
                 <a:solidFill>
@@ -7014,7 +7089,7 @@
               <a:spcBef>
                 <a:spcPts val="500"/>
               </a:spcBef>
-              <a:buFont typeface="Arial" panose="020B0604020202090204" pitchFamily="34" charset="0"/>
+              <a:buFont typeface="Arial" panose="020B0604020202020204" pitchFamily="34" charset="0"/>
               <a:buChar char="•"/>
               <a:defRPr sz="1800" kern="1200">
                 <a:solidFill>
@@ -7032,7 +7107,7 @@
               <a:spcBef>
                 <a:spcPts val="500"/>
               </a:spcBef>
-              <a:buFont typeface="Arial" panose="020B0604020202090204" pitchFamily="34" charset="0"/>
+              <a:buFont typeface="Arial" panose="020B0604020202020204" pitchFamily="34" charset="0"/>
               <a:buChar char="•"/>
               <a:defRPr sz="1800" kern="1200">
                 <a:solidFill>
@@ -7416,12 +7491,12 @@
         </p:nvSpPr>
         <p:spPr>
           <a:xfrm>
-            <a:off x="8906933" y="2404010"/>
-            <a:ext cx="12202383" cy="995680"/>
+            <a:off x="8907145" y="2404110"/>
+            <a:ext cx="6189980" cy="995680"/>
           </a:xfrm>
         </p:spPr>
         <p:txBody>
-          <a:bodyPr/>
+          <a:bodyPr wrap="square"/>
           <a:lstStyle/>
           <a:p>
             <a:r>
@@ -7460,12 +7535,12 @@
         </p:nvSpPr>
         <p:spPr>
           <a:xfrm>
-            <a:off x="8861213" y="3614132"/>
-            <a:ext cx="12202383" cy="995680"/>
+            <a:off x="8861425" y="3614420"/>
+            <a:ext cx="6189345" cy="995680"/>
           </a:xfrm>
         </p:spPr>
         <p:txBody>
-          <a:bodyPr/>
+          <a:bodyPr wrap="square"/>
           <a:lstStyle/>
           <a:p>
             <a:r>
@@ -7496,12 +7571,12 @@
         </p:nvSpPr>
         <p:spPr>
           <a:xfrm>
-            <a:off x="8848513" y="4824255"/>
-            <a:ext cx="12202384" cy="995680"/>
+            <a:off x="8848725" y="4824095"/>
+            <a:ext cx="6189345" cy="995680"/>
           </a:xfrm>
         </p:spPr>
         <p:txBody>
-          <a:bodyPr/>
+          <a:bodyPr wrap="square"/>
           <a:lstStyle/>
           <a:p>
             <a:r>
@@ -7522,31 +7597,403 @@
       </p:sp>
       <p:sp>
         <p:nvSpPr>
-          <p:cNvPr id="5" name="文本占位符 4"/>
+          <p:cNvPr id="6" name="文本占位符 1"/>
           <p:cNvSpPr>
             <a:spLocks noGrp="1"/>
           </p:cNvSpPr>
-          <p:nvPr>
-            <p:ph type="body" sz="quarter" idx="25"/>
-          </p:nvPr>
+          <p:nvPr/>
         </p:nvSpPr>
         <p:spPr>
           <a:xfrm>
-            <a:off x="8873913" y="6008978"/>
-            <a:ext cx="12176983" cy="2028825"/>
+            <a:off x="15037435" y="2404110"/>
+            <a:ext cx="6189980" cy="995680"/>
           </a:xfrm>
+          <a:prstGeom prst="rect">
+            <a:avLst/>
+          </a:prstGeom>
         </p:spPr>
         <p:txBody>
-          <a:bodyPr/>
-          <a:lstStyle/>
+          <a:bodyPr wrap="square">
+            <a:spAutoFit/>
+          </a:bodyPr>
+          <a:lstStyle>
+            <a:lvl1pPr marL="0" indent="0" algn="l" defTabSz="457200" rtl="0" eaLnBrk="1" latinLnBrk="0" hangingPunct="1">
+              <a:lnSpc>
+                <a:spcPct val="140000"/>
+              </a:lnSpc>
+              <a:spcBef>
+                <a:spcPts val="1000"/>
+              </a:spcBef>
+              <a:buFont typeface="Arial" panose="020B0604020202020204" pitchFamily="34" charset="0"/>
+              <a:buNone/>
+              <a:defRPr sz="4200" b="0" kern="1200" spc="336">
+                <a:solidFill>
+                  <a:srgbClr val="FFFFFF"/>
+                </a:solidFill>
+                <a:latin typeface="OPPOSans L"/>
+                <a:ea typeface="OPPOSans L"/>
+                <a:cs typeface="OPPOSans L"/>
+                <a:sym typeface="OPPOSans L"/>
+              </a:defRPr>
+            </a:lvl1pPr>
+            <a:lvl2pPr marL="685800" indent="-228600" algn="l" defTabSz="914400" rtl="0" eaLnBrk="1" latinLnBrk="0" hangingPunct="1">
+              <a:lnSpc>
+                <a:spcPct val="90000"/>
+              </a:lnSpc>
+              <a:spcBef>
+                <a:spcPts val="500"/>
+              </a:spcBef>
+              <a:buFont typeface="Arial" panose="020B0604020202020204" pitchFamily="34" charset="0"/>
+              <a:buChar char="•"/>
+              <a:defRPr sz="2400" kern="1200">
+                <a:solidFill>
+                  <a:schemeClr val="tx1"/>
+                </a:solidFill>
+                <a:latin typeface="+mn-lt"/>
+                <a:ea typeface="+mn-ea"/>
+                <a:cs typeface="+mn-cs"/>
+              </a:defRPr>
+            </a:lvl2pPr>
+            <a:lvl3pPr marL="1143000" indent="-228600" algn="l" defTabSz="914400" rtl="0" eaLnBrk="1" latinLnBrk="0" hangingPunct="1">
+              <a:lnSpc>
+                <a:spcPct val="90000"/>
+              </a:lnSpc>
+              <a:spcBef>
+                <a:spcPts val="500"/>
+              </a:spcBef>
+              <a:buFont typeface="Arial" panose="020B0604020202020204" pitchFamily="34" charset="0"/>
+              <a:buChar char="•"/>
+              <a:defRPr sz="2000" kern="1200">
+                <a:solidFill>
+                  <a:schemeClr val="tx1"/>
+                </a:solidFill>
+                <a:latin typeface="+mn-lt"/>
+                <a:ea typeface="+mn-ea"/>
+                <a:cs typeface="+mn-cs"/>
+              </a:defRPr>
+            </a:lvl3pPr>
+            <a:lvl4pPr marL="1600200" indent="-228600" algn="l" defTabSz="914400" rtl="0" eaLnBrk="1" latinLnBrk="0" hangingPunct="1">
+              <a:lnSpc>
+                <a:spcPct val="90000"/>
+              </a:lnSpc>
+              <a:spcBef>
+                <a:spcPts val="500"/>
+              </a:spcBef>
+              <a:buFont typeface="Arial" panose="020B0604020202020204" pitchFamily="34" charset="0"/>
+              <a:buChar char="•"/>
+              <a:defRPr sz="1800" kern="1200">
+                <a:solidFill>
+                  <a:schemeClr val="tx1"/>
+                </a:solidFill>
+                <a:latin typeface="+mn-lt"/>
+                <a:ea typeface="+mn-ea"/>
+                <a:cs typeface="+mn-cs"/>
+              </a:defRPr>
+            </a:lvl4pPr>
+            <a:lvl5pPr marL="2057400" indent="-228600" algn="l" defTabSz="914400" rtl="0" eaLnBrk="1" latinLnBrk="0" hangingPunct="1">
+              <a:lnSpc>
+                <a:spcPct val="90000"/>
+              </a:lnSpc>
+              <a:spcBef>
+                <a:spcPts val="500"/>
+              </a:spcBef>
+              <a:buFont typeface="Arial" panose="020B0604020202020204" pitchFamily="34" charset="0"/>
+              <a:buChar char="•"/>
+              <a:defRPr sz="1800" kern="1200">
+                <a:solidFill>
+                  <a:schemeClr val="tx1"/>
+                </a:solidFill>
+                <a:latin typeface="+mn-lt"/>
+                <a:ea typeface="+mn-ea"/>
+                <a:cs typeface="+mn-cs"/>
+              </a:defRPr>
+            </a:lvl5pPr>
+            <a:lvl6pPr marL="2514600" indent="-228600" algn="l" defTabSz="914400" rtl="0" eaLnBrk="1" latinLnBrk="0" hangingPunct="1">
+              <a:lnSpc>
+                <a:spcPct val="90000"/>
+              </a:lnSpc>
+              <a:spcBef>
+                <a:spcPts val="500"/>
+              </a:spcBef>
+              <a:buFont typeface="Arial" panose="020B0604020202020204" pitchFamily="34" charset="0"/>
+              <a:buChar char="•"/>
+              <a:defRPr sz="1800" kern="1200">
+                <a:solidFill>
+                  <a:schemeClr val="tx1"/>
+                </a:solidFill>
+                <a:latin typeface="+mn-lt"/>
+                <a:ea typeface="+mn-ea"/>
+                <a:cs typeface="+mn-cs"/>
+              </a:defRPr>
+            </a:lvl6pPr>
+            <a:lvl7pPr marL="2971800" indent="-228600" algn="l" defTabSz="914400" rtl="0" eaLnBrk="1" latinLnBrk="0" hangingPunct="1">
+              <a:lnSpc>
+                <a:spcPct val="90000"/>
+              </a:lnSpc>
+              <a:spcBef>
+                <a:spcPts val="500"/>
+              </a:spcBef>
+              <a:buFont typeface="Arial" panose="020B0604020202020204" pitchFamily="34" charset="0"/>
+              <a:buChar char="•"/>
+              <a:defRPr sz="1800" kern="1200">
+                <a:solidFill>
+                  <a:schemeClr val="tx1"/>
+                </a:solidFill>
+                <a:latin typeface="+mn-lt"/>
+                <a:ea typeface="+mn-ea"/>
+                <a:cs typeface="+mn-cs"/>
+              </a:defRPr>
+            </a:lvl7pPr>
+            <a:lvl8pPr marL="3429000" indent="-228600" algn="l" defTabSz="914400" rtl="0" eaLnBrk="1" latinLnBrk="0" hangingPunct="1">
+              <a:lnSpc>
+                <a:spcPct val="90000"/>
+              </a:lnSpc>
+              <a:spcBef>
+                <a:spcPts val="500"/>
+              </a:spcBef>
+              <a:buFont typeface="Arial" panose="020B0604020202020204" pitchFamily="34" charset="0"/>
+              <a:buChar char="•"/>
+              <a:defRPr sz="1800" kern="1200">
+                <a:solidFill>
+                  <a:schemeClr val="tx1"/>
+                </a:solidFill>
+                <a:latin typeface="+mn-lt"/>
+                <a:ea typeface="+mn-ea"/>
+                <a:cs typeface="+mn-cs"/>
+              </a:defRPr>
+            </a:lvl8pPr>
+            <a:lvl9pPr marL="3886200" indent="-228600" algn="l" defTabSz="914400" rtl="0" eaLnBrk="1" latinLnBrk="0" hangingPunct="1">
+              <a:lnSpc>
+                <a:spcPct val="90000"/>
+              </a:lnSpc>
+              <a:spcBef>
+                <a:spcPts val="500"/>
+              </a:spcBef>
+              <a:buFont typeface="Arial" panose="020B0604020202020204" pitchFamily="34" charset="0"/>
+              <a:buChar char="•"/>
+              <a:defRPr sz="1800" kern="1200">
+                <a:solidFill>
+                  <a:schemeClr val="tx1"/>
+                </a:solidFill>
+                <a:latin typeface="+mn-lt"/>
+                <a:ea typeface="+mn-ea"/>
+                <a:cs typeface="+mn-cs"/>
+              </a:defRPr>
+            </a:lvl9pPr>
+          </a:lstStyle>
           <a:p>
             <a:r>
               <a:rPr lang="en-US" altLang="zh-CN" dirty="0">
                 <a:latin typeface="OPPOSans R" pitchFamily="18" charset="-122"/>
                 <a:ea typeface="OPPOSans R" pitchFamily="18" charset="-122"/>
                 <a:cs typeface="OPPOSans R" pitchFamily="18" charset="-122"/>
+                <a:sym typeface="+mn-ea"/>
               </a:rPr>
-              <a:t>4.Extention</a:t>
+              <a:t>4.Example</a:t>
+            </a:r>
+            <a:endParaRPr lang="en-US" altLang="en-GB" dirty="0">
+              <a:latin typeface="OPPOSans R" pitchFamily="18" charset="-122"/>
+              <a:ea typeface="OPPOSans R" pitchFamily="18" charset="-122"/>
+              <a:cs typeface="OPPOSans R" pitchFamily="18" charset="-122"/>
+            </a:endParaRPr>
+          </a:p>
+        </p:txBody>
+      </p:sp>
+      <p:sp>
+        <p:nvSpPr>
+          <p:cNvPr id="7" name="文本占位符 2"/>
+          <p:cNvSpPr>
+            <a:spLocks noGrp="1"/>
+          </p:cNvSpPr>
+          <p:nvPr/>
+        </p:nvSpPr>
+        <p:spPr>
+          <a:xfrm>
+            <a:off x="15050770" y="3614420"/>
+            <a:ext cx="6189345" cy="995680"/>
+          </a:xfrm>
+          <a:prstGeom prst="rect">
+            <a:avLst/>
+          </a:prstGeom>
+        </p:spPr>
+        <p:txBody>
+          <a:bodyPr wrap="square">
+            <a:spAutoFit/>
+          </a:bodyPr>
+          <a:lstStyle>
+            <a:lvl1pPr marL="0" indent="0" algn="l" defTabSz="457200" rtl="0" eaLnBrk="1" latinLnBrk="0" hangingPunct="1">
+              <a:lnSpc>
+                <a:spcPct val="140000"/>
+              </a:lnSpc>
+              <a:spcBef>
+                <a:spcPts val="1000"/>
+              </a:spcBef>
+              <a:buFont typeface="Arial" panose="020B0604020202020204" pitchFamily="34" charset="0"/>
+              <a:buNone/>
+              <a:defRPr sz="4200" b="0" kern="1200" spc="336">
+                <a:solidFill>
+                  <a:srgbClr val="FFFFFF"/>
+                </a:solidFill>
+                <a:latin typeface="OPPOSans L"/>
+                <a:ea typeface="OPPOSans L"/>
+                <a:cs typeface="OPPOSans L"/>
+                <a:sym typeface="OPPOSans L"/>
+              </a:defRPr>
+            </a:lvl1pPr>
+            <a:lvl2pPr marL="685800" indent="-228600" algn="l" defTabSz="914400" rtl="0" eaLnBrk="1" latinLnBrk="0" hangingPunct="1">
+              <a:lnSpc>
+                <a:spcPct val="90000"/>
+              </a:lnSpc>
+              <a:spcBef>
+                <a:spcPts val="500"/>
+              </a:spcBef>
+              <a:buFont typeface="Arial" panose="020B0604020202020204" pitchFamily="34" charset="0"/>
+              <a:buChar char="•"/>
+              <a:defRPr sz="2400" kern="1200">
+                <a:solidFill>
+                  <a:schemeClr val="tx1"/>
+                </a:solidFill>
+                <a:latin typeface="+mn-lt"/>
+                <a:ea typeface="+mn-ea"/>
+                <a:cs typeface="+mn-cs"/>
+              </a:defRPr>
+            </a:lvl2pPr>
+            <a:lvl3pPr marL="1143000" indent="-228600" algn="l" defTabSz="914400" rtl="0" eaLnBrk="1" latinLnBrk="0" hangingPunct="1">
+              <a:lnSpc>
+                <a:spcPct val="90000"/>
+              </a:lnSpc>
+              <a:spcBef>
+                <a:spcPts val="500"/>
+              </a:spcBef>
+              <a:buFont typeface="Arial" panose="020B0604020202020204" pitchFamily="34" charset="0"/>
+              <a:buChar char="•"/>
+              <a:defRPr sz="2000" kern="1200">
+                <a:solidFill>
+                  <a:schemeClr val="tx1"/>
+                </a:solidFill>
+                <a:latin typeface="+mn-lt"/>
+                <a:ea typeface="+mn-ea"/>
+                <a:cs typeface="+mn-cs"/>
+              </a:defRPr>
+            </a:lvl3pPr>
+            <a:lvl4pPr marL="1600200" indent="-228600" algn="l" defTabSz="914400" rtl="0" eaLnBrk="1" latinLnBrk="0" hangingPunct="1">
+              <a:lnSpc>
+                <a:spcPct val="90000"/>
+              </a:lnSpc>
+              <a:spcBef>
+                <a:spcPts val="500"/>
+              </a:spcBef>
+              <a:buFont typeface="Arial" panose="020B0604020202020204" pitchFamily="34" charset="0"/>
+              <a:buChar char="•"/>
+              <a:defRPr sz="1800" kern="1200">
+                <a:solidFill>
+                  <a:schemeClr val="tx1"/>
+                </a:solidFill>
+                <a:latin typeface="+mn-lt"/>
+                <a:ea typeface="+mn-ea"/>
+                <a:cs typeface="+mn-cs"/>
+              </a:defRPr>
+            </a:lvl4pPr>
+            <a:lvl5pPr marL="2057400" indent="-228600" algn="l" defTabSz="914400" rtl="0" eaLnBrk="1" latinLnBrk="0" hangingPunct="1">
+              <a:lnSpc>
+                <a:spcPct val="90000"/>
+              </a:lnSpc>
+              <a:spcBef>
+                <a:spcPts val="500"/>
+              </a:spcBef>
+              <a:buFont typeface="Arial" panose="020B0604020202020204" pitchFamily="34" charset="0"/>
+              <a:buChar char="•"/>
+              <a:defRPr sz="1800" kern="1200">
+                <a:solidFill>
+                  <a:schemeClr val="tx1"/>
+                </a:solidFill>
+                <a:latin typeface="+mn-lt"/>
+                <a:ea typeface="+mn-ea"/>
+                <a:cs typeface="+mn-cs"/>
+              </a:defRPr>
+            </a:lvl5pPr>
+            <a:lvl6pPr marL="2514600" indent="-228600" algn="l" defTabSz="914400" rtl="0" eaLnBrk="1" latinLnBrk="0" hangingPunct="1">
+              <a:lnSpc>
+                <a:spcPct val="90000"/>
+              </a:lnSpc>
+              <a:spcBef>
+                <a:spcPts val="500"/>
+              </a:spcBef>
+              <a:buFont typeface="Arial" panose="020B0604020202020204" pitchFamily="34" charset="0"/>
+              <a:buChar char="•"/>
+              <a:defRPr sz="1800" kern="1200">
+                <a:solidFill>
+                  <a:schemeClr val="tx1"/>
+                </a:solidFill>
+                <a:latin typeface="+mn-lt"/>
+                <a:ea typeface="+mn-ea"/>
+                <a:cs typeface="+mn-cs"/>
+              </a:defRPr>
+            </a:lvl6pPr>
+            <a:lvl7pPr marL="2971800" indent="-228600" algn="l" defTabSz="914400" rtl="0" eaLnBrk="1" latinLnBrk="0" hangingPunct="1">
+              <a:lnSpc>
+                <a:spcPct val="90000"/>
+              </a:lnSpc>
+              <a:spcBef>
+                <a:spcPts val="500"/>
+              </a:spcBef>
+              <a:buFont typeface="Arial" panose="020B0604020202020204" pitchFamily="34" charset="0"/>
+              <a:buChar char="•"/>
+              <a:defRPr sz="1800" kern="1200">
+                <a:solidFill>
+                  <a:schemeClr val="tx1"/>
+                </a:solidFill>
+                <a:latin typeface="+mn-lt"/>
+                <a:ea typeface="+mn-ea"/>
+                <a:cs typeface="+mn-cs"/>
+              </a:defRPr>
+            </a:lvl7pPr>
+            <a:lvl8pPr marL="3429000" indent="-228600" algn="l" defTabSz="914400" rtl="0" eaLnBrk="1" latinLnBrk="0" hangingPunct="1">
+              <a:lnSpc>
+                <a:spcPct val="90000"/>
+              </a:lnSpc>
+              <a:spcBef>
+                <a:spcPts val="500"/>
+              </a:spcBef>
+              <a:buFont typeface="Arial" panose="020B0604020202020204" pitchFamily="34" charset="0"/>
+              <a:buChar char="•"/>
+              <a:defRPr sz="1800" kern="1200">
+                <a:solidFill>
+                  <a:schemeClr val="tx1"/>
+                </a:solidFill>
+                <a:latin typeface="+mn-lt"/>
+                <a:ea typeface="+mn-ea"/>
+                <a:cs typeface="+mn-cs"/>
+              </a:defRPr>
+            </a:lvl8pPr>
+            <a:lvl9pPr marL="3886200" indent="-228600" algn="l" defTabSz="914400" rtl="0" eaLnBrk="1" latinLnBrk="0" hangingPunct="1">
+              <a:lnSpc>
+                <a:spcPct val="90000"/>
+              </a:lnSpc>
+              <a:spcBef>
+                <a:spcPts val="500"/>
+              </a:spcBef>
+              <a:buFont typeface="Arial" panose="020B0604020202020204" pitchFamily="34" charset="0"/>
+              <a:buChar char="•"/>
+              <a:defRPr sz="1800" kern="1200">
+                <a:solidFill>
+                  <a:schemeClr val="tx1"/>
+                </a:solidFill>
+                <a:latin typeface="+mn-lt"/>
+                <a:ea typeface="+mn-ea"/>
+                <a:cs typeface="+mn-cs"/>
+              </a:defRPr>
+            </a:lvl9pPr>
+          </a:lstStyle>
+          <a:p>
+            <a:r>
+              <a:rPr lang="en-US" altLang="zh-CN" dirty="0">
+                <a:latin typeface="OPPOSans R" pitchFamily="18" charset="-122"/>
+                <a:ea typeface="OPPOSans R" pitchFamily="18" charset="-122"/>
+                <a:cs typeface="OPPOSans R" pitchFamily="18" charset="-122"/>
+                <a:sym typeface="+mn-ea"/>
+              </a:rPr>
+              <a:t>5.Extention</a:t>
             </a:r>
             <a:endParaRPr lang="en-US" altLang="zh-CN" dirty="0">
               <a:latin typeface="OPPOSans R" pitchFamily="18" charset="-122"/>
@@ -7554,14 +8001,203 @@
               <a:cs typeface="OPPOSans R" pitchFamily="18" charset="-122"/>
             </a:endParaRPr>
           </a:p>
+        </p:txBody>
+      </p:sp>
+      <p:sp>
+        <p:nvSpPr>
+          <p:cNvPr id="8" name="文本占位符 3"/>
+          <p:cNvSpPr>
+            <a:spLocks noGrp="1"/>
+          </p:cNvSpPr>
+          <p:nvPr/>
+        </p:nvSpPr>
+        <p:spPr>
+          <a:xfrm>
+            <a:off x="15037435" y="4824095"/>
+            <a:ext cx="6189345" cy="995680"/>
+          </a:xfrm>
+          <a:prstGeom prst="rect">
+            <a:avLst/>
+          </a:prstGeom>
+        </p:spPr>
+        <p:txBody>
+          <a:bodyPr wrap="square">
+            <a:spAutoFit/>
+          </a:bodyPr>
+          <a:lstStyle>
+            <a:lvl1pPr marL="0" indent="0" algn="l" defTabSz="457200" rtl="0" eaLnBrk="1" latinLnBrk="0" hangingPunct="1">
+              <a:lnSpc>
+                <a:spcPct val="140000"/>
+              </a:lnSpc>
+              <a:spcBef>
+                <a:spcPts val="1000"/>
+              </a:spcBef>
+              <a:buFont typeface="Arial" panose="020B0604020202020204" pitchFamily="34" charset="0"/>
+              <a:buNone/>
+              <a:defRPr sz="4200" b="0" kern="1200" spc="336">
+                <a:solidFill>
+                  <a:srgbClr val="FFFFFF"/>
+                </a:solidFill>
+                <a:latin typeface="OPPOSans L"/>
+                <a:ea typeface="OPPOSans L"/>
+                <a:cs typeface="OPPOSans L"/>
+                <a:sym typeface="OPPOSans L"/>
+              </a:defRPr>
+            </a:lvl1pPr>
+            <a:lvl2pPr marL="685800" indent="-228600" algn="l" defTabSz="914400" rtl="0" eaLnBrk="1" latinLnBrk="0" hangingPunct="1">
+              <a:lnSpc>
+                <a:spcPct val="90000"/>
+              </a:lnSpc>
+              <a:spcBef>
+                <a:spcPts val="500"/>
+              </a:spcBef>
+              <a:buFont typeface="Arial" panose="020B0604020202020204" pitchFamily="34" charset="0"/>
+              <a:buChar char="•"/>
+              <a:defRPr sz="2400" kern="1200">
+                <a:solidFill>
+                  <a:schemeClr val="tx1"/>
+                </a:solidFill>
+                <a:latin typeface="+mn-lt"/>
+                <a:ea typeface="+mn-ea"/>
+                <a:cs typeface="+mn-cs"/>
+              </a:defRPr>
+            </a:lvl2pPr>
+            <a:lvl3pPr marL="1143000" indent="-228600" algn="l" defTabSz="914400" rtl="0" eaLnBrk="1" latinLnBrk="0" hangingPunct="1">
+              <a:lnSpc>
+                <a:spcPct val="90000"/>
+              </a:lnSpc>
+              <a:spcBef>
+                <a:spcPts val="500"/>
+              </a:spcBef>
+              <a:buFont typeface="Arial" panose="020B0604020202020204" pitchFamily="34" charset="0"/>
+              <a:buChar char="•"/>
+              <a:defRPr sz="2000" kern="1200">
+                <a:solidFill>
+                  <a:schemeClr val="tx1"/>
+                </a:solidFill>
+                <a:latin typeface="+mn-lt"/>
+                <a:ea typeface="+mn-ea"/>
+                <a:cs typeface="+mn-cs"/>
+              </a:defRPr>
+            </a:lvl3pPr>
+            <a:lvl4pPr marL="1600200" indent="-228600" algn="l" defTabSz="914400" rtl="0" eaLnBrk="1" latinLnBrk="0" hangingPunct="1">
+              <a:lnSpc>
+                <a:spcPct val="90000"/>
+              </a:lnSpc>
+              <a:spcBef>
+                <a:spcPts val="500"/>
+              </a:spcBef>
+              <a:buFont typeface="Arial" panose="020B0604020202020204" pitchFamily="34" charset="0"/>
+              <a:buChar char="•"/>
+              <a:defRPr sz="1800" kern="1200">
+                <a:solidFill>
+                  <a:schemeClr val="tx1"/>
+                </a:solidFill>
+                <a:latin typeface="+mn-lt"/>
+                <a:ea typeface="+mn-ea"/>
+                <a:cs typeface="+mn-cs"/>
+              </a:defRPr>
+            </a:lvl4pPr>
+            <a:lvl5pPr marL="2057400" indent="-228600" algn="l" defTabSz="914400" rtl="0" eaLnBrk="1" latinLnBrk="0" hangingPunct="1">
+              <a:lnSpc>
+                <a:spcPct val="90000"/>
+              </a:lnSpc>
+              <a:spcBef>
+                <a:spcPts val="500"/>
+              </a:spcBef>
+              <a:buFont typeface="Arial" panose="020B0604020202020204" pitchFamily="34" charset="0"/>
+              <a:buChar char="•"/>
+              <a:defRPr sz="1800" kern="1200">
+                <a:solidFill>
+                  <a:schemeClr val="tx1"/>
+                </a:solidFill>
+                <a:latin typeface="+mn-lt"/>
+                <a:ea typeface="+mn-ea"/>
+                <a:cs typeface="+mn-cs"/>
+              </a:defRPr>
+            </a:lvl5pPr>
+            <a:lvl6pPr marL="2514600" indent="-228600" algn="l" defTabSz="914400" rtl="0" eaLnBrk="1" latinLnBrk="0" hangingPunct="1">
+              <a:lnSpc>
+                <a:spcPct val="90000"/>
+              </a:lnSpc>
+              <a:spcBef>
+                <a:spcPts val="500"/>
+              </a:spcBef>
+              <a:buFont typeface="Arial" panose="020B0604020202020204" pitchFamily="34" charset="0"/>
+              <a:buChar char="•"/>
+              <a:defRPr sz="1800" kern="1200">
+                <a:solidFill>
+                  <a:schemeClr val="tx1"/>
+                </a:solidFill>
+                <a:latin typeface="+mn-lt"/>
+                <a:ea typeface="+mn-ea"/>
+                <a:cs typeface="+mn-cs"/>
+              </a:defRPr>
+            </a:lvl6pPr>
+            <a:lvl7pPr marL="2971800" indent="-228600" algn="l" defTabSz="914400" rtl="0" eaLnBrk="1" latinLnBrk="0" hangingPunct="1">
+              <a:lnSpc>
+                <a:spcPct val="90000"/>
+              </a:lnSpc>
+              <a:spcBef>
+                <a:spcPts val="500"/>
+              </a:spcBef>
+              <a:buFont typeface="Arial" panose="020B0604020202020204" pitchFamily="34" charset="0"/>
+              <a:buChar char="•"/>
+              <a:defRPr sz="1800" kern="1200">
+                <a:solidFill>
+                  <a:schemeClr val="tx1"/>
+                </a:solidFill>
+                <a:latin typeface="+mn-lt"/>
+                <a:ea typeface="+mn-ea"/>
+                <a:cs typeface="+mn-cs"/>
+              </a:defRPr>
+            </a:lvl7pPr>
+            <a:lvl8pPr marL="3429000" indent="-228600" algn="l" defTabSz="914400" rtl="0" eaLnBrk="1" latinLnBrk="0" hangingPunct="1">
+              <a:lnSpc>
+                <a:spcPct val="90000"/>
+              </a:lnSpc>
+              <a:spcBef>
+                <a:spcPts val="500"/>
+              </a:spcBef>
+              <a:buFont typeface="Arial" panose="020B0604020202020204" pitchFamily="34" charset="0"/>
+              <a:buChar char="•"/>
+              <a:defRPr sz="1800" kern="1200">
+                <a:solidFill>
+                  <a:schemeClr val="tx1"/>
+                </a:solidFill>
+                <a:latin typeface="+mn-lt"/>
+                <a:ea typeface="+mn-ea"/>
+                <a:cs typeface="+mn-cs"/>
+              </a:defRPr>
+            </a:lvl8pPr>
+            <a:lvl9pPr marL="3886200" indent="-228600" algn="l" defTabSz="914400" rtl="0" eaLnBrk="1" latinLnBrk="0" hangingPunct="1">
+              <a:lnSpc>
+                <a:spcPct val="90000"/>
+              </a:lnSpc>
+              <a:spcBef>
+                <a:spcPts val="500"/>
+              </a:spcBef>
+              <a:buFont typeface="Arial" panose="020B0604020202020204" pitchFamily="34" charset="0"/>
+              <a:buChar char="•"/>
+              <a:defRPr sz="1800" kern="1200">
+                <a:solidFill>
+                  <a:schemeClr val="tx1"/>
+                </a:solidFill>
+                <a:latin typeface="+mn-lt"/>
+                <a:ea typeface="+mn-ea"/>
+                <a:cs typeface="+mn-cs"/>
+              </a:defRPr>
+            </a:lvl9pPr>
+          </a:lstStyle>
           <a:p>
             <a:r>
               <a:rPr lang="en-US" altLang="zh-CN" dirty="0">
                 <a:latin typeface="OPPOSans R" pitchFamily="18" charset="-122"/>
                 <a:ea typeface="OPPOSans R" pitchFamily="18" charset="-122"/>
                 <a:cs typeface="OPPOSans R" pitchFamily="18" charset="-122"/>
+                <a:sym typeface="+mn-ea"/>
               </a:rPr>
-              <a:t>5.Q&amp;A</a:t>
+              <a:t>6.Q&amp;A</a:t>
             </a:r>
             <a:endParaRPr lang="en-US" altLang="zh-CN" dirty="0">
               <a:latin typeface="OPPOSans R" pitchFamily="18" charset="-122"/>
@@ -9098,7 +9734,7 @@
                 <a:cs typeface="OPPOSans R" pitchFamily="18" charset="-122"/>
                 <a:sym typeface="+mn-ea"/>
               </a:rPr>
-              <a:t>Extention</a:t>
+              <a:t>Example</a:t>
             </a:r>
             <a:endParaRPr lang="en-US" altLang="en-GB" sz="9600" dirty="0"/>
           </a:p>
@@ -9153,14 +9789,19 @@
             <p:ph type="body" sz="quarter" idx="21"/>
           </p:nvPr>
         </p:nvSpPr>
-        <p:spPr/>
+        <p:spPr>
+          <a:xfrm>
+            <a:off x="1420495" y="1397000"/>
+            <a:ext cx="15895955" cy="1231900"/>
+          </a:xfrm>
+        </p:spPr>
         <p:txBody>
           <a:bodyPr/>
           <a:lstStyle/>
           <a:p>
             <a:r>
               <a:rPr kumimoji="1" lang="en-US" altLang="zh-CN"/>
-              <a:t>How to run example</a:t>
+              <a:t>Deploy shenyu-admin&amp;shenyu-examples-http</a:t>
             </a:r>
             <a:endParaRPr kumimoji="1" lang="en-US" altLang="zh-CN"/>
           </a:p>
@@ -9176,39 +9817,62 @@
             <p:ph type="body" sz="quarter" idx="22"/>
           </p:nvPr>
         </p:nvSpPr>
-        <p:spPr/>
+        <p:spPr>
+          <a:xfrm>
+            <a:off x="15081885" y="3578225"/>
+            <a:ext cx="6969760" cy="7200265"/>
+          </a:xfrm>
+        </p:spPr>
         <p:txBody>
           <a:bodyPr/>
           <a:lstStyle/>
           <a:p>
             <a:r>
+              <a:rPr kumimoji="1" lang="zh-CN" altLang="en-US">
+                <a:sym typeface="+mn-ea"/>
+              </a:rPr>
+              <a:t>https://shenyu.apache.org/docs/next/deployment/deployment-before</a:t>
+            </a:r>
+            <a:endParaRPr kumimoji="1" lang="zh-CN" altLang="en-US">
+              <a:sym typeface="+mn-ea"/>
+            </a:endParaRPr>
+          </a:p>
+          <a:p>
+            <a:endParaRPr kumimoji="1" lang="zh-CN" altLang="en-US"/>
+          </a:p>
+          <a:p>
+            <a:r>
               <a:rPr kumimoji="1" lang="zh-CN" altLang="en-US"/>
-              <a:t>把</a:t>
-            </a:r>
-            <a:r>
-              <a:rPr kumimoji="1" lang="en-US" altLang="zh-CN"/>
-              <a:t>rust http client</a:t>
-            </a:r>
-            <a:r>
-              <a:rPr kumimoji="1" lang="zh-CN" altLang="en-US"/>
-              <a:t>插件的代码放到</a:t>
-            </a:r>
-            <a:r>
-              <a:rPr kumimoji="1" lang="en-US" altLang="zh-CN"/>
-              <a:t>shenyu repo</a:t>
-            </a:r>
-            <a:r>
-              <a:rPr kumimoji="1" lang="zh-CN" altLang="en-US"/>
-              <a:t>，然后讲讲如何</a:t>
-            </a:r>
-            <a:r>
-              <a:rPr kumimoji="1" lang="zh-CN" altLang="en-US"/>
-              <a:t>运行</a:t>
+              <a:t>https://shenyu.apache.org/docs/next/quick-start/quick-start-http</a:t>
             </a:r>
             <a:endParaRPr kumimoji="1" lang="zh-CN" altLang="en-US"/>
           </a:p>
         </p:txBody>
       </p:sp>
+      <p:pic>
+        <p:nvPicPr>
+          <p:cNvPr id="5" name="图片 4" descr="企业微信截图_0c61e679-c33e-49fe-acbb-3e87b68c8451"/>
+          <p:cNvPicPr>
+            <a:picLocks noChangeAspect="1"/>
+          </p:cNvPicPr>
+          <p:nvPr/>
+        </p:nvPicPr>
+        <p:blipFill>
+          <a:blip r:embed="rId2"/>
+          <a:stretch>
+            <a:fillRect/>
+          </a:stretch>
+        </p:blipFill>
+        <p:spPr>
+          <a:xfrm>
+            <a:off x="1480185" y="3578225"/>
+            <a:ext cx="13601700" cy="9017000"/>
+          </a:xfrm>
+          <a:prstGeom prst="rect">
+            <a:avLst/>
+          </a:prstGeom>
+        </p:spPr>
+      </p:pic>
     </p:spTree>
   </p:cSld>
   <p:clrMapOvr>
@@ -9258,14 +9922,19 @@
             <p:ph type="body" sz="quarter" idx="21"/>
           </p:nvPr>
         </p:nvSpPr>
-        <p:spPr/>
+        <p:spPr>
+          <a:xfrm>
+            <a:off x="1420495" y="1397000"/>
+            <a:ext cx="10525125" cy="1231900"/>
+          </a:xfrm>
+        </p:spPr>
         <p:txBody>
           <a:bodyPr/>
           <a:lstStyle/>
           <a:p>
             <a:r>
               <a:rPr kumimoji="1" lang="en-US" altLang="zh-CN"/>
-              <a:t>Step1: Add Dependency</a:t>
+              <a:t>Registered selector and rules</a:t>
             </a:r>
             <a:endParaRPr kumimoji="1" lang="en-US" altLang="zh-CN"/>
           </a:p>
@@ -9288,70 +9957,36 @@
           <a:p>
             <a:r>
               <a:rPr kumimoji="1" lang="zh-CN" altLang="en-US"/>
-              <a:t>Assuming we already have a Maven project</a:t>
-            </a:r>
-            <a:r>
-              <a:rPr kumimoji="1" lang="en-US" altLang="zh-CN"/>
-              <a:t>.</a:t>
-            </a:r>
-            <a:endParaRPr kumimoji="1" lang="en-US" altLang="zh-CN"/>
-          </a:p>
-          <a:p>
-            <a:endParaRPr kumimoji="1" lang="zh-CN" altLang="en-US"/>
-          </a:p>
-          <a:p>
-            <a:r>
-              <a:rPr kumimoji="1" lang="zh-CN" altLang="en-US"/>
-              <a:t>&lt;dependency&gt;</a:t>
-            </a:r>
-            <a:endParaRPr kumimoji="1" lang="zh-CN" altLang="en-US"/>
-          </a:p>
-          <a:p>
-            <a:r>
-              <a:rPr kumimoji="1" lang="zh-CN" altLang="en-US"/>
-              <a:t>    &lt;groupId&gt;org.apache.shenyu&lt;/groupId&gt;</a:t>
-            </a:r>
-            <a:endParaRPr kumimoji="1" lang="zh-CN" altLang="en-US"/>
-          </a:p>
-          <a:p>
-            <a:r>
-              <a:rPr kumimoji="1" lang="zh-CN" altLang="en-US"/>
-              <a:t>    &lt;artifactId&gt;shenyu-plugin-wasm-</a:t>
-            </a:r>
-            <a:r>
-              <a:rPr kumimoji="1" lang="en-US" altLang="zh-CN"/>
-              <a:t>api</a:t>
-            </a:r>
-            <a:r>
-              <a:rPr kumimoji="1" lang="zh-CN" altLang="en-US"/>
-              <a:t>&lt;/artifactId&gt;</a:t>
-            </a:r>
-            <a:endParaRPr kumimoji="1" lang="zh-CN" altLang="en-US"/>
-          </a:p>
-          <a:p>
-            <a:r>
-              <a:rPr kumimoji="1" lang="zh-CN" altLang="en-US"/>
-              <a:t>    &lt;version&gt;${</a:t>
-            </a:r>
-            <a:r>
-              <a:rPr kumimoji="1" lang="en-US" altLang="zh-CN"/>
-              <a:t>shenyu</a:t>
-            </a:r>
-            <a:r>
-              <a:rPr kumimoji="1" lang="zh-CN" altLang="en-US"/>
-              <a:t>.version}&lt;/version&gt;</a:t>
-            </a:r>
-            <a:endParaRPr kumimoji="1" lang="zh-CN" altLang="en-US"/>
-          </a:p>
-          <a:p>
-            <a:r>
-              <a:rPr kumimoji="1" lang="zh-CN" altLang="en-US"/>
-              <a:t>&lt;/dependency&gt;</a:t>
+              <a:t>https://shenyu.apache.org/docs/next/quick-start/quick-start-http</a:t>
             </a:r>
             <a:endParaRPr kumimoji="1" lang="zh-CN" altLang="en-US"/>
           </a:p>
         </p:txBody>
       </p:sp>
+      <p:pic>
+        <p:nvPicPr>
+          <p:cNvPr id="6" name="图片 5" descr="企业微信截图_cc8ea37d-550d-4f03-98a0-cb686028b503"/>
+          <p:cNvPicPr>
+            <a:picLocks noChangeAspect="1"/>
+          </p:cNvPicPr>
+          <p:nvPr/>
+        </p:nvPicPr>
+        <p:blipFill>
+          <a:blip r:embed="rId2"/>
+          <a:stretch>
+            <a:fillRect/>
+          </a:stretch>
+        </p:blipFill>
+        <p:spPr>
+          <a:xfrm>
+            <a:off x="1480185" y="3578225"/>
+            <a:ext cx="17846040" cy="8507095"/>
+          </a:xfrm>
+          <a:prstGeom prst="rect">
+            <a:avLst/>
+          </a:prstGeom>
+        </p:spPr>
+      </p:pic>
     </p:spTree>
   </p:cSld>
   <p:clrMapOvr>
@@ -9404,7 +10039,7 @@
         <p:spPr>
           <a:xfrm>
             <a:off x="1420495" y="1397000"/>
-            <a:ext cx="11299825" cy="1231900"/>
+            <a:ext cx="10525125" cy="1231900"/>
           </a:xfrm>
         </p:spPr>
         <p:txBody>
@@ -9412,17 +10047,10 @@
           <a:lstStyle/>
           <a:p>
             <a:r>
-              <a:rPr kumimoji="1" lang="en-US" altLang="zh-CN">
-                <a:sym typeface="+mn-ea"/>
-              </a:rPr>
-              <a:t>Step2: Implement the Java Part</a:t>
-            </a:r>
-            <a:endParaRPr kumimoji="1" lang="en-US" altLang="zh-CN">
-              <a:sym typeface="+mn-ea"/>
-            </a:endParaRPr>
-          </a:p>
-          <a:p>
-            <a:endParaRPr kumimoji="1" lang="zh-CN" altLang="en-US"/>
+              <a:rPr kumimoji="1" lang="en-US" altLang="zh-CN"/>
+              <a:t>Data Sync</a:t>
+            </a:r>
+            <a:endParaRPr kumimoji="1" lang="en-US" altLang="zh-CN"/>
           </a:p>
         </p:txBody>
       </p:sp>
@@ -9441,10 +10069,39 @@
           <a:bodyPr/>
           <a:lstStyle/>
           <a:p>
+            <a:r>
+              <a:rPr kumimoji="1" lang="zh-CN" altLang="en-US"/>
+              <a:t>https://shenyu.apache.org/docs/next/quick-start/quick-start-http</a:t>
+            </a:r>
             <a:endParaRPr kumimoji="1" lang="zh-CN" altLang="en-US"/>
           </a:p>
         </p:txBody>
       </p:sp>
+      <p:pic>
+        <p:nvPicPr>
+          <p:cNvPr id="6" name="图片 5" descr="/Users/admin/Desktop/shenyu-config-processor-en.pngshenyu-config-processor-en"/>
+          <p:cNvPicPr>
+            <a:picLocks noChangeAspect="1"/>
+          </p:cNvPicPr>
+          <p:nvPr/>
+        </p:nvPicPr>
+        <p:blipFill>
+          <a:blip r:embed="rId2"/>
+          <a:srcRect/>
+          <a:stretch>
+            <a:fillRect/>
+          </a:stretch>
+        </p:blipFill>
+        <p:spPr>
+          <a:xfrm>
+            <a:off x="1480185" y="3606800"/>
+            <a:ext cx="17846040" cy="8449945"/>
+          </a:xfrm>
+          <a:prstGeom prst="rect">
+            <a:avLst/>
+          </a:prstGeom>
+        </p:spPr>
+      </p:pic>
     </p:spTree>
   </p:cSld>
   <p:clrMapOvr>
@@ -9499,7 +10156,138 @@
           <a:bodyPr/>
           <a:lstStyle/>
           <a:p>
+            <a:r>
+              <a:rPr kumimoji="1" lang="en-US" altLang="zh-CN">
+                <a:sym typeface="+mn-ea"/>
+              </a:rPr>
+              <a:t>Deploy shenyu-bootstrap</a:t>
+            </a:r>
             <a:endParaRPr kumimoji="1" lang="zh-CN" altLang="en-US"/>
+          </a:p>
+        </p:txBody>
+      </p:sp>
+      <p:sp>
+        <p:nvSpPr>
+          <p:cNvPr id="3" name="文本占位符 2"/>
+          <p:cNvSpPr>
+            <a:spLocks noGrp="1"/>
+          </p:cNvSpPr>
+          <p:nvPr>
+            <p:ph type="body" sz="quarter" idx="22"/>
+          </p:nvPr>
+        </p:nvSpPr>
+        <p:spPr>
+          <a:xfrm>
+            <a:off x="17693005" y="4152900"/>
+            <a:ext cx="4945380" cy="5410200"/>
+          </a:xfrm>
+        </p:spPr>
+        <p:txBody>
+          <a:bodyPr/>
+          <a:lstStyle/>
+          <a:p>
+            <a:r>
+              <a:rPr kumimoji="1" lang="zh-CN" altLang="en-US">
+                <a:sym typeface="+mn-ea"/>
+              </a:rPr>
+              <a:t>https://shenyu.apache.org/docs/next/deployment/deployment-local</a:t>
+            </a:r>
+            <a:endParaRPr kumimoji="1" lang="en-US" altLang="zh-CN"/>
+          </a:p>
+        </p:txBody>
+      </p:sp>
+      <p:pic>
+        <p:nvPicPr>
+          <p:cNvPr id="4" name="Picture 3" descr="shenyu-architecture-3d"/>
+          <p:cNvPicPr>
+            <a:picLocks noChangeAspect="1"/>
+          </p:cNvPicPr>
+          <p:nvPr/>
+        </p:nvPicPr>
+        <p:blipFill>
+          <a:blip r:embed="rId2"/>
+          <a:stretch>
+            <a:fillRect/>
+          </a:stretch>
+        </p:blipFill>
+        <p:spPr>
+          <a:xfrm>
+            <a:off x="1420495" y="3578225"/>
+            <a:ext cx="15128240" cy="9058910"/>
+          </a:xfrm>
+          <a:prstGeom prst="rect">
+            <a:avLst/>
+          </a:prstGeom>
+        </p:spPr>
+      </p:pic>
+    </p:spTree>
+  </p:cSld>
+  <p:clrMapOvr>
+    <a:masterClrMapping/>
+  </p:clrMapOvr>
+</p:sld>
+</file>
+
+<file path=ppt/slides/slide27.xml><?xml version="1.0" encoding="utf-8"?>
+<p:sld xmlns:a="http://schemas.openxmlformats.org/drawingml/2006/main" xmlns:r="http://schemas.openxmlformats.org/officeDocument/2006/relationships" xmlns:p="http://schemas.openxmlformats.org/presentationml/2006/main">
+  <p:cSld>
+    <p:bg>
+      <p:bgPr>
+        <a:blipFill dpi="0" rotWithShape="1">
+          <a:blip r:embed="rId1">
+            <a:lum/>
+          </a:blip>
+          <a:srcRect/>
+          <a:stretch>
+            <a:fillRect/>
+          </a:stretch>
+        </a:blipFill>
+        <a:effectLst/>
+      </p:bgPr>
+    </p:bg>
+    <p:spTree>
+      <p:nvGrpSpPr>
+        <p:cNvPr id="1" name=""/>
+        <p:cNvGrpSpPr/>
+        <p:nvPr/>
+      </p:nvGrpSpPr>
+      <p:grpSpPr>
+        <a:xfrm>
+          <a:off x="0" y="0"/>
+          <a:ext cx="0" cy="0"/>
+          <a:chOff x="0" y="0"/>
+          <a:chExt cx="0" cy="0"/>
+        </a:xfrm>
+      </p:grpSpPr>
+      <p:sp>
+        <p:nvSpPr>
+          <p:cNvPr id="2" name="文本占位符 1"/>
+          <p:cNvSpPr>
+            <a:spLocks noGrp="1"/>
+          </p:cNvSpPr>
+          <p:nvPr>
+            <p:ph type="body" sz="quarter" idx="21"/>
+          </p:nvPr>
+        </p:nvSpPr>
+        <p:spPr>
+          <a:xfrm>
+            <a:off x="1420495" y="1397000"/>
+            <a:ext cx="10433685" cy="1231900"/>
+          </a:xfrm>
+        </p:spPr>
+        <p:txBody>
+          <a:bodyPr/>
+          <a:lstStyle/>
+          <a:p>
+            <a:r>
+              <a:rPr kumimoji="1" lang="en-US" altLang="zh-CN">
+                <a:sym typeface="+mn-ea"/>
+              </a:rPr>
+              <a:t>Runtime in shenyu-bootstrap</a:t>
+            </a:r>
+            <a:endParaRPr kumimoji="1" lang="en-US" altLang="zh-CN">
+              <a:sym typeface="+mn-ea"/>
+            </a:endParaRPr>
           </a:p>
         </p:txBody>
       </p:sp>
@@ -9522,6 +10310,55 @@
           </a:p>
         </p:txBody>
       </p:sp>
+      <p:pic>
+        <p:nvPicPr>
+          <p:cNvPr id="4" name="图片 3" descr="plugin-chain-execute-en"/>
+          <p:cNvPicPr>
+            <a:picLocks noChangeAspect="1"/>
+          </p:cNvPicPr>
+          <p:nvPr/>
+        </p:nvPicPr>
+        <p:blipFill>
+          <a:blip r:embed="rId2"/>
+          <a:srcRect l="14351" t="3905" r="8284" b="7030"/>
+          <a:stretch>
+            <a:fillRect/>
+          </a:stretch>
+        </p:blipFill>
+        <p:spPr>
+          <a:xfrm>
+            <a:off x="1480185" y="3578225"/>
+            <a:ext cx="6404610" cy="7820025"/>
+          </a:xfrm>
+          <a:prstGeom prst="rect">
+            <a:avLst/>
+          </a:prstGeom>
+        </p:spPr>
+      </p:pic>
+      <p:pic>
+        <p:nvPicPr>
+          <p:cNvPr id="6" name="图片 5" descr="flow-condition"/>
+          <p:cNvPicPr>
+            <a:picLocks noChangeAspect="1"/>
+          </p:cNvPicPr>
+          <p:nvPr/>
+        </p:nvPicPr>
+        <p:blipFill>
+          <a:blip r:embed="rId3"/>
+          <a:stretch>
+            <a:fillRect/>
+          </a:stretch>
+        </p:blipFill>
+        <p:spPr>
+          <a:xfrm>
+            <a:off x="9118600" y="3578225"/>
+            <a:ext cx="12864465" cy="7199630"/>
+          </a:xfrm>
+          <a:prstGeom prst="rect">
+            <a:avLst/>
+          </a:prstGeom>
+        </p:spPr>
+      </p:pic>
     </p:spTree>
   </p:cSld>
   <p:clrMapOvr>
@@ -9530,7 +10367,115 @@
 </p:sld>
 </file>
 
-<file path=ppt/slides/slide27.xml><?xml version="1.0" encoding="utf-8"?>
+<file path=ppt/slides/slide28.xml><?xml version="1.0" encoding="utf-8"?>
+<p:sld xmlns:a="http://schemas.openxmlformats.org/drawingml/2006/main" xmlns:r="http://schemas.openxmlformats.org/officeDocument/2006/relationships" xmlns:p="http://schemas.openxmlformats.org/presentationml/2006/main">
+  <p:cSld>
+    <p:bg>
+      <p:bgPr>
+        <a:blipFill dpi="0" rotWithShape="1">
+          <a:blip r:embed="rId1">
+            <a:lum/>
+          </a:blip>
+          <a:srcRect/>
+          <a:stretch>
+            <a:fillRect/>
+          </a:stretch>
+        </a:blipFill>
+        <a:effectLst/>
+      </p:bgPr>
+    </p:bg>
+    <p:spTree>
+      <p:nvGrpSpPr>
+        <p:cNvPr id="1" name=""/>
+        <p:cNvGrpSpPr/>
+        <p:nvPr/>
+      </p:nvGrpSpPr>
+      <p:grpSpPr>
+        <a:xfrm>
+          <a:off x="0" y="0"/>
+          <a:ext cx="0" cy="0"/>
+          <a:chOff x="0" y="0"/>
+          <a:chExt cx="0" cy="0"/>
+        </a:xfrm>
+      </p:grpSpPr>
+      <p:sp>
+        <p:nvSpPr>
+          <p:cNvPr id="2" name="文本占位符 1"/>
+          <p:cNvSpPr>
+            <a:spLocks noGrp="1"/>
+          </p:cNvSpPr>
+          <p:nvPr>
+            <p:ph type="body" sz="quarter" idx="21"/>
+          </p:nvPr>
+        </p:nvSpPr>
+        <p:spPr>
+          <a:xfrm>
+            <a:off x="1420495" y="1397000"/>
+            <a:ext cx="10640695" cy="1231900"/>
+          </a:xfrm>
+        </p:spPr>
+        <p:txBody>
+          <a:bodyPr/>
+          <a:lstStyle/>
+          <a:p>
+            <a:r>
+              <a:rPr kumimoji="1" lang="en-US" altLang="zh-CN">
+                <a:sym typeface="+mn-ea"/>
+              </a:rPr>
+              <a:t>Collaboration between Plugins</a:t>
+            </a:r>
+            <a:endParaRPr kumimoji="1" lang="en-US" altLang="zh-CN">
+              <a:sym typeface="+mn-ea"/>
+            </a:endParaRPr>
+          </a:p>
+        </p:txBody>
+      </p:sp>
+      <p:sp>
+        <p:nvSpPr>
+          <p:cNvPr id="3" name="文本占位符 2"/>
+          <p:cNvSpPr>
+            <a:spLocks noGrp="1"/>
+          </p:cNvSpPr>
+          <p:nvPr>
+            <p:ph type="body" sz="quarter" idx="22"/>
+          </p:nvPr>
+        </p:nvSpPr>
+        <p:spPr/>
+        <p:txBody>
+          <a:bodyPr/>
+          <a:lstStyle/>
+          <a:p>
+            <a:r>
+              <a:rPr kumimoji="1" lang="en-US" altLang="zh-CN"/>
+              <a:t>GlobalPlugin</a:t>
+            </a:r>
+            <a:endParaRPr kumimoji="1" lang="en-US" altLang="zh-CN"/>
+          </a:p>
+          <a:p>
+            <a:r>
+              <a:rPr kumimoji="1" lang="en-US" altLang="zh-CN"/>
+              <a:t>DividePlugin</a:t>
+            </a:r>
+            <a:endParaRPr kumimoji="1" lang="en-US" altLang="zh-CN"/>
+          </a:p>
+          <a:p>
+            <a:r>
+              <a:rPr kumimoji="1" lang="en-US" altLang="zh-CN"/>
+              <a:t>NettyHttpClientPlugin</a:t>
+            </a:r>
+            <a:endParaRPr kumimoji="1" lang="en-US" altLang="zh-CN"/>
+          </a:p>
+        </p:txBody>
+      </p:sp>
+    </p:spTree>
+  </p:cSld>
+  <p:clrMapOvr>
+    <a:masterClrMapping/>
+  </p:clrMapOvr>
+</p:sld>
+</file>
+
+<file path=ppt/slides/slide29.xml><?xml version="1.0" encoding="utf-8"?>
 <p:sld xmlns:a="http://schemas.openxmlformats.org/drawingml/2006/main" xmlns:r="http://schemas.openxmlformats.org/officeDocument/2006/relationships" xmlns:p="http://schemas.openxmlformats.org/presentationml/2006/main">
   <p:cSld>
     <p:spTree>
@@ -9610,476 +10555,15 @@
               </a:defRPr>
             </a:pPr>
             <a:r>
-              <a:rPr lang="en-US" altLang="en-GB" sz="9600">
+              <a:rPr lang="en-US" altLang="zh-CN" sz="9600">
+                <a:latin typeface="OPPOSans R" pitchFamily="18" charset="-122"/>
+                <a:ea typeface="OPPOSans R" pitchFamily="18" charset="-122"/>
+                <a:cs typeface="OPPOSans R" pitchFamily="18" charset="-122"/>
                 <a:sym typeface="+mn-ea"/>
               </a:rPr>
-              <a:t>Question&amp;Answer</a:t>
-            </a:r>
-            <a:endParaRPr lang="en-GB" altLang="zh-CN" sz="9600" dirty="0"/>
-          </a:p>
-        </p:txBody>
-      </p:sp>
-    </p:spTree>
-  </p:cSld>
-  <p:clrMapOvr>
-    <a:masterClrMapping/>
-  </p:clrMapOvr>
-</p:sld>
-</file>
-
-<file path=ppt/slides/slide28.xml><?xml version="1.0" encoding="utf-8"?>
-<p:sld xmlns:a="http://schemas.openxmlformats.org/drawingml/2006/main" xmlns:r="http://schemas.openxmlformats.org/officeDocument/2006/relationships" xmlns:p="http://schemas.openxmlformats.org/presentationml/2006/main">
-  <p:cSld>
-    <p:bg>
-      <p:bgPr>
-        <a:blipFill dpi="0" rotWithShape="1">
-          <a:blip r:embed="rId1">
-            <a:lum/>
-          </a:blip>
-          <a:srcRect/>
-          <a:stretch>
-            <a:fillRect/>
-          </a:stretch>
-        </a:blipFill>
-        <a:effectLst/>
-      </p:bgPr>
-    </p:bg>
-    <p:spTree>
-      <p:nvGrpSpPr>
-        <p:cNvPr id="1" name=""/>
-        <p:cNvGrpSpPr/>
-        <p:nvPr/>
-      </p:nvGrpSpPr>
-      <p:grpSpPr>
-        <a:xfrm>
-          <a:off x="0" y="0"/>
-          <a:ext cx="0" cy="0"/>
-          <a:chOff x="0" y="0"/>
-          <a:chExt cx="0" cy="0"/>
-        </a:xfrm>
-      </p:grpSpPr>
-      <p:sp>
-        <p:nvSpPr>
-          <p:cNvPr id="2" name="文本占位符 1"/>
-          <p:cNvSpPr>
-            <a:spLocks noGrp="1"/>
-          </p:cNvSpPr>
-          <p:nvPr>
-            <p:ph type="body" sz="quarter" idx="21"/>
-          </p:nvPr>
-        </p:nvSpPr>
-        <p:spPr/>
-        <p:txBody>
-          <a:bodyPr/>
-          <a:lstStyle/>
-          <a:p>
-            <a:r>
-              <a:rPr lang="en-US" altLang="en-GB">
-                <a:sym typeface="+mn-ea"/>
-              </a:rPr>
-              <a:t>Question&amp;Answer</a:t>
-            </a:r>
-            <a:endParaRPr kumimoji="1" lang="zh-CN" altLang="en-US"/>
-          </a:p>
-        </p:txBody>
-      </p:sp>
-      <p:sp>
-        <p:nvSpPr>
-          <p:cNvPr id="3" name="文本占位符 2"/>
-          <p:cNvSpPr>
-            <a:spLocks noGrp="1"/>
-          </p:cNvSpPr>
-          <p:nvPr>
-            <p:ph type="body" sz="quarter" idx="22"/>
-          </p:nvPr>
-        </p:nvSpPr>
-        <p:spPr/>
-        <p:txBody>
-          <a:bodyPr/>
-          <a:lstStyle/>
-          <a:p>
-            <a:r>
-              <a:rPr kumimoji="1" lang="en-US" altLang="zh-CN"/>
-              <a:t>The friendship project link is as follows:</a:t>
-            </a:r>
-            <a:endParaRPr kumimoji="1" lang="en-US" altLang="zh-CN"/>
-          </a:p>
-          <a:p>
-            <a:r>
-              <a:rPr kumimoji="1" lang="en-US" altLang="zh-CN"/>
-              <a:t>https://github.com/acl-dev/open-coroutine</a:t>
-            </a:r>
-            <a:endParaRPr kumimoji="1" lang="en-US" altLang="zh-CN"/>
-          </a:p>
-          <a:p>
-            <a:r>
-              <a:rPr kumimoji="1" lang="en-US" altLang="zh-CN"/>
-              <a:t>https://github.com/acl-dev/acl</a:t>
-            </a:r>
-            <a:endParaRPr kumimoji="1" lang="en-US" altLang="zh-CN"/>
-          </a:p>
-          <a:p>
-            <a:r>
-              <a:rPr kumimoji="1" lang="en-US" altLang="zh-CN"/>
-              <a:t>https://github.com/alibaba/arthas</a:t>
-            </a:r>
-            <a:endParaRPr kumimoji="1" lang="en-US" altLang="zh-CN"/>
-          </a:p>
-          <a:p>
-            <a:r>
-              <a:rPr kumimoji="1" lang="en-US" altLang="zh-CN">
-                <a:sym typeface="+mn-ea"/>
-              </a:rPr>
-              <a:t>https://github.com/bytedance/monoio</a:t>
-            </a:r>
-            <a:endParaRPr kumimoji="1" lang="en-US" altLang="zh-CN">
-              <a:sym typeface="+mn-ea"/>
-            </a:endParaRPr>
-          </a:p>
-          <a:p>
-            <a:r>
-              <a:rPr kumimoji="1" lang="en-US" altLang="zh-CN">
-                <a:sym typeface="+mn-ea"/>
-              </a:rPr>
-              <a:t>https://github.com/dromara/dynamic-tp</a:t>
-            </a:r>
-            <a:endParaRPr kumimoji="1" lang="en-US" altLang="zh-CN"/>
-          </a:p>
-          <a:p>
-            <a:r>
-              <a:rPr kumimoji="1" lang="en-US" altLang="zh-CN"/>
-              <a:t>https://github.com/apache/dubbo-spi-extensions</a:t>
-            </a:r>
-            <a:endParaRPr kumimoji="1" lang="en-US" altLang="zh-CN"/>
-          </a:p>
-        </p:txBody>
-      </p:sp>
-    </p:spTree>
-  </p:cSld>
-  <p:clrMapOvr>
-    <a:masterClrMapping/>
-  </p:clrMapOvr>
-</p:sld>
-</file>
-
-<file path=ppt/slides/slide29.xml><?xml version="1.0" encoding="utf-8"?>
-<p:sld xmlns:a="http://schemas.openxmlformats.org/drawingml/2006/main" xmlns:r="http://schemas.openxmlformats.org/officeDocument/2006/relationships" xmlns:p="http://schemas.openxmlformats.org/presentationml/2006/main">
-  <p:cSld>
-    <p:spTree>
-      <p:nvGrpSpPr>
-        <p:cNvPr id="1" name=""/>
-        <p:cNvGrpSpPr/>
-        <p:nvPr/>
-      </p:nvGrpSpPr>
-      <p:grpSpPr>
-        <a:xfrm>
-          <a:off x="0" y="0"/>
-          <a:ext cx="0" cy="0"/>
-          <a:chOff x="0" y="0"/>
-          <a:chExt cx="0" cy="0"/>
-        </a:xfrm>
-      </p:grpSpPr>
-      <p:sp>
-        <p:nvSpPr>
-          <p:cNvPr id="8" name="嘉宾姓名 / Title"/>
-          <p:cNvSpPr txBox="1"/>
-          <p:nvPr/>
-        </p:nvSpPr>
-        <p:spPr>
-          <a:xfrm>
-            <a:off x="1750490" y="7953360"/>
-            <a:ext cx="20957109" cy="729770"/>
-          </a:xfrm>
-          <a:prstGeom prst="rect">
-            <a:avLst/>
-          </a:prstGeom>
-        </p:spPr>
-        <p:txBody>
-          <a:bodyPr lIns="45719" tIns="45719" rIns="45719" bIns="45719" anchor="ctr">
-            <a:noAutofit/>
-          </a:bodyPr>
-          <a:lstStyle>
-            <a:lvl1pPr marL="228600" indent="-228600" algn="l" defTabSz="2438400" rtl="0" eaLnBrk="1" latinLnBrk="0" hangingPunct="1">
-              <a:lnSpc>
-                <a:spcPct val="90000"/>
-              </a:lnSpc>
-              <a:spcBef>
-                <a:spcPts val="1000"/>
-              </a:spcBef>
-              <a:buFont typeface="Arial" panose="020B0604020202090204" pitchFamily="34" charset="0"/>
-              <a:buChar char="•"/>
-              <a:defRPr sz="3200" b="0" i="0" kern="1200" spc="64">
-                <a:solidFill>
-                  <a:srgbClr val="FFFFFF"/>
-                </a:solidFill>
-                <a:latin typeface="OPPOSans L" pitchFamily="18" charset="-122"/>
-                <a:ea typeface="OPPOSans L" pitchFamily="18" charset="-122"/>
-                <a:cs typeface="OPPOSans L" pitchFamily="18" charset="-122"/>
-                <a:sym typeface="OPPOSans L"/>
-              </a:defRPr>
-            </a:lvl1pPr>
-            <a:lvl2pPr marL="685800" indent="-228600" algn="l" defTabSz="914400" rtl="0" eaLnBrk="1" latinLnBrk="0" hangingPunct="1">
-              <a:lnSpc>
-                <a:spcPct val="90000"/>
-              </a:lnSpc>
-              <a:spcBef>
-                <a:spcPts val="500"/>
-              </a:spcBef>
-              <a:buFont typeface="Arial" panose="020B0604020202090204" pitchFamily="34" charset="0"/>
-              <a:buChar char="•"/>
-              <a:defRPr sz="2400" kern="1200">
-                <a:solidFill>
-                  <a:schemeClr val="tx1"/>
-                </a:solidFill>
-                <a:latin typeface="+mn-lt"/>
-                <a:ea typeface="+mn-ea"/>
-                <a:cs typeface="+mn-cs"/>
-              </a:defRPr>
-            </a:lvl2pPr>
-            <a:lvl3pPr marL="1143000" indent="-228600" algn="l" defTabSz="914400" rtl="0" eaLnBrk="1" latinLnBrk="0" hangingPunct="1">
-              <a:lnSpc>
-                <a:spcPct val="90000"/>
-              </a:lnSpc>
-              <a:spcBef>
-                <a:spcPts val="500"/>
-              </a:spcBef>
-              <a:buFont typeface="Arial" panose="020B0604020202090204" pitchFamily="34" charset="0"/>
-              <a:buChar char="•"/>
-              <a:defRPr sz="2000" kern="1200">
-                <a:solidFill>
-                  <a:schemeClr val="tx1"/>
-                </a:solidFill>
-                <a:latin typeface="+mn-lt"/>
-                <a:ea typeface="+mn-ea"/>
-                <a:cs typeface="+mn-cs"/>
-              </a:defRPr>
-            </a:lvl3pPr>
-            <a:lvl4pPr marL="1600200" indent="-228600" algn="l" defTabSz="914400" rtl="0" eaLnBrk="1" latinLnBrk="0" hangingPunct="1">
-              <a:lnSpc>
-                <a:spcPct val="90000"/>
-              </a:lnSpc>
-              <a:spcBef>
-                <a:spcPts val="500"/>
-              </a:spcBef>
-              <a:buFont typeface="Arial" panose="020B0604020202090204" pitchFamily="34" charset="0"/>
-              <a:buChar char="•"/>
-              <a:defRPr sz="1800" kern="1200">
-                <a:solidFill>
-                  <a:schemeClr val="tx1"/>
-                </a:solidFill>
-                <a:latin typeface="+mn-lt"/>
-                <a:ea typeface="+mn-ea"/>
-                <a:cs typeface="+mn-cs"/>
-              </a:defRPr>
-            </a:lvl4pPr>
-            <a:lvl5pPr marL="2057400" indent="-228600" algn="l" defTabSz="914400" rtl="0" eaLnBrk="1" latinLnBrk="0" hangingPunct="1">
-              <a:lnSpc>
-                <a:spcPct val="90000"/>
-              </a:lnSpc>
-              <a:spcBef>
-                <a:spcPts val="500"/>
-              </a:spcBef>
-              <a:buFont typeface="Arial" panose="020B0604020202090204" pitchFamily="34" charset="0"/>
-              <a:buChar char="•"/>
-              <a:defRPr sz="1800" kern="1200">
-                <a:solidFill>
-                  <a:schemeClr val="tx1"/>
-                </a:solidFill>
-                <a:latin typeface="+mn-lt"/>
-                <a:ea typeface="+mn-ea"/>
-                <a:cs typeface="+mn-cs"/>
-              </a:defRPr>
-            </a:lvl5pPr>
-            <a:lvl6pPr marL="2514600" indent="-228600" algn="l" defTabSz="914400" rtl="0" eaLnBrk="1" latinLnBrk="0" hangingPunct="1">
-              <a:lnSpc>
-                <a:spcPct val="90000"/>
-              </a:lnSpc>
-              <a:spcBef>
-                <a:spcPts val="500"/>
-              </a:spcBef>
-              <a:buFont typeface="Arial" panose="020B0604020202090204" pitchFamily="34" charset="0"/>
-              <a:buChar char="•"/>
-              <a:defRPr sz="1800" kern="1200">
-                <a:solidFill>
-                  <a:schemeClr val="tx1"/>
-                </a:solidFill>
-                <a:latin typeface="+mn-lt"/>
-                <a:ea typeface="+mn-ea"/>
-                <a:cs typeface="+mn-cs"/>
-              </a:defRPr>
-            </a:lvl6pPr>
-            <a:lvl7pPr marL="2971800" indent="-228600" algn="l" defTabSz="914400" rtl="0" eaLnBrk="1" latinLnBrk="0" hangingPunct="1">
-              <a:lnSpc>
-                <a:spcPct val="90000"/>
-              </a:lnSpc>
-              <a:spcBef>
-                <a:spcPts val="500"/>
-              </a:spcBef>
-              <a:buFont typeface="Arial" panose="020B0604020202090204" pitchFamily="34" charset="0"/>
-              <a:buChar char="•"/>
-              <a:defRPr sz="1800" kern="1200">
-                <a:solidFill>
-                  <a:schemeClr val="tx1"/>
-                </a:solidFill>
-                <a:latin typeface="+mn-lt"/>
-                <a:ea typeface="+mn-ea"/>
-                <a:cs typeface="+mn-cs"/>
-              </a:defRPr>
-            </a:lvl7pPr>
-            <a:lvl8pPr marL="3429000" indent="-228600" algn="l" defTabSz="914400" rtl="0" eaLnBrk="1" latinLnBrk="0" hangingPunct="1">
-              <a:lnSpc>
-                <a:spcPct val="90000"/>
-              </a:lnSpc>
-              <a:spcBef>
-                <a:spcPts val="500"/>
-              </a:spcBef>
-              <a:buFont typeface="Arial" panose="020B0604020202090204" pitchFamily="34" charset="0"/>
-              <a:buChar char="•"/>
-              <a:defRPr sz="1800" kern="1200">
-                <a:solidFill>
-                  <a:schemeClr val="tx1"/>
-                </a:solidFill>
-                <a:latin typeface="+mn-lt"/>
-                <a:ea typeface="+mn-ea"/>
-                <a:cs typeface="+mn-cs"/>
-              </a:defRPr>
-            </a:lvl8pPr>
-            <a:lvl9pPr marL="3886200" indent="-228600" algn="l" defTabSz="914400" rtl="0" eaLnBrk="1" latinLnBrk="0" hangingPunct="1">
-              <a:lnSpc>
-                <a:spcPct val="90000"/>
-              </a:lnSpc>
-              <a:spcBef>
-                <a:spcPts val="500"/>
-              </a:spcBef>
-              <a:buFont typeface="Arial" panose="020B0604020202090204" pitchFamily="34" charset="0"/>
-              <a:buChar char="•"/>
-              <a:defRPr sz="1800" kern="1200">
-                <a:solidFill>
-                  <a:schemeClr val="tx1"/>
-                </a:solidFill>
-                <a:latin typeface="+mn-lt"/>
-                <a:ea typeface="+mn-ea"/>
-                <a:cs typeface="+mn-cs"/>
-              </a:defRPr>
-            </a:lvl9pPr>
-          </a:lstStyle>
-          <a:p>
-            <a:pPr marL="0" indent="0" algn="ctr">
-              <a:buNone/>
-            </a:pPr>
-            <a:r>
-              <a:rPr lang="en-US" altLang="en-GB" sz="4400" dirty="0" err="1">
-                <a:solidFill>
-                  <a:srgbClr val="EB9E43"/>
-                </a:solidFill>
-                <a:latin typeface="OPPOSans M" pitchFamily="18" charset="-122"/>
-                <a:ea typeface="OPPOSans M" pitchFamily="18" charset="-122"/>
-                <a:cs typeface="OPPOSans M" pitchFamily="18" charset="-122"/>
-              </a:rPr>
-              <a:t>zhangzicheng@apache.org</a:t>
-            </a:r>
-            <a:endParaRPr lang="en-US" altLang="en-GB" sz="4400" dirty="0" err="1">
-              <a:solidFill>
-                <a:srgbClr val="EB9E43"/>
-              </a:solidFill>
-              <a:latin typeface="OPPOSans M" pitchFamily="18" charset="-122"/>
-              <a:ea typeface="OPPOSans M" pitchFamily="18" charset="-122"/>
-              <a:cs typeface="OPPOSans M" pitchFamily="18" charset="-122"/>
-            </a:endParaRPr>
-          </a:p>
-          <a:p>
-            <a:pPr marL="0" indent="0" algn="ctr">
-              <a:buNone/>
-            </a:pPr>
-            <a:r>
-              <a:rPr lang="en-US" altLang="en-GB" sz="4400" dirty="0" err="1">
-                <a:solidFill>
-                  <a:srgbClr val="EB9E43"/>
-                </a:solidFill>
-                <a:latin typeface="OPPOSans M" pitchFamily="18" charset="-122"/>
-                <a:ea typeface="OPPOSans M" pitchFamily="18" charset="-122"/>
-                <a:cs typeface="OPPOSans M" pitchFamily="18" charset="-122"/>
-              </a:rPr>
-              <a:t>https://github.com/loongs-zhang/ACOCA2024-PlayWithWASM</a:t>
-            </a:r>
-            <a:endParaRPr lang="en-US" altLang="en-GB" sz="4400" dirty="0" err="1">
-              <a:solidFill>
-                <a:srgbClr val="EB9E43"/>
-              </a:solidFill>
-              <a:latin typeface="OPPOSans M" pitchFamily="18" charset="-122"/>
-              <a:ea typeface="OPPOSans M" pitchFamily="18" charset="-122"/>
-              <a:cs typeface="OPPOSans M" pitchFamily="18" charset="-122"/>
-            </a:endParaRPr>
-          </a:p>
-        </p:txBody>
-      </p:sp>
-      <p:sp>
-        <p:nvSpPr>
-          <p:cNvPr id="9" name="标题占位符 16"/>
-          <p:cNvSpPr txBox="1"/>
-          <p:nvPr/>
-        </p:nvSpPr>
-        <p:spPr>
-          <a:xfrm>
-            <a:off x="1750489" y="4437077"/>
-            <a:ext cx="20957109" cy="2651125"/>
-          </a:xfrm>
-          <a:prstGeom prst="rect">
-            <a:avLst/>
-          </a:prstGeom>
-        </p:spPr>
-        <p:txBody>
-          <a:bodyPr vert="horz" lIns="91440" tIns="45720" rIns="91440" bIns="45720" rtlCol="0" anchor="ctr">
-            <a:normAutofit/>
-          </a:bodyPr>
-          <a:lstStyle>
-            <a:lvl1pPr marL="0" marR="0" indent="0" algn="ctr" defTabSz="2438400" rtl="0" eaLnBrk="1" fontAlgn="auto" latinLnBrk="0" hangingPunct="1">
-              <a:lnSpc>
-                <a:spcPct val="110000"/>
-              </a:lnSpc>
-              <a:spcBef>
-                <a:spcPts val="0"/>
-              </a:spcBef>
-              <a:spcAft>
-                <a:spcPts val="0"/>
-              </a:spcAft>
-              <a:buClrTx/>
-              <a:buSzTx/>
-              <a:buFontTx/>
-              <a:buNone/>
-              <a:defRPr kumimoji="0" lang="zh-CN" altLang="en-US" sz="8000" b="0" i="0" u="none" strike="noStrike" kern="0" cap="none" spc="0" normalizeH="0" baseline="0" dirty="0">
-                <a:ln>
-                  <a:noFill/>
-                </a:ln>
-                <a:solidFill>
-                  <a:srgbClr val="FFFFFF"/>
-                </a:solidFill>
-                <a:effectLst/>
-                <a:uFillTx/>
-                <a:latin typeface="OPPOSans H"/>
-                <a:ea typeface="OPPOSans H"/>
-                <a:cs typeface="OPPOSans H"/>
-                <a:sym typeface="OPPOSans H"/>
-              </a:defRPr>
-            </a:lvl1pPr>
-          </a:lstStyle>
-          <a:p>
-            <a:pPr>
-              <a:defRPr sz="8000" b="0">
-                <a:solidFill>
-                  <a:srgbClr val="FFFFFF"/>
-                </a:solidFill>
-                <a:latin typeface="OPPOSans H"/>
-                <a:ea typeface="OPPOSans H"/>
-                <a:cs typeface="OPPOSans H"/>
-                <a:sym typeface="OPPOSans H"/>
-              </a:defRPr>
-            </a:pPr>
-            <a:r>
-              <a:rPr lang="en-GB" altLang="zh-CN" sz="9600" dirty="0"/>
-              <a:t>Thanks</a:t>
-            </a:r>
-            <a:endParaRPr lang="en-GB" altLang="zh-CN" sz="9600" dirty="0"/>
+              <a:t>Extention</a:t>
+            </a:r>
+            <a:endParaRPr lang="en-US" altLang="en-GB" sz="9600" dirty="0"/>
           </a:p>
         </p:txBody>
       </p:sp>
@@ -10135,7 +10619,7 @@
               <a:spcBef>
                 <a:spcPts val="1000"/>
               </a:spcBef>
-              <a:buFont typeface="Arial" panose="020B0604020202090204" pitchFamily="34" charset="0"/>
+              <a:buFont typeface="Arial" panose="020B0604020202020204" pitchFamily="34" charset="0"/>
               <a:buChar char="•"/>
               <a:defRPr sz="3200" b="0" i="0" kern="1200" spc="64">
                 <a:solidFill>
@@ -10154,7 +10638,7 @@
               <a:spcBef>
                 <a:spcPts val="500"/>
               </a:spcBef>
-              <a:buFont typeface="Arial" panose="020B0604020202090204" pitchFamily="34" charset="0"/>
+              <a:buFont typeface="Arial" panose="020B0604020202020204" pitchFamily="34" charset="0"/>
               <a:buChar char="•"/>
               <a:defRPr sz="2400" kern="1200">
                 <a:solidFill>
@@ -10172,7 +10656,7 @@
               <a:spcBef>
                 <a:spcPts val="500"/>
               </a:spcBef>
-              <a:buFont typeface="Arial" panose="020B0604020202090204" pitchFamily="34" charset="0"/>
+              <a:buFont typeface="Arial" panose="020B0604020202020204" pitchFamily="34" charset="0"/>
               <a:buChar char="•"/>
               <a:defRPr sz="2000" kern="1200">
                 <a:solidFill>
@@ -10190,7 +10674,7 @@
               <a:spcBef>
                 <a:spcPts val="500"/>
               </a:spcBef>
-              <a:buFont typeface="Arial" panose="020B0604020202090204" pitchFamily="34" charset="0"/>
+              <a:buFont typeface="Arial" panose="020B0604020202020204" pitchFamily="34" charset="0"/>
               <a:buChar char="•"/>
               <a:defRPr sz="1800" kern="1200">
                 <a:solidFill>
@@ -10208,7 +10692,7 @@
               <a:spcBef>
                 <a:spcPts val="500"/>
               </a:spcBef>
-              <a:buFont typeface="Arial" panose="020B0604020202090204" pitchFamily="34" charset="0"/>
+              <a:buFont typeface="Arial" panose="020B0604020202020204" pitchFamily="34" charset="0"/>
               <a:buChar char="•"/>
               <a:defRPr sz="1800" kern="1200">
                 <a:solidFill>
@@ -10226,7 +10710,7 @@
               <a:spcBef>
                 <a:spcPts val="500"/>
               </a:spcBef>
-              <a:buFont typeface="Arial" panose="020B0604020202090204" pitchFamily="34" charset="0"/>
+              <a:buFont typeface="Arial" panose="020B0604020202020204" pitchFamily="34" charset="0"/>
               <a:buChar char="•"/>
               <a:defRPr sz="1800" kern="1200">
                 <a:solidFill>
@@ -10244,7 +10728,7 @@
               <a:spcBef>
                 <a:spcPts val="500"/>
               </a:spcBef>
-              <a:buFont typeface="Arial" panose="020B0604020202090204" pitchFamily="34" charset="0"/>
+              <a:buFont typeface="Arial" panose="020B0604020202020204" pitchFamily="34" charset="0"/>
               <a:buChar char="•"/>
               <a:defRPr sz="1800" kern="1200">
                 <a:solidFill>
@@ -10262,7 +10746,7 @@
               <a:spcBef>
                 <a:spcPts val="500"/>
               </a:spcBef>
-              <a:buFont typeface="Arial" panose="020B0604020202090204" pitchFamily="34" charset="0"/>
+              <a:buFont typeface="Arial" panose="020B0604020202020204" pitchFamily="34" charset="0"/>
               <a:buChar char="•"/>
               <a:defRPr sz="1800" kern="1200">
                 <a:solidFill>
@@ -10280,7 +10764,7 @@
               <a:spcBef>
                 <a:spcPts val="500"/>
               </a:spcBef>
-              <a:buFont typeface="Arial" panose="020B0604020202090204" pitchFamily="34" charset="0"/>
+              <a:buFont typeface="Arial" panose="020B0604020202020204" pitchFamily="34" charset="0"/>
               <a:buChar char="•"/>
               <a:defRPr sz="1800" kern="1200">
                 <a:solidFill>
@@ -10385,6 +10869,957 @@
                 <a:sym typeface="+mn-ea"/>
               </a:rPr>
               <a:t>Introduction</a:t>
+            </a:r>
+            <a:endParaRPr lang="en-GB" altLang="zh-CN" sz="9600" dirty="0"/>
+          </a:p>
+        </p:txBody>
+      </p:sp>
+    </p:spTree>
+  </p:cSld>
+  <p:clrMapOvr>
+    <a:masterClrMapping/>
+  </p:clrMapOvr>
+</p:sld>
+</file>
+
+<file path=ppt/slides/slide30.xml><?xml version="1.0" encoding="utf-8"?>
+<p:sld xmlns:a="http://schemas.openxmlformats.org/drawingml/2006/main" xmlns:r="http://schemas.openxmlformats.org/officeDocument/2006/relationships" xmlns:p="http://schemas.openxmlformats.org/presentationml/2006/main">
+  <p:cSld>
+    <p:bg>
+      <p:bgPr>
+        <a:blipFill dpi="0" rotWithShape="1">
+          <a:blip r:embed="rId1">
+            <a:lum/>
+          </a:blip>
+          <a:srcRect/>
+          <a:stretch>
+            <a:fillRect/>
+          </a:stretch>
+        </a:blipFill>
+        <a:effectLst/>
+      </p:bgPr>
+    </p:bg>
+    <p:spTree>
+      <p:nvGrpSpPr>
+        <p:cNvPr id="1" name=""/>
+        <p:cNvGrpSpPr/>
+        <p:nvPr/>
+      </p:nvGrpSpPr>
+      <p:grpSpPr>
+        <a:xfrm>
+          <a:off x="0" y="0"/>
+          <a:ext cx="0" cy="0"/>
+          <a:chOff x="0" y="0"/>
+          <a:chExt cx="0" cy="0"/>
+        </a:xfrm>
+      </p:grpSpPr>
+      <p:sp>
+        <p:nvSpPr>
+          <p:cNvPr id="2" name="文本占位符 1"/>
+          <p:cNvSpPr>
+            <a:spLocks noGrp="1"/>
+          </p:cNvSpPr>
+          <p:nvPr>
+            <p:ph type="body" sz="quarter" idx="21"/>
+          </p:nvPr>
+        </p:nvSpPr>
+        <p:spPr/>
+        <p:txBody>
+          <a:bodyPr/>
+          <a:lstStyle/>
+          <a:p>
+            <a:endParaRPr kumimoji="1" lang="zh-CN" altLang="en-US"/>
+          </a:p>
+        </p:txBody>
+      </p:sp>
+      <p:sp>
+        <p:nvSpPr>
+          <p:cNvPr id="3" name="文本占位符 2"/>
+          <p:cNvSpPr>
+            <a:spLocks noGrp="1"/>
+          </p:cNvSpPr>
+          <p:nvPr>
+            <p:ph type="body" sz="quarter" idx="22"/>
+          </p:nvPr>
+        </p:nvSpPr>
+        <p:spPr/>
+        <p:txBody>
+          <a:bodyPr/>
+          <a:lstStyle/>
+          <a:p>
+            <a:endParaRPr kumimoji="1" lang="zh-CN" altLang="en-US"/>
+          </a:p>
+        </p:txBody>
+      </p:sp>
+    </p:spTree>
+  </p:cSld>
+  <p:clrMapOvr>
+    <a:masterClrMapping/>
+  </p:clrMapOvr>
+</p:sld>
+</file>
+
+<file path=ppt/slides/slide31.xml><?xml version="1.0" encoding="utf-8"?>
+<p:sld xmlns:a="http://schemas.openxmlformats.org/drawingml/2006/main" xmlns:r="http://schemas.openxmlformats.org/officeDocument/2006/relationships" xmlns:p="http://schemas.openxmlformats.org/presentationml/2006/main">
+  <p:cSld>
+    <p:bg>
+      <p:bgPr>
+        <a:blipFill dpi="0" rotWithShape="1">
+          <a:blip r:embed="rId1">
+            <a:lum/>
+          </a:blip>
+          <a:srcRect/>
+          <a:stretch>
+            <a:fillRect/>
+          </a:stretch>
+        </a:blipFill>
+        <a:effectLst/>
+      </p:bgPr>
+    </p:bg>
+    <p:spTree>
+      <p:nvGrpSpPr>
+        <p:cNvPr id="1" name=""/>
+        <p:cNvGrpSpPr/>
+        <p:nvPr/>
+      </p:nvGrpSpPr>
+      <p:grpSpPr>
+        <a:xfrm>
+          <a:off x="0" y="0"/>
+          <a:ext cx="0" cy="0"/>
+          <a:chOff x="0" y="0"/>
+          <a:chExt cx="0" cy="0"/>
+        </a:xfrm>
+      </p:grpSpPr>
+      <p:sp>
+        <p:nvSpPr>
+          <p:cNvPr id="2" name="文本占位符 1"/>
+          <p:cNvSpPr>
+            <a:spLocks noGrp="1"/>
+          </p:cNvSpPr>
+          <p:nvPr>
+            <p:ph type="body" sz="quarter" idx="21"/>
+          </p:nvPr>
+        </p:nvSpPr>
+        <p:spPr/>
+        <p:txBody>
+          <a:bodyPr/>
+          <a:lstStyle/>
+          <a:p>
+            <a:r>
+              <a:rPr kumimoji="1" lang="en-US" altLang="zh-CN"/>
+              <a:t>Step1: Add Dependency</a:t>
+            </a:r>
+            <a:endParaRPr kumimoji="1" lang="en-US" altLang="zh-CN"/>
+          </a:p>
+        </p:txBody>
+      </p:sp>
+      <p:sp>
+        <p:nvSpPr>
+          <p:cNvPr id="3" name="文本占位符 2"/>
+          <p:cNvSpPr>
+            <a:spLocks noGrp="1"/>
+          </p:cNvSpPr>
+          <p:nvPr>
+            <p:ph type="body" sz="quarter" idx="22"/>
+          </p:nvPr>
+        </p:nvSpPr>
+        <p:spPr/>
+        <p:txBody>
+          <a:bodyPr/>
+          <a:lstStyle/>
+          <a:p>
+            <a:r>
+              <a:rPr kumimoji="1" lang="zh-CN" altLang="en-US"/>
+              <a:t>Assuming we already have a Maven project</a:t>
+            </a:r>
+            <a:r>
+              <a:rPr kumimoji="1" lang="en-US" altLang="zh-CN"/>
+              <a:t>.</a:t>
+            </a:r>
+            <a:endParaRPr kumimoji="1" lang="en-US" altLang="zh-CN"/>
+          </a:p>
+          <a:p>
+            <a:endParaRPr kumimoji="1" lang="zh-CN" altLang="en-US"/>
+          </a:p>
+          <a:p>
+            <a:r>
+              <a:rPr kumimoji="1" lang="zh-CN" altLang="en-US"/>
+              <a:t>&lt;dependency&gt;</a:t>
+            </a:r>
+            <a:endParaRPr kumimoji="1" lang="zh-CN" altLang="en-US"/>
+          </a:p>
+          <a:p>
+            <a:r>
+              <a:rPr kumimoji="1" lang="zh-CN" altLang="en-US"/>
+              <a:t>    &lt;groupId&gt;org.apache.shenyu&lt;/groupId&gt;</a:t>
+            </a:r>
+            <a:endParaRPr kumimoji="1" lang="zh-CN" altLang="en-US"/>
+          </a:p>
+          <a:p>
+            <a:r>
+              <a:rPr kumimoji="1" lang="zh-CN" altLang="en-US"/>
+              <a:t>    &lt;artifactId&gt;shenyu-plugin-wasm-</a:t>
+            </a:r>
+            <a:r>
+              <a:rPr kumimoji="1" lang="en-US" altLang="zh-CN"/>
+              <a:t>api</a:t>
+            </a:r>
+            <a:r>
+              <a:rPr kumimoji="1" lang="zh-CN" altLang="en-US"/>
+              <a:t>&lt;/artifactId&gt;</a:t>
+            </a:r>
+            <a:endParaRPr kumimoji="1" lang="zh-CN" altLang="en-US"/>
+          </a:p>
+          <a:p>
+            <a:r>
+              <a:rPr kumimoji="1" lang="zh-CN" altLang="en-US"/>
+              <a:t>    &lt;version&gt;${</a:t>
+            </a:r>
+            <a:r>
+              <a:rPr kumimoji="1" lang="en-US" altLang="zh-CN"/>
+              <a:t>shenyu</a:t>
+            </a:r>
+            <a:r>
+              <a:rPr kumimoji="1" lang="zh-CN" altLang="en-US"/>
+              <a:t>.version}&lt;/version&gt;</a:t>
+            </a:r>
+            <a:endParaRPr kumimoji="1" lang="zh-CN" altLang="en-US"/>
+          </a:p>
+          <a:p>
+            <a:r>
+              <a:rPr kumimoji="1" lang="zh-CN" altLang="en-US"/>
+              <a:t>&lt;/dependency&gt;</a:t>
+            </a:r>
+            <a:endParaRPr kumimoji="1" lang="zh-CN" altLang="en-US"/>
+          </a:p>
+        </p:txBody>
+      </p:sp>
+    </p:spTree>
+  </p:cSld>
+  <p:clrMapOvr>
+    <a:masterClrMapping/>
+  </p:clrMapOvr>
+</p:sld>
+</file>
+
+<file path=ppt/slides/slide32.xml><?xml version="1.0" encoding="utf-8"?>
+<p:sld xmlns:a="http://schemas.openxmlformats.org/drawingml/2006/main" xmlns:r="http://schemas.openxmlformats.org/officeDocument/2006/relationships" xmlns:p="http://schemas.openxmlformats.org/presentationml/2006/main">
+  <p:cSld>
+    <p:bg>
+      <p:bgPr>
+        <a:blipFill dpi="0" rotWithShape="1">
+          <a:blip r:embed="rId1">
+            <a:lum/>
+          </a:blip>
+          <a:srcRect/>
+          <a:stretch>
+            <a:fillRect/>
+          </a:stretch>
+        </a:blipFill>
+        <a:effectLst/>
+      </p:bgPr>
+    </p:bg>
+    <p:spTree>
+      <p:nvGrpSpPr>
+        <p:cNvPr id="1" name=""/>
+        <p:cNvGrpSpPr/>
+        <p:nvPr/>
+      </p:nvGrpSpPr>
+      <p:grpSpPr>
+        <a:xfrm>
+          <a:off x="0" y="0"/>
+          <a:ext cx="0" cy="0"/>
+          <a:chOff x="0" y="0"/>
+          <a:chExt cx="0" cy="0"/>
+        </a:xfrm>
+      </p:grpSpPr>
+      <p:sp>
+        <p:nvSpPr>
+          <p:cNvPr id="2" name="文本占位符 1"/>
+          <p:cNvSpPr>
+            <a:spLocks noGrp="1"/>
+          </p:cNvSpPr>
+          <p:nvPr>
+            <p:ph type="body" sz="quarter" idx="21"/>
+          </p:nvPr>
+        </p:nvSpPr>
+        <p:spPr>
+          <a:xfrm>
+            <a:off x="1420495" y="1397000"/>
+            <a:ext cx="11299825" cy="1231900"/>
+          </a:xfrm>
+        </p:spPr>
+        <p:txBody>
+          <a:bodyPr/>
+          <a:lstStyle/>
+          <a:p>
+            <a:r>
+              <a:rPr kumimoji="1" lang="en-US" altLang="zh-CN">
+                <a:sym typeface="+mn-ea"/>
+              </a:rPr>
+              <a:t>Step2: Implement the Java Part</a:t>
+            </a:r>
+            <a:endParaRPr kumimoji="1" lang="en-US" altLang="zh-CN">
+              <a:sym typeface="+mn-ea"/>
+            </a:endParaRPr>
+          </a:p>
+          <a:p>
+            <a:endParaRPr kumimoji="1" lang="zh-CN" altLang="en-US"/>
+          </a:p>
+        </p:txBody>
+      </p:sp>
+      <p:sp>
+        <p:nvSpPr>
+          <p:cNvPr id="3" name="文本占位符 2"/>
+          <p:cNvSpPr>
+            <a:spLocks noGrp="1"/>
+          </p:cNvSpPr>
+          <p:nvPr>
+            <p:ph type="body" sz="quarter" idx="22"/>
+          </p:nvPr>
+        </p:nvSpPr>
+        <p:spPr/>
+        <p:txBody>
+          <a:bodyPr/>
+          <a:lstStyle/>
+          <a:p>
+            <a:endParaRPr kumimoji="1" lang="zh-CN" altLang="en-US"/>
+          </a:p>
+        </p:txBody>
+      </p:sp>
+    </p:spTree>
+  </p:cSld>
+  <p:clrMapOvr>
+    <a:masterClrMapping/>
+  </p:clrMapOvr>
+</p:sld>
+</file>
+
+<file path=ppt/slides/slide33.xml><?xml version="1.0" encoding="utf-8"?>
+<p:sld xmlns:a="http://schemas.openxmlformats.org/drawingml/2006/main" xmlns:r="http://schemas.openxmlformats.org/officeDocument/2006/relationships" xmlns:p="http://schemas.openxmlformats.org/presentationml/2006/main">
+  <p:cSld>
+    <p:bg>
+      <p:bgPr>
+        <a:blipFill dpi="0" rotWithShape="1">
+          <a:blip r:embed="rId1">
+            <a:lum/>
+          </a:blip>
+          <a:srcRect/>
+          <a:stretch>
+            <a:fillRect/>
+          </a:stretch>
+        </a:blipFill>
+        <a:effectLst/>
+      </p:bgPr>
+    </p:bg>
+    <p:spTree>
+      <p:nvGrpSpPr>
+        <p:cNvPr id="1" name=""/>
+        <p:cNvGrpSpPr/>
+        <p:nvPr/>
+      </p:nvGrpSpPr>
+      <p:grpSpPr>
+        <a:xfrm>
+          <a:off x="0" y="0"/>
+          <a:ext cx="0" cy="0"/>
+          <a:chOff x="0" y="0"/>
+          <a:chExt cx="0" cy="0"/>
+        </a:xfrm>
+      </p:grpSpPr>
+      <p:sp>
+        <p:nvSpPr>
+          <p:cNvPr id="2" name="文本占位符 1"/>
+          <p:cNvSpPr>
+            <a:spLocks noGrp="1"/>
+          </p:cNvSpPr>
+          <p:nvPr>
+            <p:ph type="body" sz="quarter" idx="21"/>
+          </p:nvPr>
+        </p:nvSpPr>
+        <p:spPr/>
+        <p:txBody>
+          <a:bodyPr/>
+          <a:lstStyle/>
+          <a:p>
+            <a:endParaRPr kumimoji="1" lang="zh-CN" altLang="en-US"/>
+          </a:p>
+        </p:txBody>
+      </p:sp>
+      <p:sp>
+        <p:nvSpPr>
+          <p:cNvPr id="3" name="文本占位符 2"/>
+          <p:cNvSpPr>
+            <a:spLocks noGrp="1"/>
+          </p:cNvSpPr>
+          <p:nvPr>
+            <p:ph type="body" sz="quarter" idx="22"/>
+          </p:nvPr>
+        </p:nvSpPr>
+        <p:spPr/>
+        <p:txBody>
+          <a:bodyPr/>
+          <a:lstStyle/>
+          <a:p>
+            <a:endParaRPr kumimoji="1" lang="zh-CN" altLang="en-US"/>
+          </a:p>
+        </p:txBody>
+      </p:sp>
+    </p:spTree>
+  </p:cSld>
+  <p:clrMapOvr>
+    <a:masterClrMapping/>
+  </p:clrMapOvr>
+</p:sld>
+</file>
+
+<file path=ppt/slides/slide34.xml><?xml version="1.0" encoding="utf-8"?>
+<p:sld xmlns:a="http://schemas.openxmlformats.org/drawingml/2006/main" xmlns:r="http://schemas.openxmlformats.org/officeDocument/2006/relationships" xmlns:p="http://schemas.openxmlformats.org/presentationml/2006/main">
+  <p:cSld>
+    <p:spTree>
+      <p:nvGrpSpPr>
+        <p:cNvPr id="1" name=""/>
+        <p:cNvGrpSpPr/>
+        <p:nvPr/>
+      </p:nvGrpSpPr>
+      <p:grpSpPr>
+        <a:xfrm>
+          <a:off x="0" y="0"/>
+          <a:ext cx="0" cy="0"/>
+          <a:chOff x="0" y="0"/>
+          <a:chExt cx="0" cy="0"/>
+        </a:xfrm>
+      </p:grpSpPr>
+      <p:sp>
+        <p:nvSpPr>
+          <p:cNvPr id="9" name="标题占位符 16"/>
+          <p:cNvSpPr txBox="1"/>
+          <p:nvPr/>
+        </p:nvSpPr>
+        <p:spPr>
+          <a:xfrm>
+            <a:off x="1750489" y="4437077"/>
+            <a:ext cx="20957109" cy="2651125"/>
+          </a:xfrm>
+          <a:prstGeom prst="rect">
+            <a:avLst/>
+          </a:prstGeom>
+        </p:spPr>
+        <p:txBody>
+          <a:bodyPr vert="horz" lIns="91440" tIns="45720" rIns="91440" bIns="45720" rtlCol="0" anchor="ctr">
+            <a:normAutofit/>
+          </a:bodyPr>
+          <a:lstStyle>
+            <a:lvl1pPr marL="0" marR="0" indent="0" algn="ctr" defTabSz="2438400" rtl="0" eaLnBrk="1" fontAlgn="auto" latinLnBrk="0" hangingPunct="1">
+              <a:lnSpc>
+                <a:spcPct val="110000"/>
+              </a:lnSpc>
+              <a:spcBef>
+                <a:spcPts val="0"/>
+              </a:spcBef>
+              <a:spcAft>
+                <a:spcPts val="0"/>
+              </a:spcAft>
+              <a:buClrTx/>
+              <a:buSzTx/>
+              <a:buFontTx/>
+              <a:buNone/>
+              <a:defRPr kumimoji="0" lang="zh-CN" altLang="en-US" sz="8000" b="0" i="0" u="none" strike="noStrike" kern="0" cap="none" spc="0" normalizeH="0" baseline="0" dirty="0">
+                <a:ln>
+                  <a:noFill/>
+                </a:ln>
+                <a:solidFill>
+                  <a:srgbClr val="FFFFFF"/>
+                </a:solidFill>
+                <a:effectLst/>
+                <a:uFillTx/>
+                <a:latin typeface="OPPOSans H"/>
+                <a:ea typeface="OPPOSans H"/>
+                <a:cs typeface="OPPOSans H"/>
+                <a:sym typeface="OPPOSans H"/>
+              </a:defRPr>
+            </a:lvl1pPr>
+          </a:lstStyle>
+          <a:p>
+            <a:pPr>
+              <a:defRPr sz="8000" b="0">
+                <a:solidFill>
+                  <a:srgbClr val="FFFFFF"/>
+                </a:solidFill>
+                <a:latin typeface="OPPOSans H"/>
+                <a:ea typeface="OPPOSans H"/>
+                <a:cs typeface="OPPOSans H"/>
+                <a:sym typeface="OPPOSans H"/>
+              </a:defRPr>
+            </a:pPr>
+            <a:r>
+              <a:rPr lang="en-US" altLang="en-GB" sz="9600">
+                <a:sym typeface="+mn-ea"/>
+              </a:rPr>
+              <a:t>Question&amp;Answer</a:t>
+            </a:r>
+            <a:endParaRPr lang="en-GB" altLang="zh-CN" sz="9600" dirty="0"/>
+          </a:p>
+        </p:txBody>
+      </p:sp>
+    </p:spTree>
+  </p:cSld>
+  <p:clrMapOvr>
+    <a:masterClrMapping/>
+  </p:clrMapOvr>
+</p:sld>
+</file>
+
+<file path=ppt/slides/slide35.xml><?xml version="1.0" encoding="utf-8"?>
+<p:sld xmlns:a="http://schemas.openxmlformats.org/drawingml/2006/main" xmlns:r="http://schemas.openxmlformats.org/officeDocument/2006/relationships" xmlns:p="http://schemas.openxmlformats.org/presentationml/2006/main">
+  <p:cSld>
+    <p:bg>
+      <p:bgPr>
+        <a:blipFill dpi="0" rotWithShape="1">
+          <a:blip r:embed="rId1">
+            <a:lum/>
+          </a:blip>
+          <a:srcRect/>
+          <a:stretch>
+            <a:fillRect/>
+          </a:stretch>
+        </a:blipFill>
+        <a:effectLst/>
+      </p:bgPr>
+    </p:bg>
+    <p:spTree>
+      <p:nvGrpSpPr>
+        <p:cNvPr id="1" name=""/>
+        <p:cNvGrpSpPr/>
+        <p:nvPr/>
+      </p:nvGrpSpPr>
+      <p:grpSpPr>
+        <a:xfrm>
+          <a:off x="0" y="0"/>
+          <a:ext cx="0" cy="0"/>
+          <a:chOff x="0" y="0"/>
+          <a:chExt cx="0" cy="0"/>
+        </a:xfrm>
+      </p:grpSpPr>
+      <p:sp>
+        <p:nvSpPr>
+          <p:cNvPr id="2" name="文本占位符 1"/>
+          <p:cNvSpPr>
+            <a:spLocks noGrp="1"/>
+          </p:cNvSpPr>
+          <p:nvPr>
+            <p:ph type="body" sz="quarter" idx="21"/>
+          </p:nvPr>
+        </p:nvSpPr>
+        <p:spPr/>
+        <p:txBody>
+          <a:bodyPr/>
+          <a:lstStyle/>
+          <a:p>
+            <a:r>
+              <a:rPr lang="en-US" altLang="en-GB">
+                <a:sym typeface="+mn-ea"/>
+              </a:rPr>
+              <a:t>Question&amp;Answer</a:t>
+            </a:r>
+            <a:endParaRPr kumimoji="1" lang="zh-CN" altLang="en-US"/>
+          </a:p>
+        </p:txBody>
+      </p:sp>
+      <p:sp>
+        <p:nvSpPr>
+          <p:cNvPr id="3" name="文本占位符 2"/>
+          <p:cNvSpPr>
+            <a:spLocks noGrp="1"/>
+          </p:cNvSpPr>
+          <p:nvPr>
+            <p:ph type="body" sz="quarter" idx="22"/>
+          </p:nvPr>
+        </p:nvSpPr>
+        <p:spPr/>
+        <p:txBody>
+          <a:bodyPr/>
+          <a:lstStyle/>
+          <a:p>
+            <a:r>
+              <a:rPr kumimoji="1" lang="en-US" altLang="zh-CN"/>
+              <a:t>The friendship project link is as follows:</a:t>
+            </a:r>
+            <a:endParaRPr kumimoji="1" lang="en-US" altLang="zh-CN"/>
+          </a:p>
+          <a:p>
+            <a:r>
+              <a:rPr kumimoji="1" lang="en-US" altLang="zh-CN"/>
+              <a:t>https://github.com/acl-dev/open-coroutine</a:t>
+            </a:r>
+            <a:endParaRPr kumimoji="1" lang="en-US" altLang="zh-CN"/>
+          </a:p>
+          <a:p>
+            <a:r>
+              <a:rPr kumimoji="1" lang="en-US" altLang="zh-CN"/>
+              <a:t>https://github.com/acl-dev/acl</a:t>
+            </a:r>
+            <a:endParaRPr kumimoji="1" lang="en-US" altLang="zh-CN"/>
+          </a:p>
+          <a:p>
+            <a:r>
+              <a:rPr kumimoji="1" lang="en-US" altLang="zh-CN"/>
+              <a:t>https://github.com/alibaba/arthas</a:t>
+            </a:r>
+            <a:endParaRPr kumimoji="1" lang="en-US" altLang="zh-CN"/>
+          </a:p>
+          <a:p>
+            <a:r>
+              <a:rPr kumimoji="1" lang="en-US" altLang="zh-CN">
+                <a:sym typeface="+mn-ea"/>
+              </a:rPr>
+              <a:t>https://github.com/bytedance/monoio</a:t>
+            </a:r>
+            <a:endParaRPr kumimoji="1" lang="en-US" altLang="zh-CN">
+              <a:sym typeface="+mn-ea"/>
+            </a:endParaRPr>
+          </a:p>
+          <a:p>
+            <a:r>
+              <a:rPr kumimoji="1" lang="en-US" altLang="zh-CN">
+                <a:sym typeface="+mn-ea"/>
+              </a:rPr>
+              <a:t>https://github.com/dromara/dynamic-tp</a:t>
+            </a:r>
+            <a:endParaRPr kumimoji="1" lang="en-US" altLang="zh-CN"/>
+          </a:p>
+          <a:p>
+            <a:r>
+              <a:rPr kumimoji="1" lang="en-US" altLang="zh-CN"/>
+              <a:t>https://github.com/apache/dubbo-spi-extensions</a:t>
+            </a:r>
+            <a:endParaRPr kumimoji="1" lang="en-US" altLang="zh-CN"/>
+          </a:p>
+        </p:txBody>
+      </p:sp>
+    </p:spTree>
+  </p:cSld>
+  <p:clrMapOvr>
+    <a:masterClrMapping/>
+  </p:clrMapOvr>
+</p:sld>
+</file>
+
+<file path=ppt/slides/slide36.xml><?xml version="1.0" encoding="utf-8"?>
+<p:sld xmlns:a="http://schemas.openxmlformats.org/drawingml/2006/main" xmlns:r="http://schemas.openxmlformats.org/officeDocument/2006/relationships" xmlns:p="http://schemas.openxmlformats.org/presentationml/2006/main">
+  <p:cSld>
+    <p:spTree>
+      <p:nvGrpSpPr>
+        <p:cNvPr id="1" name=""/>
+        <p:cNvGrpSpPr/>
+        <p:nvPr/>
+      </p:nvGrpSpPr>
+      <p:grpSpPr>
+        <a:xfrm>
+          <a:off x="0" y="0"/>
+          <a:ext cx="0" cy="0"/>
+          <a:chOff x="0" y="0"/>
+          <a:chExt cx="0" cy="0"/>
+        </a:xfrm>
+      </p:grpSpPr>
+      <p:sp>
+        <p:nvSpPr>
+          <p:cNvPr id="8" name="嘉宾姓名 / Title"/>
+          <p:cNvSpPr txBox="1"/>
+          <p:nvPr/>
+        </p:nvSpPr>
+        <p:spPr>
+          <a:xfrm>
+            <a:off x="1750490" y="7953360"/>
+            <a:ext cx="20957109" cy="729770"/>
+          </a:xfrm>
+          <a:prstGeom prst="rect">
+            <a:avLst/>
+          </a:prstGeom>
+        </p:spPr>
+        <p:txBody>
+          <a:bodyPr lIns="45719" tIns="45719" rIns="45719" bIns="45719" anchor="ctr">
+            <a:noAutofit/>
+          </a:bodyPr>
+          <a:lstStyle>
+            <a:lvl1pPr marL="228600" indent="-228600" algn="l" defTabSz="2438400" rtl="0" eaLnBrk="1" latinLnBrk="0" hangingPunct="1">
+              <a:lnSpc>
+                <a:spcPct val="90000"/>
+              </a:lnSpc>
+              <a:spcBef>
+                <a:spcPts val="1000"/>
+              </a:spcBef>
+              <a:buFont typeface="Arial" panose="020B0604020202020204" pitchFamily="34" charset="0"/>
+              <a:buChar char="•"/>
+              <a:defRPr sz="3200" b="0" i="0" kern="1200" spc="64">
+                <a:solidFill>
+                  <a:srgbClr val="FFFFFF"/>
+                </a:solidFill>
+                <a:latin typeface="OPPOSans L" pitchFamily="18" charset="-122"/>
+                <a:ea typeface="OPPOSans L" pitchFamily="18" charset="-122"/>
+                <a:cs typeface="OPPOSans L" pitchFamily="18" charset="-122"/>
+                <a:sym typeface="OPPOSans L"/>
+              </a:defRPr>
+            </a:lvl1pPr>
+            <a:lvl2pPr marL="685800" indent="-228600" algn="l" defTabSz="914400" rtl="0" eaLnBrk="1" latinLnBrk="0" hangingPunct="1">
+              <a:lnSpc>
+                <a:spcPct val="90000"/>
+              </a:lnSpc>
+              <a:spcBef>
+                <a:spcPts val="500"/>
+              </a:spcBef>
+              <a:buFont typeface="Arial" panose="020B0604020202020204" pitchFamily="34" charset="0"/>
+              <a:buChar char="•"/>
+              <a:defRPr sz="2400" kern="1200">
+                <a:solidFill>
+                  <a:schemeClr val="tx1"/>
+                </a:solidFill>
+                <a:latin typeface="+mn-lt"/>
+                <a:ea typeface="+mn-ea"/>
+                <a:cs typeface="+mn-cs"/>
+              </a:defRPr>
+            </a:lvl2pPr>
+            <a:lvl3pPr marL="1143000" indent="-228600" algn="l" defTabSz="914400" rtl="0" eaLnBrk="1" latinLnBrk="0" hangingPunct="1">
+              <a:lnSpc>
+                <a:spcPct val="90000"/>
+              </a:lnSpc>
+              <a:spcBef>
+                <a:spcPts val="500"/>
+              </a:spcBef>
+              <a:buFont typeface="Arial" panose="020B0604020202020204" pitchFamily="34" charset="0"/>
+              <a:buChar char="•"/>
+              <a:defRPr sz="2000" kern="1200">
+                <a:solidFill>
+                  <a:schemeClr val="tx1"/>
+                </a:solidFill>
+                <a:latin typeface="+mn-lt"/>
+                <a:ea typeface="+mn-ea"/>
+                <a:cs typeface="+mn-cs"/>
+              </a:defRPr>
+            </a:lvl3pPr>
+            <a:lvl4pPr marL="1600200" indent="-228600" algn="l" defTabSz="914400" rtl="0" eaLnBrk="1" latinLnBrk="0" hangingPunct="1">
+              <a:lnSpc>
+                <a:spcPct val="90000"/>
+              </a:lnSpc>
+              <a:spcBef>
+                <a:spcPts val="500"/>
+              </a:spcBef>
+              <a:buFont typeface="Arial" panose="020B0604020202020204" pitchFamily="34" charset="0"/>
+              <a:buChar char="•"/>
+              <a:defRPr sz="1800" kern="1200">
+                <a:solidFill>
+                  <a:schemeClr val="tx1"/>
+                </a:solidFill>
+                <a:latin typeface="+mn-lt"/>
+                <a:ea typeface="+mn-ea"/>
+                <a:cs typeface="+mn-cs"/>
+              </a:defRPr>
+            </a:lvl4pPr>
+            <a:lvl5pPr marL="2057400" indent="-228600" algn="l" defTabSz="914400" rtl="0" eaLnBrk="1" latinLnBrk="0" hangingPunct="1">
+              <a:lnSpc>
+                <a:spcPct val="90000"/>
+              </a:lnSpc>
+              <a:spcBef>
+                <a:spcPts val="500"/>
+              </a:spcBef>
+              <a:buFont typeface="Arial" panose="020B0604020202020204" pitchFamily="34" charset="0"/>
+              <a:buChar char="•"/>
+              <a:defRPr sz="1800" kern="1200">
+                <a:solidFill>
+                  <a:schemeClr val="tx1"/>
+                </a:solidFill>
+                <a:latin typeface="+mn-lt"/>
+                <a:ea typeface="+mn-ea"/>
+                <a:cs typeface="+mn-cs"/>
+              </a:defRPr>
+            </a:lvl5pPr>
+            <a:lvl6pPr marL="2514600" indent="-228600" algn="l" defTabSz="914400" rtl="0" eaLnBrk="1" latinLnBrk="0" hangingPunct="1">
+              <a:lnSpc>
+                <a:spcPct val="90000"/>
+              </a:lnSpc>
+              <a:spcBef>
+                <a:spcPts val="500"/>
+              </a:spcBef>
+              <a:buFont typeface="Arial" panose="020B0604020202020204" pitchFamily="34" charset="0"/>
+              <a:buChar char="•"/>
+              <a:defRPr sz="1800" kern="1200">
+                <a:solidFill>
+                  <a:schemeClr val="tx1"/>
+                </a:solidFill>
+                <a:latin typeface="+mn-lt"/>
+                <a:ea typeface="+mn-ea"/>
+                <a:cs typeface="+mn-cs"/>
+              </a:defRPr>
+            </a:lvl6pPr>
+            <a:lvl7pPr marL="2971800" indent="-228600" algn="l" defTabSz="914400" rtl="0" eaLnBrk="1" latinLnBrk="0" hangingPunct="1">
+              <a:lnSpc>
+                <a:spcPct val="90000"/>
+              </a:lnSpc>
+              <a:spcBef>
+                <a:spcPts val="500"/>
+              </a:spcBef>
+              <a:buFont typeface="Arial" panose="020B0604020202020204" pitchFamily="34" charset="0"/>
+              <a:buChar char="•"/>
+              <a:defRPr sz="1800" kern="1200">
+                <a:solidFill>
+                  <a:schemeClr val="tx1"/>
+                </a:solidFill>
+                <a:latin typeface="+mn-lt"/>
+                <a:ea typeface="+mn-ea"/>
+                <a:cs typeface="+mn-cs"/>
+              </a:defRPr>
+            </a:lvl7pPr>
+            <a:lvl8pPr marL="3429000" indent="-228600" algn="l" defTabSz="914400" rtl="0" eaLnBrk="1" latinLnBrk="0" hangingPunct="1">
+              <a:lnSpc>
+                <a:spcPct val="90000"/>
+              </a:lnSpc>
+              <a:spcBef>
+                <a:spcPts val="500"/>
+              </a:spcBef>
+              <a:buFont typeface="Arial" panose="020B0604020202020204" pitchFamily="34" charset="0"/>
+              <a:buChar char="•"/>
+              <a:defRPr sz="1800" kern="1200">
+                <a:solidFill>
+                  <a:schemeClr val="tx1"/>
+                </a:solidFill>
+                <a:latin typeface="+mn-lt"/>
+                <a:ea typeface="+mn-ea"/>
+                <a:cs typeface="+mn-cs"/>
+              </a:defRPr>
+            </a:lvl8pPr>
+            <a:lvl9pPr marL="3886200" indent="-228600" algn="l" defTabSz="914400" rtl="0" eaLnBrk="1" latinLnBrk="0" hangingPunct="1">
+              <a:lnSpc>
+                <a:spcPct val="90000"/>
+              </a:lnSpc>
+              <a:spcBef>
+                <a:spcPts val="500"/>
+              </a:spcBef>
+              <a:buFont typeface="Arial" panose="020B0604020202020204" pitchFamily="34" charset="0"/>
+              <a:buChar char="•"/>
+              <a:defRPr sz="1800" kern="1200">
+                <a:solidFill>
+                  <a:schemeClr val="tx1"/>
+                </a:solidFill>
+                <a:latin typeface="+mn-lt"/>
+                <a:ea typeface="+mn-ea"/>
+                <a:cs typeface="+mn-cs"/>
+              </a:defRPr>
+            </a:lvl9pPr>
+          </a:lstStyle>
+          <a:p>
+            <a:pPr marL="0" indent="0" algn="ctr">
+              <a:buNone/>
+            </a:pPr>
+            <a:r>
+              <a:rPr lang="en-US" altLang="en-GB" sz="4400" dirty="0" err="1">
+                <a:solidFill>
+                  <a:srgbClr val="EB9E43"/>
+                </a:solidFill>
+                <a:latin typeface="OPPOSans M" pitchFamily="18" charset="-122"/>
+                <a:ea typeface="OPPOSans M" pitchFamily="18" charset="-122"/>
+                <a:cs typeface="OPPOSans M" pitchFamily="18" charset="-122"/>
+              </a:rPr>
+              <a:t>zhangzicheng@apache.org</a:t>
+            </a:r>
+            <a:endParaRPr lang="en-US" altLang="en-GB" sz="4400" dirty="0" err="1">
+              <a:solidFill>
+                <a:srgbClr val="EB9E43"/>
+              </a:solidFill>
+              <a:latin typeface="OPPOSans M" pitchFamily="18" charset="-122"/>
+              <a:ea typeface="OPPOSans M" pitchFamily="18" charset="-122"/>
+              <a:cs typeface="OPPOSans M" pitchFamily="18" charset="-122"/>
+            </a:endParaRPr>
+          </a:p>
+          <a:p>
+            <a:pPr marL="0" indent="0" algn="ctr">
+              <a:buNone/>
+            </a:pPr>
+            <a:r>
+              <a:rPr lang="en-US" altLang="en-GB" sz="4400" dirty="0" err="1">
+                <a:solidFill>
+                  <a:srgbClr val="EB9E43"/>
+                </a:solidFill>
+                <a:latin typeface="OPPOSans M" pitchFamily="18" charset="-122"/>
+                <a:ea typeface="OPPOSans M" pitchFamily="18" charset="-122"/>
+                <a:cs typeface="OPPOSans M" pitchFamily="18" charset="-122"/>
+              </a:rPr>
+              <a:t>https://github.com/loongs-zhang/ACOCA2024-PlayWithWASM</a:t>
+            </a:r>
+            <a:endParaRPr lang="en-US" altLang="en-GB" sz="4400" dirty="0" err="1">
+              <a:solidFill>
+                <a:srgbClr val="EB9E43"/>
+              </a:solidFill>
+              <a:latin typeface="OPPOSans M" pitchFamily="18" charset="-122"/>
+              <a:ea typeface="OPPOSans M" pitchFamily="18" charset="-122"/>
+              <a:cs typeface="OPPOSans M" pitchFamily="18" charset="-122"/>
+            </a:endParaRPr>
+          </a:p>
+        </p:txBody>
+      </p:sp>
+      <p:sp>
+        <p:nvSpPr>
+          <p:cNvPr id="9" name="标题占位符 16"/>
+          <p:cNvSpPr txBox="1"/>
+          <p:nvPr/>
+        </p:nvSpPr>
+        <p:spPr>
+          <a:xfrm>
+            <a:off x="1750489" y="4437077"/>
+            <a:ext cx="20957109" cy="2651125"/>
+          </a:xfrm>
+          <a:prstGeom prst="rect">
+            <a:avLst/>
+          </a:prstGeom>
+        </p:spPr>
+        <p:txBody>
+          <a:bodyPr vert="horz" lIns="91440" tIns="45720" rIns="91440" bIns="45720" rtlCol="0" anchor="ctr">
+            <a:normAutofit/>
+          </a:bodyPr>
+          <a:lstStyle>
+            <a:lvl1pPr marL="0" marR="0" indent="0" algn="ctr" defTabSz="2438400" rtl="0" eaLnBrk="1" fontAlgn="auto" latinLnBrk="0" hangingPunct="1">
+              <a:lnSpc>
+                <a:spcPct val="110000"/>
+              </a:lnSpc>
+              <a:spcBef>
+                <a:spcPts val="0"/>
+              </a:spcBef>
+              <a:spcAft>
+                <a:spcPts val="0"/>
+              </a:spcAft>
+              <a:buClrTx/>
+              <a:buSzTx/>
+              <a:buFontTx/>
+              <a:buNone/>
+              <a:defRPr kumimoji="0" lang="zh-CN" altLang="en-US" sz="8000" b="0" i="0" u="none" strike="noStrike" kern="0" cap="none" spc="0" normalizeH="0" baseline="0" dirty="0">
+                <a:ln>
+                  <a:noFill/>
+                </a:ln>
+                <a:solidFill>
+                  <a:srgbClr val="FFFFFF"/>
+                </a:solidFill>
+                <a:effectLst/>
+                <a:uFillTx/>
+                <a:latin typeface="OPPOSans H"/>
+                <a:ea typeface="OPPOSans H"/>
+                <a:cs typeface="OPPOSans H"/>
+                <a:sym typeface="OPPOSans H"/>
+              </a:defRPr>
+            </a:lvl1pPr>
+          </a:lstStyle>
+          <a:p>
+            <a:pPr>
+              <a:defRPr sz="8000" b="0">
+                <a:solidFill>
+                  <a:srgbClr val="FFFFFF"/>
+                </a:solidFill>
+                <a:latin typeface="OPPOSans H"/>
+                <a:ea typeface="OPPOSans H"/>
+                <a:cs typeface="OPPOSans H"/>
+                <a:sym typeface="OPPOSans H"/>
+              </a:defRPr>
+            </a:pPr>
+            <a:r>
+              <a:rPr lang="en-GB" altLang="zh-CN" sz="9600" dirty="0"/>
+              <a:t>Thanks</a:t>
             </a:r>
             <a:endParaRPr lang="en-GB" altLang="zh-CN" sz="9600" dirty="0"/>
           </a:p>
